--- a/2025_job_talk_ucla/extra_slides.pptx
+++ b/2025_job_talk_ucla/extra_slides.pptx
@@ -5,20 +5,20 @@
     <p:sldMasterId id="2147483648" r:id="rId1"/>
   </p:sldMasterIdLst>
   <p:sldIdLst>
-    <p:sldId id="257" r:id="rId2"/>
-    <p:sldId id="256" r:id="rId3"/>
-    <p:sldId id="258" r:id="rId4"/>
-    <p:sldId id="261" r:id="rId5"/>
-    <p:sldId id="262" r:id="rId6"/>
-    <p:sldId id="263" r:id="rId7"/>
-    <p:sldId id="260" r:id="rId8"/>
-    <p:sldId id="259" r:id="rId9"/>
-    <p:sldId id="264" r:id="rId10"/>
-    <p:sldId id="265" r:id="rId11"/>
-    <p:sldId id="266" r:id="rId12"/>
-    <p:sldId id="268" r:id="rId13"/>
-    <p:sldId id="270" r:id="rId14"/>
-    <p:sldId id="269" r:id="rId15"/>
+    <p:sldId id="276" r:id="rId2"/>
+    <p:sldId id="257" r:id="rId3"/>
+    <p:sldId id="256" r:id="rId4"/>
+    <p:sldId id="278" r:id="rId5"/>
+    <p:sldId id="279" r:id="rId6"/>
+    <p:sldId id="258" r:id="rId7"/>
+    <p:sldId id="262" r:id="rId8"/>
+    <p:sldId id="271" r:id="rId9"/>
+    <p:sldId id="273" r:id="rId10"/>
+    <p:sldId id="274" r:id="rId11"/>
+    <p:sldId id="277" r:id="rId12"/>
+    <p:sldId id="275" r:id="rId13"/>
+    <p:sldId id="264" r:id="rId14"/>
+    <p:sldId id="265" r:id="rId15"/>
   </p:sldIdLst>
   <p:sldSz cx="12192000" cy="6858000"/>
   <p:notesSz cx="6858000" cy="9144000"/>
@@ -283,7 +283,7 @@
           <a:p>
             <a:fld id="{0A6D8198-5E84-42E5-B652-6051AD6779DA}" type="datetimeFigureOut">
               <a:rPr lang="en-US" smtClean="0"/>
-              <a:t>2/25/2025</a:t>
+              <a:t>3/1/2025</a:t>
             </a:fld>
             <a:endParaRPr lang="en-US"/>
           </a:p>
@@ -481,7 +481,7 @@
           <a:p>
             <a:fld id="{0A6D8198-5E84-42E5-B652-6051AD6779DA}" type="datetimeFigureOut">
               <a:rPr lang="en-US" smtClean="0"/>
-              <a:t>2/25/2025</a:t>
+              <a:t>3/1/2025</a:t>
             </a:fld>
             <a:endParaRPr lang="en-US"/>
           </a:p>
@@ -689,7 +689,7 @@
           <a:p>
             <a:fld id="{0A6D8198-5E84-42E5-B652-6051AD6779DA}" type="datetimeFigureOut">
               <a:rPr lang="en-US" smtClean="0"/>
-              <a:t>2/25/2025</a:t>
+              <a:t>3/1/2025</a:t>
             </a:fld>
             <a:endParaRPr lang="en-US"/>
           </a:p>
@@ -887,7 +887,7 @@
           <a:p>
             <a:fld id="{0A6D8198-5E84-42E5-B652-6051AD6779DA}" type="datetimeFigureOut">
               <a:rPr lang="en-US" smtClean="0"/>
-              <a:t>2/25/2025</a:t>
+              <a:t>3/1/2025</a:t>
             </a:fld>
             <a:endParaRPr lang="en-US"/>
           </a:p>
@@ -1162,7 +1162,7 @@
           <a:p>
             <a:fld id="{0A6D8198-5E84-42E5-B652-6051AD6779DA}" type="datetimeFigureOut">
               <a:rPr lang="en-US" smtClean="0"/>
-              <a:t>2/25/2025</a:t>
+              <a:t>3/1/2025</a:t>
             </a:fld>
             <a:endParaRPr lang="en-US"/>
           </a:p>
@@ -1427,7 +1427,7 @@
           <a:p>
             <a:fld id="{0A6D8198-5E84-42E5-B652-6051AD6779DA}" type="datetimeFigureOut">
               <a:rPr lang="en-US" smtClean="0"/>
-              <a:t>2/25/2025</a:t>
+              <a:t>3/1/2025</a:t>
             </a:fld>
             <a:endParaRPr lang="en-US"/>
           </a:p>
@@ -1839,7 +1839,7 @@
           <a:p>
             <a:fld id="{0A6D8198-5E84-42E5-B652-6051AD6779DA}" type="datetimeFigureOut">
               <a:rPr lang="en-US" smtClean="0"/>
-              <a:t>2/25/2025</a:t>
+              <a:t>3/1/2025</a:t>
             </a:fld>
             <a:endParaRPr lang="en-US"/>
           </a:p>
@@ -1980,7 +1980,7 @@
           <a:p>
             <a:fld id="{0A6D8198-5E84-42E5-B652-6051AD6779DA}" type="datetimeFigureOut">
               <a:rPr lang="en-US" smtClean="0"/>
-              <a:t>2/25/2025</a:t>
+              <a:t>3/1/2025</a:t>
             </a:fld>
             <a:endParaRPr lang="en-US"/>
           </a:p>
@@ -2093,7 +2093,7 @@
           <a:p>
             <a:fld id="{0A6D8198-5E84-42E5-B652-6051AD6779DA}" type="datetimeFigureOut">
               <a:rPr lang="en-US" smtClean="0"/>
-              <a:t>2/25/2025</a:t>
+              <a:t>3/1/2025</a:t>
             </a:fld>
             <a:endParaRPr lang="en-US"/>
           </a:p>
@@ -2404,7 +2404,7 @@
           <a:p>
             <a:fld id="{0A6D8198-5E84-42E5-B652-6051AD6779DA}" type="datetimeFigureOut">
               <a:rPr lang="en-US" smtClean="0"/>
-              <a:t>2/25/2025</a:t>
+              <a:t>3/1/2025</a:t>
             </a:fld>
             <a:endParaRPr lang="en-US"/>
           </a:p>
@@ -2692,7 +2692,7 @@
           <a:p>
             <a:fld id="{0A6D8198-5E84-42E5-B652-6051AD6779DA}" type="datetimeFigureOut">
               <a:rPr lang="en-US" smtClean="0"/>
-              <a:t>2/25/2025</a:t>
+              <a:t>3/1/2025</a:t>
             </a:fld>
             <a:endParaRPr lang="en-US"/>
           </a:p>
@@ -2933,7 +2933,7 @@
           <a:p>
             <a:fld id="{0A6D8198-5E84-42E5-B652-6051AD6779DA}" type="datetimeFigureOut">
               <a:rPr lang="en-US" smtClean="0"/>
-              <a:t>2/25/2025</a:t>
+              <a:t>3/1/2025</a:t>
             </a:fld>
             <a:endParaRPr lang="en-US"/>
           </a:p>
@@ -3352,10 +3352,10 @@
       </p:grpSpPr>
       <p:pic>
         <p:nvPicPr>
-          <p:cNvPr id="3" name="Picture 2" descr="A screenshot of a computer&#10;&#10;AI-generated content may be incorrect.">
-            <a:extLst>
-              <a:ext uri="{FF2B5EF4-FFF2-40B4-BE49-F238E27FC236}">
-                <a16:creationId xmlns:a16="http://schemas.microsoft.com/office/drawing/2014/main" id="{F38D0CD8-9ACB-63C9-21B0-F961E72717D8}"/>
+          <p:cNvPr id="13" name="Picture 12" descr="A close up of a hand holding a cup&#10;&#10;AI-generated content may be incorrect.">
+            <a:extLst>
+              <a:ext uri="{FF2B5EF4-FFF2-40B4-BE49-F238E27FC236}">
+                <a16:creationId xmlns:a16="http://schemas.microsoft.com/office/drawing/2014/main" id="{EE5D9398-82A8-1CB0-483D-070508AEEDA9}"/>
               </a:ext>
             </a:extLst>
           </p:cNvPr>
@@ -3372,26 +3372,35 @@
               </a:ext>
             </a:extLst>
           </a:blip>
-          <a:stretch>
-            <a:fillRect/>
-          </a:stretch>
+          <a:srcRect r="1929" b="36657"/>
+          <a:stretch/>
         </p:blipFill>
         <p:spPr>
           <a:xfrm>
-            <a:off x="242206" y="361251"/>
-            <a:ext cx="7312479" cy="2839045"/>
+            <a:off x="109713" y="816852"/>
+            <a:ext cx="5729008" cy="2420482"/>
           </a:xfrm>
           <a:prstGeom prst="rect">
             <a:avLst/>
           </a:prstGeom>
+          <a:ln>
+            <a:noFill/>
+          </a:ln>
+          <a:effectLst>
+            <a:outerShdw blurRad="292100" dist="139700" dir="2700000" algn="tl" rotWithShape="0">
+              <a:srgbClr val="333333">
+                <a:alpha val="65000"/>
+              </a:srgbClr>
+            </a:outerShdw>
+          </a:effectLst>
         </p:spPr>
       </p:pic>
       <p:pic>
         <p:nvPicPr>
-          <p:cNvPr id="5" name="Picture 4">
-            <a:extLst>
-              <a:ext uri="{FF2B5EF4-FFF2-40B4-BE49-F238E27FC236}">
-                <a16:creationId xmlns:a16="http://schemas.microsoft.com/office/drawing/2014/main" id="{E84AC109-3FCF-1698-1C2A-EC642CD2D4E3}"/>
+          <p:cNvPr id="7" name="Picture 6">
+            <a:extLst>
+              <a:ext uri="{FF2B5EF4-FFF2-40B4-BE49-F238E27FC236}">
+                <a16:creationId xmlns:a16="http://schemas.microsoft.com/office/drawing/2014/main" id="{521C36AF-33EA-5701-D182-FA0F516B4543}"/>
               </a:ext>
             </a:extLst>
           </p:cNvPr>
@@ -3408,20 +3417,30 @@
         </p:blipFill>
         <p:spPr>
           <a:xfrm>
-            <a:off x="383720" y="3200296"/>
-            <a:ext cx="7779150" cy="3187864"/>
+            <a:off x="5725810" y="1232944"/>
+            <a:ext cx="6115364" cy="2387723"/>
           </a:xfrm>
           <a:prstGeom prst="rect">
             <a:avLst/>
           </a:prstGeom>
+          <a:ln>
+            <a:noFill/>
+          </a:ln>
+          <a:effectLst>
+            <a:outerShdw blurRad="292100" dist="139700" dir="2700000" algn="tl" rotWithShape="0">
+              <a:srgbClr val="333333">
+                <a:alpha val="65000"/>
+              </a:srgbClr>
+            </a:outerShdw>
+          </a:effectLst>
         </p:spPr>
       </p:pic>
       <p:pic>
         <p:nvPicPr>
-          <p:cNvPr id="7" name="Picture 6">
-            <a:extLst>
-              <a:ext uri="{FF2B5EF4-FFF2-40B4-BE49-F238E27FC236}">
-                <a16:creationId xmlns:a16="http://schemas.microsoft.com/office/drawing/2014/main" id="{9AAD8B8B-146F-A85A-7731-3DB18199846A}"/>
+          <p:cNvPr id="11" name="Picture 10">
+            <a:extLst>
+              <a:ext uri="{FF2B5EF4-FFF2-40B4-BE49-F238E27FC236}">
+                <a16:creationId xmlns:a16="http://schemas.microsoft.com/office/drawing/2014/main" id="{BA8404E0-D292-FBC7-E78E-2FDD4390266A}"/>
               </a:ext>
             </a:extLst>
           </p:cNvPr>
@@ -3438,18 +3457,68 @@
         </p:blipFill>
         <p:spPr>
           <a:xfrm>
-            <a:off x="5694723" y="1918163"/>
-            <a:ext cx="6255071" cy="2781443"/>
+            <a:off x="90768" y="3281571"/>
+            <a:ext cx="5747953" cy="2235315"/>
           </a:xfrm>
           <a:prstGeom prst="rect">
             <a:avLst/>
           </a:prstGeom>
+          <a:ln>
+            <a:noFill/>
+          </a:ln>
+          <a:effectLst>
+            <a:outerShdw blurRad="292100" dist="139700" dir="2700000" algn="tl" rotWithShape="0">
+              <a:srgbClr val="333333">
+                <a:alpha val="65000"/>
+              </a:srgbClr>
+            </a:outerShdw>
+          </a:effectLst>
+        </p:spPr>
+      </p:pic>
+      <p:pic>
+        <p:nvPicPr>
+          <p:cNvPr id="6" name="Picture 5">
+            <a:extLst>
+              <a:ext uri="{FF2B5EF4-FFF2-40B4-BE49-F238E27FC236}">
+                <a16:creationId xmlns:a16="http://schemas.microsoft.com/office/drawing/2014/main" id="{10A75B0A-3B92-F829-17BF-F2C349985E36}"/>
+              </a:ext>
+            </a:extLst>
+          </p:cNvPr>
+          <p:cNvPicPr>
+            <a:picLocks noChangeAspect="1"/>
+          </p:cNvPicPr>
+          <p:nvPr/>
+        </p:nvPicPr>
+        <p:blipFill>
+          <a:blip r:embed="rId5"/>
+          <a:stretch>
+            <a:fillRect/>
+          </a:stretch>
+        </p:blipFill>
+        <p:spPr>
+          <a:xfrm>
+            <a:off x="5817890" y="3759194"/>
+            <a:ext cx="5931205" cy="2476627"/>
+          </a:xfrm>
+          <a:prstGeom prst="rect">
+            <a:avLst/>
+          </a:prstGeom>
+          <a:ln>
+            <a:noFill/>
+          </a:ln>
+          <a:effectLst>
+            <a:outerShdw blurRad="292100" dist="139700" dir="2700000" algn="tl" rotWithShape="0">
+              <a:srgbClr val="333333">
+                <a:alpha val="65000"/>
+              </a:srgbClr>
+            </a:outerShdw>
+          </a:effectLst>
         </p:spPr>
       </p:pic>
     </p:spTree>
     <p:extLst>
       <p:ext uri="{BB962C8B-B14F-4D97-AF65-F5344CB8AC3E}">
-        <p14:creationId xmlns:p14="http://schemas.microsoft.com/office/powerpoint/2010/main" val="3334917302"/>
+        <p14:creationId xmlns:p14="http://schemas.microsoft.com/office/powerpoint/2010/main" val="2497981455"/>
       </p:ext>
     </p:extLst>
   </p:cSld>
@@ -3460,6 +3529,1290 @@
 </file>
 
 <file path=ppt/slides/slide10.xml><?xml version="1.0" encoding="utf-8"?>
+<p:sld xmlns:a="http://schemas.openxmlformats.org/drawingml/2006/main" xmlns:r="http://schemas.openxmlformats.org/officeDocument/2006/relationships" xmlns:p="http://schemas.openxmlformats.org/presentationml/2006/main">
+  <p:cSld>
+    <p:spTree>
+      <p:nvGrpSpPr>
+        <p:cNvPr id="1" name="">
+          <a:extLst>
+            <a:ext uri="{FF2B5EF4-FFF2-40B4-BE49-F238E27FC236}">
+              <a16:creationId xmlns:a16="http://schemas.microsoft.com/office/drawing/2014/main" id="{DEC723D6-1CFC-64AA-4DFF-D1BC85635BA4}"/>
+            </a:ext>
+          </a:extLst>
+        </p:cNvPr>
+        <p:cNvGrpSpPr/>
+        <p:nvPr/>
+      </p:nvGrpSpPr>
+      <p:grpSpPr>
+        <a:xfrm>
+          <a:off x="0" y="0"/>
+          <a:ext cx="0" cy="0"/>
+          <a:chOff x="0" y="0"/>
+          <a:chExt cx="0" cy="0"/>
+        </a:xfrm>
+      </p:grpSpPr>
+      <p:sp>
+        <p:nvSpPr>
+          <p:cNvPr id="2" name="Oval 1">
+            <a:extLst>
+              <a:ext uri="{FF2B5EF4-FFF2-40B4-BE49-F238E27FC236}">
+                <a16:creationId xmlns:a16="http://schemas.microsoft.com/office/drawing/2014/main" id="{9960EB6B-BDA3-29C2-89FD-D3D6635E915A}"/>
+              </a:ext>
+            </a:extLst>
+          </p:cNvPr>
+          <p:cNvSpPr/>
+          <p:nvPr/>
+        </p:nvSpPr>
+        <p:spPr>
+          <a:xfrm>
+            <a:off x="2331720" y="777240"/>
+            <a:ext cx="2846832" cy="2825496"/>
+          </a:xfrm>
+          <a:prstGeom prst="ellipse">
+            <a:avLst/>
+          </a:prstGeom>
+          <a:noFill/>
+          <a:ln>
+            <a:solidFill>
+              <a:srgbClr val="0B76A0"/>
+            </a:solidFill>
+          </a:ln>
+        </p:spPr>
+        <p:style>
+          <a:lnRef idx="2">
+            <a:schemeClr val="accent1">
+              <a:shade val="15000"/>
+            </a:schemeClr>
+          </a:lnRef>
+          <a:fillRef idx="1">
+            <a:schemeClr val="accent1"/>
+          </a:fillRef>
+          <a:effectRef idx="0">
+            <a:schemeClr val="accent1"/>
+          </a:effectRef>
+          <a:fontRef idx="minor">
+            <a:schemeClr val="lt1"/>
+          </a:fontRef>
+        </p:style>
+        <p:txBody>
+          <a:bodyPr rtlCol="0" anchor="ctr"/>
+          <a:lstStyle/>
+          <a:p>
+            <a:pPr algn="ctr"/>
+            <a:endParaRPr lang="en-US">
+              <a:solidFill>
+                <a:srgbClr val="002B43"/>
+              </a:solidFill>
+              <a:latin typeface="Arial" panose="020B0604020202020204" pitchFamily="34" charset="0"/>
+              <a:cs typeface="Arial" panose="020B0604020202020204" pitchFamily="34" charset="0"/>
+            </a:endParaRPr>
+          </a:p>
+        </p:txBody>
+      </p:sp>
+      <p:sp>
+        <p:nvSpPr>
+          <p:cNvPr id="3" name="Oval 2">
+            <a:extLst>
+              <a:ext uri="{FF2B5EF4-FFF2-40B4-BE49-F238E27FC236}">
+                <a16:creationId xmlns:a16="http://schemas.microsoft.com/office/drawing/2014/main" id="{B08C789C-94F0-12F8-01F0-9A4AE08217FD}"/>
+              </a:ext>
+            </a:extLst>
+          </p:cNvPr>
+          <p:cNvSpPr/>
+          <p:nvPr/>
+        </p:nvSpPr>
+        <p:spPr>
+          <a:xfrm>
+            <a:off x="4166618" y="777240"/>
+            <a:ext cx="2846832" cy="2825496"/>
+          </a:xfrm>
+          <a:prstGeom prst="ellipse">
+            <a:avLst/>
+          </a:prstGeom>
+          <a:noFill/>
+          <a:ln>
+            <a:solidFill>
+              <a:srgbClr val="0B76A0"/>
+            </a:solidFill>
+          </a:ln>
+        </p:spPr>
+        <p:style>
+          <a:lnRef idx="2">
+            <a:schemeClr val="accent1">
+              <a:shade val="15000"/>
+            </a:schemeClr>
+          </a:lnRef>
+          <a:fillRef idx="1">
+            <a:schemeClr val="accent1"/>
+          </a:fillRef>
+          <a:effectRef idx="0">
+            <a:schemeClr val="accent1"/>
+          </a:effectRef>
+          <a:fontRef idx="minor">
+            <a:schemeClr val="lt1"/>
+          </a:fontRef>
+        </p:style>
+        <p:txBody>
+          <a:bodyPr rtlCol="0" anchor="ctr"/>
+          <a:lstStyle/>
+          <a:p>
+            <a:pPr algn="ctr"/>
+            <a:endParaRPr lang="en-US">
+              <a:solidFill>
+                <a:srgbClr val="002B43"/>
+              </a:solidFill>
+              <a:latin typeface="Arial" panose="020B0604020202020204" pitchFamily="34" charset="0"/>
+              <a:cs typeface="Arial" panose="020B0604020202020204" pitchFamily="34" charset="0"/>
+            </a:endParaRPr>
+          </a:p>
+        </p:txBody>
+      </p:sp>
+      <p:sp>
+        <p:nvSpPr>
+          <p:cNvPr id="4" name="Oval 3">
+            <a:extLst>
+              <a:ext uri="{FF2B5EF4-FFF2-40B4-BE49-F238E27FC236}">
+                <a16:creationId xmlns:a16="http://schemas.microsoft.com/office/drawing/2014/main" id="{97CF634B-8DAD-4F27-8293-DDD2E8B6DF27}"/>
+              </a:ext>
+            </a:extLst>
+          </p:cNvPr>
+          <p:cNvSpPr/>
+          <p:nvPr/>
+        </p:nvSpPr>
+        <p:spPr>
+          <a:xfrm>
+            <a:off x="3334512" y="1901952"/>
+            <a:ext cx="2846832" cy="2825496"/>
+          </a:xfrm>
+          <a:prstGeom prst="ellipse">
+            <a:avLst/>
+          </a:prstGeom>
+          <a:noFill/>
+          <a:ln>
+            <a:solidFill>
+              <a:srgbClr val="0B76A0"/>
+            </a:solidFill>
+          </a:ln>
+        </p:spPr>
+        <p:style>
+          <a:lnRef idx="2">
+            <a:schemeClr val="accent1">
+              <a:shade val="15000"/>
+            </a:schemeClr>
+          </a:lnRef>
+          <a:fillRef idx="1">
+            <a:schemeClr val="accent1"/>
+          </a:fillRef>
+          <a:effectRef idx="0">
+            <a:schemeClr val="accent1"/>
+          </a:effectRef>
+          <a:fontRef idx="minor">
+            <a:schemeClr val="lt1"/>
+          </a:fontRef>
+        </p:style>
+        <p:txBody>
+          <a:bodyPr rtlCol="0" anchor="ctr"/>
+          <a:lstStyle/>
+          <a:p>
+            <a:pPr algn="ctr"/>
+            <a:endParaRPr lang="en-US">
+              <a:solidFill>
+                <a:srgbClr val="002B43"/>
+              </a:solidFill>
+              <a:latin typeface="Arial" panose="020B0604020202020204" pitchFamily="34" charset="0"/>
+              <a:cs typeface="Arial" panose="020B0604020202020204" pitchFamily="34" charset="0"/>
+            </a:endParaRPr>
+          </a:p>
+        </p:txBody>
+      </p:sp>
+      <p:sp>
+        <p:nvSpPr>
+          <p:cNvPr id="5" name="TextBox 4">
+            <a:extLst>
+              <a:ext uri="{FF2B5EF4-FFF2-40B4-BE49-F238E27FC236}">
+                <a16:creationId xmlns:a16="http://schemas.microsoft.com/office/drawing/2014/main" id="{A4A7C05A-3816-67DB-3215-1B1E4AA518C8}"/>
+              </a:ext>
+            </a:extLst>
+          </p:cNvPr>
+          <p:cNvSpPr txBox="1"/>
+          <p:nvPr/>
+        </p:nvSpPr>
+        <p:spPr>
+          <a:xfrm>
+            <a:off x="4284008" y="2143351"/>
+            <a:ext cx="914758" cy="584775"/>
+          </a:xfrm>
+          <a:prstGeom prst="rect">
+            <a:avLst/>
+          </a:prstGeom>
+          <a:noFill/>
+        </p:spPr>
+        <p:txBody>
+          <a:bodyPr wrap="square" rtlCol="0">
+            <a:spAutoFit/>
+          </a:bodyPr>
+          <a:lstStyle/>
+          <a:p>
+            <a:r>
+              <a:rPr lang="en-US" sz="1600" b="1" dirty="0">
+                <a:solidFill>
+                  <a:srgbClr val="FFB81C"/>
+                </a:solidFill>
+                <a:latin typeface="Arial" panose="020B0604020202020204" pitchFamily="34" charset="0"/>
+                <a:cs typeface="Arial" panose="020B0604020202020204" pitchFamily="34" charset="0"/>
+              </a:rPr>
+              <a:t>Health equity</a:t>
+            </a:r>
+          </a:p>
+        </p:txBody>
+      </p:sp>
+      <p:sp>
+        <p:nvSpPr>
+          <p:cNvPr id="6" name="TextBox 5">
+            <a:extLst>
+              <a:ext uri="{FF2B5EF4-FFF2-40B4-BE49-F238E27FC236}">
+                <a16:creationId xmlns:a16="http://schemas.microsoft.com/office/drawing/2014/main" id="{BFE42307-8CA6-4709-E9BC-BA74EADC3C9D}"/>
+              </a:ext>
+            </a:extLst>
+          </p:cNvPr>
+          <p:cNvSpPr txBox="1"/>
+          <p:nvPr/>
+        </p:nvSpPr>
+        <p:spPr>
+          <a:xfrm>
+            <a:off x="5030606" y="1195352"/>
+            <a:ext cx="1886464" cy="923330"/>
+          </a:xfrm>
+          <a:prstGeom prst="rect">
+            <a:avLst/>
+          </a:prstGeom>
+          <a:noFill/>
+        </p:spPr>
+        <p:txBody>
+          <a:bodyPr wrap="square" rtlCol="0">
+            <a:spAutoFit/>
+          </a:bodyPr>
+          <a:lstStyle/>
+          <a:p>
+            <a:pPr algn="ctr"/>
+            <a:r>
+              <a:rPr lang="en-US" dirty="0">
+                <a:solidFill>
+                  <a:srgbClr val="002B43"/>
+                </a:solidFill>
+                <a:latin typeface="Arial" panose="020B0604020202020204" pitchFamily="34" charset="0"/>
+                <a:cs typeface="Arial" panose="020B0604020202020204" pitchFamily="34" charset="0"/>
+              </a:rPr>
+              <a:t>Time-varying modifiable risk factors</a:t>
+            </a:r>
+          </a:p>
+        </p:txBody>
+      </p:sp>
+      <p:sp>
+        <p:nvSpPr>
+          <p:cNvPr id="7" name="TextBox 6">
+            <a:extLst>
+              <a:ext uri="{FF2B5EF4-FFF2-40B4-BE49-F238E27FC236}">
+                <a16:creationId xmlns:a16="http://schemas.microsoft.com/office/drawing/2014/main" id="{7632447D-CAC6-3BBE-DFE9-40B4A0C169A3}"/>
+              </a:ext>
+            </a:extLst>
+          </p:cNvPr>
+          <p:cNvSpPr txBox="1"/>
+          <p:nvPr/>
+        </p:nvSpPr>
+        <p:spPr>
+          <a:xfrm>
+            <a:off x="2423761" y="1225791"/>
+            <a:ext cx="1604053" cy="1200329"/>
+          </a:xfrm>
+          <a:prstGeom prst="rect">
+            <a:avLst/>
+          </a:prstGeom>
+          <a:noFill/>
+        </p:spPr>
+        <p:txBody>
+          <a:bodyPr wrap="square" rtlCol="0">
+            <a:spAutoFit/>
+          </a:bodyPr>
+          <a:lstStyle/>
+          <a:p>
+            <a:pPr algn="ctr"/>
+            <a:r>
+              <a:rPr lang="en-US" dirty="0">
+                <a:solidFill>
+                  <a:srgbClr val="002B43"/>
+                </a:solidFill>
+                <a:latin typeface="Arial" panose="020B0604020202020204" pitchFamily="34" charset="0"/>
+                <a:cs typeface="Arial" panose="020B0604020202020204" pitchFamily="34" charset="0"/>
+              </a:rPr>
+              <a:t>Advanced causal inference methods</a:t>
+            </a:r>
+          </a:p>
+        </p:txBody>
+      </p:sp>
+      <p:sp>
+        <p:nvSpPr>
+          <p:cNvPr id="8" name="TextBox 7">
+            <a:extLst>
+              <a:ext uri="{FF2B5EF4-FFF2-40B4-BE49-F238E27FC236}">
+                <a16:creationId xmlns:a16="http://schemas.microsoft.com/office/drawing/2014/main" id="{BB955CB9-19D7-9A6A-A9EF-765E1B9D540C}"/>
+              </a:ext>
+            </a:extLst>
+          </p:cNvPr>
+          <p:cNvSpPr txBox="1"/>
+          <p:nvPr/>
+        </p:nvSpPr>
+        <p:spPr>
+          <a:xfrm>
+            <a:off x="3731173" y="3608506"/>
+            <a:ext cx="1863432" cy="923330"/>
+          </a:xfrm>
+          <a:prstGeom prst="rect">
+            <a:avLst/>
+          </a:prstGeom>
+          <a:noFill/>
+        </p:spPr>
+        <p:txBody>
+          <a:bodyPr wrap="square" rtlCol="0">
+            <a:spAutoFit/>
+          </a:bodyPr>
+          <a:lstStyle/>
+          <a:p>
+            <a:pPr algn="ctr"/>
+            <a:r>
+              <a:rPr lang="en-US" dirty="0">
+                <a:solidFill>
+                  <a:srgbClr val="002B43"/>
+                </a:solidFill>
+                <a:latin typeface="Arial" panose="020B0604020202020204" pitchFamily="34" charset="0"/>
+                <a:cs typeface="Arial" panose="020B0604020202020204" pitchFamily="34" charset="0"/>
+              </a:rPr>
+              <a:t>Dementia &amp; aging-relevant outcomes</a:t>
+            </a:r>
+          </a:p>
+        </p:txBody>
+      </p:sp>
+      <p:sp>
+        <p:nvSpPr>
+          <p:cNvPr id="9" name="Rectangle: Rounded Corners 8">
+            <a:extLst>
+              <a:ext uri="{FF2B5EF4-FFF2-40B4-BE49-F238E27FC236}">
+                <a16:creationId xmlns:a16="http://schemas.microsoft.com/office/drawing/2014/main" id="{00BDB8C3-D572-F806-E9EC-391636BCA73E}"/>
+              </a:ext>
+            </a:extLst>
+          </p:cNvPr>
+          <p:cNvSpPr/>
+          <p:nvPr/>
+        </p:nvSpPr>
+        <p:spPr>
+          <a:xfrm>
+            <a:off x="2203450" y="615950"/>
+            <a:ext cx="4984750" cy="4579508"/>
+          </a:xfrm>
+          <a:prstGeom prst="roundRect">
+            <a:avLst/>
+          </a:prstGeom>
+          <a:noFill/>
+          <a:ln>
+            <a:solidFill>
+              <a:srgbClr val="042433"/>
+            </a:solidFill>
+          </a:ln>
+        </p:spPr>
+        <p:style>
+          <a:lnRef idx="2">
+            <a:schemeClr val="accent1">
+              <a:shade val="15000"/>
+            </a:schemeClr>
+          </a:lnRef>
+          <a:fillRef idx="1">
+            <a:schemeClr val="accent1"/>
+          </a:fillRef>
+          <a:effectRef idx="0">
+            <a:schemeClr val="accent1"/>
+          </a:effectRef>
+          <a:fontRef idx="minor">
+            <a:schemeClr val="lt1"/>
+          </a:fontRef>
+        </p:style>
+        <p:txBody>
+          <a:bodyPr rtlCol="0" anchor="ctr"/>
+          <a:lstStyle/>
+          <a:p>
+            <a:pPr algn="ctr"/>
+            <a:endParaRPr lang="en-US"/>
+          </a:p>
+        </p:txBody>
+      </p:sp>
+      <p:sp>
+        <p:nvSpPr>
+          <p:cNvPr id="10" name="TextBox 9">
+            <a:extLst>
+              <a:ext uri="{FF2B5EF4-FFF2-40B4-BE49-F238E27FC236}">
+                <a16:creationId xmlns:a16="http://schemas.microsoft.com/office/drawing/2014/main" id="{71DD1DD7-5071-8F08-6FB7-472220C55FA5}"/>
+              </a:ext>
+            </a:extLst>
+          </p:cNvPr>
+          <p:cNvSpPr txBox="1"/>
+          <p:nvPr/>
+        </p:nvSpPr>
+        <p:spPr>
+          <a:xfrm>
+            <a:off x="2397635" y="4776787"/>
+            <a:ext cx="4720585" cy="369332"/>
+          </a:xfrm>
+          <a:prstGeom prst="rect">
+            <a:avLst/>
+          </a:prstGeom>
+          <a:noFill/>
+        </p:spPr>
+        <p:txBody>
+          <a:bodyPr wrap="square" rtlCol="0">
+            <a:spAutoFit/>
+          </a:bodyPr>
+          <a:lstStyle/>
+          <a:p>
+            <a:pPr algn="ctr"/>
+            <a:r>
+              <a:rPr lang="en-US" b="1" dirty="0">
+                <a:solidFill>
+                  <a:srgbClr val="002B43"/>
+                </a:solidFill>
+                <a:latin typeface="Arial" panose="020B0604020202020204" pitchFamily="34" charset="0"/>
+                <a:cs typeface="Arial" panose="020B0604020202020204" pitchFamily="34" charset="0"/>
+              </a:rPr>
+              <a:t>Intersectionality framework</a:t>
+            </a:r>
+          </a:p>
+        </p:txBody>
+      </p:sp>
+    </p:spTree>
+    <p:extLst>
+      <p:ext uri="{BB962C8B-B14F-4D97-AF65-F5344CB8AC3E}">
+        <p14:creationId xmlns:p14="http://schemas.microsoft.com/office/powerpoint/2010/main" val="2297048106"/>
+      </p:ext>
+    </p:extLst>
+  </p:cSld>
+  <p:clrMapOvr>
+    <a:masterClrMapping/>
+  </p:clrMapOvr>
+</p:sld>
+</file>
+
+<file path=ppt/slides/slide11.xml><?xml version="1.0" encoding="utf-8"?>
+<p:sld xmlns:a="http://schemas.openxmlformats.org/drawingml/2006/main" xmlns:r="http://schemas.openxmlformats.org/officeDocument/2006/relationships" xmlns:p="http://schemas.openxmlformats.org/presentationml/2006/main">
+  <p:cSld>
+    <p:spTree>
+      <p:nvGrpSpPr>
+        <p:cNvPr id="1" name="">
+          <a:extLst>
+            <a:ext uri="{FF2B5EF4-FFF2-40B4-BE49-F238E27FC236}">
+              <a16:creationId xmlns:a16="http://schemas.microsoft.com/office/drawing/2014/main" id="{21AC683F-8A9C-BFB9-52A1-BF60487ADD61}"/>
+            </a:ext>
+          </a:extLst>
+        </p:cNvPr>
+        <p:cNvGrpSpPr/>
+        <p:nvPr/>
+      </p:nvGrpSpPr>
+      <p:grpSpPr>
+        <a:xfrm>
+          <a:off x="0" y="0"/>
+          <a:ext cx="0" cy="0"/>
+          <a:chOff x="0" y="0"/>
+          <a:chExt cx="0" cy="0"/>
+        </a:xfrm>
+      </p:grpSpPr>
+      <p:sp>
+        <p:nvSpPr>
+          <p:cNvPr id="2" name="Oval 1">
+            <a:extLst>
+              <a:ext uri="{FF2B5EF4-FFF2-40B4-BE49-F238E27FC236}">
+                <a16:creationId xmlns:a16="http://schemas.microsoft.com/office/drawing/2014/main" id="{B2C6EAEF-FD64-D60E-DCDC-63F17FE8516B}"/>
+              </a:ext>
+            </a:extLst>
+          </p:cNvPr>
+          <p:cNvSpPr/>
+          <p:nvPr/>
+        </p:nvSpPr>
+        <p:spPr>
+          <a:xfrm>
+            <a:off x="2331720" y="777240"/>
+            <a:ext cx="2846832" cy="2825496"/>
+          </a:xfrm>
+          <a:prstGeom prst="ellipse">
+            <a:avLst/>
+          </a:prstGeom>
+          <a:noFill/>
+          <a:ln>
+            <a:solidFill>
+              <a:srgbClr val="0B76A0"/>
+            </a:solidFill>
+          </a:ln>
+        </p:spPr>
+        <p:style>
+          <a:lnRef idx="2">
+            <a:schemeClr val="accent1">
+              <a:shade val="15000"/>
+            </a:schemeClr>
+          </a:lnRef>
+          <a:fillRef idx="1">
+            <a:schemeClr val="accent1"/>
+          </a:fillRef>
+          <a:effectRef idx="0">
+            <a:schemeClr val="accent1"/>
+          </a:effectRef>
+          <a:fontRef idx="minor">
+            <a:schemeClr val="lt1"/>
+          </a:fontRef>
+        </p:style>
+        <p:txBody>
+          <a:bodyPr rtlCol="0" anchor="ctr"/>
+          <a:lstStyle/>
+          <a:p>
+            <a:pPr algn="ctr"/>
+            <a:endParaRPr lang="en-US">
+              <a:solidFill>
+                <a:srgbClr val="002B43"/>
+              </a:solidFill>
+              <a:latin typeface="Arial" panose="020B0604020202020204" pitchFamily="34" charset="0"/>
+              <a:cs typeface="Arial" panose="020B0604020202020204" pitchFamily="34" charset="0"/>
+            </a:endParaRPr>
+          </a:p>
+        </p:txBody>
+      </p:sp>
+      <p:sp>
+        <p:nvSpPr>
+          <p:cNvPr id="3" name="Oval 2">
+            <a:extLst>
+              <a:ext uri="{FF2B5EF4-FFF2-40B4-BE49-F238E27FC236}">
+                <a16:creationId xmlns:a16="http://schemas.microsoft.com/office/drawing/2014/main" id="{D5311979-489D-46B9-28F0-1544693C2BEE}"/>
+              </a:ext>
+            </a:extLst>
+          </p:cNvPr>
+          <p:cNvSpPr/>
+          <p:nvPr/>
+        </p:nvSpPr>
+        <p:spPr>
+          <a:xfrm>
+            <a:off x="4166618" y="777240"/>
+            <a:ext cx="2846832" cy="2825496"/>
+          </a:xfrm>
+          <a:prstGeom prst="ellipse">
+            <a:avLst/>
+          </a:prstGeom>
+          <a:noFill/>
+          <a:ln>
+            <a:solidFill>
+              <a:srgbClr val="0B76A0"/>
+            </a:solidFill>
+          </a:ln>
+        </p:spPr>
+        <p:style>
+          <a:lnRef idx="2">
+            <a:schemeClr val="accent1">
+              <a:shade val="15000"/>
+            </a:schemeClr>
+          </a:lnRef>
+          <a:fillRef idx="1">
+            <a:schemeClr val="accent1"/>
+          </a:fillRef>
+          <a:effectRef idx="0">
+            <a:schemeClr val="accent1"/>
+          </a:effectRef>
+          <a:fontRef idx="minor">
+            <a:schemeClr val="lt1"/>
+          </a:fontRef>
+        </p:style>
+        <p:txBody>
+          <a:bodyPr rtlCol="0" anchor="ctr"/>
+          <a:lstStyle/>
+          <a:p>
+            <a:pPr algn="ctr"/>
+            <a:endParaRPr lang="en-US">
+              <a:solidFill>
+                <a:srgbClr val="002B43"/>
+              </a:solidFill>
+              <a:latin typeface="Arial" panose="020B0604020202020204" pitchFamily="34" charset="0"/>
+              <a:cs typeface="Arial" panose="020B0604020202020204" pitchFamily="34" charset="0"/>
+            </a:endParaRPr>
+          </a:p>
+        </p:txBody>
+      </p:sp>
+      <p:sp>
+        <p:nvSpPr>
+          <p:cNvPr id="4" name="Oval 3">
+            <a:extLst>
+              <a:ext uri="{FF2B5EF4-FFF2-40B4-BE49-F238E27FC236}">
+                <a16:creationId xmlns:a16="http://schemas.microsoft.com/office/drawing/2014/main" id="{DD781FDC-10E8-4BC7-2972-F52994A0EB6A}"/>
+              </a:ext>
+            </a:extLst>
+          </p:cNvPr>
+          <p:cNvSpPr/>
+          <p:nvPr/>
+        </p:nvSpPr>
+        <p:spPr>
+          <a:xfrm>
+            <a:off x="3334512" y="1901952"/>
+            <a:ext cx="2846832" cy="2825496"/>
+          </a:xfrm>
+          <a:prstGeom prst="ellipse">
+            <a:avLst/>
+          </a:prstGeom>
+          <a:noFill/>
+          <a:ln>
+            <a:solidFill>
+              <a:srgbClr val="0B76A0"/>
+            </a:solidFill>
+          </a:ln>
+        </p:spPr>
+        <p:style>
+          <a:lnRef idx="2">
+            <a:schemeClr val="accent1">
+              <a:shade val="15000"/>
+            </a:schemeClr>
+          </a:lnRef>
+          <a:fillRef idx="1">
+            <a:schemeClr val="accent1"/>
+          </a:fillRef>
+          <a:effectRef idx="0">
+            <a:schemeClr val="accent1"/>
+          </a:effectRef>
+          <a:fontRef idx="minor">
+            <a:schemeClr val="lt1"/>
+          </a:fontRef>
+        </p:style>
+        <p:txBody>
+          <a:bodyPr rtlCol="0" anchor="ctr"/>
+          <a:lstStyle/>
+          <a:p>
+            <a:pPr algn="ctr"/>
+            <a:endParaRPr lang="en-US">
+              <a:solidFill>
+                <a:srgbClr val="002B43"/>
+              </a:solidFill>
+              <a:latin typeface="Arial" panose="020B0604020202020204" pitchFamily="34" charset="0"/>
+              <a:cs typeface="Arial" panose="020B0604020202020204" pitchFamily="34" charset="0"/>
+            </a:endParaRPr>
+          </a:p>
+        </p:txBody>
+      </p:sp>
+      <p:sp>
+        <p:nvSpPr>
+          <p:cNvPr id="5" name="TextBox 4">
+            <a:extLst>
+              <a:ext uri="{FF2B5EF4-FFF2-40B4-BE49-F238E27FC236}">
+                <a16:creationId xmlns:a16="http://schemas.microsoft.com/office/drawing/2014/main" id="{F0BA109C-115B-3CA4-6964-43DE09E4E512}"/>
+              </a:ext>
+            </a:extLst>
+          </p:cNvPr>
+          <p:cNvSpPr txBox="1"/>
+          <p:nvPr/>
+        </p:nvSpPr>
+        <p:spPr>
+          <a:xfrm>
+            <a:off x="4284008" y="2143351"/>
+            <a:ext cx="914758" cy="584775"/>
+          </a:xfrm>
+          <a:prstGeom prst="rect">
+            <a:avLst/>
+          </a:prstGeom>
+          <a:noFill/>
+        </p:spPr>
+        <p:txBody>
+          <a:bodyPr wrap="square" rtlCol="0">
+            <a:spAutoFit/>
+          </a:bodyPr>
+          <a:lstStyle/>
+          <a:p>
+            <a:r>
+              <a:rPr lang="en-US" sz="1600" b="1" dirty="0">
+                <a:solidFill>
+                  <a:srgbClr val="FFB81C"/>
+                </a:solidFill>
+                <a:latin typeface="Arial" panose="020B0604020202020204" pitchFamily="34" charset="0"/>
+                <a:cs typeface="Arial" panose="020B0604020202020204" pitchFamily="34" charset="0"/>
+              </a:rPr>
+              <a:t>Health equity</a:t>
+            </a:r>
+          </a:p>
+        </p:txBody>
+      </p:sp>
+      <p:sp>
+        <p:nvSpPr>
+          <p:cNvPr id="6" name="TextBox 5">
+            <a:extLst>
+              <a:ext uri="{FF2B5EF4-FFF2-40B4-BE49-F238E27FC236}">
+                <a16:creationId xmlns:a16="http://schemas.microsoft.com/office/drawing/2014/main" id="{FF66A927-A382-9646-C185-D626380E3495}"/>
+              </a:ext>
+            </a:extLst>
+          </p:cNvPr>
+          <p:cNvSpPr txBox="1"/>
+          <p:nvPr/>
+        </p:nvSpPr>
+        <p:spPr>
+          <a:xfrm>
+            <a:off x="5030606" y="1195352"/>
+            <a:ext cx="1886464" cy="646331"/>
+          </a:xfrm>
+          <a:prstGeom prst="rect">
+            <a:avLst/>
+          </a:prstGeom>
+          <a:noFill/>
+        </p:spPr>
+        <p:txBody>
+          <a:bodyPr wrap="square" rtlCol="0">
+            <a:spAutoFit/>
+          </a:bodyPr>
+          <a:lstStyle/>
+          <a:p>
+            <a:pPr algn="ctr"/>
+            <a:r>
+              <a:rPr lang="en-US" dirty="0">
+                <a:solidFill>
+                  <a:srgbClr val="002B43"/>
+                </a:solidFill>
+                <a:latin typeface="Arial" panose="020B0604020202020204" pitchFamily="34" charset="0"/>
+                <a:cs typeface="Arial" panose="020B0604020202020204" pitchFamily="34" charset="0"/>
+              </a:rPr>
+              <a:t>Occupational determinants</a:t>
+            </a:r>
+          </a:p>
+        </p:txBody>
+      </p:sp>
+      <p:sp>
+        <p:nvSpPr>
+          <p:cNvPr id="7" name="TextBox 6">
+            <a:extLst>
+              <a:ext uri="{FF2B5EF4-FFF2-40B4-BE49-F238E27FC236}">
+                <a16:creationId xmlns:a16="http://schemas.microsoft.com/office/drawing/2014/main" id="{2EF300C1-7103-8A5E-1972-EB1B23C826B3}"/>
+              </a:ext>
+            </a:extLst>
+          </p:cNvPr>
+          <p:cNvSpPr txBox="1"/>
+          <p:nvPr/>
+        </p:nvSpPr>
+        <p:spPr>
+          <a:xfrm>
+            <a:off x="2545490" y="1220021"/>
+            <a:ext cx="1604053" cy="923330"/>
+          </a:xfrm>
+          <a:prstGeom prst="rect">
+            <a:avLst/>
+          </a:prstGeom>
+          <a:noFill/>
+        </p:spPr>
+        <p:txBody>
+          <a:bodyPr wrap="square" rtlCol="0">
+            <a:spAutoFit/>
+          </a:bodyPr>
+          <a:lstStyle/>
+          <a:p>
+            <a:pPr algn="ctr"/>
+            <a:r>
+              <a:rPr lang="en-US" dirty="0">
+                <a:solidFill>
+                  <a:srgbClr val="002B43"/>
+                </a:solidFill>
+                <a:latin typeface="Arial" panose="020B0604020202020204" pitchFamily="34" charset="0"/>
+                <a:cs typeface="Arial" panose="020B0604020202020204" pitchFamily="34" charset="0"/>
+              </a:rPr>
+              <a:t>Hypothetical stochastic interventions</a:t>
+            </a:r>
+          </a:p>
+        </p:txBody>
+      </p:sp>
+      <p:sp>
+        <p:nvSpPr>
+          <p:cNvPr id="8" name="TextBox 7">
+            <a:extLst>
+              <a:ext uri="{FF2B5EF4-FFF2-40B4-BE49-F238E27FC236}">
+                <a16:creationId xmlns:a16="http://schemas.microsoft.com/office/drawing/2014/main" id="{4D995AA1-D972-9582-2B54-BC51337F1E18}"/>
+              </a:ext>
+            </a:extLst>
+          </p:cNvPr>
+          <p:cNvSpPr txBox="1"/>
+          <p:nvPr/>
+        </p:nvSpPr>
+        <p:spPr>
+          <a:xfrm>
+            <a:off x="3731173" y="3608506"/>
+            <a:ext cx="1863432" cy="923330"/>
+          </a:xfrm>
+          <a:prstGeom prst="rect">
+            <a:avLst/>
+          </a:prstGeom>
+          <a:noFill/>
+        </p:spPr>
+        <p:txBody>
+          <a:bodyPr wrap="square" rtlCol="0">
+            <a:spAutoFit/>
+          </a:bodyPr>
+          <a:lstStyle/>
+          <a:p>
+            <a:pPr algn="ctr"/>
+            <a:r>
+              <a:rPr lang="en-US" dirty="0">
+                <a:solidFill>
+                  <a:srgbClr val="002B43"/>
+                </a:solidFill>
+                <a:latin typeface="Arial" panose="020B0604020202020204" pitchFamily="34" charset="0"/>
+                <a:cs typeface="Arial" panose="020B0604020202020204" pitchFamily="34" charset="0"/>
+              </a:rPr>
+              <a:t>Cognitive and neuroimaging outcomes</a:t>
+            </a:r>
+          </a:p>
+        </p:txBody>
+      </p:sp>
+      <p:sp>
+        <p:nvSpPr>
+          <p:cNvPr id="9" name="Rectangle: Rounded Corners 8">
+            <a:extLst>
+              <a:ext uri="{FF2B5EF4-FFF2-40B4-BE49-F238E27FC236}">
+                <a16:creationId xmlns:a16="http://schemas.microsoft.com/office/drawing/2014/main" id="{0F200967-9CC2-5BFC-309B-44A845093C73}"/>
+              </a:ext>
+            </a:extLst>
+          </p:cNvPr>
+          <p:cNvSpPr/>
+          <p:nvPr/>
+        </p:nvSpPr>
+        <p:spPr>
+          <a:xfrm>
+            <a:off x="2203450" y="615950"/>
+            <a:ext cx="4984750" cy="4579508"/>
+          </a:xfrm>
+          <a:prstGeom prst="roundRect">
+            <a:avLst/>
+          </a:prstGeom>
+          <a:noFill/>
+          <a:ln>
+            <a:solidFill>
+              <a:srgbClr val="042433"/>
+            </a:solidFill>
+          </a:ln>
+        </p:spPr>
+        <p:style>
+          <a:lnRef idx="2">
+            <a:schemeClr val="accent1">
+              <a:shade val="15000"/>
+            </a:schemeClr>
+          </a:lnRef>
+          <a:fillRef idx="1">
+            <a:schemeClr val="accent1"/>
+          </a:fillRef>
+          <a:effectRef idx="0">
+            <a:schemeClr val="accent1"/>
+          </a:effectRef>
+          <a:fontRef idx="minor">
+            <a:schemeClr val="lt1"/>
+          </a:fontRef>
+        </p:style>
+        <p:txBody>
+          <a:bodyPr rtlCol="0" anchor="ctr"/>
+          <a:lstStyle/>
+          <a:p>
+            <a:pPr algn="ctr"/>
+            <a:endParaRPr lang="en-US"/>
+          </a:p>
+        </p:txBody>
+      </p:sp>
+      <p:sp>
+        <p:nvSpPr>
+          <p:cNvPr id="10" name="TextBox 9">
+            <a:extLst>
+              <a:ext uri="{FF2B5EF4-FFF2-40B4-BE49-F238E27FC236}">
+                <a16:creationId xmlns:a16="http://schemas.microsoft.com/office/drawing/2014/main" id="{1E88A36B-5F99-CE7F-2EA7-EBEFA9CEB4C1}"/>
+              </a:ext>
+            </a:extLst>
+          </p:cNvPr>
+          <p:cNvSpPr txBox="1"/>
+          <p:nvPr/>
+        </p:nvSpPr>
+        <p:spPr>
+          <a:xfrm>
+            <a:off x="2397635" y="4776787"/>
+            <a:ext cx="4720585" cy="369332"/>
+          </a:xfrm>
+          <a:prstGeom prst="rect">
+            <a:avLst/>
+          </a:prstGeom>
+          <a:noFill/>
+        </p:spPr>
+        <p:txBody>
+          <a:bodyPr wrap="square" rtlCol="0">
+            <a:spAutoFit/>
+          </a:bodyPr>
+          <a:lstStyle/>
+          <a:p>
+            <a:pPr algn="ctr"/>
+            <a:r>
+              <a:rPr lang="en-US" b="1" dirty="0">
+                <a:solidFill>
+                  <a:srgbClr val="002B43"/>
+                </a:solidFill>
+                <a:latin typeface="Arial" panose="020B0604020202020204" pitchFamily="34" charset="0"/>
+                <a:cs typeface="Arial" panose="020B0604020202020204" pitchFamily="34" charset="0"/>
+              </a:rPr>
+              <a:t>Intersectionality framework</a:t>
+            </a:r>
+          </a:p>
+        </p:txBody>
+      </p:sp>
+    </p:spTree>
+    <p:extLst>
+      <p:ext uri="{BB962C8B-B14F-4D97-AF65-F5344CB8AC3E}">
+        <p14:creationId xmlns:p14="http://schemas.microsoft.com/office/powerpoint/2010/main" val="4030978158"/>
+      </p:ext>
+    </p:extLst>
+  </p:cSld>
+  <p:clrMapOvr>
+    <a:masterClrMapping/>
+  </p:clrMapOvr>
+</p:sld>
+</file>
+
+<file path=ppt/slides/slide12.xml><?xml version="1.0" encoding="utf-8"?>
+<p:sld xmlns:a="http://schemas.openxmlformats.org/drawingml/2006/main" xmlns:r="http://schemas.openxmlformats.org/officeDocument/2006/relationships" xmlns:p="http://schemas.openxmlformats.org/presentationml/2006/main">
+  <p:cSld>
+    <p:spTree>
+      <p:nvGrpSpPr>
+        <p:cNvPr id="1" name=""/>
+        <p:cNvGrpSpPr/>
+        <p:nvPr/>
+      </p:nvGrpSpPr>
+      <p:grpSpPr>
+        <a:xfrm>
+          <a:off x="0" y="0"/>
+          <a:ext cx="0" cy="0"/>
+          <a:chOff x="0" y="0"/>
+          <a:chExt cx="0" cy="0"/>
+        </a:xfrm>
+      </p:grpSpPr>
+      <p:pic>
+        <p:nvPicPr>
+          <p:cNvPr id="3" name="Picture 2" descr="A white chain with circles&#10;&#10;AI-generated content may be incorrect.">
+            <a:extLst>
+              <a:ext uri="{FF2B5EF4-FFF2-40B4-BE49-F238E27FC236}">
+                <a16:creationId xmlns:a16="http://schemas.microsoft.com/office/drawing/2014/main" id="{D0AEF849-A029-6593-FEBB-B3DD46647EDB}"/>
+              </a:ext>
+            </a:extLst>
+          </p:cNvPr>
+          <p:cNvPicPr>
+            <a:picLocks noChangeAspect="1"/>
+          </p:cNvPicPr>
+          <p:nvPr/>
+        </p:nvPicPr>
+        <p:blipFill>
+          <a:blip r:embed="rId2">
+            <a:extLst>
+              <a:ext uri="{28A0092B-C50C-407E-A947-70E740481C1C}">
+                <a14:useLocalDpi xmlns:a14="http://schemas.microsoft.com/office/drawing/2010/main" val="0"/>
+              </a:ext>
+            </a:extLst>
+          </a:blip>
+          <a:stretch>
+            <a:fillRect/>
+          </a:stretch>
+        </p:blipFill>
+        <p:spPr>
+          <a:xfrm>
+            <a:off x="4094356" y="1324962"/>
+            <a:ext cx="3345366" cy="3345366"/>
+          </a:xfrm>
+          <a:prstGeom prst="rect">
+            <a:avLst/>
+          </a:prstGeom>
+        </p:spPr>
+      </p:pic>
+      <p:sp>
+        <p:nvSpPr>
+          <p:cNvPr id="4" name="TextBox 3">
+            <a:extLst>
+              <a:ext uri="{FF2B5EF4-FFF2-40B4-BE49-F238E27FC236}">
+                <a16:creationId xmlns:a16="http://schemas.microsoft.com/office/drawing/2014/main" id="{6F101B6C-3664-3AB6-9777-CB29C814A383}"/>
+              </a:ext>
+            </a:extLst>
+          </p:cNvPr>
+          <p:cNvSpPr txBox="1"/>
+          <p:nvPr/>
+        </p:nvSpPr>
+        <p:spPr>
+          <a:xfrm>
+            <a:off x="5348736" y="4384263"/>
+            <a:ext cx="2888043" cy="375078"/>
+          </a:xfrm>
+          <a:prstGeom prst="rect">
+            <a:avLst/>
+          </a:prstGeom>
+          <a:noFill/>
+        </p:spPr>
+        <p:txBody>
+          <a:bodyPr wrap="square" rtlCol="0">
+            <a:spAutoFit/>
+          </a:bodyPr>
+          <a:lstStyle/>
+          <a:p>
+            <a:pPr algn="ctr"/>
+            <a:r>
+              <a:rPr lang="es-BO" b="1" dirty="0">
+                <a:solidFill>
+                  <a:srgbClr val="002B43"/>
+                </a:solidFill>
+                <a:latin typeface="Arial" panose="020B0604020202020204" pitchFamily="34" charset="0"/>
+                <a:cs typeface="Arial" panose="020B0604020202020204" pitchFamily="34" charset="0"/>
+              </a:rPr>
+              <a:t>S</a:t>
+            </a:r>
+            <a:r>
+              <a:rPr lang="en-US" b="1" dirty="0">
+                <a:solidFill>
+                  <a:srgbClr val="002B43"/>
+                </a:solidFill>
+                <a:latin typeface="Arial" panose="020B0604020202020204" pitchFamily="34" charset="0"/>
+                <a:cs typeface="Arial" panose="020B0604020202020204" pitchFamily="34" charset="0"/>
+              </a:rPr>
+              <a:t>cience Communication</a:t>
+            </a:r>
+          </a:p>
+        </p:txBody>
+      </p:sp>
+      <p:sp>
+        <p:nvSpPr>
+          <p:cNvPr id="5" name="TextBox 4">
+            <a:extLst>
+              <a:ext uri="{FF2B5EF4-FFF2-40B4-BE49-F238E27FC236}">
+                <a16:creationId xmlns:a16="http://schemas.microsoft.com/office/drawing/2014/main" id="{C41405E2-34D8-86C5-37DC-552B6DA921EE}"/>
+              </a:ext>
+            </a:extLst>
+          </p:cNvPr>
+          <p:cNvSpPr txBox="1"/>
+          <p:nvPr/>
+        </p:nvSpPr>
+        <p:spPr>
+          <a:xfrm>
+            <a:off x="2878996" y="1324962"/>
+            <a:ext cx="2888043" cy="375078"/>
+          </a:xfrm>
+          <a:prstGeom prst="rect">
+            <a:avLst/>
+          </a:prstGeom>
+          <a:noFill/>
+        </p:spPr>
+        <p:txBody>
+          <a:bodyPr wrap="square" rtlCol="0">
+            <a:spAutoFit/>
+          </a:bodyPr>
+          <a:lstStyle/>
+          <a:p>
+            <a:pPr algn="ctr"/>
+            <a:r>
+              <a:rPr lang="es-BO" b="1" dirty="0">
+                <a:solidFill>
+                  <a:srgbClr val="002B43"/>
+                </a:solidFill>
+                <a:latin typeface="Arial" panose="020B0604020202020204" pitchFamily="34" charset="0"/>
+                <a:cs typeface="Arial" panose="020B0604020202020204" pitchFamily="34" charset="0"/>
+              </a:rPr>
+              <a:t>Methods Development</a:t>
+            </a:r>
+            <a:endParaRPr lang="en-US" b="1" dirty="0">
+              <a:solidFill>
+                <a:srgbClr val="002B43"/>
+              </a:solidFill>
+              <a:latin typeface="Arial" panose="020B0604020202020204" pitchFamily="34" charset="0"/>
+              <a:cs typeface="Arial" panose="020B0604020202020204" pitchFamily="34" charset="0"/>
+            </a:endParaRPr>
+          </a:p>
+        </p:txBody>
+      </p:sp>
+      <p:sp>
+        <p:nvSpPr>
+          <p:cNvPr id="6" name="TextBox 5">
+            <a:extLst>
+              <a:ext uri="{FF2B5EF4-FFF2-40B4-BE49-F238E27FC236}">
+                <a16:creationId xmlns:a16="http://schemas.microsoft.com/office/drawing/2014/main" id="{57D9188B-FDC1-9C06-21AC-755ED96D564A}"/>
+              </a:ext>
+            </a:extLst>
+          </p:cNvPr>
+          <p:cNvSpPr txBox="1"/>
+          <p:nvPr/>
+        </p:nvSpPr>
+        <p:spPr>
+          <a:xfrm>
+            <a:off x="3042085" y="2810106"/>
+            <a:ext cx="1714989" cy="375078"/>
+          </a:xfrm>
+          <a:prstGeom prst="rect">
+            <a:avLst/>
+          </a:prstGeom>
+          <a:noFill/>
+        </p:spPr>
+        <p:txBody>
+          <a:bodyPr wrap="square" rtlCol="0">
+            <a:spAutoFit/>
+          </a:bodyPr>
+          <a:lstStyle/>
+          <a:p>
+            <a:pPr algn="ctr"/>
+            <a:r>
+              <a:rPr lang="es-BO" b="1" dirty="0">
+                <a:solidFill>
+                  <a:srgbClr val="002B43"/>
+                </a:solidFill>
+                <a:latin typeface="Arial" panose="020B0604020202020204" pitchFamily="34" charset="0"/>
+                <a:cs typeface="Arial" panose="020B0604020202020204" pitchFamily="34" charset="0"/>
+              </a:rPr>
+              <a:t>Applications</a:t>
+            </a:r>
+            <a:endParaRPr lang="en-US" b="1" dirty="0">
+              <a:solidFill>
+                <a:srgbClr val="002B43"/>
+              </a:solidFill>
+              <a:latin typeface="Arial" panose="020B0604020202020204" pitchFamily="34" charset="0"/>
+              <a:cs typeface="Arial" panose="020B0604020202020204" pitchFamily="34" charset="0"/>
+            </a:endParaRPr>
+          </a:p>
+        </p:txBody>
+      </p:sp>
+      <p:sp>
+        <p:nvSpPr>
+          <p:cNvPr id="7" name="TextBox 6">
+            <a:extLst>
+              <a:ext uri="{FF2B5EF4-FFF2-40B4-BE49-F238E27FC236}">
+                <a16:creationId xmlns:a16="http://schemas.microsoft.com/office/drawing/2014/main" id="{D92D9611-1148-B510-00BB-B2BD61BD9969}"/>
+              </a:ext>
+            </a:extLst>
+          </p:cNvPr>
+          <p:cNvSpPr txBox="1"/>
+          <p:nvPr/>
+        </p:nvSpPr>
+        <p:spPr>
+          <a:xfrm>
+            <a:off x="6480045" y="2545039"/>
+            <a:ext cx="1909765" cy="369332"/>
+          </a:xfrm>
+          <a:prstGeom prst="rect">
+            <a:avLst/>
+          </a:prstGeom>
+          <a:noFill/>
+        </p:spPr>
+        <p:txBody>
+          <a:bodyPr wrap="square" rtlCol="0">
+            <a:spAutoFit/>
+          </a:bodyPr>
+          <a:lstStyle/>
+          <a:p>
+            <a:pPr algn="ctr"/>
+            <a:r>
+              <a:rPr lang="es-BO" b="1" dirty="0">
+                <a:solidFill>
+                  <a:srgbClr val="002B43"/>
+                </a:solidFill>
+                <a:latin typeface="Arial" panose="020B0604020202020204" pitchFamily="34" charset="0"/>
+                <a:cs typeface="Arial" panose="020B0604020202020204" pitchFamily="34" charset="0"/>
+              </a:rPr>
+              <a:t>Interpretations</a:t>
+            </a:r>
+            <a:endParaRPr lang="en-US" b="1" dirty="0">
+              <a:solidFill>
+                <a:srgbClr val="002B43"/>
+              </a:solidFill>
+              <a:latin typeface="Arial" panose="020B0604020202020204" pitchFamily="34" charset="0"/>
+              <a:cs typeface="Arial" panose="020B0604020202020204" pitchFamily="34" charset="0"/>
+            </a:endParaRPr>
+          </a:p>
+        </p:txBody>
+      </p:sp>
+    </p:spTree>
+    <p:extLst>
+      <p:ext uri="{BB962C8B-B14F-4D97-AF65-F5344CB8AC3E}">
+        <p14:creationId xmlns:p14="http://schemas.microsoft.com/office/powerpoint/2010/main" val="2553232060"/>
+      </p:ext>
+    </p:extLst>
+  </p:cSld>
+  <p:clrMapOvr>
+    <a:masterClrMapping/>
+  </p:clrMapOvr>
+</p:sld>
+</file>
+
+<file path=ppt/slides/slide13.xml><?xml version="1.0" encoding="utf-8"?>
+<p:sld xmlns:a="http://schemas.openxmlformats.org/drawingml/2006/main" xmlns:r="http://schemas.openxmlformats.org/officeDocument/2006/relationships" xmlns:p="http://schemas.openxmlformats.org/presentationml/2006/main">
+  <p:cSld>
+    <p:spTree>
+      <p:nvGrpSpPr>
+        <p:cNvPr id="1" name=""/>
+        <p:cNvGrpSpPr/>
+        <p:nvPr/>
+      </p:nvGrpSpPr>
+      <p:grpSpPr>
+        <a:xfrm>
+          <a:off x="0" y="0"/>
+          <a:ext cx="0" cy="0"/>
+          <a:chOff x="0" y="0"/>
+          <a:chExt cx="0" cy="0"/>
+        </a:xfrm>
+      </p:grpSpPr>
+      <p:pic>
+        <p:nvPicPr>
+          <p:cNvPr id="1026" name="Picture 2">
+            <a:extLst>
+              <a:ext uri="{FF2B5EF4-FFF2-40B4-BE49-F238E27FC236}">
+                <a16:creationId xmlns:a16="http://schemas.microsoft.com/office/drawing/2014/main" id="{B0C178BD-04D9-420B-A00C-0EC146E132AE}"/>
+              </a:ext>
+            </a:extLst>
+          </p:cNvPr>
+          <p:cNvPicPr>
+            <a:picLocks noChangeAspect="1" noChangeArrowheads="1"/>
+          </p:cNvPicPr>
+          <p:nvPr/>
+        </p:nvPicPr>
+        <p:blipFill>
+          <a:blip r:embed="rId2">
+            <a:extLst>
+              <a:ext uri="{28A0092B-C50C-407E-A947-70E740481C1C}">
+                <a14:useLocalDpi xmlns:a14="http://schemas.microsoft.com/office/drawing/2010/main" val="0"/>
+              </a:ext>
+            </a:extLst>
+          </a:blip>
+          <a:srcRect/>
+          <a:stretch>
+            <a:fillRect/>
+          </a:stretch>
+        </p:blipFill>
+        <p:spPr bwMode="auto">
+          <a:xfrm>
+            <a:off x="0" y="385763"/>
+            <a:ext cx="12192000" cy="6086475"/>
+          </a:xfrm>
+          <a:prstGeom prst="rect">
+            <a:avLst/>
+          </a:prstGeom>
+          <a:noFill/>
+          <a:extLst>
+            <a:ext uri="{909E8E84-426E-40DD-AFC4-6F175D3DCCD1}">
+              <a14:hiddenFill xmlns:a14="http://schemas.microsoft.com/office/drawing/2010/main">
+                <a:solidFill>
+                  <a:srgbClr val="FFFFFF"/>
+                </a:solidFill>
+              </a14:hiddenFill>
+            </a:ext>
+          </a:extLst>
+        </p:spPr>
+      </p:pic>
+    </p:spTree>
+    <p:extLst>
+      <p:ext uri="{BB962C8B-B14F-4D97-AF65-F5344CB8AC3E}">
+        <p14:creationId xmlns:p14="http://schemas.microsoft.com/office/powerpoint/2010/main" val="678546124"/>
+      </p:ext>
+    </p:extLst>
+  </p:cSld>
+  <p:clrMapOvr>
+    <a:masterClrMapping/>
+  </p:clrMapOvr>
+</p:sld>
+</file>
+
+<file path=ppt/slides/slide14.xml><?xml version="1.0" encoding="utf-8"?>
 <p:sld xmlns:a="http://schemas.openxmlformats.org/drawingml/2006/main" xmlns:r="http://schemas.openxmlformats.org/officeDocument/2006/relationships" xmlns:p="http://schemas.openxmlformats.org/presentationml/2006/main">
   <p:cSld>
     <p:spTree>
@@ -3667,3147 +5020,6 @@
 </p:sld>
 </file>
 
-<file path=ppt/slides/slide11.xml><?xml version="1.0" encoding="utf-8"?>
-<p:sld xmlns:a="http://schemas.openxmlformats.org/drawingml/2006/main" xmlns:r="http://schemas.openxmlformats.org/officeDocument/2006/relationships" xmlns:p="http://schemas.openxmlformats.org/presentationml/2006/main">
-  <p:cSld>
-    <p:spTree>
-      <p:nvGrpSpPr>
-        <p:cNvPr id="1" name=""/>
-        <p:cNvGrpSpPr/>
-        <p:nvPr/>
-      </p:nvGrpSpPr>
-      <p:grpSpPr>
-        <a:xfrm>
-          <a:off x="0" y="0"/>
-          <a:ext cx="0" cy="0"/>
-          <a:chOff x="0" y="0"/>
-          <a:chExt cx="0" cy="0"/>
-        </a:xfrm>
-      </p:grpSpPr>
-      <p:sp>
-        <p:nvSpPr>
-          <p:cNvPr id="2" name="Rectangle: Rounded Corners 1">
-            <a:extLst>
-              <a:ext uri="{FF2B5EF4-FFF2-40B4-BE49-F238E27FC236}">
-                <a16:creationId xmlns:a16="http://schemas.microsoft.com/office/drawing/2014/main" id="{A2974148-8660-4ACB-BBCB-DAA85FF412A2}"/>
-              </a:ext>
-            </a:extLst>
-          </p:cNvPr>
-          <p:cNvSpPr/>
-          <p:nvPr/>
-        </p:nvSpPr>
-        <p:spPr>
-          <a:xfrm>
-            <a:off x="2385134" y="1675564"/>
-            <a:ext cx="1152368" cy="390489"/>
-          </a:xfrm>
-          <a:prstGeom prst="roundRect">
-            <a:avLst/>
-          </a:prstGeom>
-          <a:solidFill>
-            <a:schemeClr val="bg1"/>
-          </a:solidFill>
-          <a:ln w="19050">
-            <a:solidFill>
-              <a:schemeClr val="accent2">
-                <a:lumMod val="60000"/>
-                <a:lumOff val="40000"/>
-              </a:schemeClr>
-            </a:solidFill>
-          </a:ln>
-        </p:spPr>
-        <p:style>
-          <a:lnRef idx="2">
-            <a:schemeClr val="accent1">
-              <a:shade val="50000"/>
-            </a:schemeClr>
-          </a:lnRef>
-          <a:fillRef idx="1">
-            <a:schemeClr val="accent1"/>
-          </a:fillRef>
-          <a:effectRef idx="0">
-            <a:schemeClr val="accent1"/>
-          </a:effectRef>
-          <a:fontRef idx="minor">
-            <a:schemeClr val="lt1"/>
-          </a:fontRef>
-        </p:style>
-        <p:txBody>
-          <a:bodyPr rtlCol="0" anchor="ctr"/>
-          <a:lstStyle/>
-          <a:p>
-            <a:pPr algn="ctr"/>
-            <a:r>
-              <a:rPr lang="en-US" sz="1100" b="1" dirty="0">
-                <a:solidFill>
-                  <a:schemeClr val="tx1"/>
-                </a:solidFill>
-              </a:rPr>
-              <a:t>Occupational Stressors</a:t>
-            </a:r>
-          </a:p>
-        </p:txBody>
-      </p:sp>
-      <p:cxnSp>
-        <p:nvCxnSpPr>
-          <p:cNvPr id="3" name="Straight Arrow Connector 2">
-            <a:extLst>
-              <a:ext uri="{FF2B5EF4-FFF2-40B4-BE49-F238E27FC236}">
-                <a16:creationId xmlns:a16="http://schemas.microsoft.com/office/drawing/2014/main" id="{FF7685B5-8FB3-8F14-9A2B-647B233A0A2C}"/>
-              </a:ext>
-            </a:extLst>
-          </p:cNvPr>
-          <p:cNvCxnSpPr>
-            <a:cxnSpLocks/>
-            <a:stCxn id="2" idx="2"/>
-            <a:endCxn id="7" idx="0"/>
-          </p:cNvCxnSpPr>
-          <p:nvPr/>
-        </p:nvCxnSpPr>
-        <p:spPr>
-          <a:xfrm>
-            <a:off x="2961318" y="2066053"/>
-            <a:ext cx="1" cy="179711"/>
-          </a:xfrm>
-          <a:prstGeom prst="straightConnector1">
-            <a:avLst/>
-          </a:prstGeom>
-          <a:ln w="19050">
-            <a:solidFill>
-              <a:schemeClr val="accent2">
-                <a:lumMod val="60000"/>
-                <a:lumOff val="40000"/>
-              </a:schemeClr>
-            </a:solidFill>
-            <a:tailEnd type="triangle"/>
-          </a:ln>
-        </p:spPr>
-        <p:style>
-          <a:lnRef idx="1">
-            <a:schemeClr val="accent1"/>
-          </a:lnRef>
-          <a:fillRef idx="0">
-            <a:schemeClr val="accent1"/>
-          </a:fillRef>
-          <a:effectRef idx="0">
-            <a:schemeClr val="accent1"/>
-          </a:effectRef>
-          <a:fontRef idx="minor">
-            <a:schemeClr val="tx1"/>
-          </a:fontRef>
-        </p:style>
-      </p:cxnSp>
-      <p:cxnSp>
-        <p:nvCxnSpPr>
-          <p:cNvPr id="4" name="Straight Arrow Connector 3">
-            <a:extLst>
-              <a:ext uri="{FF2B5EF4-FFF2-40B4-BE49-F238E27FC236}">
-                <a16:creationId xmlns:a16="http://schemas.microsoft.com/office/drawing/2014/main" id="{06881EC6-8733-2C9B-9C15-FE9AC0D575D9}"/>
-              </a:ext>
-            </a:extLst>
-          </p:cNvPr>
-          <p:cNvCxnSpPr>
-            <a:cxnSpLocks/>
-            <a:stCxn id="6" idx="2"/>
-            <a:endCxn id="8" idx="0"/>
-          </p:cNvCxnSpPr>
-          <p:nvPr/>
-        </p:nvCxnSpPr>
-        <p:spPr>
-          <a:xfrm flipH="1">
-            <a:off x="1573393" y="2066052"/>
-            <a:ext cx="606" cy="174807"/>
-          </a:xfrm>
-          <a:prstGeom prst="straightConnector1">
-            <a:avLst/>
-          </a:prstGeom>
-          <a:ln w="19050">
-            <a:solidFill>
-              <a:schemeClr val="accent6">
-                <a:lumMod val="60000"/>
-                <a:lumOff val="40000"/>
-              </a:schemeClr>
-            </a:solidFill>
-            <a:tailEnd type="triangle"/>
-          </a:ln>
-        </p:spPr>
-        <p:style>
-          <a:lnRef idx="1">
-            <a:schemeClr val="accent1"/>
-          </a:lnRef>
-          <a:fillRef idx="0">
-            <a:schemeClr val="accent1"/>
-          </a:fillRef>
-          <a:effectRef idx="0">
-            <a:schemeClr val="accent1"/>
-          </a:effectRef>
-          <a:fontRef idx="minor">
-            <a:schemeClr val="tx1"/>
-          </a:fontRef>
-        </p:style>
-      </p:cxnSp>
-      <p:sp>
-        <p:nvSpPr>
-          <p:cNvPr id="5" name="Rectangle: Rounded Corners 4">
-            <a:extLst>
-              <a:ext uri="{FF2B5EF4-FFF2-40B4-BE49-F238E27FC236}">
-                <a16:creationId xmlns:a16="http://schemas.microsoft.com/office/drawing/2014/main" id="{E6CE7A71-3552-714D-8F7E-C96F515E2677}"/>
-              </a:ext>
-            </a:extLst>
-          </p:cNvPr>
-          <p:cNvSpPr/>
-          <p:nvPr/>
-        </p:nvSpPr>
-        <p:spPr>
-          <a:xfrm>
-            <a:off x="1365167" y="2967603"/>
-            <a:ext cx="1752306" cy="223072"/>
-          </a:xfrm>
-          <a:prstGeom prst="roundRect">
-            <a:avLst/>
-          </a:prstGeom>
-          <a:solidFill>
-            <a:schemeClr val="bg1"/>
-          </a:solidFill>
-          <a:ln w="19050">
-            <a:solidFill>
-              <a:schemeClr val="accent1">
-                <a:lumMod val="60000"/>
-                <a:lumOff val="40000"/>
-              </a:schemeClr>
-            </a:solidFill>
-          </a:ln>
-        </p:spPr>
-        <p:style>
-          <a:lnRef idx="2">
-            <a:schemeClr val="accent1">
-              <a:shade val="50000"/>
-            </a:schemeClr>
-          </a:lnRef>
-          <a:fillRef idx="1">
-            <a:schemeClr val="accent1"/>
-          </a:fillRef>
-          <a:effectRef idx="0">
-            <a:schemeClr val="accent1"/>
-          </a:effectRef>
-          <a:fontRef idx="minor">
-            <a:schemeClr val="lt1"/>
-          </a:fontRef>
-        </p:style>
-        <p:txBody>
-          <a:bodyPr lIns="0" tIns="0" rIns="0" bIns="0" rtlCol="0" anchor="ctr"/>
-          <a:lstStyle/>
-          <a:p>
-            <a:pPr algn="ctr"/>
-            <a:r>
-              <a:rPr lang="en-US" sz="1100" b="1" dirty="0">
-                <a:solidFill>
-                  <a:schemeClr val="tx1"/>
-                </a:solidFill>
-              </a:rPr>
-              <a:t>Cognitive and brain health</a:t>
-            </a:r>
-          </a:p>
-        </p:txBody>
-      </p:sp>
-      <p:sp>
-        <p:nvSpPr>
-          <p:cNvPr id="6" name="Rectangle: Rounded Corners 5">
-            <a:extLst>
-              <a:ext uri="{FF2B5EF4-FFF2-40B4-BE49-F238E27FC236}">
-                <a16:creationId xmlns:a16="http://schemas.microsoft.com/office/drawing/2014/main" id="{2A1D609B-7825-8CA9-6837-72BA0231753D}"/>
-              </a:ext>
-            </a:extLst>
-          </p:cNvPr>
-          <p:cNvSpPr/>
-          <p:nvPr/>
-        </p:nvSpPr>
-        <p:spPr>
-          <a:xfrm>
-            <a:off x="981770" y="1675563"/>
-            <a:ext cx="1184458" cy="390489"/>
-          </a:xfrm>
-          <a:prstGeom prst="roundRect">
-            <a:avLst/>
-          </a:prstGeom>
-          <a:solidFill>
-            <a:schemeClr val="bg1"/>
-          </a:solidFill>
-          <a:ln w="19050">
-            <a:solidFill>
-              <a:schemeClr val="accent6">
-                <a:lumMod val="60000"/>
-                <a:lumOff val="40000"/>
-              </a:schemeClr>
-            </a:solidFill>
-          </a:ln>
-        </p:spPr>
-        <p:style>
-          <a:lnRef idx="2">
-            <a:schemeClr val="accent1">
-              <a:shade val="50000"/>
-            </a:schemeClr>
-          </a:lnRef>
-          <a:fillRef idx="1">
-            <a:schemeClr val="accent1"/>
-          </a:fillRef>
-          <a:effectRef idx="0">
-            <a:schemeClr val="accent1"/>
-          </a:effectRef>
-          <a:fontRef idx="minor">
-            <a:schemeClr val="lt1"/>
-          </a:fontRef>
-        </p:style>
-        <p:txBody>
-          <a:bodyPr rtlCol="0" anchor="ctr"/>
-          <a:lstStyle/>
-          <a:p>
-            <a:pPr algn="ctr"/>
-            <a:r>
-              <a:rPr lang="en-US" sz="1100" b="1" dirty="0">
-                <a:solidFill>
-                  <a:schemeClr val="tx1"/>
-                </a:solidFill>
-              </a:rPr>
-              <a:t>Occupational </a:t>
-            </a:r>
-          </a:p>
-          <a:p>
-            <a:pPr algn="ctr"/>
-            <a:r>
-              <a:rPr lang="en-US" sz="1100" b="1" dirty="0">
-                <a:solidFill>
-                  <a:schemeClr val="tx1"/>
-                </a:solidFill>
-              </a:rPr>
-              <a:t>Stimulation</a:t>
-            </a:r>
-          </a:p>
-        </p:txBody>
-      </p:sp>
-      <p:sp>
-        <p:nvSpPr>
-          <p:cNvPr id="7" name="Rectangle: Rounded Corners 6">
-            <a:extLst>
-              <a:ext uri="{FF2B5EF4-FFF2-40B4-BE49-F238E27FC236}">
-                <a16:creationId xmlns:a16="http://schemas.microsoft.com/office/drawing/2014/main" id="{A66518E2-4F0F-8E2B-BC2F-A869DF63C5AA}"/>
-              </a:ext>
-            </a:extLst>
-          </p:cNvPr>
-          <p:cNvSpPr/>
-          <p:nvPr/>
-        </p:nvSpPr>
-        <p:spPr>
-          <a:xfrm>
-            <a:off x="2289596" y="2245764"/>
-            <a:ext cx="1343445" cy="524741"/>
-          </a:xfrm>
-          <a:prstGeom prst="roundRect">
-            <a:avLst/>
-          </a:prstGeom>
-          <a:solidFill>
-            <a:schemeClr val="bg1"/>
-          </a:solidFill>
-          <a:ln w="19050">
-            <a:solidFill>
-              <a:schemeClr val="accent2">
-                <a:lumMod val="60000"/>
-                <a:lumOff val="40000"/>
-              </a:schemeClr>
-            </a:solidFill>
-          </a:ln>
-        </p:spPr>
-        <p:style>
-          <a:lnRef idx="2">
-            <a:schemeClr val="accent1">
-              <a:shade val="50000"/>
-            </a:schemeClr>
-          </a:lnRef>
-          <a:fillRef idx="1">
-            <a:schemeClr val="accent1"/>
-          </a:fillRef>
-          <a:effectRef idx="0">
-            <a:schemeClr val="accent1"/>
-          </a:effectRef>
-          <a:fontRef idx="minor">
-            <a:schemeClr val="lt1"/>
-          </a:fontRef>
-        </p:style>
-        <p:txBody>
-          <a:bodyPr lIns="0" tIns="0" rIns="0" bIns="0" rtlCol="0" anchor="ctr"/>
-          <a:lstStyle/>
-          <a:p>
-            <a:r>
-              <a:rPr lang="en-US" sz="1100" dirty="0">
-                <a:solidFill>
-                  <a:schemeClr val="tx1"/>
-                </a:solidFill>
-              </a:rPr>
-              <a:t>- Inflammation</a:t>
-            </a:r>
-          </a:p>
-          <a:p>
-            <a:r>
-              <a:rPr lang="en-US" sz="1100" dirty="0">
-                <a:solidFill>
-                  <a:schemeClr val="tx1"/>
-                </a:solidFill>
-              </a:rPr>
-              <a:t>- Telomere shortening</a:t>
-            </a:r>
-          </a:p>
-          <a:p>
-            <a:r>
-              <a:rPr lang="en-US" sz="1100" dirty="0">
-                <a:solidFill>
-                  <a:schemeClr val="tx1"/>
-                </a:solidFill>
-              </a:rPr>
-              <a:t>- Vascular risk</a:t>
-            </a:r>
-          </a:p>
-        </p:txBody>
-      </p:sp>
-      <p:sp>
-        <p:nvSpPr>
-          <p:cNvPr id="8" name="Rectangle: Rounded Corners 7">
-            <a:extLst>
-              <a:ext uri="{FF2B5EF4-FFF2-40B4-BE49-F238E27FC236}">
-                <a16:creationId xmlns:a16="http://schemas.microsoft.com/office/drawing/2014/main" id="{CEFA1E46-4391-75B5-E64A-0ACA666D471F}"/>
-              </a:ext>
-            </a:extLst>
-          </p:cNvPr>
-          <p:cNvSpPr/>
-          <p:nvPr/>
-        </p:nvSpPr>
-        <p:spPr>
-          <a:xfrm>
-            <a:off x="997209" y="2240859"/>
-            <a:ext cx="1152368" cy="524740"/>
-          </a:xfrm>
-          <a:prstGeom prst="roundRect">
-            <a:avLst/>
-          </a:prstGeom>
-          <a:solidFill>
-            <a:schemeClr val="bg1"/>
-          </a:solidFill>
-          <a:ln w="19050">
-            <a:solidFill>
-              <a:schemeClr val="accent6">
-                <a:lumMod val="60000"/>
-                <a:lumOff val="40000"/>
-              </a:schemeClr>
-            </a:solidFill>
-          </a:ln>
-        </p:spPr>
-        <p:style>
-          <a:lnRef idx="2">
-            <a:schemeClr val="accent1">
-              <a:shade val="50000"/>
-            </a:schemeClr>
-          </a:lnRef>
-          <a:fillRef idx="1">
-            <a:schemeClr val="accent1"/>
-          </a:fillRef>
-          <a:effectRef idx="0">
-            <a:schemeClr val="accent1"/>
-          </a:effectRef>
-          <a:fontRef idx="minor">
-            <a:schemeClr val="lt1"/>
-          </a:fontRef>
-        </p:style>
-        <p:txBody>
-          <a:bodyPr lIns="0" tIns="0" rIns="0" bIns="0" rtlCol="0" anchor="ctr"/>
-          <a:lstStyle/>
-          <a:p>
-            <a:r>
-              <a:rPr lang="en-US" sz="1100" dirty="0">
-                <a:solidFill>
-                  <a:schemeClr val="tx1"/>
-                </a:solidFill>
-              </a:rPr>
-              <a:t>- Neurogenesis</a:t>
-            </a:r>
-          </a:p>
-          <a:p>
-            <a:r>
-              <a:rPr lang="en-US" sz="1100" dirty="0">
-                <a:solidFill>
-                  <a:schemeClr val="tx1"/>
-                </a:solidFill>
-              </a:rPr>
-              <a:t>- Neuroprotection</a:t>
-            </a:r>
-          </a:p>
-          <a:p>
-            <a:r>
-              <a:rPr lang="en-US" sz="1100" dirty="0">
-                <a:solidFill>
-                  <a:schemeClr val="tx1"/>
-                </a:solidFill>
-              </a:rPr>
-              <a:t>- Neuroplasticity</a:t>
-            </a:r>
-          </a:p>
-        </p:txBody>
-      </p:sp>
-      <p:cxnSp>
-        <p:nvCxnSpPr>
-          <p:cNvPr id="9" name="Straight Arrow Connector 8">
-            <a:extLst>
-              <a:ext uri="{FF2B5EF4-FFF2-40B4-BE49-F238E27FC236}">
-                <a16:creationId xmlns:a16="http://schemas.microsoft.com/office/drawing/2014/main" id="{0CAEB4CA-8AE8-0DF5-FD77-12317E9F6DCC}"/>
-              </a:ext>
-            </a:extLst>
-          </p:cNvPr>
-          <p:cNvCxnSpPr>
-            <a:cxnSpLocks/>
-            <a:stCxn id="7" idx="2"/>
-          </p:cNvCxnSpPr>
-          <p:nvPr/>
-        </p:nvCxnSpPr>
-        <p:spPr>
-          <a:xfrm>
-            <a:off x="2961319" y="2770505"/>
-            <a:ext cx="0" cy="183361"/>
-          </a:xfrm>
-          <a:prstGeom prst="straightConnector1">
-            <a:avLst/>
-          </a:prstGeom>
-          <a:ln w="19050">
-            <a:solidFill>
-              <a:schemeClr val="accent2">
-                <a:lumMod val="60000"/>
-                <a:lumOff val="40000"/>
-              </a:schemeClr>
-            </a:solidFill>
-            <a:tailEnd type="triangle"/>
-          </a:ln>
-        </p:spPr>
-        <p:style>
-          <a:lnRef idx="1">
-            <a:schemeClr val="accent1"/>
-          </a:lnRef>
-          <a:fillRef idx="0">
-            <a:schemeClr val="accent1"/>
-          </a:fillRef>
-          <a:effectRef idx="0">
-            <a:schemeClr val="accent1"/>
-          </a:effectRef>
-          <a:fontRef idx="minor">
-            <a:schemeClr val="tx1"/>
-          </a:fontRef>
-        </p:style>
-      </p:cxnSp>
-      <p:cxnSp>
-        <p:nvCxnSpPr>
-          <p:cNvPr id="10" name="Straight Arrow Connector 9">
-            <a:extLst>
-              <a:ext uri="{FF2B5EF4-FFF2-40B4-BE49-F238E27FC236}">
-                <a16:creationId xmlns:a16="http://schemas.microsoft.com/office/drawing/2014/main" id="{DD7B3877-EAB2-EF45-2D44-9590390D79D8}"/>
-              </a:ext>
-            </a:extLst>
-          </p:cNvPr>
-          <p:cNvCxnSpPr>
-            <a:cxnSpLocks/>
-            <a:stCxn id="8" idx="2"/>
-          </p:cNvCxnSpPr>
-          <p:nvPr/>
-        </p:nvCxnSpPr>
-        <p:spPr>
-          <a:xfrm>
-            <a:off x="1573393" y="2765599"/>
-            <a:ext cx="0" cy="188267"/>
-          </a:xfrm>
-          <a:prstGeom prst="straightConnector1">
-            <a:avLst/>
-          </a:prstGeom>
-          <a:ln w="19050">
-            <a:solidFill>
-              <a:schemeClr val="accent6">
-                <a:lumMod val="60000"/>
-                <a:lumOff val="40000"/>
-              </a:schemeClr>
-            </a:solidFill>
-            <a:tailEnd type="triangle"/>
-          </a:ln>
-        </p:spPr>
-        <p:style>
-          <a:lnRef idx="1">
-            <a:schemeClr val="accent1"/>
-          </a:lnRef>
-          <a:fillRef idx="0">
-            <a:schemeClr val="accent1"/>
-          </a:fillRef>
-          <a:effectRef idx="0">
-            <a:schemeClr val="accent1"/>
-          </a:effectRef>
-          <a:fontRef idx="minor">
-            <a:schemeClr val="tx1"/>
-          </a:fontRef>
-        </p:style>
-      </p:cxnSp>
-      <p:sp>
-        <p:nvSpPr>
-          <p:cNvPr id="11" name="Rectangle: Rounded Corners 10">
-            <a:extLst>
-              <a:ext uri="{FF2B5EF4-FFF2-40B4-BE49-F238E27FC236}">
-                <a16:creationId xmlns:a16="http://schemas.microsoft.com/office/drawing/2014/main" id="{4F574C7A-5A4F-5606-2EA0-C1FAADEA7E08}"/>
-              </a:ext>
-            </a:extLst>
-          </p:cNvPr>
-          <p:cNvSpPr/>
-          <p:nvPr/>
-        </p:nvSpPr>
-        <p:spPr>
-          <a:xfrm>
-            <a:off x="738293" y="1191294"/>
-            <a:ext cx="3072857" cy="2105626"/>
-          </a:xfrm>
-          <a:prstGeom prst="roundRect">
-            <a:avLst>
-              <a:gd name="adj" fmla="val 5000"/>
-            </a:avLst>
-          </a:prstGeom>
-          <a:noFill/>
-          <a:ln>
-            <a:solidFill>
-              <a:schemeClr val="accent1">
-                <a:lumMod val="75000"/>
-              </a:schemeClr>
-            </a:solidFill>
-          </a:ln>
-        </p:spPr>
-        <p:style>
-          <a:lnRef idx="2">
-            <a:schemeClr val="accent4"/>
-          </a:lnRef>
-          <a:fillRef idx="1">
-            <a:schemeClr val="lt1"/>
-          </a:fillRef>
-          <a:effectRef idx="0">
-            <a:schemeClr val="accent4"/>
-          </a:effectRef>
-          <a:fontRef idx="minor">
-            <a:schemeClr val="dk1"/>
-          </a:fontRef>
-        </p:style>
-        <p:txBody>
-          <a:bodyPr rtlCol="0" anchor="ctr"/>
-          <a:lstStyle/>
-          <a:p>
-            <a:pPr algn="ctr"/>
-            <a:endParaRPr lang="en-US" sz="1100">
-              <a:solidFill>
-                <a:schemeClr val="accent1">
-                  <a:lumMod val="75000"/>
-                </a:schemeClr>
-              </a:solidFill>
-            </a:endParaRPr>
-          </a:p>
-        </p:txBody>
-      </p:sp>
-      <p:sp>
-        <p:nvSpPr>
-          <p:cNvPr id="12" name="TextBox 11">
-            <a:extLst>
-              <a:ext uri="{FF2B5EF4-FFF2-40B4-BE49-F238E27FC236}">
-                <a16:creationId xmlns:a16="http://schemas.microsoft.com/office/drawing/2014/main" id="{EA92AA57-08C2-388D-19F6-2D73C57D4C05}"/>
-              </a:ext>
-            </a:extLst>
-          </p:cNvPr>
-          <p:cNvSpPr txBox="1"/>
-          <p:nvPr/>
-        </p:nvSpPr>
-        <p:spPr>
-          <a:xfrm>
-            <a:off x="647279" y="1191294"/>
-            <a:ext cx="3189749" cy="261610"/>
-          </a:xfrm>
-          <a:prstGeom prst="rect">
-            <a:avLst/>
-          </a:prstGeom>
-          <a:noFill/>
-        </p:spPr>
-        <p:txBody>
-          <a:bodyPr wrap="square">
-            <a:spAutoFit/>
-          </a:bodyPr>
-          <a:lstStyle/>
-          <a:p>
-            <a:pPr algn="ctr"/>
-            <a:r>
-              <a:rPr lang="en-US" sz="1100" b="1" dirty="0"/>
-              <a:t>Aim 2. Related disparities with intersectional lens</a:t>
-            </a:r>
-          </a:p>
-        </p:txBody>
-      </p:sp>
-      <p:sp>
-        <p:nvSpPr>
-          <p:cNvPr id="13" name="Rectangle: Rounded Corners 12">
-            <a:extLst>
-              <a:ext uri="{FF2B5EF4-FFF2-40B4-BE49-F238E27FC236}">
-                <a16:creationId xmlns:a16="http://schemas.microsoft.com/office/drawing/2014/main" id="{4C17AAE3-751B-D4B1-2230-A9CD41F1E03A}"/>
-              </a:ext>
-            </a:extLst>
-          </p:cNvPr>
-          <p:cNvSpPr/>
-          <p:nvPr/>
-        </p:nvSpPr>
-        <p:spPr>
-          <a:xfrm>
-            <a:off x="647279" y="938511"/>
-            <a:ext cx="3251861" cy="2429529"/>
-          </a:xfrm>
-          <a:prstGeom prst="roundRect">
-            <a:avLst>
-              <a:gd name="adj" fmla="val 5000"/>
-            </a:avLst>
-          </a:prstGeom>
-          <a:noFill/>
-          <a:ln>
-            <a:solidFill>
-              <a:schemeClr val="accent1">
-                <a:lumMod val="50000"/>
-              </a:schemeClr>
-            </a:solidFill>
-          </a:ln>
-        </p:spPr>
-        <p:style>
-          <a:lnRef idx="2">
-            <a:schemeClr val="accent4"/>
-          </a:lnRef>
-          <a:fillRef idx="1">
-            <a:schemeClr val="lt1"/>
-          </a:fillRef>
-          <a:effectRef idx="0">
-            <a:schemeClr val="accent4"/>
-          </a:effectRef>
-          <a:fontRef idx="minor">
-            <a:schemeClr val="dk1"/>
-          </a:fontRef>
-        </p:style>
-        <p:txBody>
-          <a:bodyPr rtlCol="0" anchor="ctr"/>
-          <a:lstStyle/>
-          <a:p>
-            <a:pPr algn="ctr"/>
-            <a:endParaRPr lang="en-US" sz="1100"/>
-          </a:p>
-        </p:txBody>
-      </p:sp>
-      <p:sp>
-        <p:nvSpPr>
-          <p:cNvPr id="14" name="TextBox 13">
-            <a:extLst>
-              <a:ext uri="{FF2B5EF4-FFF2-40B4-BE49-F238E27FC236}">
-                <a16:creationId xmlns:a16="http://schemas.microsoft.com/office/drawing/2014/main" id="{8EBD4705-E9C4-D54D-1987-8548EAD4F4F3}"/>
-              </a:ext>
-            </a:extLst>
-          </p:cNvPr>
-          <p:cNvSpPr txBox="1"/>
-          <p:nvPr/>
-        </p:nvSpPr>
-        <p:spPr>
-          <a:xfrm>
-            <a:off x="606372" y="938512"/>
-            <a:ext cx="3359255" cy="261610"/>
-          </a:xfrm>
-          <a:prstGeom prst="rect">
-            <a:avLst/>
-          </a:prstGeom>
-          <a:noFill/>
-        </p:spPr>
-        <p:txBody>
-          <a:bodyPr wrap="square">
-            <a:spAutoFit/>
-          </a:bodyPr>
-          <a:lstStyle/>
-          <a:p>
-            <a:r>
-              <a:rPr lang="en-US" sz="1100" b="1" dirty="0"/>
-              <a:t>Aim 3. Policy-relevant hypothetical joint interventions </a:t>
-            </a:r>
-            <a:endParaRPr lang="en-US" sz="1100" dirty="0"/>
-          </a:p>
-        </p:txBody>
-      </p:sp>
-      <p:sp>
-        <p:nvSpPr>
-          <p:cNvPr id="15" name="Rectangle: Rounded Corners 14">
-            <a:extLst>
-              <a:ext uri="{FF2B5EF4-FFF2-40B4-BE49-F238E27FC236}">
-                <a16:creationId xmlns:a16="http://schemas.microsoft.com/office/drawing/2014/main" id="{1AE2485D-ECED-9274-F552-3239055B4E70}"/>
-              </a:ext>
-            </a:extLst>
-          </p:cNvPr>
-          <p:cNvSpPr/>
-          <p:nvPr/>
-        </p:nvSpPr>
-        <p:spPr>
-          <a:xfrm>
-            <a:off x="858520" y="1423970"/>
-            <a:ext cx="2854960" cy="1817070"/>
-          </a:xfrm>
-          <a:prstGeom prst="roundRect">
-            <a:avLst>
-              <a:gd name="adj" fmla="val 5000"/>
-            </a:avLst>
-          </a:prstGeom>
-          <a:noFill/>
-          <a:ln>
-            <a:solidFill>
-              <a:schemeClr val="accent1">
-                <a:lumMod val="75000"/>
-              </a:schemeClr>
-            </a:solidFill>
-          </a:ln>
-        </p:spPr>
-        <p:style>
-          <a:lnRef idx="2">
-            <a:schemeClr val="accent4"/>
-          </a:lnRef>
-          <a:fillRef idx="1">
-            <a:schemeClr val="lt1"/>
-          </a:fillRef>
-          <a:effectRef idx="0">
-            <a:schemeClr val="accent4"/>
-          </a:effectRef>
-          <a:fontRef idx="minor">
-            <a:schemeClr val="dk1"/>
-          </a:fontRef>
-        </p:style>
-        <p:txBody>
-          <a:bodyPr rtlCol="0" anchor="ctr"/>
-          <a:lstStyle/>
-          <a:p>
-            <a:pPr algn="ctr"/>
-            <a:endParaRPr lang="en-US" sz="1100">
-              <a:solidFill>
-                <a:schemeClr val="accent1">
-                  <a:lumMod val="75000"/>
-                </a:schemeClr>
-              </a:solidFill>
-            </a:endParaRPr>
-          </a:p>
-        </p:txBody>
-      </p:sp>
-      <p:sp>
-        <p:nvSpPr>
-          <p:cNvPr id="16" name="TextBox 15">
-            <a:extLst>
-              <a:ext uri="{FF2B5EF4-FFF2-40B4-BE49-F238E27FC236}">
-                <a16:creationId xmlns:a16="http://schemas.microsoft.com/office/drawing/2014/main" id="{3004E274-652C-D29E-5A10-7E1814DF4003}"/>
-              </a:ext>
-            </a:extLst>
-          </p:cNvPr>
-          <p:cNvSpPr txBox="1"/>
-          <p:nvPr/>
-        </p:nvSpPr>
-        <p:spPr>
-          <a:xfrm>
-            <a:off x="844166" y="1423638"/>
-            <a:ext cx="2904610" cy="261610"/>
-          </a:xfrm>
-          <a:prstGeom prst="rect">
-            <a:avLst/>
-          </a:prstGeom>
-          <a:noFill/>
-        </p:spPr>
-        <p:txBody>
-          <a:bodyPr wrap="square">
-            <a:spAutoFit/>
-          </a:bodyPr>
-          <a:lstStyle/>
-          <a:p>
-            <a:pPr algn="ctr"/>
-            <a:r>
-              <a:rPr lang="en-US" sz="1100" b="1" dirty="0"/>
-              <a:t>Aim 1. Direct effects</a:t>
-            </a:r>
-          </a:p>
-        </p:txBody>
-      </p:sp>
-      <p:sp>
-        <p:nvSpPr>
-          <p:cNvPr id="17" name="Rectangle: Rounded Corners 16">
-            <a:extLst>
-              <a:ext uri="{FF2B5EF4-FFF2-40B4-BE49-F238E27FC236}">
-                <a16:creationId xmlns:a16="http://schemas.microsoft.com/office/drawing/2014/main" id="{39D651D9-C0F8-C88D-4C8D-36DD0EC22264}"/>
-              </a:ext>
-            </a:extLst>
-          </p:cNvPr>
-          <p:cNvSpPr/>
-          <p:nvPr/>
-        </p:nvSpPr>
-        <p:spPr>
-          <a:xfrm>
-            <a:off x="6034244" y="1637464"/>
-            <a:ext cx="1152368" cy="390489"/>
-          </a:xfrm>
-          <a:prstGeom prst="roundRect">
-            <a:avLst/>
-          </a:prstGeom>
-          <a:solidFill>
-            <a:schemeClr val="bg1"/>
-          </a:solidFill>
-          <a:ln w="19050">
-            <a:solidFill>
-              <a:schemeClr val="accent2">
-                <a:lumMod val="60000"/>
-                <a:lumOff val="40000"/>
-              </a:schemeClr>
-            </a:solidFill>
-          </a:ln>
-        </p:spPr>
-        <p:style>
-          <a:lnRef idx="2">
-            <a:schemeClr val="accent1">
-              <a:shade val="50000"/>
-            </a:schemeClr>
-          </a:lnRef>
-          <a:fillRef idx="1">
-            <a:schemeClr val="accent1"/>
-          </a:fillRef>
-          <a:effectRef idx="0">
-            <a:schemeClr val="accent1"/>
-          </a:effectRef>
-          <a:fontRef idx="minor">
-            <a:schemeClr val="lt1"/>
-          </a:fontRef>
-        </p:style>
-        <p:txBody>
-          <a:bodyPr rtlCol="0" anchor="ctr"/>
-          <a:lstStyle/>
-          <a:p>
-            <a:pPr algn="ctr"/>
-            <a:r>
-              <a:rPr lang="en-US" sz="1100" b="1" dirty="0">
-                <a:solidFill>
-                  <a:schemeClr val="tx1"/>
-                </a:solidFill>
-              </a:rPr>
-              <a:t>Occupational Stressors</a:t>
-            </a:r>
-          </a:p>
-        </p:txBody>
-      </p:sp>
-      <p:cxnSp>
-        <p:nvCxnSpPr>
-          <p:cNvPr id="18" name="Straight Arrow Connector 17">
-            <a:extLst>
-              <a:ext uri="{FF2B5EF4-FFF2-40B4-BE49-F238E27FC236}">
-                <a16:creationId xmlns:a16="http://schemas.microsoft.com/office/drawing/2014/main" id="{E7F2254D-1054-37FD-6841-8DC55249867B}"/>
-              </a:ext>
-            </a:extLst>
-          </p:cNvPr>
-          <p:cNvCxnSpPr>
-            <a:cxnSpLocks/>
-            <a:stCxn id="17" idx="2"/>
-            <a:endCxn id="22" idx="0"/>
-          </p:cNvCxnSpPr>
-          <p:nvPr/>
-        </p:nvCxnSpPr>
-        <p:spPr>
-          <a:xfrm>
-            <a:off x="6610428" y="2027953"/>
-            <a:ext cx="1" cy="179711"/>
-          </a:xfrm>
-          <a:prstGeom prst="straightConnector1">
-            <a:avLst/>
-          </a:prstGeom>
-          <a:ln w="19050">
-            <a:solidFill>
-              <a:schemeClr val="accent2">
-                <a:lumMod val="60000"/>
-                <a:lumOff val="40000"/>
-              </a:schemeClr>
-            </a:solidFill>
-            <a:tailEnd type="triangle"/>
-          </a:ln>
-        </p:spPr>
-        <p:style>
-          <a:lnRef idx="1">
-            <a:schemeClr val="accent1"/>
-          </a:lnRef>
-          <a:fillRef idx="0">
-            <a:schemeClr val="accent1"/>
-          </a:fillRef>
-          <a:effectRef idx="0">
-            <a:schemeClr val="accent1"/>
-          </a:effectRef>
-          <a:fontRef idx="minor">
-            <a:schemeClr val="tx1"/>
-          </a:fontRef>
-        </p:style>
-      </p:cxnSp>
-      <p:cxnSp>
-        <p:nvCxnSpPr>
-          <p:cNvPr id="19" name="Straight Arrow Connector 18">
-            <a:extLst>
-              <a:ext uri="{FF2B5EF4-FFF2-40B4-BE49-F238E27FC236}">
-                <a16:creationId xmlns:a16="http://schemas.microsoft.com/office/drawing/2014/main" id="{8BE4F1D3-1BF3-C385-0A79-54E8BCB4FCD5}"/>
-              </a:ext>
-            </a:extLst>
-          </p:cNvPr>
-          <p:cNvCxnSpPr>
-            <a:cxnSpLocks/>
-            <a:stCxn id="21" idx="2"/>
-            <a:endCxn id="23" idx="0"/>
-          </p:cNvCxnSpPr>
-          <p:nvPr/>
-        </p:nvCxnSpPr>
-        <p:spPr>
-          <a:xfrm flipH="1">
-            <a:off x="5222503" y="2027952"/>
-            <a:ext cx="606" cy="174807"/>
-          </a:xfrm>
-          <a:prstGeom prst="straightConnector1">
-            <a:avLst/>
-          </a:prstGeom>
-          <a:ln w="19050">
-            <a:solidFill>
-              <a:schemeClr val="accent6">
-                <a:lumMod val="60000"/>
-                <a:lumOff val="40000"/>
-              </a:schemeClr>
-            </a:solidFill>
-            <a:tailEnd type="triangle"/>
-          </a:ln>
-        </p:spPr>
-        <p:style>
-          <a:lnRef idx="1">
-            <a:schemeClr val="accent1"/>
-          </a:lnRef>
-          <a:fillRef idx="0">
-            <a:schemeClr val="accent1"/>
-          </a:fillRef>
-          <a:effectRef idx="0">
-            <a:schemeClr val="accent1"/>
-          </a:effectRef>
-          <a:fontRef idx="minor">
-            <a:schemeClr val="tx1"/>
-          </a:fontRef>
-        </p:style>
-      </p:cxnSp>
-      <p:sp>
-        <p:nvSpPr>
-          <p:cNvPr id="20" name="Rectangle: Rounded Corners 19">
-            <a:extLst>
-              <a:ext uri="{FF2B5EF4-FFF2-40B4-BE49-F238E27FC236}">
-                <a16:creationId xmlns:a16="http://schemas.microsoft.com/office/drawing/2014/main" id="{8B6E1C74-B0C5-BC7C-C751-21C91668AFAE}"/>
-              </a:ext>
-            </a:extLst>
-          </p:cNvPr>
-          <p:cNvSpPr/>
-          <p:nvPr/>
-        </p:nvSpPr>
-        <p:spPr>
-          <a:xfrm>
-            <a:off x="5014277" y="2929503"/>
-            <a:ext cx="1752306" cy="223072"/>
-          </a:xfrm>
-          <a:prstGeom prst="roundRect">
-            <a:avLst/>
-          </a:prstGeom>
-          <a:solidFill>
-            <a:schemeClr val="bg1"/>
-          </a:solidFill>
-          <a:ln w="19050">
-            <a:solidFill>
-              <a:schemeClr val="accent1">
-                <a:lumMod val="60000"/>
-                <a:lumOff val="40000"/>
-              </a:schemeClr>
-            </a:solidFill>
-          </a:ln>
-        </p:spPr>
-        <p:style>
-          <a:lnRef idx="2">
-            <a:schemeClr val="accent1">
-              <a:shade val="50000"/>
-            </a:schemeClr>
-          </a:lnRef>
-          <a:fillRef idx="1">
-            <a:schemeClr val="accent1"/>
-          </a:fillRef>
-          <a:effectRef idx="0">
-            <a:schemeClr val="accent1"/>
-          </a:effectRef>
-          <a:fontRef idx="minor">
-            <a:schemeClr val="lt1"/>
-          </a:fontRef>
-        </p:style>
-        <p:txBody>
-          <a:bodyPr lIns="0" tIns="0" rIns="0" bIns="0" rtlCol="0" anchor="ctr"/>
-          <a:lstStyle/>
-          <a:p>
-            <a:pPr algn="ctr"/>
-            <a:r>
-              <a:rPr lang="en-US" sz="1100" b="1" dirty="0">
-                <a:solidFill>
-                  <a:schemeClr val="tx1"/>
-                </a:solidFill>
-              </a:rPr>
-              <a:t>Cognitive and brain health</a:t>
-            </a:r>
-          </a:p>
-        </p:txBody>
-      </p:sp>
-      <p:sp>
-        <p:nvSpPr>
-          <p:cNvPr id="21" name="Rectangle: Rounded Corners 20">
-            <a:extLst>
-              <a:ext uri="{FF2B5EF4-FFF2-40B4-BE49-F238E27FC236}">
-                <a16:creationId xmlns:a16="http://schemas.microsoft.com/office/drawing/2014/main" id="{80232996-EAD1-9EEB-FBD2-DDD95C8AC36A}"/>
-              </a:ext>
-            </a:extLst>
-          </p:cNvPr>
-          <p:cNvSpPr/>
-          <p:nvPr/>
-        </p:nvSpPr>
-        <p:spPr>
-          <a:xfrm>
-            <a:off x="4630880" y="1637463"/>
-            <a:ext cx="1184458" cy="390489"/>
-          </a:xfrm>
-          <a:prstGeom prst="roundRect">
-            <a:avLst/>
-          </a:prstGeom>
-          <a:solidFill>
-            <a:schemeClr val="bg1"/>
-          </a:solidFill>
-          <a:ln w="19050">
-            <a:solidFill>
-              <a:schemeClr val="accent6">
-                <a:lumMod val="60000"/>
-                <a:lumOff val="40000"/>
-              </a:schemeClr>
-            </a:solidFill>
-          </a:ln>
-        </p:spPr>
-        <p:style>
-          <a:lnRef idx="2">
-            <a:schemeClr val="accent1">
-              <a:shade val="50000"/>
-            </a:schemeClr>
-          </a:lnRef>
-          <a:fillRef idx="1">
-            <a:schemeClr val="accent1"/>
-          </a:fillRef>
-          <a:effectRef idx="0">
-            <a:schemeClr val="accent1"/>
-          </a:effectRef>
-          <a:fontRef idx="minor">
-            <a:schemeClr val="lt1"/>
-          </a:fontRef>
-        </p:style>
-        <p:txBody>
-          <a:bodyPr rtlCol="0" anchor="ctr"/>
-          <a:lstStyle/>
-          <a:p>
-            <a:pPr algn="ctr"/>
-            <a:r>
-              <a:rPr lang="en-US" sz="1100" b="1" dirty="0">
-                <a:solidFill>
-                  <a:schemeClr val="tx1"/>
-                </a:solidFill>
-              </a:rPr>
-              <a:t>Occupational </a:t>
-            </a:r>
-          </a:p>
-          <a:p>
-            <a:pPr algn="ctr"/>
-            <a:r>
-              <a:rPr lang="en-US" sz="1100" b="1" dirty="0">
-                <a:solidFill>
-                  <a:schemeClr val="tx1"/>
-                </a:solidFill>
-              </a:rPr>
-              <a:t>Stimulation</a:t>
-            </a:r>
-          </a:p>
-          <a:p>
-            <a:pPr algn="ctr"/>
-            <a:r>
-              <a:rPr lang="en-US" sz="1100" b="1" dirty="0">
-                <a:solidFill>
-                  <a:schemeClr val="tx1"/>
-                </a:solidFill>
-              </a:rPr>
-              <a:t>E.g. Complexity</a:t>
-            </a:r>
-          </a:p>
-          <a:p>
-            <a:pPr algn="ctr"/>
-            <a:endParaRPr lang="en-US" sz="1100" b="1" dirty="0">
-              <a:solidFill>
-                <a:schemeClr val="tx1"/>
-              </a:solidFill>
-            </a:endParaRPr>
-          </a:p>
-        </p:txBody>
-      </p:sp>
-      <p:sp>
-        <p:nvSpPr>
-          <p:cNvPr id="22" name="Rectangle: Rounded Corners 21">
-            <a:extLst>
-              <a:ext uri="{FF2B5EF4-FFF2-40B4-BE49-F238E27FC236}">
-                <a16:creationId xmlns:a16="http://schemas.microsoft.com/office/drawing/2014/main" id="{B8BADC37-0690-4900-71E5-621BAE052D13}"/>
-              </a:ext>
-            </a:extLst>
-          </p:cNvPr>
-          <p:cNvSpPr/>
-          <p:nvPr/>
-        </p:nvSpPr>
-        <p:spPr>
-          <a:xfrm>
-            <a:off x="5938706" y="2207664"/>
-            <a:ext cx="1343445" cy="524741"/>
-          </a:xfrm>
-          <a:prstGeom prst="roundRect">
-            <a:avLst/>
-          </a:prstGeom>
-          <a:solidFill>
-            <a:schemeClr val="bg1"/>
-          </a:solidFill>
-          <a:ln w="19050">
-            <a:solidFill>
-              <a:schemeClr val="accent2">
-                <a:lumMod val="60000"/>
-                <a:lumOff val="40000"/>
-              </a:schemeClr>
-            </a:solidFill>
-          </a:ln>
-        </p:spPr>
-        <p:style>
-          <a:lnRef idx="2">
-            <a:schemeClr val="accent1">
-              <a:shade val="50000"/>
-            </a:schemeClr>
-          </a:lnRef>
-          <a:fillRef idx="1">
-            <a:schemeClr val="accent1"/>
-          </a:fillRef>
-          <a:effectRef idx="0">
-            <a:schemeClr val="accent1"/>
-          </a:effectRef>
-          <a:fontRef idx="minor">
-            <a:schemeClr val="lt1"/>
-          </a:fontRef>
-        </p:style>
-        <p:txBody>
-          <a:bodyPr lIns="0" tIns="0" rIns="0" bIns="0" rtlCol="0" anchor="ctr"/>
-          <a:lstStyle/>
-          <a:p>
-            <a:r>
-              <a:rPr lang="en-US" sz="1100" dirty="0">
-                <a:solidFill>
-                  <a:schemeClr val="tx1"/>
-                </a:solidFill>
-              </a:rPr>
-              <a:t>- Inflammation</a:t>
-            </a:r>
-          </a:p>
-          <a:p>
-            <a:r>
-              <a:rPr lang="en-US" sz="1100" dirty="0">
-                <a:solidFill>
-                  <a:schemeClr val="tx1"/>
-                </a:solidFill>
-              </a:rPr>
-              <a:t>- Telomere shortening</a:t>
-            </a:r>
-          </a:p>
-          <a:p>
-            <a:r>
-              <a:rPr lang="en-US" sz="1100" dirty="0">
-                <a:solidFill>
-                  <a:schemeClr val="tx1"/>
-                </a:solidFill>
-              </a:rPr>
-              <a:t>- Vascular risk</a:t>
-            </a:r>
-          </a:p>
-        </p:txBody>
-      </p:sp>
-      <p:sp>
-        <p:nvSpPr>
-          <p:cNvPr id="23" name="Rectangle: Rounded Corners 22">
-            <a:extLst>
-              <a:ext uri="{FF2B5EF4-FFF2-40B4-BE49-F238E27FC236}">
-                <a16:creationId xmlns:a16="http://schemas.microsoft.com/office/drawing/2014/main" id="{380A5B18-2C21-1541-FA6D-2CFD062196A9}"/>
-              </a:ext>
-            </a:extLst>
-          </p:cNvPr>
-          <p:cNvSpPr/>
-          <p:nvPr/>
-        </p:nvSpPr>
-        <p:spPr>
-          <a:xfrm>
-            <a:off x="4646319" y="2202759"/>
-            <a:ext cx="1152368" cy="524740"/>
-          </a:xfrm>
-          <a:prstGeom prst="roundRect">
-            <a:avLst/>
-          </a:prstGeom>
-          <a:solidFill>
-            <a:schemeClr val="bg1"/>
-          </a:solidFill>
-          <a:ln w="19050">
-            <a:solidFill>
-              <a:schemeClr val="accent6">
-                <a:lumMod val="60000"/>
-                <a:lumOff val="40000"/>
-              </a:schemeClr>
-            </a:solidFill>
-          </a:ln>
-        </p:spPr>
-        <p:style>
-          <a:lnRef idx="2">
-            <a:schemeClr val="accent1">
-              <a:shade val="50000"/>
-            </a:schemeClr>
-          </a:lnRef>
-          <a:fillRef idx="1">
-            <a:schemeClr val="accent1"/>
-          </a:fillRef>
-          <a:effectRef idx="0">
-            <a:schemeClr val="accent1"/>
-          </a:effectRef>
-          <a:fontRef idx="minor">
-            <a:schemeClr val="lt1"/>
-          </a:fontRef>
-        </p:style>
-        <p:txBody>
-          <a:bodyPr lIns="0" tIns="0" rIns="0" bIns="0" rtlCol="0" anchor="ctr"/>
-          <a:lstStyle/>
-          <a:p>
-            <a:r>
-              <a:rPr lang="en-US" sz="1100" dirty="0">
-                <a:solidFill>
-                  <a:schemeClr val="tx1"/>
-                </a:solidFill>
-              </a:rPr>
-              <a:t>- Neurogenesis</a:t>
-            </a:r>
-          </a:p>
-          <a:p>
-            <a:r>
-              <a:rPr lang="en-US" sz="1100" dirty="0">
-                <a:solidFill>
-                  <a:schemeClr val="tx1"/>
-                </a:solidFill>
-              </a:rPr>
-              <a:t>- Neuroprotection</a:t>
-            </a:r>
-          </a:p>
-          <a:p>
-            <a:r>
-              <a:rPr lang="en-US" sz="1100" dirty="0">
-                <a:solidFill>
-                  <a:schemeClr val="tx1"/>
-                </a:solidFill>
-              </a:rPr>
-              <a:t>- Neuroplasticity</a:t>
-            </a:r>
-          </a:p>
-        </p:txBody>
-      </p:sp>
-      <p:cxnSp>
-        <p:nvCxnSpPr>
-          <p:cNvPr id="24" name="Straight Arrow Connector 23">
-            <a:extLst>
-              <a:ext uri="{FF2B5EF4-FFF2-40B4-BE49-F238E27FC236}">
-                <a16:creationId xmlns:a16="http://schemas.microsoft.com/office/drawing/2014/main" id="{3A7343B8-D352-4A0B-88B1-994B3C81972B}"/>
-              </a:ext>
-            </a:extLst>
-          </p:cNvPr>
-          <p:cNvCxnSpPr>
-            <a:cxnSpLocks/>
-            <a:stCxn id="22" idx="2"/>
-          </p:cNvCxnSpPr>
-          <p:nvPr/>
-        </p:nvCxnSpPr>
-        <p:spPr>
-          <a:xfrm>
-            <a:off x="6610429" y="2732405"/>
-            <a:ext cx="0" cy="183361"/>
-          </a:xfrm>
-          <a:prstGeom prst="straightConnector1">
-            <a:avLst/>
-          </a:prstGeom>
-          <a:ln w="19050">
-            <a:solidFill>
-              <a:schemeClr val="accent2">
-                <a:lumMod val="60000"/>
-                <a:lumOff val="40000"/>
-              </a:schemeClr>
-            </a:solidFill>
-            <a:tailEnd type="triangle"/>
-          </a:ln>
-        </p:spPr>
-        <p:style>
-          <a:lnRef idx="1">
-            <a:schemeClr val="accent1"/>
-          </a:lnRef>
-          <a:fillRef idx="0">
-            <a:schemeClr val="accent1"/>
-          </a:fillRef>
-          <a:effectRef idx="0">
-            <a:schemeClr val="accent1"/>
-          </a:effectRef>
-          <a:fontRef idx="minor">
-            <a:schemeClr val="tx1"/>
-          </a:fontRef>
-        </p:style>
-      </p:cxnSp>
-      <p:cxnSp>
-        <p:nvCxnSpPr>
-          <p:cNvPr id="25" name="Straight Arrow Connector 24">
-            <a:extLst>
-              <a:ext uri="{FF2B5EF4-FFF2-40B4-BE49-F238E27FC236}">
-                <a16:creationId xmlns:a16="http://schemas.microsoft.com/office/drawing/2014/main" id="{5E85BE66-5207-3DB9-B75A-2A7C4FBD1B6A}"/>
-              </a:ext>
-            </a:extLst>
-          </p:cNvPr>
-          <p:cNvCxnSpPr>
-            <a:cxnSpLocks/>
-            <a:stCxn id="23" idx="2"/>
-          </p:cNvCxnSpPr>
-          <p:nvPr/>
-        </p:nvCxnSpPr>
-        <p:spPr>
-          <a:xfrm>
-            <a:off x="5222503" y="2727499"/>
-            <a:ext cx="0" cy="188267"/>
-          </a:xfrm>
-          <a:prstGeom prst="straightConnector1">
-            <a:avLst/>
-          </a:prstGeom>
-          <a:ln w="19050">
-            <a:solidFill>
-              <a:schemeClr val="accent6">
-                <a:lumMod val="60000"/>
-                <a:lumOff val="40000"/>
-              </a:schemeClr>
-            </a:solidFill>
-            <a:tailEnd type="triangle"/>
-          </a:ln>
-        </p:spPr>
-        <p:style>
-          <a:lnRef idx="1">
-            <a:schemeClr val="accent1"/>
-          </a:lnRef>
-          <a:fillRef idx="0">
-            <a:schemeClr val="accent1"/>
-          </a:fillRef>
-          <a:effectRef idx="0">
-            <a:schemeClr val="accent1"/>
-          </a:effectRef>
-          <a:fontRef idx="minor">
-            <a:schemeClr val="tx1"/>
-          </a:fontRef>
-        </p:style>
-      </p:cxnSp>
-    </p:spTree>
-    <p:extLst>
-      <p:ext uri="{BB962C8B-B14F-4D97-AF65-F5344CB8AC3E}">
-        <p14:creationId xmlns:p14="http://schemas.microsoft.com/office/powerpoint/2010/main" val="883685501"/>
-      </p:ext>
-    </p:extLst>
-  </p:cSld>
-  <p:clrMapOvr>
-    <a:masterClrMapping/>
-  </p:clrMapOvr>
-</p:sld>
-</file>
-
-<file path=ppt/slides/slide12.xml><?xml version="1.0" encoding="utf-8"?>
-<p:sld xmlns:a="http://schemas.openxmlformats.org/drawingml/2006/main" xmlns:r="http://schemas.openxmlformats.org/officeDocument/2006/relationships" xmlns:p="http://schemas.openxmlformats.org/presentationml/2006/main">
-  <p:cSld>
-    <p:bg>
-      <p:bgPr>
-        <a:solidFill>
-          <a:srgbClr val="E5EEF3"/>
-        </a:solidFill>
-        <a:effectLst/>
-      </p:bgPr>
-    </p:bg>
-    <p:spTree>
-      <p:nvGrpSpPr>
-        <p:cNvPr id="1" name="">
-          <a:extLst>
-            <a:ext uri="{FF2B5EF4-FFF2-40B4-BE49-F238E27FC236}">
-              <a16:creationId xmlns:a16="http://schemas.microsoft.com/office/drawing/2014/main" id="{DCBFBD20-279E-AEFA-8E5F-DB2729282811}"/>
-            </a:ext>
-          </a:extLst>
-        </p:cNvPr>
-        <p:cNvGrpSpPr/>
-        <p:nvPr/>
-      </p:nvGrpSpPr>
-      <p:grpSpPr>
-        <a:xfrm>
-          <a:off x="0" y="0"/>
-          <a:ext cx="0" cy="0"/>
-          <a:chOff x="0" y="0"/>
-          <a:chExt cx="0" cy="0"/>
-        </a:xfrm>
-      </p:grpSpPr>
-      <p:cxnSp>
-        <p:nvCxnSpPr>
-          <p:cNvPr id="4" name="Straight Arrow Connector 3">
-            <a:extLst>
-              <a:ext uri="{FF2B5EF4-FFF2-40B4-BE49-F238E27FC236}">
-                <a16:creationId xmlns:a16="http://schemas.microsoft.com/office/drawing/2014/main" id="{16A5CA30-5DCB-528C-F0D2-F641FDDA2FE4}"/>
-              </a:ext>
-            </a:extLst>
-          </p:cNvPr>
-          <p:cNvCxnSpPr>
-            <a:cxnSpLocks/>
-            <a:stCxn id="5" idx="3"/>
-            <a:endCxn id="7" idx="1"/>
-          </p:cNvCxnSpPr>
-          <p:nvPr/>
-        </p:nvCxnSpPr>
-        <p:spPr>
-          <a:xfrm flipV="1">
-            <a:off x="3476659" y="1906729"/>
-            <a:ext cx="537101" cy="1"/>
-          </a:xfrm>
-          <a:prstGeom prst="straightConnector1">
-            <a:avLst/>
-          </a:prstGeom>
-          <a:ln w="28575">
-            <a:solidFill>
-              <a:srgbClr val="FFB81C"/>
-            </a:solidFill>
-            <a:tailEnd type="triangle"/>
-          </a:ln>
-        </p:spPr>
-        <p:style>
-          <a:lnRef idx="1">
-            <a:schemeClr val="accent1"/>
-          </a:lnRef>
-          <a:fillRef idx="0">
-            <a:schemeClr val="accent1"/>
-          </a:fillRef>
-          <a:effectRef idx="0">
-            <a:schemeClr val="accent1"/>
-          </a:effectRef>
-          <a:fontRef idx="minor">
-            <a:schemeClr val="tx1"/>
-          </a:fontRef>
-        </p:style>
-      </p:cxnSp>
-      <p:sp>
-        <p:nvSpPr>
-          <p:cNvPr id="5" name="Rectangle: Rounded Corners 4">
-            <a:extLst>
-              <a:ext uri="{FF2B5EF4-FFF2-40B4-BE49-F238E27FC236}">
-                <a16:creationId xmlns:a16="http://schemas.microsoft.com/office/drawing/2014/main" id="{C6187B28-7EEF-CC5E-1381-0F9FF096C6D8}"/>
-              </a:ext>
-            </a:extLst>
-          </p:cNvPr>
-          <p:cNvSpPr/>
-          <p:nvPr/>
-        </p:nvSpPr>
-        <p:spPr>
-          <a:xfrm>
-            <a:off x="387458" y="1163932"/>
-            <a:ext cx="3089201" cy="1485595"/>
-          </a:xfrm>
-          <a:prstGeom prst="roundRect">
-            <a:avLst/>
-          </a:prstGeom>
-          <a:solidFill>
-            <a:srgbClr val="E5EEF3"/>
-          </a:solidFill>
-          <a:ln w="28575">
-            <a:solidFill>
-              <a:srgbClr val="FFB81C"/>
-            </a:solidFill>
-          </a:ln>
-        </p:spPr>
-        <p:style>
-          <a:lnRef idx="2">
-            <a:schemeClr val="accent1">
-              <a:shade val="50000"/>
-            </a:schemeClr>
-          </a:lnRef>
-          <a:fillRef idx="1">
-            <a:schemeClr val="accent1"/>
-          </a:fillRef>
-          <a:effectRef idx="0">
-            <a:schemeClr val="accent1"/>
-          </a:effectRef>
-          <a:fontRef idx="minor">
-            <a:schemeClr val="lt1"/>
-          </a:fontRef>
-        </p:style>
-        <p:txBody>
-          <a:bodyPr rtlCol="0" anchor="ctr"/>
-          <a:lstStyle/>
-          <a:p>
-            <a:pPr algn="ctr"/>
-            <a:r>
-              <a:rPr lang="en-US" sz="2000" b="1" dirty="0">
-                <a:solidFill>
-                  <a:schemeClr val="tx1"/>
-                </a:solidFill>
-              </a:rPr>
-              <a:t>Occupational </a:t>
-            </a:r>
-          </a:p>
-          <a:p>
-            <a:pPr algn="ctr"/>
-            <a:r>
-              <a:rPr lang="en-US" sz="2000" b="1" dirty="0">
-                <a:solidFill>
-                  <a:schemeClr val="tx1"/>
-                </a:solidFill>
-              </a:rPr>
-              <a:t>Stimulation</a:t>
-            </a:r>
-          </a:p>
-          <a:p>
-            <a:pPr marL="171450" indent="-171450">
-              <a:buFont typeface="Wingdings" panose="05000000000000000000" pitchFamily="2" charset="2"/>
-              <a:buChar char="§"/>
-            </a:pPr>
-            <a:r>
-              <a:rPr lang="en-US" sz="2000" dirty="0">
-                <a:solidFill>
-                  <a:schemeClr val="tx1"/>
-                </a:solidFill>
-              </a:rPr>
-              <a:t>Complexity</a:t>
-            </a:r>
-          </a:p>
-          <a:p>
-            <a:pPr marL="171450" indent="-171450">
-              <a:buFont typeface="Wingdings" panose="05000000000000000000" pitchFamily="2" charset="2"/>
-              <a:buChar char="§"/>
-            </a:pPr>
-            <a:r>
-              <a:rPr lang="en-US" sz="2000" dirty="0">
-                <a:solidFill>
-                  <a:schemeClr val="tx1"/>
-                </a:solidFill>
-              </a:rPr>
-              <a:t>Decision authority</a:t>
-            </a:r>
-          </a:p>
-          <a:p>
-            <a:pPr marL="171450" indent="-171450">
-              <a:buFont typeface="Wingdings" panose="05000000000000000000" pitchFamily="2" charset="2"/>
-              <a:buChar char="§"/>
-            </a:pPr>
-            <a:r>
-              <a:rPr lang="en-US" sz="2000" dirty="0">
-                <a:solidFill>
-                  <a:schemeClr val="tx1"/>
-                </a:solidFill>
-              </a:rPr>
-              <a:t>Skill discretion</a:t>
-            </a:r>
-          </a:p>
-        </p:txBody>
-      </p:sp>
-      <p:sp>
-        <p:nvSpPr>
-          <p:cNvPr id="7" name="Rectangle: Rounded Corners 6">
-            <a:extLst>
-              <a:ext uri="{FF2B5EF4-FFF2-40B4-BE49-F238E27FC236}">
-                <a16:creationId xmlns:a16="http://schemas.microsoft.com/office/drawing/2014/main" id="{2F7E0882-B430-D746-F032-BDE4458B025A}"/>
-              </a:ext>
-            </a:extLst>
-          </p:cNvPr>
-          <p:cNvSpPr/>
-          <p:nvPr/>
-        </p:nvSpPr>
-        <p:spPr>
-          <a:xfrm>
-            <a:off x="4013760" y="1114295"/>
-            <a:ext cx="2606961" cy="1584868"/>
-          </a:xfrm>
-          <a:prstGeom prst="roundRect">
-            <a:avLst/>
-          </a:prstGeom>
-          <a:solidFill>
-            <a:srgbClr val="E5EEF3"/>
-          </a:solidFill>
-          <a:ln w="28575">
-            <a:solidFill>
-              <a:srgbClr val="FFB81C"/>
-            </a:solidFill>
-          </a:ln>
-        </p:spPr>
-        <p:style>
-          <a:lnRef idx="2">
-            <a:schemeClr val="accent1">
-              <a:shade val="50000"/>
-            </a:schemeClr>
-          </a:lnRef>
-          <a:fillRef idx="1">
-            <a:schemeClr val="accent1"/>
-          </a:fillRef>
-          <a:effectRef idx="0">
-            <a:schemeClr val="accent1"/>
-          </a:effectRef>
-          <a:fontRef idx="minor">
-            <a:schemeClr val="lt1"/>
-          </a:fontRef>
-        </p:style>
-        <p:txBody>
-          <a:bodyPr lIns="0" tIns="0" rIns="0" bIns="0" rtlCol="0" anchor="ctr"/>
-          <a:lstStyle/>
-          <a:p>
-            <a:pPr marL="171450" indent="-171450">
-              <a:buFont typeface="Wingdings" panose="05000000000000000000" pitchFamily="2" charset="2"/>
-              <a:buChar char="§"/>
-            </a:pPr>
-            <a:r>
-              <a:rPr lang="en-US" sz="2000" dirty="0">
-                <a:solidFill>
-                  <a:schemeClr val="tx1"/>
-                </a:solidFill>
-              </a:rPr>
-              <a:t>Neurogenesis</a:t>
-            </a:r>
-          </a:p>
-          <a:p>
-            <a:pPr marL="171450" indent="-171450">
-              <a:buFont typeface="Wingdings" panose="05000000000000000000" pitchFamily="2" charset="2"/>
-              <a:buChar char="§"/>
-            </a:pPr>
-            <a:r>
-              <a:rPr lang="en-US" sz="2000" dirty="0">
-                <a:solidFill>
-                  <a:schemeClr val="tx1"/>
-                </a:solidFill>
-              </a:rPr>
-              <a:t>Neuroprotection</a:t>
-            </a:r>
-          </a:p>
-          <a:p>
-            <a:pPr marL="171450" indent="-171450">
-              <a:buFont typeface="Wingdings" panose="05000000000000000000" pitchFamily="2" charset="2"/>
-              <a:buChar char="§"/>
-            </a:pPr>
-            <a:r>
-              <a:rPr lang="en-US" sz="2000" dirty="0">
-                <a:solidFill>
-                  <a:schemeClr val="tx1"/>
-                </a:solidFill>
-              </a:rPr>
-              <a:t>Neuroplasticity</a:t>
-            </a:r>
-          </a:p>
-          <a:p>
-            <a:pPr marL="171450" indent="-171450">
-              <a:buFont typeface="Wingdings" panose="05000000000000000000" pitchFamily="2" charset="2"/>
-              <a:buChar char="§"/>
-            </a:pPr>
-            <a:r>
-              <a:rPr lang="en-US" sz="2000" dirty="0">
-                <a:solidFill>
-                  <a:schemeClr val="tx1"/>
-                </a:solidFill>
-              </a:rPr>
-              <a:t>Vascular Health</a:t>
-            </a:r>
-          </a:p>
-        </p:txBody>
-      </p:sp>
-    </p:spTree>
-    <p:extLst>
-      <p:ext uri="{BB962C8B-B14F-4D97-AF65-F5344CB8AC3E}">
-        <p14:creationId xmlns:p14="http://schemas.microsoft.com/office/powerpoint/2010/main" val="3053611928"/>
-      </p:ext>
-    </p:extLst>
-  </p:cSld>
-  <p:clrMapOvr>
-    <a:masterClrMapping/>
-  </p:clrMapOvr>
-</p:sld>
-</file>
-
-<file path=ppt/slides/slide13.xml><?xml version="1.0" encoding="utf-8"?>
-<p:sld xmlns:a="http://schemas.openxmlformats.org/drawingml/2006/main" xmlns:r="http://schemas.openxmlformats.org/officeDocument/2006/relationships" xmlns:p="http://schemas.openxmlformats.org/presentationml/2006/main">
-  <p:cSld>
-    <p:bg>
-      <p:bgPr>
-        <a:solidFill>
-          <a:srgbClr val="E5EEF3"/>
-        </a:solidFill>
-        <a:effectLst/>
-      </p:bgPr>
-    </p:bg>
-    <p:spTree>
-      <p:nvGrpSpPr>
-        <p:cNvPr id="1" name="">
-          <a:extLst>
-            <a:ext uri="{FF2B5EF4-FFF2-40B4-BE49-F238E27FC236}">
-              <a16:creationId xmlns:a16="http://schemas.microsoft.com/office/drawing/2014/main" id="{848DAFD4-CCEA-4E01-4E23-B624FF080210}"/>
-            </a:ext>
-          </a:extLst>
-        </p:cNvPr>
-        <p:cNvGrpSpPr/>
-        <p:nvPr/>
-      </p:nvGrpSpPr>
-      <p:grpSpPr>
-        <a:xfrm>
-          <a:off x="0" y="0"/>
-          <a:ext cx="0" cy="0"/>
-          <a:chOff x="0" y="0"/>
-          <a:chExt cx="0" cy="0"/>
-        </a:xfrm>
-      </p:grpSpPr>
-      <p:cxnSp>
-        <p:nvCxnSpPr>
-          <p:cNvPr id="4" name="Straight Arrow Connector 3">
-            <a:extLst>
-              <a:ext uri="{FF2B5EF4-FFF2-40B4-BE49-F238E27FC236}">
-                <a16:creationId xmlns:a16="http://schemas.microsoft.com/office/drawing/2014/main" id="{3340DCF9-B909-B264-2225-DB331AE7B33B}"/>
-              </a:ext>
-            </a:extLst>
-          </p:cNvPr>
-          <p:cNvCxnSpPr>
-            <a:cxnSpLocks/>
-            <a:stCxn id="5" idx="3"/>
-            <a:endCxn id="7" idx="1"/>
-          </p:cNvCxnSpPr>
-          <p:nvPr/>
-        </p:nvCxnSpPr>
-        <p:spPr>
-          <a:xfrm flipV="1">
-            <a:off x="3476659" y="1906729"/>
-            <a:ext cx="537101" cy="1"/>
-          </a:xfrm>
-          <a:prstGeom prst="straightConnector1">
-            <a:avLst/>
-          </a:prstGeom>
-          <a:ln w="28575">
-            <a:solidFill>
-              <a:srgbClr val="FFB81C"/>
-            </a:solidFill>
-            <a:tailEnd type="triangle"/>
-          </a:ln>
-        </p:spPr>
-        <p:style>
-          <a:lnRef idx="1">
-            <a:schemeClr val="accent1"/>
-          </a:lnRef>
-          <a:fillRef idx="0">
-            <a:schemeClr val="accent1"/>
-          </a:fillRef>
-          <a:effectRef idx="0">
-            <a:schemeClr val="accent1"/>
-          </a:effectRef>
-          <a:fontRef idx="minor">
-            <a:schemeClr val="tx1"/>
-          </a:fontRef>
-        </p:style>
-      </p:cxnSp>
-      <p:sp>
-        <p:nvSpPr>
-          <p:cNvPr id="5" name="Rectangle: Rounded Corners 4">
-            <a:extLst>
-              <a:ext uri="{FF2B5EF4-FFF2-40B4-BE49-F238E27FC236}">
-                <a16:creationId xmlns:a16="http://schemas.microsoft.com/office/drawing/2014/main" id="{EEC9F159-C112-93EB-3DBA-E1E7C47BC4FB}"/>
-              </a:ext>
-            </a:extLst>
-          </p:cNvPr>
-          <p:cNvSpPr/>
-          <p:nvPr/>
-        </p:nvSpPr>
-        <p:spPr>
-          <a:xfrm>
-            <a:off x="387458" y="1163932"/>
-            <a:ext cx="3089201" cy="1485595"/>
-          </a:xfrm>
-          <a:prstGeom prst="roundRect">
-            <a:avLst/>
-          </a:prstGeom>
-          <a:solidFill>
-            <a:srgbClr val="E5EEF3"/>
-          </a:solidFill>
-          <a:ln w="28575">
-            <a:solidFill>
-              <a:srgbClr val="FFB81C"/>
-            </a:solidFill>
-          </a:ln>
-        </p:spPr>
-        <p:style>
-          <a:lnRef idx="2">
-            <a:schemeClr val="accent1">
-              <a:shade val="50000"/>
-            </a:schemeClr>
-          </a:lnRef>
-          <a:fillRef idx="1">
-            <a:schemeClr val="accent1"/>
-          </a:fillRef>
-          <a:effectRef idx="0">
-            <a:schemeClr val="accent1"/>
-          </a:effectRef>
-          <a:fontRef idx="minor">
-            <a:schemeClr val="lt1"/>
-          </a:fontRef>
-        </p:style>
-        <p:txBody>
-          <a:bodyPr rtlCol="0" anchor="ctr"/>
-          <a:lstStyle/>
-          <a:p>
-            <a:pPr algn="ctr"/>
-            <a:r>
-              <a:rPr lang="en-US" sz="2000" b="1" dirty="0">
-                <a:solidFill>
-                  <a:schemeClr val="tx1"/>
-                </a:solidFill>
-              </a:rPr>
-              <a:t>Occupational </a:t>
-            </a:r>
-          </a:p>
-          <a:p>
-            <a:pPr algn="ctr"/>
-            <a:r>
-              <a:rPr lang="en-US" sz="2000" b="1" dirty="0">
-                <a:solidFill>
-                  <a:schemeClr val="tx1"/>
-                </a:solidFill>
-              </a:rPr>
-              <a:t>Stimulation</a:t>
-            </a:r>
-          </a:p>
-          <a:p>
-            <a:pPr marL="171450" indent="-171450">
-              <a:buFont typeface="Wingdings" panose="05000000000000000000" pitchFamily="2" charset="2"/>
-              <a:buChar char="§"/>
-            </a:pPr>
-            <a:r>
-              <a:rPr lang="en-US" sz="2000" dirty="0">
-                <a:solidFill>
-                  <a:schemeClr val="tx1"/>
-                </a:solidFill>
-              </a:rPr>
-              <a:t>Complexity</a:t>
-            </a:r>
-          </a:p>
-          <a:p>
-            <a:pPr marL="171450" indent="-171450">
-              <a:buFont typeface="Wingdings" panose="05000000000000000000" pitchFamily="2" charset="2"/>
-              <a:buChar char="§"/>
-            </a:pPr>
-            <a:r>
-              <a:rPr lang="en-US" sz="2000" dirty="0">
-                <a:solidFill>
-                  <a:schemeClr val="tx1"/>
-                </a:solidFill>
-              </a:rPr>
-              <a:t>Decision authority</a:t>
-            </a:r>
-          </a:p>
-          <a:p>
-            <a:pPr marL="171450" indent="-171450">
-              <a:buFont typeface="Wingdings" panose="05000000000000000000" pitchFamily="2" charset="2"/>
-              <a:buChar char="§"/>
-            </a:pPr>
-            <a:r>
-              <a:rPr lang="en-US" sz="2000" dirty="0">
-                <a:solidFill>
-                  <a:schemeClr val="tx1"/>
-                </a:solidFill>
-              </a:rPr>
-              <a:t>Skill discretion</a:t>
-            </a:r>
-          </a:p>
-        </p:txBody>
-      </p:sp>
-      <p:sp>
-        <p:nvSpPr>
-          <p:cNvPr id="7" name="Rectangle: Rounded Corners 6">
-            <a:extLst>
-              <a:ext uri="{FF2B5EF4-FFF2-40B4-BE49-F238E27FC236}">
-                <a16:creationId xmlns:a16="http://schemas.microsoft.com/office/drawing/2014/main" id="{F3615D3C-42B5-078E-B4C7-13840FB12D75}"/>
-              </a:ext>
-            </a:extLst>
-          </p:cNvPr>
-          <p:cNvSpPr/>
-          <p:nvPr/>
-        </p:nvSpPr>
-        <p:spPr>
-          <a:xfrm>
-            <a:off x="4013760" y="1114295"/>
-            <a:ext cx="2606961" cy="1584868"/>
-          </a:xfrm>
-          <a:prstGeom prst="roundRect">
-            <a:avLst/>
-          </a:prstGeom>
-          <a:solidFill>
-            <a:srgbClr val="E5EEF3"/>
-          </a:solidFill>
-          <a:ln w="28575">
-            <a:solidFill>
-              <a:srgbClr val="FFB81C"/>
-            </a:solidFill>
-          </a:ln>
-        </p:spPr>
-        <p:style>
-          <a:lnRef idx="2">
-            <a:schemeClr val="accent1">
-              <a:shade val="50000"/>
-            </a:schemeClr>
-          </a:lnRef>
-          <a:fillRef idx="1">
-            <a:schemeClr val="accent1"/>
-          </a:fillRef>
-          <a:effectRef idx="0">
-            <a:schemeClr val="accent1"/>
-          </a:effectRef>
-          <a:fontRef idx="minor">
-            <a:schemeClr val="lt1"/>
-          </a:fontRef>
-        </p:style>
-        <p:txBody>
-          <a:bodyPr lIns="0" tIns="0" rIns="0" bIns="0" rtlCol="0" anchor="ctr"/>
-          <a:lstStyle/>
-          <a:p>
-            <a:pPr marL="171450" indent="-171450">
-              <a:buFont typeface="Wingdings" panose="05000000000000000000" pitchFamily="2" charset="2"/>
-              <a:buChar char="§"/>
-            </a:pPr>
-            <a:r>
-              <a:rPr lang="en-US" sz="2000" dirty="0">
-                <a:solidFill>
-                  <a:schemeClr val="tx1"/>
-                </a:solidFill>
-              </a:rPr>
-              <a:t>Neurogenesis</a:t>
-            </a:r>
-          </a:p>
-          <a:p>
-            <a:pPr marL="171450" indent="-171450">
-              <a:buFont typeface="Wingdings" panose="05000000000000000000" pitchFamily="2" charset="2"/>
-              <a:buChar char="§"/>
-            </a:pPr>
-            <a:r>
-              <a:rPr lang="en-US" sz="2000" dirty="0">
-                <a:solidFill>
-                  <a:schemeClr val="tx1"/>
-                </a:solidFill>
-              </a:rPr>
-              <a:t>Neuroprotection</a:t>
-            </a:r>
-          </a:p>
-          <a:p>
-            <a:pPr marL="171450" indent="-171450">
-              <a:buFont typeface="Wingdings" panose="05000000000000000000" pitchFamily="2" charset="2"/>
-              <a:buChar char="§"/>
-            </a:pPr>
-            <a:r>
-              <a:rPr lang="en-US" sz="2000" dirty="0">
-                <a:solidFill>
-                  <a:schemeClr val="tx1"/>
-                </a:solidFill>
-              </a:rPr>
-              <a:t>Neuroplasticity</a:t>
-            </a:r>
-          </a:p>
-          <a:p>
-            <a:pPr marL="171450" indent="-171450">
-              <a:buFont typeface="Wingdings" panose="05000000000000000000" pitchFamily="2" charset="2"/>
-              <a:buChar char="§"/>
-            </a:pPr>
-            <a:r>
-              <a:rPr lang="en-US" sz="2000" dirty="0">
-                <a:solidFill>
-                  <a:schemeClr val="tx1"/>
-                </a:solidFill>
-              </a:rPr>
-              <a:t>Vascular Health</a:t>
-            </a:r>
-          </a:p>
-        </p:txBody>
-      </p:sp>
-      <p:sp>
-        <p:nvSpPr>
-          <p:cNvPr id="16" name="Rectangle: Rounded Corners 15">
-            <a:extLst>
-              <a:ext uri="{FF2B5EF4-FFF2-40B4-BE49-F238E27FC236}">
-                <a16:creationId xmlns:a16="http://schemas.microsoft.com/office/drawing/2014/main" id="{DD7FD5EC-DB8B-3868-77EE-FF528C173B10}"/>
-              </a:ext>
-            </a:extLst>
-          </p:cNvPr>
-          <p:cNvSpPr/>
-          <p:nvPr/>
-        </p:nvSpPr>
-        <p:spPr>
-          <a:xfrm>
-            <a:off x="6884719" y="2726977"/>
-            <a:ext cx="1590669" cy="685769"/>
-          </a:xfrm>
-          <a:prstGeom prst="roundRect">
-            <a:avLst/>
-          </a:prstGeom>
-          <a:solidFill>
-            <a:srgbClr val="E5EEF3"/>
-          </a:solidFill>
-          <a:ln w="28575">
-            <a:solidFill>
-              <a:srgbClr val="005587"/>
-            </a:solidFill>
-          </a:ln>
-        </p:spPr>
-        <p:style>
-          <a:lnRef idx="2">
-            <a:schemeClr val="accent1">
-              <a:shade val="50000"/>
-            </a:schemeClr>
-          </a:lnRef>
-          <a:fillRef idx="1">
-            <a:schemeClr val="accent1"/>
-          </a:fillRef>
-          <a:effectRef idx="0">
-            <a:schemeClr val="accent1"/>
-          </a:effectRef>
-          <a:fontRef idx="minor">
-            <a:schemeClr val="lt1"/>
-          </a:fontRef>
-        </p:style>
-        <p:txBody>
-          <a:bodyPr lIns="0" tIns="0" rIns="0" bIns="0" rtlCol="0" anchor="ctr"/>
-          <a:lstStyle/>
-          <a:p>
-            <a:pPr algn="ctr"/>
-            <a:r>
-              <a:rPr lang="en-US" sz="2000" b="1" dirty="0">
-                <a:solidFill>
-                  <a:schemeClr val="tx2">
-                    <a:lumMod val="90000"/>
-                    <a:lumOff val="10000"/>
-                  </a:schemeClr>
-                </a:solidFill>
-              </a:rPr>
-              <a:t>Brain health</a:t>
-            </a:r>
-          </a:p>
-        </p:txBody>
-      </p:sp>
-      <p:sp>
-        <p:nvSpPr>
-          <p:cNvPr id="24" name="Rectangle: Rounded Corners 23">
-            <a:extLst>
-              <a:ext uri="{FF2B5EF4-FFF2-40B4-BE49-F238E27FC236}">
-                <a16:creationId xmlns:a16="http://schemas.microsoft.com/office/drawing/2014/main" id="{32E0B9B3-F5E0-C355-90FB-68C3207899C4}"/>
-              </a:ext>
-            </a:extLst>
-          </p:cNvPr>
-          <p:cNvSpPr/>
-          <p:nvPr/>
-        </p:nvSpPr>
-        <p:spPr>
-          <a:xfrm>
-            <a:off x="9085918" y="2683691"/>
-            <a:ext cx="1590669" cy="745309"/>
-          </a:xfrm>
-          <a:prstGeom prst="roundRect">
-            <a:avLst/>
-          </a:prstGeom>
-          <a:solidFill>
-            <a:srgbClr val="E5EEF3"/>
-          </a:solidFill>
-          <a:ln w="28575">
-            <a:solidFill>
-              <a:srgbClr val="005587"/>
-            </a:solidFill>
-          </a:ln>
-        </p:spPr>
-        <p:style>
-          <a:lnRef idx="2">
-            <a:schemeClr val="accent1">
-              <a:shade val="50000"/>
-            </a:schemeClr>
-          </a:lnRef>
-          <a:fillRef idx="1">
-            <a:schemeClr val="accent1"/>
-          </a:fillRef>
-          <a:effectRef idx="0">
-            <a:schemeClr val="accent1"/>
-          </a:effectRef>
-          <a:fontRef idx="minor">
-            <a:schemeClr val="lt1"/>
-          </a:fontRef>
-        </p:style>
-        <p:txBody>
-          <a:bodyPr lIns="0" tIns="0" rIns="0" bIns="0" rtlCol="0" anchor="ctr"/>
-          <a:lstStyle/>
-          <a:p>
-            <a:pPr algn="ctr"/>
-            <a:r>
-              <a:rPr lang="en-US" sz="2000" b="1" dirty="0">
-                <a:solidFill>
-                  <a:schemeClr val="tx2">
-                    <a:lumMod val="90000"/>
-                    <a:lumOff val="10000"/>
-                  </a:schemeClr>
-                </a:solidFill>
-              </a:rPr>
-              <a:t>Cognitive decline</a:t>
-            </a:r>
-          </a:p>
-        </p:txBody>
-      </p:sp>
-      <p:cxnSp>
-        <p:nvCxnSpPr>
-          <p:cNvPr id="28" name="Straight Arrow Connector 27">
-            <a:extLst>
-              <a:ext uri="{FF2B5EF4-FFF2-40B4-BE49-F238E27FC236}">
-                <a16:creationId xmlns:a16="http://schemas.microsoft.com/office/drawing/2014/main" id="{ED350E95-3C66-B132-0580-CBA9E917F5E1}"/>
-              </a:ext>
-            </a:extLst>
-          </p:cNvPr>
-          <p:cNvCxnSpPr>
-            <a:cxnSpLocks/>
-          </p:cNvCxnSpPr>
-          <p:nvPr/>
-        </p:nvCxnSpPr>
-        <p:spPr>
-          <a:xfrm>
-            <a:off x="8475388" y="3056345"/>
-            <a:ext cx="610530" cy="1"/>
-          </a:xfrm>
-          <a:prstGeom prst="straightConnector1">
-            <a:avLst/>
-          </a:prstGeom>
-          <a:ln w="28575">
-            <a:solidFill>
-              <a:srgbClr val="005587"/>
-            </a:solidFill>
-            <a:tailEnd type="triangle"/>
-          </a:ln>
-        </p:spPr>
-        <p:style>
-          <a:lnRef idx="1">
-            <a:schemeClr val="accent1"/>
-          </a:lnRef>
-          <a:fillRef idx="0">
-            <a:schemeClr val="accent1"/>
-          </a:fillRef>
-          <a:effectRef idx="0">
-            <a:schemeClr val="accent1"/>
-          </a:effectRef>
-          <a:fontRef idx="minor">
-            <a:schemeClr val="tx1"/>
-          </a:fontRef>
-        </p:style>
-      </p:cxnSp>
-      <p:cxnSp>
-        <p:nvCxnSpPr>
-          <p:cNvPr id="33" name="Connector: Elbow 32">
-            <a:extLst>
-              <a:ext uri="{FF2B5EF4-FFF2-40B4-BE49-F238E27FC236}">
-                <a16:creationId xmlns:a16="http://schemas.microsoft.com/office/drawing/2014/main" id="{56F75F7D-F9BA-064C-17F0-3E1C0DC8A0B0}"/>
-              </a:ext>
-            </a:extLst>
-          </p:cNvPr>
-          <p:cNvCxnSpPr>
-            <a:cxnSpLocks/>
-            <a:stCxn id="7" idx="3"/>
-            <a:endCxn id="16" idx="0"/>
-          </p:cNvCxnSpPr>
-          <p:nvPr/>
-        </p:nvCxnSpPr>
-        <p:spPr>
-          <a:xfrm>
-            <a:off x="6620721" y="1906729"/>
-            <a:ext cx="1059333" cy="820248"/>
-          </a:xfrm>
-          <a:prstGeom prst="bentConnector2">
-            <a:avLst/>
-          </a:prstGeom>
-          <a:ln w="28575">
-            <a:solidFill>
-              <a:srgbClr val="FFB81C"/>
-            </a:solidFill>
-            <a:tailEnd type="triangle"/>
-          </a:ln>
-        </p:spPr>
-        <p:style>
-          <a:lnRef idx="2">
-            <a:schemeClr val="accent1"/>
-          </a:lnRef>
-          <a:fillRef idx="0">
-            <a:schemeClr val="accent1"/>
-          </a:fillRef>
-          <a:effectRef idx="1">
-            <a:schemeClr val="accent1"/>
-          </a:effectRef>
-          <a:fontRef idx="minor">
-            <a:schemeClr val="tx1"/>
-          </a:fontRef>
-        </p:style>
-      </p:cxnSp>
-    </p:spTree>
-    <p:extLst>
-      <p:ext uri="{BB962C8B-B14F-4D97-AF65-F5344CB8AC3E}">
-        <p14:creationId xmlns:p14="http://schemas.microsoft.com/office/powerpoint/2010/main" val="3318584070"/>
-      </p:ext>
-    </p:extLst>
-  </p:cSld>
-  <p:clrMapOvr>
-    <a:masterClrMapping/>
-  </p:clrMapOvr>
-</p:sld>
-</file>
-
-<file path=ppt/slides/slide14.xml><?xml version="1.0" encoding="utf-8"?>
-<p:sld xmlns:a="http://schemas.openxmlformats.org/drawingml/2006/main" xmlns:r="http://schemas.openxmlformats.org/officeDocument/2006/relationships" xmlns:p="http://schemas.openxmlformats.org/presentationml/2006/main">
-  <p:cSld>
-    <p:bg>
-      <p:bgPr>
-        <a:solidFill>
-          <a:srgbClr val="E5EEF3"/>
-        </a:solidFill>
-        <a:effectLst/>
-      </p:bgPr>
-    </p:bg>
-    <p:spTree>
-      <p:nvGrpSpPr>
-        <p:cNvPr id="1" name="">
-          <a:extLst>
-            <a:ext uri="{FF2B5EF4-FFF2-40B4-BE49-F238E27FC236}">
-              <a16:creationId xmlns:a16="http://schemas.microsoft.com/office/drawing/2014/main" id="{1EE751D7-DBC3-06EE-45CB-B7155E752607}"/>
-            </a:ext>
-          </a:extLst>
-        </p:cNvPr>
-        <p:cNvGrpSpPr/>
-        <p:nvPr/>
-      </p:nvGrpSpPr>
-      <p:grpSpPr>
-        <a:xfrm>
-          <a:off x="0" y="0"/>
-          <a:ext cx="0" cy="0"/>
-          <a:chOff x="0" y="0"/>
-          <a:chExt cx="0" cy="0"/>
-        </a:xfrm>
-      </p:grpSpPr>
-      <p:sp>
-        <p:nvSpPr>
-          <p:cNvPr id="2" name="Rectangle: Rounded Corners 1">
-            <a:extLst>
-              <a:ext uri="{FF2B5EF4-FFF2-40B4-BE49-F238E27FC236}">
-                <a16:creationId xmlns:a16="http://schemas.microsoft.com/office/drawing/2014/main" id="{8F49BC98-8209-DA92-4C82-89A68E1FA886}"/>
-              </a:ext>
-            </a:extLst>
-          </p:cNvPr>
-          <p:cNvSpPr/>
-          <p:nvPr/>
-        </p:nvSpPr>
-        <p:spPr>
-          <a:xfrm>
-            <a:off x="387458" y="3560179"/>
-            <a:ext cx="3083934" cy="1281347"/>
-          </a:xfrm>
-          <a:prstGeom prst="roundRect">
-            <a:avLst/>
-          </a:prstGeom>
-          <a:solidFill>
-            <a:srgbClr val="E5EEF3"/>
-          </a:solidFill>
-          <a:ln w="28575">
-            <a:solidFill>
-              <a:srgbClr val="0B76A0"/>
-            </a:solidFill>
-          </a:ln>
-        </p:spPr>
-        <p:style>
-          <a:lnRef idx="2">
-            <a:schemeClr val="accent1">
-              <a:shade val="50000"/>
-            </a:schemeClr>
-          </a:lnRef>
-          <a:fillRef idx="1">
-            <a:schemeClr val="accent1"/>
-          </a:fillRef>
-          <a:effectRef idx="0">
-            <a:schemeClr val="accent1"/>
-          </a:effectRef>
-          <a:fontRef idx="minor">
-            <a:schemeClr val="lt1"/>
-          </a:fontRef>
-        </p:style>
-        <p:txBody>
-          <a:bodyPr rtlCol="0" anchor="ctr"/>
-          <a:lstStyle/>
-          <a:p>
-            <a:pPr algn="ctr"/>
-            <a:r>
-              <a:rPr lang="en-US" sz="2000" b="1" dirty="0">
-                <a:solidFill>
-                  <a:schemeClr val="tx1"/>
-                </a:solidFill>
-              </a:rPr>
-              <a:t>Occupational Stressors</a:t>
-            </a:r>
-            <a:endParaRPr lang="en-US" sz="2000" dirty="0">
-              <a:solidFill>
-                <a:schemeClr val="tx1"/>
-              </a:solidFill>
-            </a:endParaRPr>
-          </a:p>
-          <a:p>
-            <a:pPr marL="171450" indent="-171450">
-              <a:buFont typeface="Wingdings" panose="05000000000000000000" pitchFamily="2" charset="2"/>
-              <a:buChar char="§"/>
-            </a:pPr>
-            <a:r>
-              <a:rPr lang="en-US" sz="2000" dirty="0">
-                <a:solidFill>
-                  <a:schemeClr val="tx1"/>
-                </a:solidFill>
-              </a:rPr>
-              <a:t>Environmental</a:t>
-            </a:r>
-          </a:p>
-          <a:p>
-            <a:pPr marL="171450" indent="-171450">
-              <a:buFont typeface="Wingdings" panose="05000000000000000000" pitchFamily="2" charset="2"/>
-              <a:buChar char="§"/>
-            </a:pPr>
-            <a:r>
-              <a:rPr lang="en-US" sz="2000" dirty="0">
-                <a:solidFill>
-                  <a:schemeClr val="tx1"/>
-                </a:solidFill>
-              </a:rPr>
-              <a:t>Physical hazards</a:t>
-            </a:r>
-          </a:p>
-          <a:p>
-            <a:pPr marL="171450" indent="-171450">
-              <a:buFont typeface="Wingdings" panose="05000000000000000000" pitchFamily="2" charset="2"/>
-              <a:buChar char="§"/>
-            </a:pPr>
-            <a:r>
-              <a:rPr lang="en-US" sz="2000" dirty="0">
-                <a:solidFill>
-                  <a:schemeClr val="tx1"/>
-                </a:solidFill>
-              </a:rPr>
-              <a:t>Psychological</a:t>
-            </a:r>
-          </a:p>
-        </p:txBody>
-      </p:sp>
-      <p:cxnSp>
-        <p:nvCxnSpPr>
-          <p:cNvPr id="3" name="Straight Arrow Connector 2">
-            <a:extLst>
-              <a:ext uri="{FF2B5EF4-FFF2-40B4-BE49-F238E27FC236}">
-                <a16:creationId xmlns:a16="http://schemas.microsoft.com/office/drawing/2014/main" id="{FFB4D58E-FE11-C42F-C92F-41B009837501}"/>
-              </a:ext>
-            </a:extLst>
-          </p:cNvPr>
-          <p:cNvCxnSpPr>
-            <a:cxnSpLocks/>
-            <a:stCxn id="2" idx="3"/>
-          </p:cNvCxnSpPr>
-          <p:nvPr/>
-        </p:nvCxnSpPr>
-        <p:spPr>
-          <a:xfrm flipV="1">
-            <a:off x="3471392" y="4200852"/>
-            <a:ext cx="582981" cy="1"/>
-          </a:xfrm>
-          <a:prstGeom prst="straightConnector1">
-            <a:avLst/>
-          </a:prstGeom>
-          <a:ln w="28575">
-            <a:solidFill>
-              <a:srgbClr val="0B76A0"/>
-            </a:solidFill>
-            <a:tailEnd type="triangle"/>
-          </a:ln>
-        </p:spPr>
-        <p:style>
-          <a:lnRef idx="1">
-            <a:schemeClr val="accent1"/>
-          </a:lnRef>
-          <a:fillRef idx="0">
-            <a:schemeClr val="accent1"/>
-          </a:fillRef>
-          <a:effectRef idx="0">
-            <a:schemeClr val="accent1"/>
-          </a:effectRef>
-          <a:fontRef idx="minor">
-            <a:schemeClr val="tx1"/>
-          </a:fontRef>
-        </p:style>
-      </p:cxnSp>
-      <p:cxnSp>
-        <p:nvCxnSpPr>
-          <p:cNvPr id="4" name="Straight Arrow Connector 3">
-            <a:extLst>
-              <a:ext uri="{FF2B5EF4-FFF2-40B4-BE49-F238E27FC236}">
-                <a16:creationId xmlns:a16="http://schemas.microsoft.com/office/drawing/2014/main" id="{8B5E38C1-83E0-DB44-6555-9C14C02D89F0}"/>
-              </a:ext>
-            </a:extLst>
-          </p:cNvPr>
-          <p:cNvCxnSpPr>
-            <a:cxnSpLocks/>
-            <a:stCxn id="5" idx="3"/>
-            <a:endCxn id="7" idx="1"/>
-          </p:cNvCxnSpPr>
-          <p:nvPr/>
-        </p:nvCxnSpPr>
-        <p:spPr>
-          <a:xfrm flipV="1">
-            <a:off x="3476659" y="1906729"/>
-            <a:ext cx="537101" cy="1"/>
-          </a:xfrm>
-          <a:prstGeom prst="straightConnector1">
-            <a:avLst/>
-          </a:prstGeom>
-          <a:ln w="28575">
-            <a:solidFill>
-              <a:srgbClr val="FFB81C"/>
-            </a:solidFill>
-            <a:tailEnd type="triangle"/>
-          </a:ln>
-        </p:spPr>
-        <p:style>
-          <a:lnRef idx="1">
-            <a:schemeClr val="accent1"/>
-          </a:lnRef>
-          <a:fillRef idx="0">
-            <a:schemeClr val="accent1"/>
-          </a:fillRef>
-          <a:effectRef idx="0">
-            <a:schemeClr val="accent1"/>
-          </a:effectRef>
-          <a:fontRef idx="minor">
-            <a:schemeClr val="tx1"/>
-          </a:fontRef>
-        </p:style>
-      </p:cxnSp>
-      <p:sp>
-        <p:nvSpPr>
-          <p:cNvPr id="5" name="Rectangle: Rounded Corners 4">
-            <a:extLst>
-              <a:ext uri="{FF2B5EF4-FFF2-40B4-BE49-F238E27FC236}">
-                <a16:creationId xmlns:a16="http://schemas.microsoft.com/office/drawing/2014/main" id="{C86E392D-1127-864A-E5F2-BE9AFDADEA24}"/>
-              </a:ext>
-            </a:extLst>
-          </p:cNvPr>
-          <p:cNvSpPr/>
-          <p:nvPr/>
-        </p:nvSpPr>
-        <p:spPr>
-          <a:xfrm>
-            <a:off x="387458" y="1163932"/>
-            <a:ext cx="3089201" cy="1485595"/>
-          </a:xfrm>
-          <a:prstGeom prst="roundRect">
-            <a:avLst/>
-          </a:prstGeom>
-          <a:solidFill>
-            <a:srgbClr val="E5EEF3"/>
-          </a:solidFill>
-          <a:ln w="28575">
-            <a:solidFill>
-              <a:srgbClr val="FFB81C"/>
-            </a:solidFill>
-          </a:ln>
-        </p:spPr>
-        <p:style>
-          <a:lnRef idx="2">
-            <a:schemeClr val="accent1">
-              <a:shade val="50000"/>
-            </a:schemeClr>
-          </a:lnRef>
-          <a:fillRef idx="1">
-            <a:schemeClr val="accent1"/>
-          </a:fillRef>
-          <a:effectRef idx="0">
-            <a:schemeClr val="accent1"/>
-          </a:effectRef>
-          <a:fontRef idx="minor">
-            <a:schemeClr val="lt1"/>
-          </a:fontRef>
-        </p:style>
-        <p:txBody>
-          <a:bodyPr rtlCol="0" anchor="ctr"/>
-          <a:lstStyle/>
-          <a:p>
-            <a:pPr algn="ctr"/>
-            <a:r>
-              <a:rPr lang="en-US" sz="2000" b="1" dirty="0">
-                <a:solidFill>
-                  <a:schemeClr val="tx1"/>
-                </a:solidFill>
-              </a:rPr>
-              <a:t>Occupational </a:t>
-            </a:r>
-          </a:p>
-          <a:p>
-            <a:pPr algn="ctr"/>
-            <a:r>
-              <a:rPr lang="en-US" sz="2000" b="1" dirty="0">
-                <a:solidFill>
-                  <a:schemeClr val="tx1"/>
-                </a:solidFill>
-              </a:rPr>
-              <a:t>Stimulation</a:t>
-            </a:r>
-          </a:p>
-          <a:p>
-            <a:pPr marL="171450" indent="-171450">
-              <a:buFont typeface="Wingdings" panose="05000000000000000000" pitchFamily="2" charset="2"/>
-              <a:buChar char="§"/>
-            </a:pPr>
-            <a:r>
-              <a:rPr lang="en-US" sz="2000" dirty="0">
-                <a:solidFill>
-                  <a:schemeClr val="tx1"/>
-                </a:solidFill>
-              </a:rPr>
-              <a:t>Complexity</a:t>
-            </a:r>
-          </a:p>
-          <a:p>
-            <a:pPr marL="171450" indent="-171450">
-              <a:buFont typeface="Wingdings" panose="05000000000000000000" pitchFamily="2" charset="2"/>
-              <a:buChar char="§"/>
-            </a:pPr>
-            <a:r>
-              <a:rPr lang="en-US" sz="2000" dirty="0">
-                <a:solidFill>
-                  <a:schemeClr val="tx1"/>
-                </a:solidFill>
-              </a:rPr>
-              <a:t>Decision authority</a:t>
-            </a:r>
-          </a:p>
-          <a:p>
-            <a:pPr marL="171450" indent="-171450">
-              <a:buFont typeface="Wingdings" panose="05000000000000000000" pitchFamily="2" charset="2"/>
-              <a:buChar char="§"/>
-            </a:pPr>
-            <a:r>
-              <a:rPr lang="en-US" sz="2000" dirty="0">
-                <a:solidFill>
-                  <a:schemeClr val="tx1"/>
-                </a:solidFill>
-              </a:rPr>
-              <a:t>Skill discretion</a:t>
-            </a:r>
-          </a:p>
-        </p:txBody>
-      </p:sp>
-      <p:sp>
-        <p:nvSpPr>
-          <p:cNvPr id="6" name="Rectangle: Rounded Corners 5">
-            <a:extLst>
-              <a:ext uri="{FF2B5EF4-FFF2-40B4-BE49-F238E27FC236}">
-                <a16:creationId xmlns:a16="http://schemas.microsoft.com/office/drawing/2014/main" id="{3C5497B7-A747-27DD-2C47-7927272F78BC}"/>
-              </a:ext>
-            </a:extLst>
-          </p:cNvPr>
-          <p:cNvSpPr/>
-          <p:nvPr/>
-        </p:nvSpPr>
-        <p:spPr>
-          <a:xfrm>
-            <a:off x="4054373" y="3412746"/>
-            <a:ext cx="2562235" cy="1576212"/>
-          </a:xfrm>
-          <a:prstGeom prst="roundRect">
-            <a:avLst/>
-          </a:prstGeom>
-          <a:solidFill>
-            <a:srgbClr val="E5EEF3"/>
-          </a:solidFill>
-          <a:ln w="28575">
-            <a:solidFill>
-              <a:srgbClr val="0B76A0"/>
-            </a:solidFill>
-          </a:ln>
-        </p:spPr>
-        <p:style>
-          <a:lnRef idx="2">
-            <a:schemeClr val="accent1">
-              <a:shade val="50000"/>
-            </a:schemeClr>
-          </a:lnRef>
-          <a:fillRef idx="1">
-            <a:schemeClr val="accent1"/>
-          </a:fillRef>
-          <a:effectRef idx="0">
-            <a:schemeClr val="accent1"/>
-          </a:effectRef>
-          <a:fontRef idx="minor">
-            <a:schemeClr val="lt1"/>
-          </a:fontRef>
-        </p:style>
-        <p:txBody>
-          <a:bodyPr lIns="0" tIns="0" rIns="0" bIns="0" rtlCol="0" anchor="ctr"/>
-          <a:lstStyle/>
-          <a:p>
-            <a:pPr marL="171450" indent="-171450">
-              <a:buFont typeface="Wingdings" panose="05000000000000000000" pitchFamily="2" charset="2"/>
-              <a:buChar char="§"/>
-            </a:pPr>
-            <a:r>
-              <a:rPr lang="en-US" sz="2000" dirty="0">
-                <a:solidFill>
-                  <a:schemeClr val="tx1"/>
-                </a:solidFill>
-              </a:rPr>
-              <a:t>Vascular risk</a:t>
-            </a:r>
-          </a:p>
-          <a:p>
-            <a:pPr marL="171450" indent="-171450">
-              <a:buFont typeface="Wingdings" panose="05000000000000000000" pitchFamily="2" charset="2"/>
-              <a:buChar char="§"/>
-            </a:pPr>
-            <a:r>
-              <a:rPr lang="en-US" sz="2000" dirty="0">
-                <a:solidFill>
-                  <a:schemeClr val="tx1"/>
-                </a:solidFill>
-              </a:rPr>
-              <a:t>Cortisol regulation</a:t>
-            </a:r>
-          </a:p>
-          <a:p>
-            <a:pPr marL="171450" indent="-171450">
-              <a:buFont typeface="Wingdings" panose="05000000000000000000" pitchFamily="2" charset="2"/>
-              <a:buChar char="§"/>
-            </a:pPr>
-            <a:r>
-              <a:rPr lang="en-US" sz="2000" dirty="0">
-                <a:solidFill>
-                  <a:schemeClr val="tx1"/>
-                </a:solidFill>
-              </a:rPr>
-              <a:t>Metabolic disorders</a:t>
-            </a:r>
-          </a:p>
-          <a:p>
-            <a:pPr marL="171450" indent="-171450">
-              <a:buFont typeface="Wingdings" panose="05000000000000000000" pitchFamily="2" charset="2"/>
-              <a:buChar char="§"/>
-            </a:pPr>
-            <a:r>
-              <a:rPr lang="en-US" sz="2000" dirty="0">
-                <a:solidFill>
-                  <a:schemeClr val="tx1"/>
-                </a:solidFill>
-              </a:rPr>
-              <a:t>Inflammation</a:t>
-            </a:r>
-          </a:p>
-          <a:p>
-            <a:pPr marL="171450" indent="-171450">
-              <a:buFont typeface="Wingdings" panose="05000000000000000000" pitchFamily="2" charset="2"/>
-              <a:buChar char="§"/>
-            </a:pPr>
-            <a:r>
-              <a:rPr lang="en-US" sz="2000" dirty="0">
-                <a:solidFill>
-                  <a:schemeClr val="tx1"/>
-                </a:solidFill>
-              </a:rPr>
-              <a:t>Telomere shortening</a:t>
-            </a:r>
-          </a:p>
-        </p:txBody>
-      </p:sp>
-      <p:sp>
-        <p:nvSpPr>
-          <p:cNvPr id="7" name="Rectangle: Rounded Corners 6">
-            <a:extLst>
-              <a:ext uri="{FF2B5EF4-FFF2-40B4-BE49-F238E27FC236}">
-                <a16:creationId xmlns:a16="http://schemas.microsoft.com/office/drawing/2014/main" id="{1B0A25F7-547B-9214-40AA-7239703E79A3}"/>
-              </a:ext>
-            </a:extLst>
-          </p:cNvPr>
-          <p:cNvSpPr/>
-          <p:nvPr/>
-        </p:nvSpPr>
-        <p:spPr>
-          <a:xfrm>
-            <a:off x="4013760" y="1114295"/>
-            <a:ext cx="2606961" cy="1584868"/>
-          </a:xfrm>
-          <a:prstGeom prst="roundRect">
-            <a:avLst/>
-          </a:prstGeom>
-          <a:solidFill>
-            <a:srgbClr val="E5EEF3"/>
-          </a:solidFill>
-          <a:ln w="28575">
-            <a:solidFill>
-              <a:srgbClr val="FFB81C"/>
-            </a:solidFill>
-          </a:ln>
-        </p:spPr>
-        <p:style>
-          <a:lnRef idx="2">
-            <a:schemeClr val="accent1">
-              <a:shade val="50000"/>
-            </a:schemeClr>
-          </a:lnRef>
-          <a:fillRef idx="1">
-            <a:schemeClr val="accent1"/>
-          </a:fillRef>
-          <a:effectRef idx="0">
-            <a:schemeClr val="accent1"/>
-          </a:effectRef>
-          <a:fontRef idx="minor">
-            <a:schemeClr val="lt1"/>
-          </a:fontRef>
-        </p:style>
-        <p:txBody>
-          <a:bodyPr lIns="0" tIns="0" rIns="0" bIns="0" rtlCol="0" anchor="ctr"/>
-          <a:lstStyle/>
-          <a:p>
-            <a:pPr marL="171450" indent="-171450">
-              <a:buFont typeface="Wingdings" panose="05000000000000000000" pitchFamily="2" charset="2"/>
-              <a:buChar char="§"/>
-            </a:pPr>
-            <a:r>
-              <a:rPr lang="en-US" sz="2000" dirty="0">
-                <a:solidFill>
-                  <a:schemeClr val="tx1"/>
-                </a:solidFill>
-              </a:rPr>
-              <a:t>Neurogenesis</a:t>
-            </a:r>
-          </a:p>
-          <a:p>
-            <a:pPr marL="171450" indent="-171450">
-              <a:buFont typeface="Wingdings" panose="05000000000000000000" pitchFamily="2" charset="2"/>
-              <a:buChar char="§"/>
-            </a:pPr>
-            <a:r>
-              <a:rPr lang="en-US" sz="2000" dirty="0">
-                <a:solidFill>
-                  <a:schemeClr val="tx1"/>
-                </a:solidFill>
-              </a:rPr>
-              <a:t>Neuroprotection</a:t>
-            </a:r>
-          </a:p>
-          <a:p>
-            <a:pPr marL="171450" indent="-171450">
-              <a:buFont typeface="Wingdings" panose="05000000000000000000" pitchFamily="2" charset="2"/>
-              <a:buChar char="§"/>
-            </a:pPr>
-            <a:r>
-              <a:rPr lang="en-US" sz="2000" dirty="0">
-                <a:solidFill>
-                  <a:schemeClr val="tx1"/>
-                </a:solidFill>
-              </a:rPr>
-              <a:t>Neuroplasticity</a:t>
-            </a:r>
-          </a:p>
-          <a:p>
-            <a:pPr marL="171450" indent="-171450">
-              <a:buFont typeface="Wingdings" panose="05000000000000000000" pitchFamily="2" charset="2"/>
-              <a:buChar char="§"/>
-            </a:pPr>
-            <a:r>
-              <a:rPr lang="en-US" sz="2000" dirty="0">
-                <a:solidFill>
-                  <a:schemeClr val="tx1"/>
-                </a:solidFill>
-              </a:rPr>
-              <a:t>Vascular Health</a:t>
-            </a:r>
-          </a:p>
-        </p:txBody>
-      </p:sp>
-      <p:sp>
-        <p:nvSpPr>
-          <p:cNvPr id="16" name="Rectangle: Rounded Corners 15">
-            <a:extLst>
-              <a:ext uri="{FF2B5EF4-FFF2-40B4-BE49-F238E27FC236}">
-                <a16:creationId xmlns:a16="http://schemas.microsoft.com/office/drawing/2014/main" id="{9B2682C9-D7F3-31CF-9ECD-46E0BAABEE5A}"/>
-              </a:ext>
-            </a:extLst>
-          </p:cNvPr>
-          <p:cNvSpPr/>
-          <p:nvPr/>
-        </p:nvSpPr>
-        <p:spPr>
-          <a:xfrm>
-            <a:off x="6884719" y="2726977"/>
-            <a:ext cx="1590669" cy="685769"/>
-          </a:xfrm>
-          <a:prstGeom prst="roundRect">
-            <a:avLst/>
-          </a:prstGeom>
-          <a:solidFill>
-            <a:srgbClr val="E5EEF3"/>
-          </a:solidFill>
-          <a:ln w="28575">
-            <a:solidFill>
-              <a:srgbClr val="005587"/>
-            </a:solidFill>
-          </a:ln>
-        </p:spPr>
-        <p:style>
-          <a:lnRef idx="2">
-            <a:schemeClr val="accent1">
-              <a:shade val="50000"/>
-            </a:schemeClr>
-          </a:lnRef>
-          <a:fillRef idx="1">
-            <a:schemeClr val="accent1"/>
-          </a:fillRef>
-          <a:effectRef idx="0">
-            <a:schemeClr val="accent1"/>
-          </a:effectRef>
-          <a:fontRef idx="minor">
-            <a:schemeClr val="lt1"/>
-          </a:fontRef>
-        </p:style>
-        <p:txBody>
-          <a:bodyPr lIns="0" tIns="0" rIns="0" bIns="0" rtlCol="0" anchor="ctr"/>
-          <a:lstStyle/>
-          <a:p>
-            <a:pPr algn="ctr"/>
-            <a:r>
-              <a:rPr lang="en-US" sz="2000" b="1" dirty="0">
-                <a:solidFill>
-                  <a:schemeClr val="tx2">
-                    <a:lumMod val="90000"/>
-                    <a:lumOff val="10000"/>
-                  </a:schemeClr>
-                </a:solidFill>
-              </a:rPr>
-              <a:t>Brain health</a:t>
-            </a:r>
-          </a:p>
-        </p:txBody>
-      </p:sp>
-      <p:sp>
-        <p:nvSpPr>
-          <p:cNvPr id="24" name="Rectangle: Rounded Corners 23">
-            <a:extLst>
-              <a:ext uri="{FF2B5EF4-FFF2-40B4-BE49-F238E27FC236}">
-                <a16:creationId xmlns:a16="http://schemas.microsoft.com/office/drawing/2014/main" id="{4C2EB86F-E5F5-F720-11BC-881689124F02}"/>
-              </a:ext>
-            </a:extLst>
-          </p:cNvPr>
-          <p:cNvSpPr/>
-          <p:nvPr/>
-        </p:nvSpPr>
-        <p:spPr>
-          <a:xfrm>
-            <a:off x="9085918" y="2683691"/>
-            <a:ext cx="1590669" cy="745309"/>
-          </a:xfrm>
-          <a:prstGeom prst="roundRect">
-            <a:avLst/>
-          </a:prstGeom>
-          <a:solidFill>
-            <a:srgbClr val="E5EEF3"/>
-          </a:solidFill>
-          <a:ln w="28575">
-            <a:solidFill>
-              <a:srgbClr val="005587"/>
-            </a:solidFill>
-          </a:ln>
-        </p:spPr>
-        <p:style>
-          <a:lnRef idx="2">
-            <a:schemeClr val="accent1">
-              <a:shade val="50000"/>
-            </a:schemeClr>
-          </a:lnRef>
-          <a:fillRef idx="1">
-            <a:schemeClr val="accent1"/>
-          </a:fillRef>
-          <a:effectRef idx="0">
-            <a:schemeClr val="accent1"/>
-          </a:effectRef>
-          <a:fontRef idx="minor">
-            <a:schemeClr val="lt1"/>
-          </a:fontRef>
-        </p:style>
-        <p:txBody>
-          <a:bodyPr lIns="0" tIns="0" rIns="0" bIns="0" rtlCol="0" anchor="ctr"/>
-          <a:lstStyle/>
-          <a:p>
-            <a:pPr algn="ctr"/>
-            <a:r>
-              <a:rPr lang="en-US" sz="2000" b="1" dirty="0">
-                <a:solidFill>
-                  <a:schemeClr val="tx2">
-                    <a:lumMod val="90000"/>
-                    <a:lumOff val="10000"/>
-                  </a:schemeClr>
-                </a:solidFill>
-              </a:rPr>
-              <a:t>Cognitive decline</a:t>
-            </a:r>
-          </a:p>
-        </p:txBody>
-      </p:sp>
-      <p:cxnSp>
-        <p:nvCxnSpPr>
-          <p:cNvPr id="28" name="Straight Arrow Connector 27">
-            <a:extLst>
-              <a:ext uri="{FF2B5EF4-FFF2-40B4-BE49-F238E27FC236}">
-                <a16:creationId xmlns:a16="http://schemas.microsoft.com/office/drawing/2014/main" id="{B67493A4-9112-5D28-2FB7-C972B762F4AC}"/>
-              </a:ext>
-            </a:extLst>
-          </p:cNvPr>
-          <p:cNvCxnSpPr>
-            <a:cxnSpLocks/>
-          </p:cNvCxnSpPr>
-          <p:nvPr/>
-        </p:nvCxnSpPr>
-        <p:spPr>
-          <a:xfrm>
-            <a:off x="8475388" y="3056345"/>
-            <a:ext cx="610530" cy="1"/>
-          </a:xfrm>
-          <a:prstGeom prst="straightConnector1">
-            <a:avLst/>
-          </a:prstGeom>
-          <a:ln w="28575">
-            <a:solidFill>
-              <a:srgbClr val="005587"/>
-            </a:solidFill>
-            <a:tailEnd type="triangle"/>
-          </a:ln>
-        </p:spPr>
-        <p:style>
-          <a:lnRef idx="1">
-            <a:schemeClr val="accent1"/>
-          </a:lnRef>
-          <a:fillRef idx="0">
-            <a:schemeClr val="accent1"/>
-          </a:fillRef>
-          <a:effectRef idx="0">
-            <a:schemeClr val="accent1"/>
-          </a:effectRef>
-          <a:fontRef idx="minor">
-            <a:schemeClr val="tx1"/>
-          </a:fontRef>
-        </p:style>
-      </p:cxnSp>
-      <p:cxnSp>
-        <p:nvCxnSpPr>
-          <p:cNvPr id="33" name="Connector: Elbow 32">
-            <a:extLst>
-              <a:ext uri="{FF2B5EF4-FFF2-40B4-BE49-F238E27FC236}">
-                <a16:creationId xmlns:a16="http://schemas.microsoft.com/office/drawing/2014/main" id="{EA02A9A5-E802-490E-97BD-1A4816EF6F39}"/>
-              </a:ext>
-            </a:extLst>
-          </p:cNvPr>
-          <p:cNvCxnSpPr>
-            <a:cxnSpLocks/>
-            <a:stCxn id="7" idx="3"/>
-            <a:endCxn id="16" idx="0"/>
-          </p:cNvCxnSpPr>
-          <p:nvPr/>
-        </p:nvCxnSpPr>
-        <p:spPr>
-          <a:xfrm>
-            <a:off x="6620721" y="1906729"/>
-            <a:ext cx="1059333" cy="820248"/>
-          </a:xfrm>
-          <a:prstGeom prst="bentConnector2">
-            <a:avLst/>
-          </a:prstGeom>
-          <a:ln w="28575">
-            <a:solidFill>
-              <a:srgbClr val="FFB81C"/>
-            </a:solidFill>
-            <a:tailEnd type="triangle"/>
-          </a:ln>
-        </p:spPr>
-        <p:style>
-          <a:lnRef idx="2">
-            <a:schemeClr val="accent1"/>
-          </a:lnRef>
-          <a:fillRef idx="0">
-            <a:schemeClr val="accent1"/>
-          </a:fillRef>
-          <a:effectRef idx="1">
-            <a:schemeClr val="accent1"/>
-          </a:effectRef>
-          <a:fontRef idx="minor">
-            <a:schemeClr val="tx1"/>
-          </a:fontRef>
-        </p:style>
-      </p:cxnSp>
-      <p:cxnSp>
-        <p:nvCxnSpPr>
-          <p:cNvPr id="34" name="Connector: Elbow 33">
-            <a:extLst>
-              <a:ext uri="{FF2B5EF4-FFF2-40B4-BE49-F238E27FC236}">
-                <a16:creationId xmlns:a16="http://schemas.microsoft.com/office/drawing/2014/main" id="{BAA078B5-8365-4B09-1641-376B1A97C262}"/>
-              </a:ext>
-            </a:extLst>
-          </p:cNvPr>
-          <p:cNvCxnSpPr>
-            <a:cxnSpLocks/>
-            <a:endCxn id="16" idx="2"/>
-          </p:cNvCxnSpPr>
-          <p:nvPr/>
-        </p:nvCxnSpPr>
-        <p:spPr>
-          <a:xfrm flipV="1">
-            <a:off x="6616608" y="3412746"/>
-            <a:ext cx="1063446" cy="685778"/>
-          </a:xfrm>
-          <a:prstGeom prst="bentConnector2">
-            <a:avLst/>
-          </a:prstGeom>
-          <a:ln w="28575">
-            <a:solidFill>
-              <a:srgbClr val="005587"/>
-            </a:solidFill>
-            <a:tailEnd type="triangle"/>
-          </a:ln>
-        </p:spPr>
-        <p:style>
-          <a:lnRef idx="2">
-            <a:schemeClr val="accent1"/>
-          </a:lnRef>
-          <a:fillRef idx="0">
-            <a:schemeClr val="accent1"/>
-          </a:fillRef>
-          <a:effectRef idx="1">
-            <a:schemeClr val="accent1"/>
-          </a:effectRef>
-          <a:fontRef idx="minor">
-            <a:schemeClr val="tx1"/>
-          </a:fontRef>
-        </p:style>
-      </p:cxnSp>
-    </p:spTree>
-    <p:extLst>
-      <p:ext uri="{BB962C8B-B14F-4D97-AF65-F5344CB8AC3E}">
-        <p14:creationId xmlns:p14="http://schemas.microsoft.com/office/powerpoint/2010/main" val="3953244052"/>
-      </p:ext>
-    </p:extLst>
-  </p:cSld>
-  <p:clrMapOvr>
-    <a:masterClrMapping/>
-  </p:clrMapOvr>
-</p:sld>
-</file>
-
 <file path=ppt/slides/slide2.xml><?xml version="1.0" encoding="utf-8"?>
 <p:sld xmlns:a="http://schemas.openxmlformats.org/drawingml/2006/main" xmlns:r="http://schemas.openxmlformats.org/officeDocument/2006/relationships" xmlns:p="http://schemas.openxmlformats.org/presentationml/2006/main">
   <p:cSld>
@@ -6827,6 +5039,241 @@
       </p:grpSpPr>
       <p:pic>
         <p:nvPicPr>
+          <p:cNvPr id="8" name="Picture 7">
+            <a:extLst>
+              <a:ext uri="{FF2B5EF4-FFF2-40B4-BE49-F238E27FC236}">
+                <a16:creationId xmlns:a16="http://schemas.microsoft.com/office/drawing/2014/main" id="{7CF60D68-0945-4B21-D482-93ADDB70AC0D}"/>
+              </a:ext>
+            </a:extLst>
+          </p:cNvPr>
+          <p:cNvPicPr>
+            <a:picLocks noChangeAspect="1"/>
+          </p:cNvPicPr>
+          <p:nvPr/>
+        </p:nvPicPr>
+        <p:blipFill>
+          <a:blip r:embed="rId2"/>
+          <a:stretch>
+            <a:fillRect/>
+          </a:stretch>
+        </p:blipFill>
+        <p:spPr>
+          <a:xfrm>
+            <a:off x="308095" y="412495"/>
+            <a:ext cx="6979009" cy="1873346"/>
+          </a:xfrm>
+          <a:prstGeom prst="rect">
+            <a:avLst/>
+          </a:prstGeom>
+          <a:ln>
+            <a:noFill/>
+          </a:ln>
+          <a:effectLst>
+            <a:outerShdw blurRad="292100" dist="139700" dir="2700000" algn="tl" rotWithShape="0">
+              <a:srgbClr val="333333">
+                <a:alpha val="65000"/>
+              </a:srgbClr>
+            </a:outerShdw>
+          </a:effectLst>
+        </p:spPr>
+      </p:pic>
+      <p:pic>
+        <p:nvPicPr>
+          <p:cNvPr id="15" name="Picture 14" descr="A screenshot of a website&#10;&#10;AI-generated content may be incorrect.">
+            <a:extLst>
+              <a:ext uri="{FF2B5EF4-FFF2-40B4-BE49-F238E27FC236}">
+                <a16:creationId xmlns:a16="http://schemas.microsoft.com/office/drawing/2014/main" id="{B5190DA8-CD17-E786-7287-C40914DB5746}"/>
+              </a:ext>
+            </a:extLst>
+          </p:cNvPr>
+          <p:cNvPicPr>
+            <a:picLocks noChangeAspect="1"/>
+          </p:cNvPicPr>
+          <p:nvPr/>
+        </p:nvPicPr>
+        <p:blipFill>
+          <a:blip r:embed="rId3">
+            <a:extLst>
+              <a:ext uri="{28A0092B-C50C-407E-A947-70E740481C1C}">
+                <a14:useLocalDpi xmlns:a14="http://schemas.microsoft.com/office/drawing/2010/main" val="0"/>
+              </a:ext>
+            </a:extLst>
+          </a:blip>
+          <a:stretch>
+            <a:fillRect/>
+          </a:stretch>
+        </p:blipFill>
+        <p:spPr>
+          <a:xfrm>
+            <a:off x="266700" y="2395876"/>
+            <a:ext cx="5829300" cy="2438400"/>
+          </a:xfrm>
+          <a:prstGeom prst="rect">
+            <a:avLst/>
+          </a:prstGeom>
+          <a:ln>
+            <a:noFill/>
+          </a:ln>
+          <a:effectLst>
+            <a:outerShdw blurRad="292100" dist="139700" dir="2700000" algn="tl" rotWithShape="0">
+              <a:srgbClr val="333333">
+                <a:alpha val="65000"/>
+              </a:srgbClr>
+            </a:outerShdw>
+          </a:effectLst>
+        </p:spPr>
+      </p:pic>
+      <p:pic>
+        <p:nvPicPr>
+          <p:cNvPr id="13" name="Picture 12">
+            <a:extLst>
+              <a:ext uri="{FF2B5EF4-FFF2-40B4-BE49-F238E27FC236}">
+                <a16:creationId xmlns:a16="http://schemas.microsoft.com/office/drawing/2014/main" id="{F361407D-8193-7DB3-7F3F-C33B735F5174}"/>
+              </a:ext>
+            </a:extLst>
+          </p:cNvPr>
+          <p:cNvPicPr>
+            <a:picLocks noChangeAspect="1"/>
+          </p:cNvPicPr>
+          <p:nvPr/>
+        </p:nvPicPr>
+        <p:blipFill>
+          <a:blip r:embed="rId4"/>
+          <a:stretch>
+            <a:fillRect/>
+          </a:stretch>
+        </p:blipFill>
+        <p:spPr>
+          <a:xfrm>
+            <a:off x="5400222" y="2112649"/>
+            <a:ext cx="6483683" cy="2082907"/>
+          </a:xfrm>
+          <a:prstGeom prst="rect">
+            <a:avLst/>
+          </a:prstGeom>
+          <a:ln>
+            <a:noFill/>
+          </a:ln>
+          <a:effectLst>
+            <a:outerShdw blurRad="292100" dist="139700" dir="2700000" algn="tl" rotWithShape="0">
+              <a:srgbClr val="333333">
+                <a:alpha val="65000"/>
+              </a:srgbClr>
+            </a:outerShdw>
+          </a:effectLst>
+        </p:spPr>
+      </p:pic>
+      <p:pic>
+        <p:nvPicPr>
+          <p:cNvPr id="7" name="Picture 6">
+            <a:extLst>
+              <a:ext uri="{FF2B5EF4-FFF2-40B4-BE49-F238E27FC236}">
+                <a16:creationId xmlns:a16="http://schemas.microsoft.com/office/drawing/2014/main" id="{9AAD8B8B-146F-A85A-7731-3DB18199846A}"/>
+              </a:ext>
+            </a:extLst>
+          </p:cNvPr>
+          <p:cNvPicPr>
+            <a:picLocks noChangeAspect="1"/>
+          </p:cNvPicPr>
+          <p:nvPr/>
+        </p:nvPicPr>
+        <p:blipFill>
+          <a:blip r:embed="rId5"/>
+          <a:srcRect b="16593"/>
+          <a:stretch/>
+        </p:blipFill>
+        <p:spPr>
+          <a:xfrm>
+            <a:off x="4344027" y="4305591"/>
+            <a:ext cx="6255071" cy="2319904"/>
+          </a:xfrm>
+          <a:prstGeom prst="rect">
+            <a:avLst/>
+          </a:prstGeom>
+          <a:ln>
+            <a:noFill/>
+          </a:ln>
+          <a:effectLst>
+            <a:outerShdw blurRad="292100" dist="139700" dir="2700000" algn="tl" rotWithShape="0">
+              <a:srgbClr val="333333">
+                <a:alpha val="65000"/>
+              </a:srgbClr>
+            </a:outerShdw>
+          </a:effectLst>
+        </p:spPr>
+      </p:pic>
+      <p:pic>
+        <p:nvPicPr>
+          <p:cNvPr id="21" name="Picture 20">
+            <a:extLst>
+              <a:ext uri="{FF2B5EF4-FFF2-40B4-BE49-F238E27FC236}">
+                <a16:creationId xmlns:a16="http://schemas.microsoft.com/office/drawing/2014/main" id="{47722E75-03F7-2A73-05B3-36B267E7BEA8}"/>
+              </a:ext>
+            </a:extLst>
+          </p:cNvPr>
+          <p:cNvPicPr>
+            <a:picLocks noChangeAspect="1"/>
+          </p:cNvPicPr>
+          <p:nvPr/>
+        </p:nvPicPr>
+        <p:blipFill>
+          <a:blip r:embed="rId6"/>
+          <a:stretch>
+            <a:fillRect/>
+          </a:stretch>
+        </p:blipFill>
+        <p:spPr>
+          <a:xfrm>
+            <a:off x="308095" y="5023044"/>
+            <a:ext cx="3787656" cy="1436193"/>
+          </a:xfrm>
+          <a:prstGeom prst="rect">
+            <a:avLst/>
+          </a:prstGeom>
+          <a:ln>
+            <a:noFill/>
+          </a:ln>
+          <a:effectLst>
+            <a:outerShdw blurRad="292100" dist="139700" dir="2700000" algn="tl" rotWithShape="0">
+              <a:srgbClr val="333333">
+                <a:alpha val="65000"/>
+              </a:srgbClr>
+            </a:outerShdw>
+          </a:effectLst>
+        </p:spPr>
+      </p:pic>
+    </p:spTree>
+    <p:extLst>
+      <p:ext uri="{BB962C8B-B14F-4D97-AF65-F5344CB8AC3E}">
+        <p14:creationId xmlns:p14="http://schemas.microsoft.com/office/powerpoint/2010/main" val="3334917302"/>
+      </p:ext>
+    </p:extLst>
+  </p:cSld>
+  <p:clrMapOvr>
+    <a:masterClrMapping/>
+  </p:clrMapOvr>
+</p:sld>
+</file>
+
+<file path=ppt/slides/slide3.xml><?xml version="1.0" encoding="utf-8"?>
+<p:sld xmlns:a="http://schemas.openxmlformats.org/drawingml/2006/main" xmlns:r="http://schemas.openxmlformats.org/officeDocument/2006/relationships" xmlns:p="http://schemas.openxmlformats.org/presentationml/2006/main">
+  <p:cSld>
+    <p:spTree>
+      <p:nvGrpSpPr>
+        <p:cNvPr id="1" name=""/>
+        <p:cNvGrpSpPr/>
+        <p:nvPr/>
+      </p:nvGrpSpPr>
+      <p:grpSpPr>
+        <a:xfrm>
+          <a:off x="0" y="0"/>
+          <a:ext cx="0" cy="0"/>
+          <a:chOff x="0" y="0"/>
+          <a:chExt cx="0" cy="0"/>
+        </a:xfrm>
+      </p:grpSpPr>
+      <p:pic>
+        <p:nvPicPr>
           <p:cNvPr id="5" name="Picture 4">
             <a:extLst>
               <a:ext uri="{FF2B5EF4-FFF2-40B4-BE49-F238E27FC236}">
@@ -6992,7 +5439,444 @@
 </p:sld>
 </file>
 
-<file path=ppt/slides/slide3.xml><?xml version="1.0" encoding="utf-8"?>
+<file path=ppt/slides/slide4.xml><?xml version="1.0" encoding="utf-8"?>
+<p:sld xmlns:a="http://schemas.openxmlformats.org/drawingml/2006/main" xmlns:r="http://schemas.openxmlformats.org/officeDocument/2006/relationships" xmlns:p="http://schemas.openxmlformats.org/presentationml/2006/main">
+  <p:cSld>
+    <p:spTree>
+      <p:nvGrpSpPr>
+        <p:cNvPr id="1" name="">
+          <a:extLst>
+            <a:ext uri="{FF2B5EF4-FFF2-40B4-BE49-F238E27FC236}">
+              <a16:creationId xmlns:a16="http://schemas.microsoft.com/office/drawing/2014/main" id="{FA01F9C7-F328-69DF-6CB0-5AAAB00724BA}"/>
+            </a:ext>
+          </a:extLst>
+        </p:cNvPr>
+        <p:cNvGrpSpPr/>
+        <p:nvPr/>
+      </p:nvGrpSpPr>
+      <p:grpSpPr>
+        <a:xfrm>
+          <a:off x="0" y="0"/>
+          <a:ext cx="0" cy="0"/>
+          <a:chOff x="0" y="0"/>
+          <a:chExt cx="0" cy="0"/>
+        </a:xfrm>
+      </p:grpSpPr>
+      <p:pic>
+        <p:nvPicPr>
+          <p:cNvPr id="19" name="Picture 18">
+            <a:extLst>
+              <a:ext uri="{FF2B5EF4-FFF2-40B4-BE49-F238E27FC236}">
+                <a16:creationId xmlns:a16="http://schemas.microsoft.com/office/drawing/2014/main" id="{1E058B03-9CFA-B157-CBD1-D4A99C997C3F}"/>
+              </a:ext>
+            </a:extLst>
+          </p:cNvPr>
+          <p:cNvPicPr>
+            <a:picLocks noChangeAspect="1"/>
+          </p:cNvPicPr>
+          <p:nvPr/>
+        </p:nvPicPr>
+        <p:blipFill>
+          <a:blip r:embed="rId2"/>
+          <a:srcRect b="75841"/>
+          <a:stretch/>
+        </p:blipFill>
+        <p:spPr>
+          <a:xfrm>
+            <a:off x="1158645" y="180888"/>
+            <a:ext cx="8922209" cy="819237"/>
+          </a:xfrm>
+          <a:prstGeom prst="rect">
+            <a:avLst/>
+          </a:prstGeom>
+        </p:spPr>
+      </p:pic>
+      <p:pic>
+        <p:nvPicPr>
+          <p:cNvPr id="20" name="Picture 19">
+            <a:extLst>
+              <a:ext uri="{FF2B5EF4-FFF2-40B4-BE49-F238E27FC236}">
+                <a16:creationId xmlns:a16="http://schemas.microsoft.com/office/drawing/2014/main" id="{1100BA51-14FD-30F1-BE51-46B88712B7BA}"/>
+              </a:ext>
+            </a:extLst>
+          </p:cNvPr>
+          <p:cNvPicPr>
+            <a:picLocks noChangeAspect="1"/>
+          </p:cNvPicPr>
+          <p:nvPr/>
+        </p:nvPicPr>
+        <p:blipFill>
+          <a:blip r:embed="rId2"/>
+          <a:srcRect t="47472"/>
+          <a:stretch/>
+        </p:blipFill>
+        <p:spPr>
+          <a:xfrm>
+            <a:off x="1158645" y="956902"/>
+            <a:ext cx="8922209" cy="1781262"/>
+          </a:xfrm>
+          <a:prstGeom prst="rect">
+            <a:avLst/>
+          </a:prstGeom>
+        </p:spPr>
+      </p:pic>
+      <p:pic>
+        <p:nvPicPr>
+          <p:cNvPr id="22" name="Picture 21">
+            <a:extLst>
+              <a:ext uri="{FF2B5EF4-FFF2-40B4-BE49-F238E27FC236}">
+                <a16:creationId xmlns:a16="http://schemas.microsoft.com/office/drawing/2014/main" id="{C4D69157-BA37-E40C-14BB-CB2A16A4E35F}"/>
+              </a:ext>
+            </a:extLst>
+          </p:cNvPr>
+          <p:cNvPicPr>
+            <a:picLocks noChangeAspect="1"/>
+          </p:cNvPicPr>
+          <p:nvPr/>
+        </p:nvPicPr>
+        <p:blipFill>
+          <a:blip r:embed="rId3"/>
+          <a:stretch>
+            <a:fillRect/>
+          </a:stretch>
+        </p:blipFill>
+        <p:spPr>
+          <a:xfrm>
+            <a:off x="301395" y="2856866"/>
+            <a:ext cx="5096624" cy="1731059"/>
+          </a:xfrm>
+          <a:prstGeom prst="rect">
+            <a:avLst/>
+          </a:prstGeom>
+        </p:spPr>
+      </p:pic>
+      <p:pic>
+        <p:nvPicPr>
+          <p:cNvPr id="24" name="Picture 23">
+            <a:extLst>
+              <a:ext uri="{FF2B5EF4-FFF2-40B4-BE49-F238E27FC236}">
+                <a16:creationId xmlns:a16="http://schemas.microsoft.com/office/drawing/2014/main" id="{D0EB5D6A-E61E-FF77-4F8D-04266A29A0F9}"/>
+              </a:ext>
+            </a:extLst>
+          </p:cNvPr>
+          <p:cNvPicPr>
+            <a:picLocks noChangeAspect="1"/>
+          </p:cNvPicPr>
+          <p:nvPr/>
+        </p:nvPicPr>
+        <p:blipFill>
+          <a:blip r:embed="rId4"/>
+          <a:stretch>
+            <a:fillRect/>
+          </a:stretch>
+        </p:blipFill>
+        <p:spPr>
+          <a:xfrm>
+            <a:off x="5619749" y="2856866"/>
+            <a:ext cx="5396389" cy="1731059"/>
+          </a:xfrm>
+          <a:prstGeom prst="rect">
+            <a:avLst/>
+          </a:prstGeom>
+        </p:spPr>
+      </p:pic>
+      <p:pic>
+        <p:nvPicPr>
+          <p:cNvPr id="26" name="Picture 25">
+            <a:extLst>
+              <a:ext uri="{FF2B5EF4-FFF2-40B4-BE49-F238E27FC236}">
+                <a16:creationId xmlns:a16="http://schemas.microsoft.com/office/drawing/2014/main" id="{046684F0-CBFE-4D54-2B68-9530C2A85F7D}"/>
+              </a:ext>
+            </a:extLst>
+          </p:cNvPr>
+          <p:cNvPicPr>
+            <a:picLocks noChangeAspect="1"/>
+          </p:cNvPicPr>
+          <p:nvPr/>
+        </p:nvPicPr>
+        <p:blipFill>
+          <a:blip r:embed="rId5"/>
+          <a:srcRect t="9835"/>
+          <a:stretch/>
+        </p:blipFill>
+        <p:spPr>
+          <a:xfrm>
+            <a:off x="2527047" y="4613198"/>
+            <a:ext cx="5741944" cy="1781263"/>
+          </a:xfrm>
+          <a:prstGeom prst="rect">
+            <a:avLst/>
+          </a:prstGeom>
+        </p:spPr>
+      </p:pic>
+    </p:spTree>
+    <p:extLst>
+      <p:ext uri="{BB962C8B-B14F-4D97-AF65-F5344CB8AC3E}">
+        <p14:creationId xmlns:p14="http://schemas.microsoft.com/office/powerpoint/2010/main" val="9661537"/>
+      </p:ext>
+    </p:extLst>
+  </p:cSld>
+  <p:clrMapOvr>
+    <a:masterClrMapping/>
+  </p:clrMapOvr>
+</p:sld>
+</file>
+
+<file path=ppt/slides/slide5.xml><?xml version="1.0" encoding="utf-8"?>
+<p:sld xmlns:a="http://schemas.openxmlformats.org/drawingml/2006/main" xmlns:r="http://schemas.openxmlformats.org/officeDocument/2006/relationships" xmlns:p="http://schemas.openxmlformats.org/presentationml/2006/main">
+  <p:cSld>
+    <p:spTree>
+      <p:nvGrpSpPr>
+        <p:cNvPr id="1" name="">
+          <a:extLst>
+            <a:ext uri="{FF2B5EF4-FFF2-40B4-BE49-F238E27FC236}">
+              <a16:creationId xmlns:a16="http://schemas.microsoft.com/office/drawing/2014/main" id="{87B26E6C-3E8B-957A-66CC-5E493B92BD74}"/>
+            </a:ext>
+          </a:extLst>
+        </p:cNvPr>
+        <p:cNvGrpSpPr/>
+        <p:nvPr/>
+      </p:nvGrpSpPr>
+      <p:grpSpPr>
+        <a:xfrm>
+          <a:off x="0" y="0"/>
+          <a:ext cx="0" cy="0"/>
+          <a:chOff x="0" y="0"/>
+          <a:chExt cx="0" cy="0"/>
+        </a:xfrm>
+      </p:grpSpPr>
+      <p:pic>
+        <p:nvPicPr>
+          <p:cNvPr id="3" name="Picture 2" descr="A screenshot of a computer&#10;&#10;AI-generated content may be incorrect.">
+            <a:extLst>
+              <a:ext uri="{FF2B5EF4-FFF2-40B4-BE49-F238E27FC236}">
+                <a16:creationId xmlns:a16="http://schemas.microsoft.com/office/drawing/2014/main" id="{E0F3595B-737E-190E-BAFF-B5DC2C60708D}"/>
+              </a:ext>
+            </a:extLst>
+          </p:cNvPr>
+          <p:cNvPicPr>
+            <a:picLocks noChangeAspect="1"/>
+          </p:cNvPicPr>
+          <p:nvPr/>
+        </p:nvPicPr>
+        <p:blipFill>
+          <a:blip r:embed="rId2">
+            <a:extLst>
+              <a:ext uri="{28A0092B-C50C-407E-A947-70E740481C1C}">
+                <a14:useLocalDpi xmlns:a14="http://schemas.microsoft.com/office/drawing/2010/main" val="0"/>
+              </a:ext>
+            </a:extLst>
+          </a:blip>
+          <a:srcRect r="2389" b="22528"/>
+          <a:stretch/>
+        </p:blipFill>
+        <p:spPr>
+          <a:xfrm>
+            <a:off x="1851664" y="2254469"/>
+            <a:ext cx="8488671" cy="4405312"/>
+          </a:xfrm>
+          <a:prstGeom prst="rect">
+            <a:avLst/>
+          </a:prstGeom>
+          <a:ln>
+            <a:noFill/>
+          </a:ln>
+          <a:effectLst>
+            <a:outerShdw blurRad="292100" dist="139700" dir="2700000" algn="tl" rotWithShape="0">
+              <a:srgbClr val="333333">
+                <a:alpha val="65000"/>
+              </a:srgbClr>
+            </a:outerShdw>
+          </a:effectLst>
+        </p:spPr>
+      </p:pic>
+      <p:sp>
+        <p:nvSpPr>
+          <p:cNvPr id="4" name="TextBox 3">
+            <a:extLst>
+              <a:ext uri="{FF2B5EF4-FFF2-40B4-BE49-F238E27FC236}">
+                <a16:creationId xmlns:a16="http://schemas.microsoft.com/office/drawing/2014/main" id="{D5260C0D-FC76-7F8D-E6C8-72C85E23CF76}"/>
+              </a:ext>
+            </a:extLst>
+          </p:cNvPr>
+          <p:cNvSpPr txBox="1"/>
+          <p:nvPr/>
+        </p:nvSpPr>
+        <p:spPr>
+          <a:xfrm>
+            <a:off x="1680214" y="6013450"/>
+            <a:ext cx="3691886" cy="646331"/>
+          </a:xfrm>
+          <a:prstGeom prst="rect">
+            <a:avLst/>
+          </a:prstGeom>
+          <a:noFill/>
+        </p:spPr>
+        <p:txBody>
+          <a:bodyPr wrap="square" rtlCol="0">
+            <a:spAutoFit/>
+          </a:bodyPr>
+          <a:lstStyle/>
+          <a:p>
+            <a:pPr algn="ctr"/>
+            <a:r>
+              <a:rPr lang="en-US" b="1" dirty="0">
+                <a:solidFill>
+                  <a:schemeClr val="bg1"/>
+                </a:solidFill>
+                <a:latin typeface="Arial" panose="020B0604020202020204" pitchFamily="34" charset="0"/>
+                <a:cs typeface="Arial" panose="020B0604020202020204" pitchFamily="34" charset="0"/>
+              </a:rPr>
+              <a:t>Society for Epidemiologic Research Workshop 2022-2023</a:t>
+            </a:r>
+          </a:p>
+        </p:txBody>
+      </p:sp>
+      <p:pic>
+        <p:nvPicPr>
+          <p:cNvPr id="6" name="Picture 5">
+            <a:extLst>
+              <a:ext uri="{FF2B5EF4-FFF2-40B4-BE49-F238E27FC236}">
+                <a16:creationId xmlns:a16="http://schemas.microsoft.com/office/drawing/2014/main" id="{2797C0C2-3D03-3CDC-48DA-E46F32386AA4}"/>
+              </a:ext>
+            </a:extLst>
+          </p:cNvPr>
+          <p:cNvPicPr>
+            <a:picLocks noChangeAspect="1"/>
+          </p:cNvPicPr>
+          <p:nvPr/>
+        </p:nvPicPr>
+        <p:blipFill>
+          <a:blip r:embed="rId3"/>
+          <a:srcRect r="1868"/>
+          <a:stretch/>
+        </p:blipFill>
+        <p:spPr>
+          <a:xfrm>
+            <a:off x="4981575" y="295583"/>
+            <a:ext cx="6477000" cy="1811556"/>
+          </a:xfrm>
+          <a:prstGeom prst="rect">
+            <a:avLst/>
+          </a:prstGeom>
+          <a:ln>
+            <a:noFill/>
+          </a:ln>
+          <a:effectLst>
+            <a:outerShdw blurRad="292100" dist="139700" dir="2700000" algn="tl" rotWithShape="0">
+              <a:srgbClr val="333333">
+                <a:alpha val="65000"/>
+              </a:srgbClr>
+            </a:outerShdw>
+          </a:effectLst>
+        </p:spPr>
+      </p:pic>
+      <p:grpSp>
+        <p:nvGrpSpPr>
+          <p:cNvPr id="15" name="Group 14">
+            <a:extLst>
+              <a:ext uri="{FF2B5EF4-FFF2-40B4-BE49-F238E27FC236}">
+                <a16:creationId xmlns:a16="http://schemas.microsoft.com/office/drawing/2014/main" id="{66ECCE06-6BCF-DB21-5DFF-86261895B796}"/>
+              </a:ext>
+            </a:extLst>
+          </p:cNvPr>
+          <p:cNvGrpSpPr/>
+          <p:nvPr/>
+        </p:nvGrpSpPr>
+        <p:grpSpPr>
+          <a:xfrm>
+            <a:off x="1230022" y="295583"/>
+            <a:ext cx="3656303" cy="1872645"/>
+            <a:chOff x="1230022" y="295583"/>
+            <a:chExt cx="3656303" cy="1872645"/>
+          </a:xfrm>
+        </p:grpSpPr>
+        <p:pic>
+          <p:nvPicPr>
+            <p:cNvPr id="10" name="Picture 9">
+              <a:extLst>
+                <a:ext uri="{FF2B5EF4-FFF2-40B4-BE49-F238E27FC236}">
+                  <a16:creationId xmlns:a16="http://schemas.microsoft.com/office/drawing/2014/main" id="{8CAA051C-AD0B-ADCE-6104-71410D13EF74}"/>
+                </a:ext>
+              </a:extLst>
+            </p:cNvPr>
+            <p:cNvPicPr>
+              <a:picLocks noChangeAspect="1"/>
+            </p:cNvPicPr>
+            <p:nvPr/>
+          </p:nvPicPr>
+          <p:blipFill>
+            <a:blip r:embed="rId4"/>
+            <a:srcRect t="9816" r="6984"/>
+            <a:stretch/>
+          </p:blipFill>
+          <p:spPr>
+            <a:xfrm>
+              <a:off x="1230022" y="295583"/>
+              <a:ext cx="3656303" cy="1397388"/>
+            </a:xfrm>
+            <a:prstGeom prst="rect">
+              <a:avLst/>
+            </a:prstGeom>
+          </p:spPr>
+        </p:pic>
+        <p:sp>
+          <p:nvSpPr>
+            <p:cNvPr id="14" name="TextBox 13">
+              <a:extLst>
+                <a:ext uri="{FF2B5EF4-FFF2-40B4-BE49-F238E27FC236}">
+                  <a16:creationId xmlns:a16="http://schemas.microsoft.com/office/drawing/2014/main" id="{84545C4F-988F-D057-EED4-05165595633C}"/>
+                </a:ext>
+              </a:extLst>
+            </p:cNvPr>
+            <p:cNvSpPr txBox="1"/>
+            <p:nvPr/>
+          </p:nvSpPr>
+          <p:spPr>
+            <a:xfrm>
+              <a:off x="1230022" y="1521897"/>
+              <a:ext cx="3656303" cy="646331"/>
+            </a:xfrm>
+            <a:prstGeom prst="rect">
+              <a:avLst/>
+            </a:prstGeom>
+            <a:noFill/>
+          </p:spPr>
+          <p:txBody>
+            <a:bodyPr wrap="square">
+              <a:spAutoFit/>
+            </a:bodyPr>
+            <a:lstStyle/>
+            <a:p>
+              <a:r>
+                <a:rPr lang="en-US" b="0" i="0" dirty="0">
+                  <a:solidFill>
+                    <a:srgbClr val="1F1F1F"/>
+                  </a:solidFill>
+                  <a:effectLst/>
+                  <a:latin typeface="Google Sans"/>
+                </a:rPr>
+                <a:t>Methods in Epidemiologic, Clinical, and Operations Research</a:t>
+              </a:r>
+              <a:endParaRPr lang="en-US" dirty="0"/>
+            </a:p>
+          </p:txBody>
+        </p:sp>
+      </p:grpSp>
+    </p:spTree>
+    <p:extLst>
+      <p:ext uri="{BB962C8B-B14F-4D97-AF65-F5344CB8AC3E}">
+        <p14:creationId xmlns:p14="http://schemas.microsoft.com/office/powerpoint/2010/main" val="4145641853"/>
+      </p:ext>
+    </p:extLst>
+  </p:cSld>
+  <p:clrMapOvr>
+    <a:masterClrMapping/>
+  </p:clrMapOvr>
+</p:sld>
+</file>
+
+<file path=ppt/slides/slide6.xml><?xml version="1.0" encoding="utf-8"?>
 <p:sld xmlns:a="http://schemas.openxmlformats.org/drawingml/2006/main" xmlns:r="http://schemas.openxmlformats.org/officeDocument/2006/relationships" xmlns:p="http://schemas.openxmlformats.org/presentationml/2006/main">
   <p:cSld>
     <p:bg>
@@ -7171,184 +6055,7 @@
 </p:sld>
 </file>
 
-<file path=ppt/slides/slide4.xml><?xml version="1.0" encoding="utf-8"?>
-<p:sld xmlns:a="http://schemas.openxmlformats.org/drawingml/2006/main" xmlns:r="http://schemas.openxmlformats.org/officeDocument/2006/relationships" xmlns:p="http://schemas.openxmlformats.org/presentationml/2006/main">
-  <p:cSld>
-    <p:spTree>
-      <p:nvGrpSpPr>
-        <p:cNvPr id="1" name="">
-          <a:extLst>
-            <a:ext uri="{FF2B5EF4-FFF2-40B4-BE49-F238E27FC236}">
-              <a16:creationId xmlns:a16="http://schemas.microsoft.com/office/drawing/2014/main" id="{1533464C-DDE1-EB6A-8FEA-E755385F81D8}"/>
-            </a:ext>
-          </a:extLst>
-        </p:cNvPr>
-        <p:cNvGrpSpPr/>
-        <p:nvPr/>
-      </p:nvGrpSpPr>
-      <p:grpSpPr>
-        <a:xfrm>
-          <a:off x="0" y="0"/>
-          <a:ext cx="0" cy="0"/>
-          <a:chOff x="0" y="0"/>
-          <a:chExt cx="0" cy="0"/>
-        </a:xfrm>
-      </p:grpSpPr>
-      <p:sp>
-        <p:nvSpPr>
-          <p:cNvPr id="12" name="TextBox 11">
-            <a:extLst>
-              <a:ext uri="{FF2B5EF4-FFF2-40B4-BE49-F238E27FC236}">
-                <a16:creationId xmlns:a16="http://schemas.microsoft.com/office/drawing/2014/main" id="{100E5735-3875-6A8B-DD8F-E5732AC10FE4}"/>
-              </a:ext>
-            </a:extLst>
-          </p:cNvPr>
-          <p:cNvSpPr txBox="1"/>
-          <p:nvPr/>
-        </p:nvSpPr>
-        <p:spPr>
-          <a:xfrm>
-            <a:off x="5638800" y="2971800"/>
-            <a:ext cx="65" cy="276999"/>
-          </a:xfrm>
-          <a:prstGeom prst="rect">
-            <a:avLst/>
-          </a:prstGeom>
-          <a:noFill/>
-        </p:spPr>
-        <p:txBody>
-          <a:bodyPr wrap="none" lIns="0" tIns="0" rIns="0" bIns="0" rtlCol="0">
-            <a:spAutoFit/>
-          </a:bodyPr>
-          <a:lstStyle/>
-          <a:p>
-            <a:endParaRPr lang="en-US" dirty="0"/>
-          </a:p>
-        </p:txBody>
-      </p:sp>
-      <p:grpSp>
-        <p:nvGrpSpPr>
-          <p:cNvPr id="4" name="Group 3">
-            <a:extLst>
-              <a:ext uri="{FF2B5EF4-FFF2-40B4-BE49-F238E27FC236}">
-                <a16:creationId xmlns:a16="http://schemas.microsoft.com/office/drawing/2014/main" id="{1D76270C-F0DF-F777-5643-0FBABED3E0E7}"/>
-              </a:ext>
-            </a:extLst>
-          </p:cNvPr>
-          <p:cNvGrpSpPr/>
-          <p:nvPr/>
-        </p:nvGrpSpPr>
-        <p:grpSpPr>
-          <a:xfrm>
-            <a:off x="1730168" y="523187"/>
-            <a:ext cx="9088226" cy="5451224"/>
-            <a:chOff x="1730168" y="523187"/>
-            <a:chExt cx="9088226" cy="5451224"/>
-          </a:xfrm>
-        </p:grpSpPr>
-        <p:pic>
-          <p:nvPicPr>
-            <p:cNvPr id="10" name="Picture 9" descr="A map of the world&#10;&#10;AI-generated content may be incorrect.">
-              <a:extLst>
-                <a:ext uri="{FF2B5EF4-FFF2-40B4-BE49-F238E27FC236}">
-                  <a16:creationId xmlns:a16="http://schemas.microsoft.com/office/drawing/2014/main" id="{6E3B909B-8C89-8D7F-ED73-302D4443282F}"/>
-                </a:ext>
-              </a:extLst>
-            </p:cNvPr>
-            <p:cNvPicPr>
-              <a:picLocks noChangeAspect="1"/>
-            </p:cNvPicPr>
-            <p:nvPr/>
-          </p:nvPicPr>
-          <p:blipFill>
-            <a:blip r:embed="rId2">
-              <a:alphaModFix/>
-              <a:extLst>
-                <a:ext uri="{BEBA8EAE-BF5A-486C-A8C5-ECC9F3942E4B}">
-                  <a14:imgProps xmlns:a14="http://schemas.microsoft.com/office/drawing/2010/main">
-                    <a14:imgLayer r:embed="rId3">
-                      <a14:imgEffect>
-                        <a14:saturation sat="66000"/>
-                      </a14:imgEffect>
-                    </a14:imgLayer>
-                  </a14:imgProps>
-                </a:ext>
-                <a:ext uri="{28A0092B-C50C-407E-A947-70E740481C1C}">
-                  <a14:useLocalDpi xmlns:a14="http://schemas.microsoft.com/office/drawing/2010/main" val="0"/>
-                </a:ext>
-              </a:extLst>
-            </a:blip>
-            <a:stretch>
-              <a:fillRect/>
-            </a:stretch>
-          </p:blipFill>
-          <p:spPr>
-            <a:xfrm>
-              <a:off x="1730168" y="523187"/>
-              <a:ext cx="9088226" cy="5451224"/>
-            </a:xfrm>
-            <a:prstGeom prst="rect">
-              <a:avLst/>
-            </a:prstGeom>
-          </p:spPr>
-        </p:pic>
-        <p:pic>
-          <p:nvPicPr>
-            <p:cNvPr id="3" name="Picture 2">
-              <a:extLst>
-                <a:ext uri="{FF2B5EF4-FFF2-40B4-BE49-F238E27FC236}">
-                  <a16:creationId xmlns:a16="http://schemas.microsoft.com/office/drawing/2014/main" id="{EE22BA9E-E625-B85D-232D-11537A9C3CCE}"/>
-                </a:ext>
-              </a:extLst>
-            </p:cNvPr>
-            <p:cNvPicPr>
-              <a:picLocks noChangeAspect="1"/>
-            </p:cNvPicPr>
-            <p:nvPr/>
-          </p:nvPicPr>
-          <p:blipFill>
-            <a:blip r:embed="rId4">
-              <a:extLst>
-                <a:ext uri="{BEBA8EAE-BF5A-486C-A8C5-ECC9F3942E4B}">
-                  <a14:imgProps xmlns:a14="http://schemas.microsoft.com/office/drawing/2010/main">
-                    <a14:imgLayer r:embed="rId5">
-                      <a14:imgEffect>
-                        <a14:saturation sat="66000"/>
-                      </a14:imgEffect>
-                    </a14:imgLayer>
-                  </a14:imgProps>
-                </a:ext>
-              </a:extLst>
-            </a:blip>
-            <a:stretch>
-              <a:fillRect/>
-            </a:stretch>
-          </p:blipFill>
-          <p:spPr>
-            <a:xfrm>
-              <a:off x="2105434" y="4706231"/>
-              <a:ext cx="1689187" cy="1016052"/>
-            </a:xfrm>
-            <a:prstGeom prst="rect">
-              <a:avLst/>
-            </a:prstGeom>
-          </p:spPr>
-        </p:pic>
-      </p:grpSp>
-    </p:spTree>
-    <p:extLst>
-      <p:ext uri="{BB962C8B-B14F-4D97-AF65-F5344CB8AC3E}">
-        <p14:creationId xmlns:p14="http://schemas.microsoft.com/office/powerpoint/2010/main" val="109032431"/>
-      </p:ext>
-    </p:extLst>
-  </p:cSld>
-  <p:clrMapOvr>
-    <a:masterClrMapping/>
-  </p:clrMapOvr>
-</p:sld>
-</file>
-
-<file path=ppt/slides/slide5.xml><?xml version="1.0" encoding="utf-8"?>
+<file path=ppt/slides/slide7.xml><?xml version="1.0" encoding="utf-8"?>
 <p:sld xmlns:a="http://schemas.openxmlformats.org/drawingml/2006/main" xmlns:r="http://schemas.openxmlformats.org/officeDocument/2006/relationships" xmlns:p="http://schemas.openxmlformats.org/presentationml/2006/main">
   <p:cSld>
     <p:spTree>
@@ -7685,7 +6392,7 @@
 </p:sld>
 </file>
 
-<file path=ppt/slides/slide6.xml><?xml version="1.0" encoding="utf-8"?>
+<file path=ppt/slides/slide8.xml><?xml version="1.0" encoding="utf-8"?>
 <p:sld xmlns:a="http://schemas.openxmlformats.org/drawingml/2006/main" xmlns:r="http://schemas.openxmlformats.org/officeDocument/2006/relationships" xmlns:p="http://schemas.openxmlformats.org/presentationml/2006/main">
   <p:cSld>
     <p:spTree>
@@ -7693,7 +6400,7 @@
         <p:cNvPr id="1" name="">
           <a:extLst>
             <a:ext uri="{FF2B5EF4-FFF2-40B4-BE49-F238E27FC236}">
-              <a16:creationId xmlns:a16="http://schemas.microsoft.com/office/drawing/2014/main" id="{96D5661F-6553-99C8-C2B9-80253964CACA}"/>
+              <a16:creationId xmlns:a16="http://schemas.microsoft.com/office/drawing/2014/main" id="{A4C0E043-5857-3120-28A1-A3EC68458EEF}"/>
             </a:ext>
           </a:extLst>
         </p:cNvPr>
@@ -7713,7 +6420,7 @@
           <p:cNvPr id="12" name="TextBox 11">
             <a:extLst>
               <a:ext uri="{FF2B5EF4-FFF2-40B4-BE49-F238E27FC236}">
-                <a16:creationId xmlns:a16="http://schemas.microsoft.com/office/drawing/2014/main" id="{3A6E13BC-3DC6-40E2-E7CB-0DDF28BC123C}"/>
+                <a16:creationId xmlns:a16="http://schemas.microsoft.com/office/drawing/2014/main" id="{98171C33-E5A4-B270-8B04-F7274A4A24E9}"/>
               </a:ext>
             </a:extLst>
           </p:cNvPr>
@@ -7742,10 +6449,10 @@
       </p:sp>
       <p:grpSp>
         <p:nvGrpSpPr>
-          <p:cNvPr id="13" name="Group 12">
-            <a:extLst>
-              <a:ext uri="{FF2B5EF4-FFF2-40B4-BE49-F238E27FC236}">
-                <a16:creationId xmlns:a16="http://schemas.microsoft.com/office/drawing/2014/main" id="{195525CD-4834-F15E-F6D0-C5BBF9004065}"/>
+          <p:cNvPr id="9" name="Group 8">
+            <a:extLst>
+              <a:ext uri="{FF2B5EF4-FFF2-40B4-BE49-F238E27FC236}">
+                <a16:creationId xmlns:a16="http://schemas.microsoft.com/office/drawing/2014/main" id="{A7B2D4C2-9C84-3725-D80C-29A361D62A93}"/>
               </a:ext>
             </a:extLst>
           </p:cNvPr>
@@ -7765,7 +6472,7 @@
             <p:cNvPr id="7" name="Group 6">
               <a:extLst>
                 <a:ext uri="{FF2B5EF4-FFF2-40B4-BE49-F238E27FC236}">
-                  <a16:creationId xmlns:a16="http://schemas.microsoft.com/office/drawing/2014/main" id="{7E35FC21-0109-375D-D2E4-3A1820ED5D48}"/>
+                  <a16:creationId xmlns:a16="http://schemas.microsoft.com/office/drawing/2014/main" id="{984BDF16-D98F-450A-65B3-F6AD53566D32}"/>
                 </a:ext>
               </a:extLst>
             </p:cNvPr>
@@ -7785,7 +6492,7 @@
               <p:cNvPr id="5" name="Group 4">
                 <a:extLst>
                   <a:ext uri="{FF2B5EF4-FFF2-40B4-BE49-F238E27FC236}">
-                    <a16:creationId xmlns:a16="http://schemas.microsoft.com/office/drawing/2014/main" id="{7C5F305F-E0A5-10E0-DD9B-993AE55071C3}"/>
+                    <a16:creationId xmlns:a16="http://schemas.microsoft.com/office/drawing/2014/main" id="{0D0DEDA5-FBE1-A14F-6459-2F07A84AE4E6}"/>
                   </a:ext>
                 </a:extLst>
               </p:cNvPr>
@@ -7805,7 +6512,7 @@
                 <p:cNvPr id="4" name="Group 3">
                   <a:extLst>
                     <a:ext uri="{FF2B5EF4-FFF2-40B4-BE49-F238E27FC236}">
-                      <a16:creationId xmlns:a16="http://schemas.microsoft.com/office/drawing/2014/main" id="{2A89CA52-935B-22FC-29A9-25821E0D2C23}"/>
+                      <a16:creationId xmlns:a16="http://schemas.microsoft.com/office/drawing/2014/main" id="{378F7C7C-1187-5660-80D1-4AEBFF74AEF4}"/>
                     </a:ext>
                   </a:extLst>
                 </p:cNvPr>
@@ -7825,7 +6532,7 @@
                   <p:cNvPr id="10" name="Picture 9" descr="A map of the world&#10;&#10;AI-generated content may be incorrect.">
                     <a:extLst>
                       <a:ext uri="{FF2B5EF4-FFF2-40B4-BE49-F238E27FC236}">
-                        <a16:creationId xmlns:a16="http://schemas.microsoft.com/office/drawing/2014/main" id="{7ABFF42A-CDD5-A5A5-A903-5956AE73EB1B}"/>
+                        <a16:creationId xmlns:a16="http://schemas.microsoft.com/office/drawing/2014/main" id="{5EC85BB7-AABD-5AAA-DEB5-3B9F0090A986}"/>
                       </a:ext>
                     </a:extLst>
                   </p:cNvPr>
@@ -7871,7 +6578,7 @@
                   <p:cNvPr id="3" name="Picture 2">
                     <a:extLst>
                       <a:ext uri="{FF2B5EF4-FFF2-40B4-BE49-F238E27FC236}">
-                        <a16:creationId xmlns:a16="http://schemas.microsoft.com/office/drawing/2014/main" id="{BD291DCE-7669-16C9-D4D0-52ADAE8E70C5}"/>
+                        <a16:creationId xmlns:a16="http://schemas.microsoft.com/office/drawing/2014/main" id="{742F2E5D-D314-5400-D31F-AB7FFD2B40F6}"/>
                       </a:ext>
                     </a:extLst>
                   </p:cNvPr>
@@ -7914,7 +6621,7 @@
                 <p:cNvPr id="2" name="Oval 1">
                   <a:extLst>
                     <a:ext uri="{FF2B5EF4-FFF2-40B4-BE49-F238E27FC236}">
-                      <a16:creationId xmlns:a16="http://schemas.microsoft.com/office/drawing/2014/main" id="{DAD4249D-6ECC-F01B-3B0D-38F48945D186}"/>
+                      <a16:creationId xmlns:a16="http://schemas.microsoft.com/office/drawing/2014/main" id="{2C3319D3-147A-8C3B-709E-636751C07314}"/>
                     </a:ext>
                   </a:extLst>
                 </p:cNvPr>
@@ -7974,7 +6681,7 @@
               <p:cNvPr id="6" name="Oval 5">
                 <a:extLst>
                   <a:ext uri="{FF2B5EF4-FFF2-40B4-BE49-F238E27FC236}">
-                    <a16:creationId xmlns:a16="http://schemas.microsoft.com/office/drawing/2014/main" id="{63DD6FF0-30D9-E365-7760-9D48D900603E}"/>
+                    <a16:creationId xmlns:a16="http://schemas.microsoft.com/office/drawing/2014/main" id="{776F7339-4AE7-A4B4-9FEC-9C9A3EEDF558}"/>
                   </a:ext>
                 </a:extLst>
               </p:cNvPr>
@@ -8034,7 +6741,382 @@
             <p:cNvPr id="8" name="Oval 7">
               <a:extLst>
                 <a:ext uri="{FF2B5EF4-FFF2-40B4-BE49-F238E27FC236}">
-                  <a16:creationId xmlns:a16="http://schemas.microsoft.com/office/drawing/2014/main" id="{BEE987C3-3D3E-23A4-9631-21031C8C610A}"/>
+                  <a16:creationId xmlns:a16="http://schemas.microsoft.com/office/drawing/2014/main" id="{840AAEA2-063D-2F00-4A14-CBCB7AE952C7}"/>
+                </a:ext>
+              </a:extLst>
+            </p:cNvPr>
+            <p:cNvSpPr/>
+            <p:nvPr/>
+          </p:nvSpPr>
+          <p:spPr>
+            <a:xfrm>
+              <a:off x="3299703" y="2805185"/>
+              <a:ext cx="339344" cy="333229"/>
+            </a:xfrm>
+            <a:prstGeom prst="ellipse">
+              <a:avLst/>
+            </a:prstGeom>
+            <a:noFill/>
+            <a:ln w="31750">
+              <a:solidFill>
+                <a:srgbClr val="0B76A0"/>
+              </a:solidFill>
+              <a:prstDash val="sysDash"/>
+            </a:ln>
+          </p:spPr>
+          <p:style>
+            <a:lnRef idx="2">
+              <a:schemeClr val="accent1">
+                <a:shade val="15000"/>
+              </a:schemeClr>
+            </a:lnRef>
+            <a:fillRef idx="1">
+              <a:schemeClr val="accent1"/>
+            </a:fillRef>
+            <a:effectRef idx="0">
+              <a:schemeClr val="accent1"/>
+            </a:effectRef>
+            <a:fontRef idx="minor">
+              <a:schemeClr val="lt1"/>
+            </a:fontRef>
+          </p:style>
+          <p:txBody>
+            <a:bodyPr rtlCol="0" anchor="ctr"/>
+            <a:lstStyle/>
+            <a:p>
+              <a:pPr algn="ctr"/>
+              <a:endParaRPr lang="en-US">
+                <a:solidFill>
+                  <a:srgbClr val="002B43"/>
+                </a:solidFill>
+                <a:latin typeface="Arial" panose="020B0604020202020204" pitchFamily="34" charset="0"/>
+                <a:cs typeface="Arial" panose="020B0604020202020204" pitchFamily="34" charset="0"/>
+              </a:endParaRPr>
+            </a:p>
+          </p:txBody>
+        </p:sp>
+      </p:grpSp>
+    </p:spTree>
+    <p:extLst>
+      <p:ext uri="{BB962C8B-B14F-4D97-AF65-F5344CB8AC3E}">
+        <p14:creationId xmlns:p14="http://schemas.microsoft.com/office/powerpoint/2010/main" val="2751427280"/>
+      </p:ext>
+    </p:extLst>
+  </p:cSld>
+  <p:clrMapOvr>
+    <a:masterClrMapping/>
+  </p:clrMapOvr>
+</p:sld>
+</file>
+
+<file path=ppt/slides/slide9.xml><?xml version="1.0" encoding="utf-8"?>
+<p:sld xmlns:a="http://schemas.openxmlformats.org/drawingml/2006/main" xmlns:r="http://schemas.openxmlformats.org/officeDocument/2006/relationships" xmlns:p="http://schemas.openxmlformats.org/presentationml/2006/main">
+  <p:cSld>
+    <p:spTree>
+      <p:nvGrpSpPr>
+        <p:cNvPr id="1" name="">
+          <a:extLst>
+            <a:ext uri="{FF2B5EF4-FFF2-40B4-BE49-F238E27FC236}">
+              <a16:creationId xmlns:a16="http://schemas.microsoft.com/office/drawing/2014/main" id="{5BFA8231-7C5D-552B-043F-F521889A2C61}"/>
+            </a:ext>
+          </a:extLst>
+        </p:cNvPr>
+        <p:cNvGrpSpPr/>
+        <p:nvPr/>
+      </p:nvGrpSpPr>
+      <p:grpSpPr>
+        <a:xfrm>
+          <a:off x="0" y="0"/>
+          <a:ext cx="0" cy="0"/>
+          <a:chOff x="0" y="0"/>
+          <a:chExt cx="0" cy="0"/>
+        </a:xfrm>
+      </p:grpSpPr>
+      <p:sp>
+        <p:nvSpPr>
+          <p:cNvPr id="12" name="TextBox 11">
+            <a:extLst>
+              <a:ext uri="{FF2B5EF4-FFF2-40B4-BE49-F238E27FC236}">
+                <a16:creationId xmlns:a16="http://schemas.microsoft.com/office/drawing/2014/main" id="{86097C2D-5E58-C86A-0AC8-37A5C46ECF38}"/>
+              </a:ext>
+            </a:extLst>
+          </p:cNvPr>
+          <p:cNvSpPr txBox="1"/>
+          <p:nvPr/>
+        </p:nvSpPr>
+        <p:spPr>
+          <a:xfrm>
+            <a:off x="5638800" y="2971800"/>
+            <a:ext cx="65" cy="276999"/>
+          </a:xfrm>
+          <a:prstGeom prst="rect">
+            <a:avLst/>
+          </a:prstGeom>
+          <a:noFill/>
+        </p:spPr>
+        <p:txBody>
+          <a:bodyPr wrap="none" lIns="0" tIns="0" rIns="0" bIns="0" rtlCol="0">
+            <a:spAutoFit/>
+          </a:bodyPr>
+          <a:lstStyle/>
+          <a:p>
+            <a:endParaRPr lang="en-US" dirty="0"/>
+          </a:p>
+        </p:txBody>
+      </p:sp>
+      <p:grpSp>
+        <p:nvGrpSpPr>
+          <p:cNvPr id="7" name="Group 6">
+            <a:extLst>
+              <a:ext uri="{FF2B5EF4-FFF2-40B4-BE49-F238E27FC236}">
+                <a16:creationId xmlns:a16="http://schemas.microsoft.com/office/drawing/2014/main" id="{E898E37D-2C63-7DE9-1316-42485DF5C633}"/>
+              </a:ext>
+            </a:extLst>
+          </p:cNvPr>
+          <p:cNvGrpSpPr/>
+          <p:nvPr/>
+        </p:nvGrpSpPr>
+        <p:grpSpPr>
+          <a:xfrm>
+            <a:off x="1841928" y="384687"/>
+            <a:ext cx="9088226" cy="5451224"/>
+            <a:chOff x="1841928" y="384687"/>
+            <a:chExt cx="9088226" cy="5451224"/>
+          </a:xfrm>
+        </p:grpSpPr>
+        <p:grpSp>
+          <p:nvGrpSpPr>
+            <p:cNvPr id="4" name="Group 3">
+              <a:extLst>
+                <a:ext uri="{FF2B5EF4-FFF2-40B4-BE49-F238E27FC236}">
+                  <a16:creationId xmlns:a16="http://schemas.microsoft.com/office/drawing/2014/main" id="{7D959D5A-E3E6-5D1A-375C-1845EBFD480B}"/>
+                </a:ext>
+              </a:extLst>
+            </p:cNvPr>
+            <p:cNvGrpSpPr/>
+            <p:nvPr/>
+          </p:nvGrpSpPr>
+          <p:grpSpPr>
+            <a:xfrm>
+              <a:off x="1841928" y="384687"/>
+              <a:ext cx="9088226" cy="5451224"/>
+              <a:chOff x="1730168" y="523187"/>
+              <a:chExt cx="9088226" cy="5451224"/>
+            </a:xfrm>
+          </p:grpSpPr>
+          <p:pic>
+            <p:nvPicPr>
+              <p:cNvPr id="10" name="Picture 9" descr="A map of the world&#10;&#10;AI-generated content may be incorrect.">
+                <a:extLst>
+                  <a:ext uri="{FF2B5EF4-FFF2-40B4-BE49-F238E27FC236}">
+                    <a16:creationId xmlns:a16="http://schemas.microsoft.com/office/drawing/2014/main" id="{C87C24AD-F68A-65D4-3ECD-EB87CE13974F}"/>
+                  </a:ext>
+                </a:extLst>
+              </p:cNvPr>
+              <p:cNvPicPr>
+                <a:picLocks noChangeAspect="1"/>
+              </p:cNvPicPr>
+              <p:nvPr/>
+            </p:nvPicPr>
+            <p:blipFill>
+              <a:blip r:embed="rId2">
+                <a:alphaModFix/>
+                <a:extLst>
+                  <a:ext uri="{BEBA8EAE-BF5A-486C-A8C5-ECC9F3942E4B}">
+                    <a14:imgProps xmlns:a14="http://schemas.microsoft.com/office/drawing/2010/main">
+                      <a14:imgLayer r:embed="rId3">
+                        <a14:imgEffect>
+                          <a14:saturation sat="66000"/>
+                        </a14:imgEffect>
+                      </a14:imgLayer>
+                    </a14:imgProps>
+                  </a:ext>
+                  <a:ext uri="{28A0092B-C50C-407E-A947-70E740481C1C}">
+                    <a14:useLocalDpi xmlns:a14="http://schemas.microsoft.com/office/drawing/2010/main" val="0"/>
+                  </a:ext>
+                </a:extLst>
+              </a:blip>
+              <a:stretch>
+                <a:fillRect/>
+              </a:stretch>
+            </p:blipFill>
+            <p:spPr>
+              <a:xfrm>
+                <a:off x="1730168" y="523187"/>
+                <a:ext cx="9088226" cy="5451224"/>
+              </a:xfrm>
+              <a:prstGeom prst="rect">
+                <a:avLst/>
+              </a:prstGeom>
+            </p:spPr>
+          </p:pic>
+          <p:pic>
+            <p:nvPicPr>
+              <p:cNvPr id="3" name="Picture 2">
+                <a:extLst>
+                  <a:ext uri="{FF2B5EF4-FFF2-40B4-BE49-F238E27FC236}">
+                    <a16:creationId xmlns:a16="http://schemas.microsoft.com/office/drawing/2014/main" id="{25F7E687-62AD-0FAA-F905-C31D588BA3C0}"/>
+                  </a:ext>
+                </a:extLst>
+              </p:cNvPr>
+              <p:cNvPicPr>
+                <a:picLocks noChangeAspect="1"/>
+              </p:cNvPicPr>
+              <p:nvPr/>
+            </p:nvPicPr>
+            <p:blipFill>
+              <a:blip r:embed="rId4">
+                <a:extLst>
+                  <a:ext uri="{BEBA8EAE-BF5A-486C-A8C5-ECC9F3942E4B}">
+                    <a14:imgProps xmlns:a14="http://schemas.microsoft.com/office/drawing/2010/main">
+                      <a14:imgLayer r:embed="rId5">
+                        <a14:imgEffect>
+                          <a14:saturation sat="66000"/>
+                        </a14:imgEffect>
+                      </a14:imgLayer>
+                    </a14:imgProps>
+                  </a:ext>
+                </a:extLst>
+              </a:blip>
+              <a:stretch>
+                <a:fillRect/>
+              </a:stretch>
+            </p:blipFill>
+            <p:spPr>
+              <a:xfrm>
+                <a:off x="2105434" y="4706231"/>
+                <a:ext cx="1689187" cy="1016052"/>
+              </a:xfrm>
+              <a:prstGeom prst="rect">
+                <a:avLst/>
+              </a:prstGeom>
+            </p:spPr>
+          </p:pic>
+        </p:grpSp>
+        <p:sp>
+          <p:nvSpPr>
+            <p:cNvPr id="2" name="Oval 1">
+              <a:extLst>
+                <a:ext uri="{FF2B5EF4-FFF2-40B4-BE49-F238E27FC236}">
+                  <a16:creationId xmlns:a16="http://schemas.microsoft.com/office/drawing/2014/main" id="{0CD802BE-9DE2-CBEE-DF16-EC2C20D93AF5}"/>
+                </a:ext>
+              </a:extLst>
+            </p:cNvPr>
+            <p:cNvSpPr/>
+            <p:nvPr/>
+          </p:nvSpPr>
+          <p:spPr>
+            <a:xfrm>
+              <a:off x="4533392" y="3945820"/>
+              <a:ext cx="678688" cy="621911"/>
+            </a:xfrm>
+            <a:prstGeom prst="ellipse">
+              <a:avLst/>
+            </a:prstGeom>
+            <a:noFill/>
+            <a:ln w="31750">
+              <a:solidFill>
+                <a:srgbClr val="0B76A0"/>
+              </a:solidFill>
+              <a:prstDash val="sysDash"/>
+            </a:ln>
+          </p:spPr>
+          <p:style>
+            <a:lnRef idx="2">
+              <a:schemeClr val="accent1">
+                <a:shade val="15000"/>
+              </a:schemeClr>
+            </a:lnRef>
+            <a:fillRef idx="1">
+              <a:schemeClr val="accent1"/>
+            </a:fillRef>
+            <a:effectRef idx="0">
+              <a:schemeClr val="accent1"/>
+            </a:effectRef>
+            <a:fontRef idx="minor">
+              <a:schemeClr val="lt1"/>
+            </a:fontRef>
+          </p:style>
+          <p:txBody>
+            <a:bodyPr rtlCol="0" anchor="ctr"/>
+            <a:lstStyle/>
+            <a:p>
+              <a:pPr algn="ctr"/>
+              <a:endParaRPr lang="en-US">
+                <a:solidFill>
+                  <a:srgbClr val="002B43"/>
+                </a:solidFill>
+                <a:latin typeface="Arial" panose="020B0604020202020204" pitchFamily="34" charset="0"/>
+                <a:cs typeface="Arial" panose="020B0604020202020204" pitchFamily="34" charset="0"/>
+              </a:endParaRPr>
+            </a:p>
+          </p:txBody>
+        </p:sp>
+        <p:sp>
+          <p:nvSpPr>
+            <p:cNvPr id="6" name="Oval 5">
+              <a:extLst>
+                <a:ext uri="{FF2B5EF4-FFF2-40B4-BE49-F238E27FC236}">
+                  <a16:creationId xmlns:a16="http://schemas.microsoft.com/office/drawing/2014/main" id="{5C153E96-EFBF-A877-15FF-A19933D5CBBE}"/>
+                </a:ext>
+              </a:extLst>
+            </p:cNvPr>
+            <p:cNvSpPr/>
+            <p:nvPr/>
+          </p:nvSpPr>
+          <p:spPr>
+            <a:xfrm>
+              <a:off x="4872736" y="4807731"/>
+              <a:ext cx="339344" cy="333229"/>
+            </a:xfrm>
+            <a:prstGeom prst="ellipse">
+              <a:avLst/>
+            </a:prstGeom>
+            <a:noFill/>
+            <a:ln w="31750">
+              <a:solidFill>
+                <a:srgbClr val="0B76A0"/>
+              </a:solidFill>
+              <a:prstDash val="sysDash"/>
+            </a:ln>
+          </p:spPr>
+          <p:style>
+            <a:lnRef idx="2">
+              <a:schemeClr val="accent1">
+                <a:shade val="15000"/>
+              </a:schemeClr>
+            </a:lnRef>
+            <a:fillRef idx="1">
+              <a:schemeClr val="accent1"/>
+            </a:fillRef>
+            <a:effectRef idx="0">
+              <a:schemeClr val="accent1"/>
+            </a:effectRef>
+            <a:fontRef idx="minor">
+              <a:schemeClr val="lt1"/>
+            </a:fontRef>
+          </p:style>
+          <p:txBody>
+            <a:bodyPr rtlCol="0" anchor="ctr"/>
+            <a:lstStyle/>
+            <a:p>
+              <a:pPr algn="ctr"/>
+              <a:endParaRPr lang="en-US">
+                <a:solidFill>
+                  <a:srgbClr val="002B43"/>
+                </a:solidFill>
+                <a:latin typeface="Arial" panose="020B0604020202020204" pitchFamily="34" charset="0"/>
+                <a:cs typeface="Arial" panose="020B0604020202020204" pitchFamily="34" charset="0"/>
+              </a:endParaRPr>
+            </a:p>
+          </p:txBody>
+        </p:sp>
+        <p:sp>
+          <p:nvSpPr>
+            <p:cNvPr id="8" name="Oval 7">
+              <a:extLst>
+                <a:ext uri="{FF2B5EF4-FFF2-40B4-BE49-F238E27FC236}">
+                  <a16:creationId xmlns:a16="http://schemas.microsoft.com/office/drawing/2014/main" id="{ED39FA8C-3E62-906E-5AA6-B2FBAA4B274C}"/>
                 </a:ext>
               </a:extLst>
             </p:cNvPr>
@@ -8093,7 +7175,7 @@
             <p:cNvPr id="9" name="Oval 8">
               <a:extLst>
                 <a:ext uri="{FF2B5EF4-FFF2-40B4-BE49-F238E27FC236}">
-                  <a16:creationId xmlns:a16="http://schemas.microsoft.com/office/drawing/2014/main" id="{12C591BF-0AF4-1DFD-9CD9-8E4258D0F6E7}"/>
+                  <a16:creationId xmlns:a16="http://schemas.microsoft.com/office/drawing/2014/main" id="{D67DD614-DA4C-3BD1-8218-7532A1D39650}"/>
                 </a:ext>
               </a:extLst>
             </p:cNvPr>
@@ -8149,10 +7231,10 @@
         </p:sp>
         <p:sp>
           <p:nvSpPr>
-            <p:cNvPr id="11" name="Oval 10">
+            <p:cNvPr id="15" name="Oval 14">
               <a:extLst>
                 <a:ext uri="{FF2B5EF4-FFF2-40B4-BE49-F238E27FC236}">
-                  <a16:creationId xmlns:a16="http://schemas.microsoft.com/office/drawing/2014/main" id="{5264C7AF-8F46-5ADF-76B1-FEF40FD4DED5}"/>
+                  <a16:creationId xmlns:a16="http://schemas.microsoft.com/office/drawing/2014/main" id="{DD6AF7F5-D739-BCDF-3E81-4DB56BDFAB60}"/>
                 </a:ext>
               </a:extLst>
             </p:cNvPr>
@@ -8161,7 +7243,7 @@
           </p:nvSpPr>
           <p:spPr>
             <a:xfrm>
-              <a:off x="2323326" y="2072854"/>
+              <a:off x="7817369" y="1577290"/>
               <a:ext cx="339344" cy="333229"/>
             </a:xfrm>
             <a:prstGeom prst="ellipse">
@@ -8170,7 +7252,66 @@
             <a:noFill/>
             <a:ln w="31750">
               <a:solidFill>
-                <a:srgbClr val="FFB81C"/>
+                <a:srgbClr val="FFC000"/>
+              </a:solidFill>
+              <a:prstDash val="sysDash"/>
+            </a:ln>
+          </p:spPr>
+          <p:style>
+            <a:lnRef idx="2">
+              <a:schemeClr val="accent1">
+                <a:shade val="15000"/>
+              </a:schemeClr>
+            </a:lnRef>
+            <a:fillRef idx="1">
+              <a:schemeClr val="accent1"/>
+            </a:fillRef>
+            <a:effectRef idx="0">
+              <a:schemeClr val="accent1"/>
+            </a:effectRef>
+            <a:fontRef idx="minor">
+              <a:schemeClr val="lt1"/>
+            </a:fontRef>
+          </p:style>
+          <p:txBody>
+            <a:bodyPr rtlCol="0" anchor="ctr"/>
+            <a:lstStyle/>
+            <a:p>
+              <a:pPr algn="ctr"/>
+              <a:endParaRPr lang="en-US">
+                <a:solidFill>
+                  <a:srgbClr val="002B43"/>
+                </a:solidFill>
+                <a:latin typeface="Arial" panose="020B0604020202020204" pitchFamily="34" charset="0"/>
+                <a:cs typeface="Arial" panose="020B0604020202020204" pitchFamily="34" charset="0"/>
+              </a:endParaRPr>
+            </a:p>
+          </p:txBody>
+        </p:sp>
+        <p:sp>
+          <p:nvSpPr>
+            <p:cNvPr id="16" name="Oval 15">
+              <a:extLst>
+                <a:ext uri="{FF2B5EF4-FFF2-40B4-BE49-F238E27FC236}">
+                  <a16:creationId xmlns:a16="http://schemas.microsoft.com/office/drawing/2014/main" id="{19FFD376-99D5-0D3C-C97E-9473255A0249}"/>
+                </a:ext>
+              </a:extLst>
+            </p:cNvPr>
+            <p:cNvSpPr/>
+            <p:nvPr/>
+          </p:nvSpPr>
+          <p:spPr>
+            <a:xfrm>
+              <a:off x="4431438" y="1880767"/>
+              <a:ext cx="339344" cy="333229"/>
+            </a:xfrm>
+            <a:prstGeom prst="ellipse">
+              <a:avLst/>
+            </a:prstGeom>
+            <a:noFill/>
+            <a:ln w="31750">
+              <a:solidFill>
+                <a:srgbClr val="FFC000"/>
               </a:solidFill>
               <a:prstDash val="sysDash"/>
             </a:ln>
@@ -8210,839 +7351,7 @@
     </p:spTree>
     <p:extLst>
       <p:ext uri="{BB962C8B-B14F-4D97-AF65-F5344CB8AC3E}">
-        <p14:creationId xmlns:p14="http://schemas.microsoft.com/office/powerpoint/2010/main" val="3081798618"/>
-      </p:ext>
-    </p:extLst>
-  </p:cSld>
-  <p:clrMapOvr>
-    <a:masterClrMapping/>
-  </p:clrMapOvr>
-</p:sld>
-</file>
-
-<file path=ppt/slides/slide7.xml><?xml version="1.0" encoding="utf-8"?>
-<p:sld xmlns:a="http://schemas.openxmlformats.org/drawingml/2006/main" xmlns:r="http://schemas.openxmlformats.org/officeDocument/2006/relationships" xmlns:p="http://schemas.openxmlformats.org/presentationml/2006/main">
-  <p:cSld>
-    <p:bg>
-      <p:bgPr>
-        <a:solidFill>
-          <a:srgbClr val="E5EEF3"/>
-        </a:solidFill>
-        <a:effectLst/>
-      </p:bgPr>
-    </p:bg>
-    <p:spTree>
-      <p:nvGrpSpPr>
-        <p:cNvPr id="1" name="">
-          <a:extLst>
-            <a:ext uri="{FF2B5EF4-FFF2-40B4-BE49-F238E27FC236}">
-              <a16:creationId xmlns:a16="http://schemas.microsoft.com/office/drawing/2014/main" id="{C246A962-9218-07E3-4FD7-22521D318BD1}"/>
-            </a:ext>
-          </a:extLst>
-        </p:cNvPr>
-        <p:cNvGrpSpPr/>
-        <p:nvPr/>
-      </p:nvGrpSpPr>
-      <p:grpSpPr>
-        <a:xfrm>
-          <a:off x="0" y="0"/>
-          <a:ext cx="0" cy="0"/>
-          <a:chOff x="0" y="0"/>
-          <a:chExt cx="0" cy="0"/>
-        </a:xfrm>
-      </p:grpSpPr>
-      <p:sp>
-        <p:nvSpPr>
-          <p:cNvPr id="2" name="Oval 1">
-            <a:extLst>
-              <a:ext uri="{FF2B5EF4-FFF2-40B4-BE49-F238E27FC236}">
-                <a16:creationId xmlns:a16="http://schemas.microsoft.com/office/drawing/2014/main" id="{DB9C5C04-7545-D600-8C89-8E38AFB0E91D}"/>
-              </a:ext>
-            </a:extLst>
-          </p:cNvPr>
-          <p:cNvSpPr/>
-          <p:nvPr/>
-        </p:nvSpPr>
-        <p:spPr>
-          <a:xfrm>
-            <a:off x="2331720" y="777240"/>
-            <a:ext cx="2846832" cy="2825496"/>
-          </a:xfrm>
-          <a:prstGeom prst="ellipse">
-            <a:avLst/>
-          </a:prstGeom>
-          <a:noFill/>
-          <a:ln>
-            <a:solidFill>
-              <a:srgbClr val="005587"/>
-            </a:solidFill>
-          </a:ln>
-        </p:spPr>
-        <p:style>
-          <a:lnRef idx="2">
-            <a:schemeClr val="accent1">
-              <a:shade val="15000"/>
-            </a:schemeClr>
-          </a:lnRef>
-          <a:fillRef idx="1">
-            <a:schemeClr val="accent1"/>
-          </a:fillRef>
-          <a:effectRef idx="0">
-            <a:schemeClr val="accent1"/>
-          </a:effectRef>
-          <a:fontRef idx="minor">
-            <a:schemeClr val="lt1"/>
-          </a:fontRef>
-        </p:style>
-        <p:txBody>
-          <a:bodyPr rtlCol="0" anchor="ctr"/>
-          <a:lstStyle/>
-          <a:p>
-            <a:pPr algn="ctr"/>
-            <a:endParaRPr lang="en-US">
-              <a:solidFill>
-                <a:srgbClr val="002B43"/>
-              </a:solidFill>
-              <a:latin typeface="Arial" panose="020B0604020202020204" pitchFamily="34" charset="0"/>
-              <a:cs typeface="Arial" panose="020B0604020202020204" pitchFamily="34" charset="0"/>
-            </a:endParaRPr>
-          </a:p>
-        </p:txBody>
-      </p:sp>
-      <p:sp>
-        <p:nvSpPr>
-          <p:cNvPr id="3" name="Oval 2">
-            <a:extLst>
-              <a:ext uri="{FF2B5EF4-FFF2-40B4-BE49-F238E27FC236}">
-                <a16:creationId xmlns:a16="http://schemas.microsoft.com/office/drawing/2014/main" id="{29563CD8-BA96-3C2D-0E9A-E191FA89B98E}"/>
-              </a:ext>
-            </a:extLst>
-          </p:cNvPr>
-          <p:cNvSpPr/>
-          <p:nvPr/>
-        </p:nvSpPr>
-        <p:spPr>
-          <a:xfrm>
-            <a:off x="4166618" y="777240"/>
-            <a:ext cx="2846832" cy="2825496"/>
-          </a:xfrm>
-          <a:prstGeom prst="ellipse">
-            <a:avLst/>
-          </a:prstGeom>
-          <a:noFill/>
-          <a:ln>
-            <a:solidFill>
-              <a:srgbClr val="FFB81C"/>
-            </a:solidFill>
-          </a:ln>
-        </p:spPr>
-        <p:style>
-          <a:lnRef idx="2">
-            <a:schemeClr val="accent1">
-              <a:shade val="15000"/>
-            </a:schemeClr>
-          </a:lnRef>
-          <a:fillRef idx="1">
-            <a:schemeClr val="accent1"/>
-          </a:fillRef>
-          <a:effectRef idx="0">
-            <a:schemeClr val="accent1"/>
-          </a:effectRef>
-          <a:fontRef idx="minor">
-            <a:schemeClr val="lt1"/>
-          </a:fontRef>
-        </p:style>
-        <p:txBody>
-          <a:bodyPr rtlCol="0" anchor="ctr"/>
-          <a:lstStyle/>
-          <a:p>
-            <a:pPr algn="ctr"/>
-            <a:endParaRPr lang="en-US">
-              <a:solidFill>
-                <a:srgbClr val="002B43"/>
-              </a:solidFill>
-              <a:latin typeface="Arial" panose="020B0604020202020204" pitchFamily="34" charset="0"/>
-              <a:cs typeface="Arial" panose="020B0604020202020204" pitchFamily="34" charset="0"/>
-            </a:endParaRPr>
-          </a:p>
-        </p:txBody>
-      </p:sp>
-      <p:sp>
-        <p:nvSpPr>
-          <p:cNvPr id="4" name="Oval 3">
-            <a:extLst>
-              <a:ext uri="{FF2B5EF4-FFF2-40B4-BE49-F238E27FC236}">
-                <a16:creationId xmlns:a16="http://schemas.microsoft.com/office/drawing/2014/main" id="{382E1F86-6CA2-3421-D9D1-FDD9AB5B2DE0}"/>
-              </a:ext>
-            </a:extLst>
-          </p:cNvPr>
-          <p:cNvSpPr/>
-          <p:nvPr/>
-        </p:nvSpPr>
-        <p:spPr>
-          <a:xfrm>
-            <a:off x="3334512" y="1901952"/>
-            <a:ext cx="2846832" cy="2825496"/>
-          </a:xfrm>
-          <a:prstGeom prst="ellipse">
-            <a:avLst/>
-          </a:prstGeom>
-          <a:noFill/>
-          <a:ln>
-            <a:solidFill>
-              <a:srgbClr val="0B76A0"/>
-            </a:solidFill>
-          </a:ln>
-        </p:spPr>
-        <p:style>
-          <a:lnRef idx="2">
-            <a:schemeClr val="accent1">
-              <a:shade val="15000"/>
-            </a:schemeClr>
-          </a:lnRef>
-          <a:fillRef idx="1">
-            <a:schemeClr val="accent1"/>
-          </a:fillRef>
-          <a:effectRef idx="0">
-            <a:schemeClr val="accent1"/>
-          </a:effectRef>
-          <a:fontRef idx="minor">
-            <a:schemeClr val="lt1"/>
-          </a:fontRef>
-        </p:style>
-        <p:txBody>
-          <a:bodyPr rtlCol="0" anchor="ctr"/>
-          <a:lstStyle/>
-          <a:p>
-            <a:pPr algn="ctr"/>
-            <a:endParaRPr lang="en-US">
-              <a:solidFill>
-                <a:srgbClr val="002B43"/>
-              </a:solidFill>
-              <a:latin typeface="Arial" panose="020B0604020202020204" pitchFamily="34" charset="0"/>
-              <a:cs typeface="Arial" panose="020B0604020202020204" pitchFamily="34" charset="0"/>
-            </a:endParaRPr>
-          </a:p>
-        </p:txBody>
-      </p:sp>
-      <p:sp>
-        <p:nvSpPr>
-          <p:cNvPr id="5" name="TextBox 4">
-            <a:extLst>
-              <a:ext uri="{FF2B5EF4-FFF2-40B4-BE49-F238E27FC236}">
-                <a16:creationId xmlns:a16="http://schemas.microsoft.com/office/drawing/2014/main" id="{6EE3E827-AC19-894B-66F2-E49B31B30DC4}"/>
-              </a:ext>
-            </a:extLst>
-          </p:cNvPr>
-          <p:cNvSpPr txBox="1"/>
-          <p:nvPr/>
-        </p:nvSpPr>
-        <p:spPr>
-          <a:xfrm>
-            <a:off x="4284008" y="2143351"/>
-            <a:ext cx="914758" cy="584775"/>
-          </a:xfrm>
-          <a:prstGeom prst="rect">
-            <a:avLst/>
-          </a:prstGeom>
-          <a:noFill/>
-        </p:spPr>
-        <p:txBody>
-          <a:bodyPr wrap="square" rtlCol="0">
-            <a:spAutoFit/>
-          </a:bodyPr>
-          <a:lstStyle/>
-          <a:p>
-            <a:r>
-              <a:rPr lang="en-US" sz="1600" dirty="0">
-                <a:solidFill>
-                  <a:srgbClr val="002B43"/>
-                </a:solidFill>
-                <a:latin typeface="Arial" panose="020B0604020202020204" pitchFamily="34" charset="0"/>
-                <a:cs typeface="Arial" panose="020B0604020202020204" pitchFamily="34" charset="0"/>
-              </a:rPr>
-              <a:t>Health equity</a:t>
-            </a:r>
-          </a:p>
-        </p:txBody>
-      </p:sp>
-      <p:sp>
-        <p:nvSpPr>
-          <p:cNvPr id="6" name="TextBox 5">
-            <a:extLst>
-              <a:ext uri="{FF2B5EF4-FFF2-40B4-BE49-F238E27FC236}">
-                <a16:creationId xmlns:a16="http://schemas.microsoft.com/office/drawing/2014/main" id="{E49AD5B9-7FC4-8FD7-E919-CADBFD6A5C68}"/>
-              </a:ext>
-            </a:extLst>
-          </p:cNvPr>
-          <p:cNvSpPr txBox="1"/>
-          <p:nvPr/>
-        </p:nvSpPr>
-        <p:spPr>
-          <a:xfrm>
-            <a:off x="5149196" y="1319142"/>
-            <a:ext cx="1604053" cy="646331"/>
-          </a:xfrm>
-          <a:prstGeom prst="rect">
-            <a:avLst/>
-          </a:prstGeom>
-          <a:noFill/>
-        </p:spPr>
-        <p:txBody>
-          <a:bodyPr wrap="square" rtlCol="0">
-            <a:spAutoFit/>
-          </a:bodyPr>
-          <a:lstStyle/>
-          <a:p>
-            <a:pPr algn="ctr"/>
-            <a:r>
-              <a:rPr lang="en-US" dirty="0">
-                <a:solidFill>
-                  <a:srgbClr val="002B43"/>
-                </a:solidFill>
-                <a:latin typeface="Arial" panose="020B0604020202020204" pitchFamily="34" charset="0"/>
-                <a:cs typeface="Arial" panose="020B0604020202020204" pitchFamily="34" charset="0"/>
-              </a:rPr>
-              <a:t>Occupational determinants</a:t>
-            </a:r>
-          </a:p>
-        </p:txBody>
-      </p:sp>
-      <p:sp>
-        <p:nvSpPr>
-          <p:cNvPr id="7" name="TextBox 6">
-            <a:extLst>
-              <a:ext uri="{FF2B5EF4-FFF2-40B4-BE49-F238E27FC236}">
-                <a16:creationId xmlns:a16="http://schemas.microsoft.com/office/drawing/2014/main" id="{CD566BAC-0461-AC60-0772-AD8578C5CA58}"/>
-              </a:ext>
-            </a:extLst>
-          </p:cNvPr>
-          <p:cNvSpPr txBox="1"/>
-          <p:nvPr/>
-        </p:nvSpPr>
-        <p:spPr>
-          <a:xfrm>
-            <a:off x="2591921" y="1225791"/>
-            <a:ext cx="1604053" cy="923330"/>
-          </a:xfrm>
-          <a:prstGeom prst="rect">
-            <a:avLst/>
-          </a:prstGeom>
-          <a:noFill/>
-        </p:spPr>
-        <p:txBody>
-          <a:bodyPr wrap="square" rtlCol="0">
-            <a:spAutoFit/>
-          </a:bodyPr>
-          <a:lstStyle/>
-          <a:p>
-            <a:pPr algn="ctr"/>
-            <a:r>
-              <a:rPr lang="en-US" dirty="0">
-                <a:solidFill>
-                  <a:srgbClr val="002B43"/>
-                </a:solidFill>
-                <a:latin typeface="Arial" panose="020B0604020202020204" pitchFamily="34" charset="0"/>
-                <a:cs typeface="Arial" panose="020B0604020202020204" pitchFamily="34" charset="0"/>
-              </a:rPr>
-              <a:t>Hypothetical stochastic interventions</a:t>
-            </a:r>
-          </a:p>
-        </p:txBody>
-      </p:sp>
-      <p:sp>
-        <p:nvSpPr>
-          <p:cNvPr id="8" name="TextBox 7">
-            <a:extLst>
-              <a:ext uri="{FF2B5EF4-FFF2-40B4-BE49-F238E27FC236}">
-                <a16:creationId xmlns:a16="http://schemas.microsoft.com/office/drawing/2014/main" id="{F65671EB-FDA3-9C25-9217-D6675EF572B9}"/>
-              </a:ext>
-            </a:extLst>
-          </p:cNvPr>
-          <p:cNvSpPr txBox="1"/>
-          <p:nvPr/>
-        </p:nvSpPr>
-        <p:spPr>
-          <a:xfrm>
-            <a:off x="3990551" y="3608506"/>
-            <a:ext cx="1604053" cy="923330"/>
-          </a:xfrm>
-          <a:prstGeom prst="rect">
-            <a:avLst/>
-          </a:prstGeom>
-          <a:noFill/>
-        </p:spPr>
-        <p:txBody>
-          <a:bodyPr wrap="square" rtlCol="0">
-            <a:spAutoFit/>
-          </a:bodyPr>
-          <a:lstStyle/>
-          <a:p>
-            <a:pPr algn="ctr"/>
-            <a:r>
-              <a:rPr lang="en-US" dirty="0">
-                <a:solidFill>
-                  <a:srgbClr val="002B43"/>
-                </a:solidFill>
-                <a:latin typeface="Arial" panose="020B0604020202020204" pitchFamily="34" charset="0"/>
-                <a:cs typeface="Arial" panose="020B0604020202020204" pitchFamily="34" charset="0"/>
-              </a:rPr>
-              <a:t>Cognitive and neuroimaging outcomes</a:t>
-            </a:r>
-          </a:p>
-        </p:txBody>
-      </p:sp>
-      <p:sp>
-        <p:nvSpPr>
-          <p:cNvPr id="9" name="Rectangle: Rounded Corners 8">
-            <a:extLst>
-              <a:ext uri="{FF2B5EF4-FFF2-40B4-BE49-F238E27FC236}">
-                <a16:creationId xmlns:a16="http://schemas.microsoft.com/office/drawing/2014/main" id="{09CB53F8-CB09-9AB5-3676-AF885FEAD32A}"/>
-              </a:ext>
-            </a:extLst>
-          </p:cNvPr>
-          <p:cNvSpPr/>
-          <p:nvPr/>
-        </p:nvSpPr>
-        <p:spPr>
-          <a:xfrm>
-            <a:off x="2203450" y="615950"/>
-            <a:ext cx="4984750" cy="4579508"/>
-          </a:xfrm>
-          <a:prstGeom prst="roundRect">
-            <a:avLst/>
-          </a:prstGeom>
-          <a:noFill/>
-          <a:ln>
-            <a:solidFill>
-              <a:srgbClr val="042433"/>
-            </a:solidFill>
-          </a:ln>
-        </p:spPr>
-        <p:style>
-          <a:lnRef idx="2">
-            <a:schemeClr val="accent1">
-              <a:shade val="15000"/>
-            </a:schemeClr>
-          </a:lnRef>
-          <a:fillRef idx="1">
-            <a:schemeClr val="accent1"/>
-          </a:fillRef>
-          <a:effectRef idx="0">
-            <a:schemeClr val="accent1"/>
-          </a:effectRef>
-          <a:fontRef idx="minor">
-            <a:schemeClr val="lt1"/>
-          </a:fontRef>
-        </p:style>
-        <p:txBody>
-          <a:bodyPr rtlCol="0" anchor="ctr"/>
-          <a:lstStyle/>
-          <a:p>
-            <a:pPr algn="ctr"/>
-            <a:endParaRPr lang="en-US"/>
-          </a:p>
-        </p:txBody>
-      </p:sp>
-      <p:sp>
-        <p:nvSpPr>
-          <p:cNvPr id="10" name="TextBox 9">
-            <a:extLst>
-              <a:ext uri="{FF2B5EF4-FFF2-40B4-BE49-F238E27FC236}">
-                <a16:creationId xmlns:a16="http://schemas.microsoft.com/office/drawing/2014/main" id="{5C7234AF-64D3-6D06-D32B-76B6A81EFE31}"/>
-              </a:ext>
-            </a:extLst>
-          </p:cNvPr>
-          <p:cNvSpPr txBox="1"/>
-          <p:nvPr/>
-        </p:nvSpPr>
-        <p:spPr>
-          <a:xfrm>
-            <a:off x="2397635" y="4776787"/>
-            <a:ext cx="4720585" cy="369332"/>
-          </a:xfrm>
-          <a:prstGeom prst="rect">
-            <a:avLst/>
-          </a:prstGeom>
-          <a:noFill/>
-        </p:spPr>
-        <p:txBody>
-          <a:bodyPr wrap="square" rtlCol="0">
-            <a:spAutoFit/>
-          </a:bodyPr>
-          <a:lstStyle/>
-          <a:p>
-            <a:pPr algn="ctr"/>
-            <a:r>
-              <a:rPr lang="en-US" b="1" dirty="0">
-                <a:solidFill>
-                  <a:srgbClr val="002B43"/>
-                </a:solidFill>
-                <a:latin typeface="Arial" panose="020B0604020202020204" pitchFamily="34" charset="0"/>
-                <a:cs typeface="Arial" panose="020B0604020202020204" pitchFamily="34" charset="0"/>
-              </a:rPr>
-              <a:t>Intersectional framework</a:t>
-            </a:r>
-          </a:p>
-        </p:txBody>
-      </p:sp>
-    </p:spTree>
-    <p:extLst>
-      <p:ext uri="{BB962C8B-B14F-4D97-AF65-F5344CB8AC3E}">
-        <p14:creationId xmlns:p14="http://schemas.microsoft.com/office/powerpoint/2010/main" val="2745708147"/>
-      </p:ext>
-    </p:extLst>
-  </p:cSld>
-  <p:clrMapOvr>
-    <a:masterClrMapping/>
-  </p:clrMapOvr>
-</p:sld>
-</file>
-
-<file path=ppt/slides/slide8.xml><?xml version="1.0" encoding="utf-8"?>
-<p:sld xmlns:a="http://schemas.openxmlformats.org/drawingml/2006/main" xmlns:r="http://schemas.openxmlformats.org/officeDocument/2006/relationships" xmlns:p="http://schemas.openxmlformats.org/presentationml/2006/main">
-  <p:cSld>
-    <p:spTree>
-      <p:nvGrpSpPr>
-        <p:cNvPr id="1" name=""/>
-        <p:cNvGrpSpPr/>
-        <p:nvPr/>
-      </p:nvGrpSpPr>
-      <p:grpSpPr>
-        <a:xfrm>
-          <a:off x="0" y="0"/>
-          <a:ext cx="0" cy="0"/>
-          <a:chOff x="0" y="0"/>
-          <a:chExt cx="0" cy="0"/>
-        </a:xfrm>
-      </p:grpSpPr>
-      <p:pic>
-        <p:nvPicPr>
-          <p:cNvPr id="3" name="Picture 2" descr="A diagram of steps to a model&#10;&#10;AI-generated content may be incorrect.">
-            <a:extLst>
-              <a:ext uri="{FF2B5EF4-FFF2-40B4-BE49-F238E27FC236}">
-                <a16:creationId xmlns:a16="http://schemas.microsoft.com/office/drawing/2014/main" id="{0B6F31DF-E061-02A0-FF8E-D3BFC9D19CFD}"/>
-              </a:ext>
-            </a:extLst>
-          </p:cNvPr>
-          <p:cNvPicPr>
-            <a:picLocks noChangeAspect="1"/>
-          </p:cNvPicPr>
-          <p:nvPr/>
-        </p:nvPicPr>
-        <p:blipFill>
-          <a:blip r:embed="rId2">
-            <a:extLst>
-              <a:ext uri="{28A0092B-C50C-407E-A947-70E740481C1C}">
-                <a14:useLocalDpi xmlns:a14="http://schemas.microsoft.com/office/drawing/2010/main" val="0"/>
-              </a:ext>
-            </a:extLst>
-          </a:blip>
-          <a:srcRect b="75791"/>
-          <a:stretch/>
-        </p:blipFill>
-        <p:spPr>
-          <a:xfrm>
-            <a:off x="68320" y="2219997"/>
-            <a:ext cx="1950757" cy="1209003"/>
-          </a:xfrm>
-          <a:prstGeom prst="rect">
-            <a:avLst/>
-          </a:prstGeom>
-        </p:spPr>
-      </p:pic>
-      <p:pic>
-        <p:nvPicPr>
-          <p:cNvPr id="4" name="Picture 3" descr="A diagram of steps to a model&#10;&#10;AI-generated content may be incorrect.">
-            <a:extLst>
-              <a:ext uri="{FF2B5EF4-FFF2-40B4-BE49-F238E27FC236}">
-                <a16:creationId xmlns:a16="http://schemas.microsoft.com/office/drawing/2014/main" id="{73B4D836-A67B-7E15-26BD-A88A8BF1B926}"/>
-              </a:ext>
-            </a:extLst>
-          </p:cNvPr>
-          <p:cNvPicPr>
-            <a:picLocks noChangeAspect="1"/>
-          </p:cNvPicPr>
-          <p:nvPr/>
-        </p:nvPicPr>
-        <p:blipFill>
-          <a:blip r:embed="rId2">
-            <a:extLst>
-              <a:ext uri="{28A0092B-C50C-407E-A947-70E740481C1C}">
-                <a14:useLocalDpi xmlns:a14="http://schemas.microsoft.com/office/drawing/2010/main" val="0"/>
-              </a:ext>
-            </a:extLst>
-          </a:blip>
-          <a:srcRect t="30462" b="59713"/>
-          <a:stretch/>
-        </p:blipFill>
-        <p:spPr>
-          <a:xfrm>
-            <a:off x="2161830" y="2598233"/>
-            <a:ext cx="1950757" cy="490655"/>
-          </a:xfrm>
-          <a:prstGeom prst="rect">
-            <a:avLst/>
-          </a:prstGeom>
-        </p:spPr>
-      </p:pic>
-      <p:pic>
-        <p:nvPicPr>
-          <p:cNvPr id="5" name="Picture 4" descr="A diagram of steps to a model&#10;&#10;AI-generated content may be incorrect.">
-            <a:extLst>
-              <a:ext uri="{FF2B5EF4-FFF2-40B4-BE49-F238E27FC236}">
-                <a16:creationId xmlns:a16="http://schemas.microsoft.com/office/drawing/2014/main" id="{5B5D2907-21FB-2A4E-199E-F9AD65B0C846}"/>
-              </a:ext>
-            </a:extLst>
-          </p:cNvPr>
-          <p:cNvPicPr>
-            <a:picLocks noChangeAspect="1"/>
-          </p:cNvPicPr>
-          <p:nvPr/>
-        </p:nvPicPr>
-        <p:blipFill>
-          <a:blip r:embed="rId2">
-            <a:extLst>
-              <a:ext uri="{28A0092B-C50C-407E-A947-70E740481C1C}">
-                <a14:useLocalDpi xmlns:a14="http://schemas.microsoft.com/office/drawing/2010/main" val="0"/>
-              </a:ext>
-            </a:extLst>
-          </a:blip>
-          <a:srcRect t="39840" b="48548"/>
-          <a:stretch/>
-        </p:blipFill>
-        <p:spPr>
-          <a:xfrm>
-            <a:off x="4145243" y="2743200"/>
-            <a:ext cx="1950757" cy="579864"/>
-          </a:xfrm>
-          <a:prstGeom prst="rect">
-            <a:avLst/>
-          </a:prstGeom>
-        </p:spPr>
-      </p:pic>
-      <p:pic>
-        <p:nvPicPr>
-          <p:cNvPr id="6" name="Picture 5" descr="A diagram of steps to a model&#10;&#10;AI-generated content may be incorrect.">
-            <a:extLst>
-              <a:ext uri="{FF2B5EF4-FFF2-40B4-BE49-F238E27FC236}">
-                <a16:creationId xmlns:a16="http://schemas.microsoft.com/office/drawing/2014/main" id="{C02A9896-14D7-4B62-4C49-D9FD37E9ED12}"/>
-              </a:ext>
-            </a:extLst>
-          </p:cNvPr>
-          <p:cNvPicPr>
-            <a:picLocks noChangeAspect="1"/>
-          </p:cNvPicPr>
-          <p:nvPr/>
-        </p:nvPicPr>
-        <p:blipFill>
-          <a:blip r:embed="rId2">
-            <a:extLst>
-              <a:ext uri="{28A0092B-C50C-407E-A947-70E740481C1C}">
-                <a14:useLocalDpi xmlns:a14="http://schemas.microsoft.com/office/drawing/2010/main" val="0"/>
-              </a:ext>
-            </a:extLst>
-          </a:blip>
-          <a:srcRect t="47507" b="36862"/>
-          <a:stretch/>
-        </p:blipFill>
-        <p:spPr>
-          <a:xfrm>
-            <a:off x="6191137" y="2453267"/>
-            <a:ext cx="1950757" cy="780586"/>
-          </a:xfrm>
-          <a:prstGeom prst="rect">
-            <a:avLst/>
-          </a:prstGeom>
-        </p:spPr>
-      </p:pic>
-      <p:pic>
-        <p:nvPicPr>
-          <p:cNvPr id="7" name="Picture 6" descr="A diagram of steps to a model&#10;&#10;AI-generated content may be incorrect.">
-            <a:extLst>
-              <a:ext uri="{FF2B5EF4-FFF2-40B4-BE49-F238E27FC236}">
-                <a16:creationId xmlns:a16="http://schemas.microsoft.com/office/drawing/2014/main" id="{0897B293-BEBA-BDE6-2085-085668E6F2EB}"/>
-              </a:ext>
-            </a:extLst>
-          </p:cNvPr>
-          <p:cNvPicPr>
-            <a:picLocks noChangeAspect="1"/>
-          </p:cNvPicPr>
-          <p:nvPr/>
-        </p:nvPicPr>
-        <p:blipFill>
-          <a:blip r:embed="rId2">
-            <a:extLst>
-              <a:ext uri="{28A0092B-C50C-407E-A947-70E740481C1C}">
-                <a14:useLocalDpi xmlns:a14="http://schemas.microsoft.com/office/drawing/2010/main" val="0"/>
-              </a:ext>
-            </a:extLst>
-          </a:blip>
-          <a:stretch>
-            <a:fillRect/>
-          </a:stretch>
-        </p:blipFill>
-        <p:spPr>
-          <a:xfrm>
-            <a:off x="9149929" y="448812"/>
-            <a:ext cx="1950757" cy="4993938"/>
-          </a:xfrm>
-          <a:prstGeom prst="rect">
-            <a:avLst/>
-          </a:prstGeom>
-        </p:spPr>
-      </p:pic>
-      <p:pic>
-        <p:nvPicPr>
-          <p:cNvPr id="8" name="Picture 7" descr="A diagram of steps to a model&#10;&#10;AI-generated content may be incorrect.">
-            <a:extLst>
-              <a:ext uri="{FF2B5EF4-FFF2-40B4-BE49-F238E27FC236}">
-                <a16:creationId xmlns:a16="http://schemas.microsoft.com/office/drawing/2014/main" id="{9F4EFA6E-4974-B591-0CC7-332E5433AE37}"/>
-              </a:ext>
-            </a:extLst>
-          </p:cNvPr>
-          <p:cNvPicPr>
-            <a:picLocks noChangeAspect="1"/>
-          </p:cNvPicPr>
-          <p:nvPr/>
-        </p:nvPicPr>
-        <p:blipFill>
-          <a:blip r:embed="rId3">
-            <a:extLst>
-              <a:ext uri="{28A0092B-C50C-407E-A947-70E740481C1C}">
-                <a14:useLocalDpi xmlns:a14="http://schemas.microsoft.com/office/drawing/2010/main" val="0"/>
-              </a:ext>
-            </a:extLst>
-          </a:blip>
-          <a:srcRect t="59602" b="24767"/>
-          <a:stretch/>
-        </p:blipFill>
-        <p:spPr>
-          <a:xfrm>
-            <a:off x="8141894" y="3323063"/>
-            <a:ext cx="1950757" cy="780587"/>
-          </a:xfrm>
-          <a:prstGeom prst="rect">
-            <a:avLst/>
-          </a:prstGeom>
-        </p:spPr>
-      </p:pic>
-      <p:pic>
-        <p:nvPicPr>
-          <p:cNvPr id="9" name="Picture 8" descr="A diagram of steps to a model&#10;&#10;AI-generated content may be incorrect.">
-            <a:extLst>
-              <a:ext uri="{FF2B5EF4-FFF2-40B4-BE49-F238E27FC236}">
-                <a16:creationId xmlns:a16="http://schemas.microsoft.com/office/drawing/2014/main" id="{6C3346B4-D47B-67F5-74EB-0E33478AEE17}"/>
-              </a:ext>
-            </a:extLst>
-          </p:cNvPr>
-          <p:cNvPicPr>
-            <a:picLocks noChangeAspect="1"/>
-          </p:cNvPicPr>
-          <p:nvPr/>
-        </p:nvPicPr>
-        <p:blipFill>
-          <a:blip r:embed="rId2">
-            <a:extLst>
-              <a:ext uri="{28A0092B-C50C-407E-A947-70E740481C1C}">
-                <a14:useLocalDpi xmlns:a14="http://schemas.microsoft.com/office/drawing/2010/main" val="0"/>
-              </a:ext>
-            </a:extLst>
-          </a:blip>
-          <a:srcRect l="-917" t="80387" r="917" b="-80387"/>
-          <a:stretch/>
-        </p:blipFill>
-        <p:spPr>
-          <a:xfrm>
-            <a:off x="9603412" y="4361031"/>
-            <a:ext cx="1950757" cy="4993938"/>
-          </a:xfrm>
-          <a:prstGeom prst="rect">
-            <a:avLst/>
-          </a:prstGeom>
-        </p:spPr>
-      </p:pic>
-    </p:spTree>
-    <p:extLst>
-      <p:ext uri="{BB962C8B-B14F-4D97-AF65-F5344CB8AC3E}">
-        <p14:creationId xmlns:p14="http://schemas.microsoft.com/office/powerpoint/2010/main" val="3955904722"/>
-      </p:ext>
-    </p:extLst>
-  </p:cSld>
-  <p:clrMapOvr>
-    <a:masterClrMapping/>
-  </p:clrMapOvr>
-</p:sld>
-</file>
-
-<file path=ppt/slides/slide9.xml><?xml version="1.0" encoding="utf-8"?>
-<p:sld xmlns:a="http://schemas.openxmlformats.org/drawingml/2006/main" xmlns:r="http://schemas.openxmlformats.org/officeDocument/2006/relationships" xmlns:p="http://schemas.openxmlformats.org/presentationml/2006/main">
-  <p:cSld>
-    <p:spTree>
-      <p:nvGrpSpPr>
-        <p:cNvPr id="1" name=""/>
-        <p:cNvGrpSpPr/>
-        <p:nvPr/>
-      </p:nvGrpSpPr>
-      <p:grpSpPr>
-        <a:xfrm>
-          <a:off x="0" y="0"/>
-          <a:ext cx="0" cy="0"/>
-          <a:chOff x="0" y="0"/>
-          <a:chExt cx="0" cy="0"/>
-        </a:xfrm>
-      </p:grpSpPr>
-      <p:pic>
-        <p:nvPicPr>
-          <p:cNvPr id="1026" name="Picture 2">
-            <a:extLst>
-              <a:ext uri="{FF2B5EF4-FFF2-40B4-BE49-F238E27FC236}">
-                <a16:creationId xmlns:a16="http://schemas.microsoft.com/office/drawing/2014/main" id="{B0C178BD-04D9-420B-A00C-0EC146E132AE}"/>
-              </a:ext>
-            </a:extLst>
-          </p:cNvPr>
-          <p:cNvPicPr>
-            <a:picLocks noChangeAspect="1" noChangeArrowheads="1"/>
-          </p:cNvPicPr>
-          <p:nvPr/>
-        </p:nvPicPr>
-        <p:blipFill>
-          <a:blip r:embed="rId2">
-            <a:extLst>
-              <a:ext uri="{28A0092B-C50C-407E-A947-70E740481C1C}">
-                <a14:useLocalDpi xmlns:a14="http://schemas.microsoft.com/office/drawing/2010/main" val="0"/>
-              </a:ext>
-            </a:extLst>
-          </a:blip>
-          <a:srcRect/>
-          <a:stretch>
-            <a:fillRect/>
-          </a:stretch>
-        </p:blipFill>
-        <p:spPr bwMode="auto">
-          <a:xfrm>
-            <a:off x="0" y="385763"/>
-            <a:ext cx="12192000" cy="6086475"/>
-          </a:xfrm>
-          <a:prstGeom prst="rect">
-            <a:avLst/>
-          </a:prstGeom>
-          <a:noFill/>
-          <a:extLst>
-            <a:ext uri="{909E8E84-426E-40DD-AFC4-6F175D3DCCD1}">
-              <a14:hiddenFill xmlns:a14="http://schemas.microsoft.com/office/drawing/2010/main">
-                <a:solidFill>
-                  <a:srgbClr val="FFFFFF"/>
-                </a:solidFill>
-              </a14:hiddenFill>
-            </a:ext>
-          </a:extLst>
-        </p:spPr>
-      </p:pic>
-    </p:spTree>
-    <p:extLst>
-      <p:ext uri="{BB962C8B-B14F-4D97-AF65-F5344CB8AC3E}">
-        <p14:creationId xmlns:p14="http://schemas.microsoft.com/office/powerpoint/2010/main" val="678546124"/>
+        <p14:creationId xmlns:p14="http://schemas.microsoft.com/office/powerpoint/2010/main" val="3717675975"/>
       </p:ext>
     </p:extLst>
   </p:cSld>

--- a/2025_job_talk_ucla/extra_slides.pptx
+++ b/2025_job_talk_ucla/extra_slides.pptx
@@ -17,8 +17,11 @@
     <p:sldId id="274" r:id="rId11"/>
     <p:sldId id="277" r:id="rId12"/>
     <p:sldId id="275" r:id="rId13"/>
-    <p:sldId id="264" r:id="rId14"/>
-    <p:sldId id="265" r:id="rId15"/>
+    <p:sldId id="281" r:id="rId14"/>
+    <p:sldId id="264" r:id="rId15"/>
+    <p:sldId id="265" r:id="rId16"/>
+    <p:sldId id="280" r:id="rId17"/>
+    <p:sldId id="282" r:id="rId18"/>
   </p:sldIdLst>
   <p:sldSz cx="12192000" cy="6858000"/>
   <p:notesSz cx="6858000" cy="9144000"/>
@@ -283,7 +286,7 @@
           <a:p>
             <a:fld id="{0A6D8198-5E84-42E5-B652-6051AD6779DA}" type="datetimeFigureOut">
               <a:rPr lang="en-US" smtClean="0"/>
-              <a:t>3/1/2025</a:t>
+              <a:t>3/4/2025</a:t>
             </a:fld>
             <a:endParaRPr lang="en-US"/>
           </a:p>
@@ -481,7 +484,7 @@
           <a:p>
             <a:fld id="{0A6D8198-5E84-42E5-B652-6051AD6779DA}" type="datetimeFigureOut">
               <a:rPr lang="en-US" smtClean="0"/>
-              <a:t>3/1/2025</a:t>
+              <a:t>3/4/2025</a:t>
             </a:fld>
             <a:endParaRPr lang="en-US"/>
           </a:p>
@@ -689,7 +692,7 @@
           <a:p>
             <a:fld id="{0A6D8198-5E84-42E5-B652-6051AD6779DA}" type="datetimeFigureOut">
               <a:rPr lang="en-US" smtClean="0"/>
-              <a:t>3/1/2025</a:t>
+              <a:t>3/4/2025</a:t>
             </a:fld>
             <a:endParaRPr lang="en-US"/>
           </a:p>
@@ -887,7 +890,7 @@
           <a:p>
             <a:fld id="{0A6D8198-5E84-42E5-B652-6051AD6779DA}" type="datetimeFigureOut">
               <a:rPr lang="en-US" smtClean="0"/>
-              <a:t>3/1/2025</a:t>
+              <a:t>3/4/2025</a:t>
             </a:fld>
             <a:endParaRPr lang="en-US"/>
           </a:p>
@@ -1162,7 +1165,7 @@
           <a:p>
             <a:fld id="{0A6D8198-5E84-42E5-B652-6051AD6779DA}" type="datetimeFigureOut">
               <a:rPr lang="en-US" smtClean="0"/>
-              <a:t>3/1/2025</a:t>
+              <a:t>3/4/2025</a:t>
             </a:fld>
             <a:endParaRPr lang="en-US"/>
           </a:p>
@@ -1427,7 +1430,7 @@
           <a:p>
             <a:fld id="{0A6D8198-5E84-42E5-B652-6051AD6779DA}" type="datetimeFigureOut">
               <a:rPr lang="en-US" smtClean="0"/>
-              <a:t>3/1/2025</a:t>
+              <a:t>3/4/2025</a:t>
             </a:fld>
             <a:endParaRPr lang="en-US"/>
           </a:p>
@@ -1839,7 +1842,7 @@
           <a:p>
             <a:fld id="{0A6D8198-5E84-42E5-B652-6051AD6779DA}" type="datetimeFigureOut">
               <a:rPr lang="en-US" smtClean="0"/>
-              <a:t>3/1/2025</a:t>
+              <a:t>3/4/2025</a:t>
             </a:fld>
             <a:endParaRPr lang="en-US"/>
           </a:p>
@@ -1980,7 +1983,7 @@
           <a:p>
             <a:fld id="{0A6D8198-5E84-42E5-B652-6051AD6779DA}" type="datetimeFigureOut">
               <a:rPr lang="en-US" smtClean="0"/>
-              <a:t>3/1/2025</a:t>
+              <a:t>3/4/2025</a:t>
             </a:fld>
             <a:endParaRPr lang="en-US"/>
           </a:p>
@@ -2093,7 +2096,7 @@
           <a:p>
             <a:fld id="{0A6D8198-5E84-42E5-B652-6051AD6779DA}" type="datetimeFigureOut">
               <a:rPr lang="en-US" smtClean="0"/>
-              <a:t>3/1/2025</a:t>
+              <a:t>3/4/2025</a:t>
             </a:fld>
             <a:endParaRPr lang="en-US"/>
           </a:p>
@@ -2404,7 +2407,7 @@
           <a:p>
             <a:fld id="{0A6D8198-5E84-42E5-B652-6051AD6779DA}" type="datetimeFigureOut">
               <a:rPr lang="en-US" smtClean="0"/>
-              <a:t>3/1/2025</a:t>
+              <a:t>3/4/2025</a:t>
             </a:fld>
             <a:endParaRPr lang="en-US"/>
           </a:p>
@@ -2692,7 +2695,7 @@
           <a:p>
             <a:fld id="{0A6D8198-5E84-42E5-B652-6051AD6779DA}" type="datetimeFigureOut">
               <a:rPr lang="en-US" smtClean="0"/>
-              <a:t>3/1/2025</a:t>
+              <a:t>3/4/2025</a:t>
             </a:fld>
             <a:endParaRPr lang="en-US"/>
           </a:p>
@@ -2933,7 +2936,7 @@
           <a:p>
             <a:fld id="{0A6D8198-5E84-42E5-B652-6051AD6779DA}" type="datetimeFigureOut">
               <a:rPr lang="en-US" smtClean="0"/>
-              <a:t>3/1/2025</a:t>
+              <a:t>3/4/2025</a:t>
             </a:fld>
             <a:endParaRPr lang="en-US"/>
           </a:p>
@@ -3892,100 +3895,6 @@
           </a:p>
         </p:txBody>
       </p:sp>
-      <p:sp>
-        <p:nvSpPr>
-          <p:cNvPr id="9" name="Rectangle: Rounded Corners 8">
-            <a:extLst>
-              <a:ext uri="{FF2B5EF4-FFF2-40B4-BE49-F238E27FC236}">
-                <a16:creationId xmlns:a16="http://schemas.microsoft.com/office/drawing/2014/main" id="{00BDB8C3-D572-F806-E9EC-391636BCA73E}"/>
-              </a:ext>
-            </a:extLst>
-          </p:cNvPr>
-          <p:cNvSpPr/>
-          <p:nvPr/>
-        </p:nvSpPr>
-        <p:spPr>
-          <a:xfrm>
-            <a:off x="2203450" y="615950"/>
-            <a:ext cx="4984750" cy="4579508"/>
-          </a:xfrm>
-          <a:prstGeom prst="roundRect">
-            <a:avLst/>
-          </a:prstGeom>
-          <a:noFill/>
-          <a:ln>
-            <a:solidFill>
-              <a:srgbClr val="042433"/>
-            </a:solidFill>
-          </a:ln>
-        </p:spPr>
-        <p:style>
-          <a:lnRef idx="2">
-            <a:schemeClr val="accent1">
-              <a:shade val="15000"/>
-            </a:schemeClr>
-          </a:lnRef>
-          <a:fillRef idx="1">
-            <a:schemeClr val="accent1"/>
-          </a:fillRef>
-          <a:effectRef idx="0">
-            <a:schemeClr val="accent1"/>
-          </a:effectRef>
-          <a:fontRef idx="minor">
-            <a:schemeClr val="lt1"/>
-          </a:fontRef>
-        </p:style>
-        <p:txBody>
-          <a:bodyPr rtlCol="0" anchor="ctr"/>
-          <a:lstStyle/>
-          <a:p>
-            <a:pPr algn="ctr"/>
-            <a:endParaRPr lang="en-US"/>
-          </a:p>
-        </p:txBody>
-      </p:sp>
-      <p:sp>
-        <p:nvSpPr>
-          <p:cNvPr id="10" name="TextBox 9">
-            <a:extLst>
-              <a:ext uri="{FF2B5EF4-FFF2-40B4-BE49-F238E27FC236}">
-                <a16:creationId xmlns:a16="http://schemas.microsoft.com/office/drawing/2014/main" id="{71DD1DD7-5071-8F08-6FB7-472220C55FA5}"/>
-              </a:ext>
-            </a:extLst>
-          </p:cNvPr>
-          <p:cNvSpPr txBox="1"/>
-          <p:nvPr/>
-        </p:nvSpPr>
-        <p:spPr>
-          <a:xfrm>
-            <a:off x="2397635" y="4776787"/>
-            <a:ext cx="4720585" cy="369332"/>
-          </a:xfrm>
-          <a:prstGeom prst="rect">
-            <a:avLst/>
-          </a:prstGeom>
-          <a:noFill/>
-        </p:spPr>
-        <p:txBody>
-          <a:bodyPr wrap="square" rtlCol="0">
-            <a:spAutoFit/>
-          </a:bodyPr>
-          <a:lstStyle/>
-          <a:p>
-            <a:pPr algn="ctr"/>
-            <a:r>
-              <a:rPr lang="en-US" b="1" dirty="0">
-                <a:solidFill>
-                  <a:srgbClr val="002B43"/>
-                </a:solidFill>
-                <a:latin typeface="Arial" panose="020B0604020202020204" pitchFamily="34" charset="0"/>
-                <a:cs typeface="Arial" panose="020B0604020202020204" pitchFamily="34" charset="0"/>
-              </a:rPr>
-              <a:t>Intersectionality framework</a:t>
-            </a:r>
-          </a:p>
-        </p:txBody>
-      </p:sp>
     </p:spTree>
     <p:extLst>
       <p:ext uri="{BB962C8B-B14F-4D97-AF65-F5344CB8AC3E}">
@@ -4515,7 +4424,7 @@
         </p:blipFill>
         <p:spPr>
           <a:xfrm>
-            <a:off x="4094356" y="1324962"/>
+            <a:off x="4265806" y="1226436"/>
             <a:ext cx="3345366" cy="3345366"/>
           </a:xfrm>
           <a:prstGeom prst="rect">
@@ -4589,7 +4498,7 @@
         </p:nvSpPr>
         <p:spPr>
           <a:xfrm>
-            <a:off x="2878996" y="1324962"/>
+            <a:off x="5622196" y="860871"/>
             <a:ext cx="2888043" cy="375078"/>
           </a:xfrm>
           <a:prstGeom prst="rect">
@@ -4638,8 +4547,8 @@
         </p:nvSpPr>
         <p:spPr>
           <a:xfrm>
-            <a:off x="3042085" y="2810106"/>
-            <a:ext cx="1714989" cy="375078"/>
+            <a:off x="3194485" y="1781406"/>
+            <a:ext cx="1714989" cy="646331"/>
           </a:xfrm>
           <a:prstGeom prst="rect">
             <a:avLst/>
@@ -4661,56 +4570,7 @@
                 <a:latin typeface="Arial" panose="020B0604020202020204" pitchFamily="34" charset="0"/>
                 <a:cs typeface="Arial" panose="020B0604020202020204" pitchFamily="34" charset="0"/>
               </a:rPr>
-              <a:t>Applications</a:t>
-            </a:r>
-            <a:endParaRPr lang="en-US" b="1" dirty="0">
-              <a:solidFill>
-                <a:srgbClr val="002B43"/>
-              </a:solidFill>
-              <a:latin typeface="Arial" panose="020B0604020202020204" pitchFamily="34" charset="0"/>
-              <a:cs typeface="Arial" panose="020B0604020202020204" pitchFamily="34" charset="0"/>
-            </a:endParaRPr>
-          </a:p>
-        </p:txBody>
-      </p:sp>
-      <p:sp>
-        <p:nvSpPr>
-          <p:cNvPr id="7" name="TextBox 6">
-            <a:extLst>
-              <a:ext uri="{FF2B5EF4-FFF2-40B4-BE49-F238E27FC236}">
-                <a16:creationId xmlns:a16="http://schemas.microsoft.com/office/drawing/2014/main" id="{D92D9611-1148-B510-00BB-B2BD61BD9969}"/>
-              </a:ext>
-            </a:extLst>
-          </p:cNvPr>
-          <p:cNvSpPr txBox="1"/>
-          <p:nvPr/>
-        </p:nvSpPr>
-        <p:spPr>
-          <a:xfrm>
-            <a:off x="6480045" y="2545039"/>
-            <a:ext cx="1909765" cy="369332"/>
-          </a:xfrm>
-          <a:prstGeom prst="rect">
-            <a:avLst/>
-          </a:prstGeom>
-          <a:noFill/>
-        </p:spPr>
-        <p:txBody>
-          <a:bodyPr wrap="square" rtlCol="0">
-            <a:spAutoFit/>
-          </a:bodyPr>
-          <a:lstStyle/>
-          <a:p>
-            <a:pPr algn="ctr"/>
-            <a:r>
-              <a:rPr lang="es-BO" b="1" dirty="0">
-                <a:solidFill>
-                  <a:srgbClr val="002B43"/>
-                </a:solidFill>
-                <a:latin typeface="Arial" panose="020B0604020202020204" pitchFamily="34" charset="0"/>
-                <a:cs typeface="Arial" panose="020B0604020202020204" pitchFamily="34" charset="0"/>
-              </a:rPr>
-              <a:t>Interpretations</a:t>
+              <a:t>Real World Applications</a:t>
             </a:r>
             <a:endParaRPr lang="en-US" b="1" dirty="0">
               <a:solidFill>
@@ -4736,6 +4596,280 @@
 </file>
 
 <file path=ppt/slides/slide13.xml><?xml version="1.0" encoding="utf-8"?>
+<p:sld xmlns:a="http://schemas.openxmlformats.org/drawingml/2006/main" xmlns:r="http://schemas.openxmlformats.org/officeDocument/2006/relationships" xmlns:p="http://schemas.openxmlformats.org/presentationml/2006/main">
+  <p:cSld>
+    <p:spTree>
+      <p:nvGrpSpPr>
+        <p:cNvPr id="1" name="">
+          <a:extLst>
+            <a:ext uri="{FF2B5EF4-FFF2-40B4-BE49-F238E27FC236}">
+              <a16:creationId xmlns:a16="http://schemas.microsoft.com/office/drawing/2014/main" id="{B0EFC74B-E247-790A-28BF-58377849F715}"/>
+            </a:ext>
+          </a:extLst>
+        </p:cNvPr>
+        <p:cNvGrpSpPr/>
+        <p:nvPr/>
+      </p:nvGrpSpPr>
+      <p:grpSpPr>
+        <a:xfrm>
+          <a:off x="0" y="0"/>
+          <a:ext cx="0" cy="0"/>
+          <a:chOff x="0" y="0"/>
+          <a:chExt cx="0" cy="0"/>
+        </a:xfrm>
+      </p:grpSpPr>
+      <p:pic>
+        <p:nvPicPr>
+          <p:cNvPr id="8" name="Picture 7" descr="A chain link with a link&#10;&#10;AI-generated content may be incorrect.">
+            <a:extLst>
+              <a:ext uri="{FF2B5EF4-FFF2-40B4-BE49-F238E27FC236}">
+                <a16:creationId xmlns:a16="http://schemas.microsoft.com/office/drawing/2014/main" id="{BA1E19EB-8A33-0307-C761-3BEE611D04EB}"/>
+              </a:ext>
+            </a:extLst>
+          </p:cNvPr>
+          <p:cNvPicPr>
+            <a:picLocks noChangeAspect="1"/>
+          </p:cNvPicPr>
+          <p:nvPr/>
+        </p:nvPicPr>
+        <p:blipFill>
+          <a:blip r:embed="rId2">
+            <a:extLst>
+              <a:ext uri="{28A0092B-C50C-407E-A947-70E740481C1C}">
+                <a14:useLocalDpi xmlns:a14="http://schemas.microsoft.com/office/drawing/2010/main" val="0"/>
+              </a:ext>
+            </a:extLst>
+          </a:blip>
+          <a:stretch>
+            <a:fillRect/>
+          </a:stretch>
+        </p:blipFill>
+        <p:spPr>
+          <a:xfrm>
+            <a:off x="3770921" y="1077132"/>
+            <a:ext cx="3664007" cy="3674477"/>
+          </a:xfrm>
+          <a:prstGeom prst="rect">
+            <a:avLst/>
+          </a:prstGeom>
+        </p:spPr>
+      </p:pic>
+      <p:sp>
+        <p:nvSpPr>
+          <p:cNvPr id="4" name="TextBox 3">
+            <a:extLst>
+              <a:ext uri="{FF2B5EF4-FFF2-40B4-BE49-F238E27FC236}">
+                <a16:creationId xmlns:a16="http://schemas.microsoft.com/office/drawing/2014/main" id="{E4E537BA-231F-6D92-7CFA-ABF5B8EDAEA3}"/>
+              </a:ext>
+            </a:extLst>
+          </p:cNvPr>
+          <p:cNvSpPr txBox="1"/>
+          <p:nvPr/>
+        </p:nvSpPr>
+        <p:spPr>
+          <a:xfrm>
+            <a:off x="5348736" y="4384263"/>
+            <a:ext cx="2888043" cy="375078"/>
+          </a:xfrm>
+          <a:prstGeom prst="rect">
+            <a:avLst/>
+          </a:prstGeom>
+          <a:noFill/>
+        </p:spPr>
+        <p:txBody>
+          <a:bodyPr wrap="square" rtlCol="0">
+            <a:spAutoFit/>
+          </a:bodyPr>
+          <a:lstStyle/>
+          <a:p>
+            <a:pPr algn="ctr"/>
+            <a:r>
+              <a:rPr lang="es-BO" b="1" dirty="0">
+                <a:solidFill>
+                  <a:srgbClr val="002B43"/>
+                </a:solidFill>
+                <a:latin typeface="Arial" panose="020B0604020202020204" pitchFamily="34" charset="0"/>
+                <a:cs typeface="Arial" panose="020B0604020202020204" pitchFamily="34" charset="0"/>
+              </a:rPr>
+              <a:t>S</a:t>
+            </a:r>
+            <a:r>
+              <a:rPr lang="en-US" b="1" dirty="0">
+                <a:solidFill>
+                  <a:srgbClr val="002B43"/>
+                </a:solidFill>
+                <a:latin typeface="Arial" panose="020B0604020202020204" pitchFamily="34" charset="0"/>
+                <a:cs typeface="Arial" panose="020B0604020202020204" pitchFamily="34" charset="0"/>
+              </a:rPr>
+              <a:t>cience Communication</a:t>
+            </a:r>
+          </a:p>
+        </p:txBody>
+      </p:sp>
+      <p:sp>
+        <p:nvSpPr>
+          <p:cNvPr id="3" name="TextBox 2">
+            <a:extLst>
+              <a:ext uri="{FF2B5EF4-FFF2-40B4-BE49-F238E27FC236}">
+                <a16:creationId xmlns:a16="http://schemas.microsoft.com/office/drawing/2014/main" id="{2E82A96F-4F39-C0B4-DA2E-A396B250AD91}"/>
+              </a:ext>
+            </a:extLst>
+          </p:cNvPr>
+          <p:cNvSpPr txBox="1"/>
+          <p:nvPr/>
+        </p:nvSpPr>
+        <p:spPr>
+          <a:xfrm>
+            <a:off x="5348736" y="4384263"/>
+            <a:ext cx="2888043" cy="375078"/>
+          </a:xfrm>
+          <a:prstGeom prst="rect">
+            <a:avLst/>
+          </a:prstGeom>
+          <a:noFill/>
+        </p:spPr>
+        <p:txBody>
+          <a:bodyPr wrap="square" rtlCol="0">
+            <a:spAutoFit/>
+          </a:bodyPr>
+          <a:lstStyle/>
+          <a:p>
+            <a:pPr algn="ctr"/>
+            <a:r>
+              <a:rPr lang="es-BO" b="1" dirty="0">
+                <a:solidFill>
+                  <a:srgbClr val="002B43"/>
+                </a:solidFill>
+                <a:latin typeface="Arial" panose="020B0604020202020204" pitchFamily="34" charset="0"/>
+                <a:cs typeface="Arial" panose="020B0604020202020204" pitchFamily="34" charset="0"/>
+              </a:rPr>
+              <a:t>S</a:t>
+            </a:r>
+            <a:r>
+              <a:rPr lang="en-US" b="1" dirty="0">
+                <a:solidFill>
+                  <a:srgbClr val="002B43"/>
+                </a:solidFill>
+                <a:latin typeface="Arial" panose="020B0604020202020204" pitchFamily="34" charset="0"/>
+                <a:cs typeface="Arial" panose="020B0604020202020204" pitchFamily="34" charset="0"/>
+              </a:rPr>
+              <a:t>cience Communication</a:t>
+            </a:r>
+          </a:p>
+        </p:txBody>
+      </p:sp>
+      <p:sp>
+        <p:nvSpPr>
+          <p:cNvPr id="9" name="TextBox 8">
+            <a:extLst>
+              <a:ext uri="{FF2B5EF4-FFF2-40B4-BE49-F238E27FC236}">
+                <a16:creationId xmlns:a16="http://schemas.microsoft.com/office/drawing/2014/main" id="{E5C4007D-66AF-E69A-6EEC-5B8F28E33776}"/>
+              </a:ext>
+            </a:extLst>
+          </p:cNvPr>
+          <p:cNvSpPr txBox="1"/>
+          <p:nvPr/>
+        </p:nvSpPr>
+        <p:spPr>
+          <a:xfrm>
+            <a:off x="5622196" y="860871"/>
+            <a:ext cx="2888043" cy="375078"/>
+          </a:xfrm>
+          <a:prstGeom prst="rect">
+            <a:avLst/>
+          </a:prstGeom>
+          <a:noFill/>
+        </p:spPr>
+        <p:txBody>
+          <a:bodyPr wrap="square" rtlCol="0">
+            <a:spAutoFit/>
+          </a:bodyPr>
+          <a:lstStyle/>
+          <a:p>
+            <a:pPr algn="ctr"/>
+            <a:r>
+              <a:rPr lang="es-BO" b="1" dirty="0">
+                <a:solidFill>
+                  <a:srgbClr val="002B43"/>
+                </a:solidFill>
+                <a:latin typeface="Arial" panose="020B0604020202020204" pitchFamily="34" charset="0"/>
+                <a:cs typeface="Arial" panose="020B0604020202020204" pitchFamily="34" charset="0"/>
+              </a:rPr>
+              <a:t>Methods Development</a:t>
+            </a:r>
+            <a:endParaRPr lang="en-US" b="1" dirty="0">
+              <a:solidFill>
+                <a:srgbClr val="002B43"/>
+              </a:solidFill>
+              <a:latin typeface="Arial" panose="020B0604020202020204" pitchFamily="34" charset="0"/>
+              <a:cs typeface="Arial" panose="020B0604020202020204" pitchFamily="34" charset="0"/>
+            </a:endParaRPr>
+          </a:p>
+        </p:txBody>
+      </p:sp>
+      <p:sp>
+        <p:nvSpPr>
+          <p:cNvPr id="10" name="TextBox 9">
+            <a:extLst>
+              <a:ext uri="{FF2B5EF4-FFF2-40B4-BE49-F238E27FC236}">
+                <a16:creationId xmlns:a16="http://schemas.microsoft.com/office/drawing/2014/main" id="{A0C0ED96-3E0F-643B-B480-8C8F4ACECCEC}"/>
+              </a:ext>
+            </a:extLst>
+          </p:cNvPr>
+          <p:cNvSpPr txBox="1"/>
+          <p:nvPr/>
+        </p:nvSpPr>
+        <p:spPr>
+          <a:xfrm>
+            <a:off x="3194485" y="1781406"/>
+            <a:ext cx="1714989" cy="646331"/>
+          </a:xfrm>
+          <a:prstGeom prst="rect">
+            <a:avLst/>
+          </a:prstGeom>
+          <a:noFill/>
+        </p:spPr>
+        <p:txBody>
+          <a:bodyPr wrap="square" rtlCol="0">
+            <a:spAutoFit/>
+          </a:bodyPr>
+          <a:lstStyle/>
+          <a:p>
+            <a:pPr algn="ctr"/>
+            <a:r>
+              <a:rPr lang="es-BO" b="1" dirty="0">
+                <a:solidFill>
+                  <a:srgbClr val="002B43"/>
+                </a:solidFill>
+                <a:latin typeface="Arial" panose="020B0604020202020204" pitchFamily="34" charset="0"/>
+                <a:cs typeface="Arial" panose="020B0604020202020204" pitchFamily="34" charset="0"/>
+              </a:rPr>
+              <a:t>Real World Applications</a:t>
+            </a:r>
+            <a:endParaRPr lang="en-US" b="1" dirty="0">
+              <a:solidFill>
+                <a:srgbClr val="002B43"/>
+              </a:solidFill>
+              <a:latin typeface="Arial" panose="020B0604020202020204" pitchFamily="34" charset="0"/>
+              <a:cs typeface="Arial" panose="020B0604020202020204" pitchFamily="34" charset="0"/>
+            </a:endParaRPr>
+          </a:p>
+        </p:txBody>
+      </p:sp>
+    </p:spTree>
+    <p:extLst>
+      <p:ext uri="{BB962C8B-B14F-4D97-AF65-F5344CB8AC3E}">
+        <p14:creationId xmlns:p14="http://schemas.microsoft.com/office/powerpoint/2010/main" val="3987782399"/>
+      </p:ext>
+    </p:extLst>
+  </p:cSld>
+  <p:clrMapOvr>
+    <a:masterClrMapping/>
+  </p:clrMapOvr>
+</p:sld>
+</file>
+
+<file path=ppt/slides/slide14.xml><?xml version="1.0" encoding="utf-8"?>
 <p:sld xmlns:a="http://schemas.openxmlformats.org/drawingml/2006/main" xmlns:r="http://schemas.openxmlformats.org/officeDocument/2006/relationships" xmlns:p="http://schemas.openxmlformats.org/presentationml/2006/main">
   <p:cSld>
     <p:spTree>
@@ -4812,7 +4946,7 @@
 </p:sld>
 </file>
 
-<file path=ppt/slides/slide14.xml><?xml version="1.0" encoding="utf-8"?>
+<file path=ppt/slides/slide15.xml><?xml version="1.0" encoding="utf-8"?>
 <p:sld xmlns:a="http://schemas.openxmlformats.org/drawingml/2006/main" xmlns:r="http://schemas.openxmlformats.org/officeDocument/2006/relationships" xmlns:p="http://schemas.openxmlformats.org/presentationml/2006/main">
   <p:cSld>
     <p:spTree>
@@ -5011,6 +5145,1242 @@
     <p:extLst>
       <p:ext uri="{BB962C8B-B14F-4D97-AF65-F5344CB8AC3E}">
         <p14:creationId xmlns:p14="http://schemas.microsoft.com/office/powerpoint/2010/main" val="1591443386"/>
+      </p:ext>
+    </p:extLst>
+  </p:cSld>
+  <p:clrMapOvr>
+    <a:masterClrMapping/>
+  </p:clrMapOvr>
+</p:sld>
+</file>
+
+<file path=ppt/slides/slide16.xml><?xml version="1.0" encoding="utf-8"?>
+<p:sld xmlns:a="http://schemas.openxmlformats.org/drawingml/2006/main" xmlns:r="http://schemas.openxmlformats.org/officeDocument/2006/relationships" xmlns:p="http://schemas.openxmlformats.org/presentationml/2006/main">
+  <p:cSld>
+    <p:spTree>
+      <p:nvGrpSpPr>
+        <p:cNvPr id="1" name=""/>
+        <p:cNvGrpSpPr/>
+        <p:nvPr/>
+      </p:nvGrpSpPr>
+      <p:grpSpPr>
+        <a:xfrm>
+          <a:off x="0" y="0"/>
+          <a:ext cx="0" cy="0"/>
+          <a:chOff x="0" y="0"/>
+          <a:chExt cx="0" cy="0"/>
+        </a:xfrm>
+      </p:grpSpPr>
+      <p:grpSp>
+        <p:nvGrpSpPr>
+          <p:cNvPr id="2" name="Group 1">
+            <a:extLst>
+              <a:ext uri="{FF2B5EF4-FFF2-40B4-BE49-F238E27FC236}">
+                <a16:creationId xmlns:a16="http://schemas.microsoft.com/office/drawing/2014/main" id="{8D2B4ACE-D1DC-7945-F86E-D626FA57EB08}"/>
+              </a:ext>
+            </a:extLst>
+          </p:cNvPr>
+          <p:cNvGrpSpPr/>
+          <p:nvPr/>
+        </p:nvGrpSpPr>
+        <p:grpSpPr>
+          <a:xfrm>
+            <a:off x="6054348" y="1482244"/>
+            <a:ext cx="4577894" cy="4509665"/>
+            <a:chOff x="823875" y="2551735"/>
+            <a:chExt cx="4577894" cy="4509665"/>
+          </a:xfrm>
+        </p:grpSpPr>
+        <p:pic>
+          <p:nvPicPr>
+            <p:cNvPr id="3" name="Content Placeholder 6" descr="A graph of a graph of a number of people&#10;&#10;Description automatically generated with medium confidence">
+              <a:extLst>
+                <a:ext uri="{FF2B5EF4-FFF2-40B4-BE49-F238E27FC236}">
+                  <a16:creationId xmlns:a16="http://schemas.microsoft.com/office/drawing/2014/main" id="{B542BC25-3DCC-5B10-27EE-295DDD40E128}"/>
+                </a:ext>
+              </a:extLst>
+            </p:cNvPr>
+            <p:cNvPicPr>
+              <a:picLocks noChangeAspect="1"/>
+            </p:cNvPicPr>
+            <p:nvPr/>
+          </p:nvPicPr>
+          <p:blipFill>
+            <a:blip r:embed="rId2" cstate="print">
+              <a:extLst>
+                <a:ext uri="{28A0092B-C50C-407E-A947-70E740481C1C}">
+                  <a14:useLocalDpi xmlns:a14="http://schemas.microsoft.com/office/drawing/2010/main" val="0"/>
+                </a:ext>
+              </a:extLst>
+            </a:blip>
+            <a:srcRect l="46750" r="14441" b="54270"/>
+            <a:stretch/>
+          </p:blipFill>
+          <p:spPr>
+            <a:xfrm>
+              <a:off x="1204239" y="2551735"/>
+              <a:ext cx="4197530" cy="4121741"/>
+            </a:xfrm>
+            <a:prstGeom prst="rect">
+              <a:avLst/>
+            </a:prstGeom>
+          </p:spPr>
+        </p:pic>
+        <p:pic>
+          <p:nvPicPr>
+            <p:cNvPr id="4" name="Content Placeholder 6" descr="A graph of a graph of a number of people&#10;&#10;Description automatically generated with medium confidence">
+              <a:extLst>
+                <a:ext uri="{FF2B5EF4-FFF2-40B4-BE49-F238E27FC236}">
+                  <a16:creationId xmlns:a16="http://schemas.microsoft.com/office/drawing/2014/main" id="{94E20199-355E-7052-831B-9269A7D7FAE2}"/>
+                </a:ext>
+              </a:extLst>
+            </p:cNvPr>
+            <p:cNvPicPr>
+              <a:picLocks noChangeAspect="1"/>
+            </p:cNvPicPr>
+            <p:nvPr/>
+          </p:nvPicPr>
+          <p:blipFill>
+            <a:blip r:embed="rId2" cstate="print">
+              <a:extLst>
+                <a:ext uri="{28A0092B-C50C-407E-A947-70E740481C1C}">
+                  <a14:useLocalDpi xmlns:a14="http://schemas.microsoft.com/office/drawing/2010/main" val="0"/>
+                </a:ext>
+              </a:extLst>
+            </a:blip>
+            <a:srcRect l="3903" r="91913" b="54270"/>
+            <a:stretch/>
+          </p:blipFill>
+          <p:spPr>
+            <a:xfrm>
+              <a:off x="823875" y="2551776"/>
+              <a:ext cx="452487" cy="4121741"/>
+            </a:xfrm>
+            <a:prstGeom prst="rect">
+              <a:avLst/>
+            </a:prstGeom>
+          </p:spPr>
+        </p:pic>
+        <p:pic>
+          <p:nvPicPr>
+            <p:cNvPr id="5" name="Content Placeholder 6" descr="A graph of a graph of a number of people&#10;&#10;Description automatically generated with medium confidence">
+              <a:extLst>
+                <a:ext uri="{FF2B5EF4-FFF2-40B4-BE49-F238E27FC236}">
+                  <a16:creationId xmlns:a16="http://schemas.microsoft.com/office/drawing/2014/main" id="{38E9AA28-477E-5ACA-C7EF-833F7D7D83F4}"/>
+                </a:ext>
+              </a:extLst>
+            </p:cNvPr>
+            <p:cNvPicPr>
+              <a:picLocks noChangeAspect="1"/>
+            </p:cNvPicPr>
+            <p:nvPr/>
+          </p:nvPicPr>
+          <p:blipFill>
+            <a:blip r:embed="rId2" cstate="print">
+              <a:extLst>
+                <a:ext uri="{28A0092B-C50C-407E-A947-70E740481C1C}">
+                  <a14:useLocalDpi xmlns:a14="http://schemas.microsoft.com/office/drawing/2010/main" val="0"/>
+                </a:ext>
+              </a:extLst>
+            </a:blip>
+            <a:srcRect l="46750" t="90628" r="14441" b="4729"/>
+            <a:stretch/>
+          </p:blipFill>
+          <p:spPr>
+            <a:xfrm>
+              <a:off x="1204239" y="6642935"/>
+              <a:ext cx="4197530" cy="418465"/>
+            </a:xfrm>
+            <a:prstGeom prst="rect">
+              <a:avLst/>
+            </a:prstGeom>
+          </p:spPr>
+        </p:pic>
+      </p:grpSp>
+      <p:sp>
+        <p:nvSpPr>
+          <p:cNvPr id="6" name="TextBox 5">
+            <a:extLst>
+              <a:ext uri="{FF2B5EF4-FFF2-40B4-BE49-F238E27FC236}">
+                <a16:creationId xmlns:a16="http://schemas.microsoft.com/office/drawing/2014/main" id="{6083F71B-18A7-BEDC-AB77-580DBC0A3CCD}"/>
+              </a:ext>
+            </a:extLst>
+          </p:cNvPr>
+          <p:cNvSpPr txBox="1"/>
+          <p:nvPr/>
+        </p:nvSpPr>
+        <p:spPr bwMode="auto">
+          <a:xfrm rot="16200000">
+            <a:off x="4240539" y="3539954"/>
+            <a:ext cx="3250277" cy="307777"/>
+          </a:xfrm>
+          <a:prstGeom prst="rect">
+            <a:avLst/>
+          </a:prstGeom>
+          <a:noFill/>
+          <a:ln w="19050" algn="ctr">
+            <a:noFill/>
+            <a:miter lim="800000"/>
+            <a:headEnd/>
+            <a:tailEnd/>
+          </a:ln>
+        </p:spPr>
+        <p:txBody>
+          <a:bodyPr wrap="square" lIns="0" tIns="0" rIns="0" bIns="0" rtlCol="0">
+            <a:spAutoFit/>
+          </a:bodyPr>
+          <a:lstStyle/>
+          <a:p>
+            <a:r>
+              <a:rPr lang="en-US" sz="2000" dirty="0">
+                <a:solidFill>
+                  <a:srgbClr val="000000"/>
+                </a:solidFill>
+                <a:latin typeface="+mj-lt"/>
+              </a:rPr>
+              <a:t>Cumulative incidence (%)</a:t>
+            </a:r>
+          </a:p>
+        </p:txBody>
+      </p:sp>
+      <p:sp>
+        <p:nvSpPr>
+          <p:cNvPr id="7" name="TextBox 6">
+            <a:extLst>
+              <a:ext uri="{FF2B5EF4-FFF2-40B4-BE49-F238E27FC236}">
+                <a16:creationId xmlns:a16="http://schemas.microsoft.com/office/drawing/2014/main" id="{3E397C0C-D55D-E4A0-1E57-863EDC5674D6}"/>
+              </a:ext>
+            </a:extLst>
+          </p:cNvPr>
+          <p:cNvSpPr txBox="1"/>
+          <p:nvPr/>
+        </p:nvSpPr>
+        <p:spPr bwMode="auto">
+          <a:xfrm>
+            <a:off x="7136636" y="5901520"/>
+            <a:ext cx="3250277" cy="307777"/>
+          </a:xfrm>
+          <a:prstGeom prst="rect">
+            <a:avLst/>
+          </a:prstGeom>
+          <a:noFill/>
+          <a:ln w="19050" algn="ctr">
+            <a:noFill/>
+            <a:miter lim="800000"/>
+            <a:headEnd/>
+            <a:tailEnd/>
+          </a:ln>
+        </p:spPr>
+        <p:txBody>
+          <a:bodyPr wrap="square" lIns="0" tIns="0" rIns="0" bIns="0" rtlCol="0">
+            <a:spAutoFit/>
+          </a:bodyPr>
+          <a:lstStyle/>
+          <a:p>
+            <a:r>
+              <a:rPr lang="en-US" sz="2000" dirty="0">
+                <a:solidFill>
+                  <a:srgbClr val="000000"/>
+                </a:solidFill>
+                <a:latin typeface="+mj-lt"/>
+              </a:rPr>
+              <a:t>Follow-up time (years)</a:t>
+            </a:r>
+          </a:p>
+        </p:txBody>
+      </p:sp>
+      <p:grpSp>
+        <p:nvGrpSpPr>
+          <p:cNvPr id="8" name="Group 7">
+            <a:extLst>
+              <a:ext uri="{FF2B5EF4-FFF2-40B4-BE49-F238E27FC236}">
+                <a16:creationId xmlns:a16="http://schemas.microsoft.com/office/drawing/2014/main" id="{A1ED080B-D05C-2EF1-6146-2F85FCB0EDF6}"/>
+              </a:ext>
+            </a:extLst>
+          </p:cNvPr>
+          <p:cNvGrpSpPr/>
+          <p:nvPr/>
+        </p:nvGrpSpPr>
+        <p:grpSpPr>
+          <a:xfrm>
+            <a:off x="637836" y="1482965"/>
+            <a:ext cx="4591641" cy="4483412"/>
+            <a:chOff x="5165769" y="445205"/>
+            <a:chExt cx="4591641" cy="4483412"/>
+          </a:xfrm>
+        </p:grpSpPr>
+        <p:pic>
+          <p:nvPicPr>
+            <p:cNvPr id="9" name="Content Placeholder 6" descr="A graph of a graph of a number of people&#10;&#10;Description automatically generated with medium confidence">
+              <a:extLst>
+                <a:ext uri="{FF2B5EF4-FFF2-40B4-BE49-F238E27FC236}">
+                  <a16:creationId xmlns:a16="http://schemas.microsoft.com/office/drawing/2014/main" id="{BCE61E9F-13BA-544C-1D3F-B073B5B92935}"/>
+                </a:ext>
+              </a:extLst>
+            </p:cNvPr>
+            <p:cNvPicPr>
+              <a:picLocks noChangeAspect="1"/>
+            </p:cNvPicPr>
+            <p:nvPr/>
+          </p:nvPicPr>
+          <p:blipFill>
+            <a:blip r:embed="rId2" cstate="print">
+              <a:extLst>
+                <a:ext uri="{28A0092B-C50C-407E-A947-70E740481C1C}">
+                  <a14:useLocalDpi xmlns:a14="http://schemas.microsoft.com/office/drawing/2010/main" val="0"/>
+                </a:ext>
+              </a:extLst>
+            </a:blip>
+            <a:srcRect l="46750" t="46676" r="14441" b="4730"/>
+            <a:stretch/>
+          </p:blipFill>
+          <p:spPr>
+            <a:xfrm>
+              <a:off x="5559880" y="548641"/>
+              <a:ext cx="4197530" cy="4379976"/>
+            </a:xfrm>
+            <a:prstGeom prst="rect">
+              <a:avLst/>
+            </a:prstGeom>
+          </p:spPr>
+        </p:pic>
+        <p:pic>
+          <p:nvPicPr>
+            <p:cNvPr id="10" name="Content Placeholder 6" descr="A graph of a graph of a number of people&#10;&#10;Description automatically generated with medium confidence">
+              <a:extLst>
+                <a:ext uri="{FF2B5EF4-FFF2-40B4-BE49-F238E27FC236}">
+                  <a16:creationId xmlns:a16="http://schemas.microsoft.com/office/drawing/2014/main" id="{E816FC0F-8A69-2917-ACC5-593A2F9D9258}"/>
+                </a:ext>
+              </a:extLst>
+            </p:cNvPr>
+            <p:cNvPicPr>
+              <a:picLocks noChangeAspect="1"/>
+            </p:cNvPicPr>
+            <p:nvPr/>
+          </p:nvPicPr>
+          <p:blipFill>
+            <a:blip r:embed="rId2" cstate="print">
+              <a:extLst>
+                <a:ext uri="{28A0092B-C50C-407E-A947-70E740481C1C}">
+                  <a14:useLocalDpi xmlns:a14="http://schemas.microsoft.com/office/drawing/2010/main" val="0"/>
+                </a:ext>
+              </a:extLst>
+            </a:blip>
+            <a:srcRect l="3903" r="91913" b="54270"/>
+            <a:stretch/>
+          </p:blipFill>
+          <p:spPr>
+            <a:xfrm>
+              <a:off x="5165769" y="445205"/>
+              <a:ext cx="452487" cy="4121741"/>
+            </a:xfrm>
+            <a:prstGeom prst="rect">
+              <a:avLst/>
+            </a:prstGeom>
+          </p:spPr>
+        </p:pic>
+      </p:grpSp>
+      <p:sp>
+        <p:nvSpPr>
+          <p:cNvPr id="11" name="TextBox 10">
+            <a:extLst>
+              <a:ext uri="{FF2B5EF4-FFF2-40B4-BE49-F238E27FC236}">
+                <a16:creationId xmlns:a16="http://schemas.microsoft.com/office/drawing/2014/main" id="{09CE76F5-925D-2B8C-2AA5-B56130097D53}"/>
+              </a:ext>
+            </a:extLst>
+          </p:cNvPr>
+          <p:cNvSpPr txBox="1"/>
+          <p:nvPr/>
+        </p:nvSpPr>
+        <p:spPr bwMode="auto">
+          <a:xfrm rot="16200000">
+            <a:off x="-1155126" y="3539954"/>
+            <a:ext cx="3250277" cy="307777"/>
+          </a:xfrm>
+          <a:prstGeom prst="rect">
+            <a:avLst/>
+          </a:prstGeom>
+          <a:noFill/>
+          <a:ln w="19050" algn="ctr">
+            <a:noFill/>
+            <a:miter lim="800000"/>
+            <a:headEnd/>
+            <a:tailEnd/>
+          </a:ln>
+        </p:spPr>
+        <p:txBody>
+          <a:bodyPr wrap="square" lIns="0" tIns="0" rIns="0" bIns="0" rtlCol="0">
+            <a:spAutoFit/>
+          </a:bodyPr>
+          <a:lstStyle/>
+          <a:p>
+            <a:r>
+              <a:rPr lang="en-US" sz="2000" dirty="0">
+                <a:solidFill>
+                  <a:srgbClr val="000000"/>
+                </a:solidFill>
+                <a:latin typeface="+mj-lt"/>
+              </a:rPr>
+              <a:t>Cumulative incidence (%)</a:t>
+            </a:r>
+          </a:p>
+        </p:txBody>
+      </p:sp>
+      <p:sp>
+        <p:nvSpPr>
+          <p:cNvPr id="12" name="TextBox 11">
+            <a:extLst>
+              <a:ext uri="{FF2B5EF4-FFF2-40B4-BE49-F238E27FC236}">
+                <a16:creationId xmlns:a16="http://schemas.microsoft.com/office/drawing/2014/main" id="{0A60FF7E-DF56-7B9A-1EF0-F2E8F8C4EE24}"/>
+              </a:ext>
+            </a:extLst>
+          </p:cNvPr>
+          <p:cNvSpPr txBox="1"/>
+          <p:nvPr/>
+        </p:nvSpPr>
+        <p:spPr bwMode="auto">
+          <a:xfrm>
+            <a:off x="1723849" y="5910192"/>
+            <a:ext cx="3250277" cy="307777"/>
+          </a:xfrm>
+          <a:prstGeom prst="rect">
+            <a:avLst/>
+          </a:prstGeom>
+          <a:noFill/>
+          <a:ln w="19050" algn="ctr">
+            <a:noFill/>
+            <a:miter lim="800000"/>
+            <a:headEnd/>
+            <a:tailEnd/>
+          </a:ln>
+        </p:spPr>
+        <p:txBody>
+          <a:bodyPr wrap="square" lIns="0" tIns="0" rIns="0" bIns="0" rtlCol="0">
+            <a:spAutoFit/>
+          </a:bodyPr>
+          <a:lstStyle/>
+          <a:p>
+            <a:r>
+              <a:rPr lang="en-US" sz="2000" dirty="0">
+                <a:solidFill>
+                  <a:srgbClr val="000000"/>
+                </a:solidFill>
+                <a:latin typeface="+mj-lt"/>
+              </a:rPr>
+              <a:t>Follow-up time (years)</a:t>
+            </a:r>
+          </a:p>
+        </p:txBody>
+      </p:sp>
+      <p:sp>
+        <p:nvSpPr>
+          <p:cNvPr id="13" name="Content Placeholder 13">
+            <a:extLst>
+              <a:ext uri="{FF2B5EF4-FFF2-40B4-BE49-F238E27FC236}">
+                <a16:creationId xmlns:a16="http://schemas.microsoft.com/office/drawing/2014/main" id="{8581F49E-132C-C379-CE0D-8DC66FB3DE15}"/>
+              </a:ext>
+            </a:extLst>
+          </p:cNvPr>
+          <p:cNvSpPr txBox="1">
+            <a:spLocks/>
+          </p:cNvSpPr>
+          <p:nvPr/>
+        </p:nvSpPr>
+        <p:spPr>
+          <a:xfrm>
+            <a:off x="997759" y="1494698"/>
+            <a:ext cx="4206240" cy="987552"/>
+          </a:xfrm>
+          <a:prstGeom prst="rect">
+            <a:avLst/>
+          </a:prstGeom>
+          <a:solidFill>
+            <a:schemeClr val="bg1">
+              <a:lumMod val="85000"/>
+            </a:schemeClr>
+          </a:solidFill>
+          <a:ln w="12700">
+            <a:solidFill>
+              <a:schemeClr val="bg1">
+                <a:lumMod val="50000"/>
+              </a:schemeClr>
+            </a:solidFill>
+          </a:ln>
+        </p:spPr>
+        <p:txBody>
+          <a:bodyPr vert="horz" wrap="square" lIns="91440" tIns="45720" rIns="91440" bIns="45720" rtlCol="0">
+            <a:noAutofit/>
+          </a:bodyPr>
+          <a:lstStyle>
+            <a:lvl1pPr marL="168275" indent="-168275" algn="l" defTabSz="914400" rtl="0" eaLnBrk="1" latinLnBrk="0" hangingPunct="1">
+              <a:lnSpc>
+                <a:spcPct val="110000"/>
+              </a:lnSpc>
+              <a:spcBef>
+                <a:spcPts val="1400"/>
+              </a:spcBef>
+              <a:buClr>
+                <a:schemeClr val="accent1"/>
+              </a:buClr>
+              <a:buFont typeface="Wingdings" panose="05000000000000000000" pitchFamily="2" charset="2"/>
+              <a:buChar char="§"/>
+              <a:defRPr lang="en-US" sz="2400" b="0" kern="1200" dirty="0" smtClean="0">
+                <a:solidFill>
+                  <a:srgbClr val="000000"/>
+                </a:solidFill>
+                <a:latin typeface="+mj-lt"/>
+                <a:ea typeface="+mn-ea"/>
+                <a:cs typeface="+mn-cs"/>
+              </a:defRPr>
+            </a:lvl1pPr>
+            <a:lvl2pPr marL="457200" indent="-227013" algn="l" defTabSz="914400" rtl="0" eaLnBrk="1" latinLnBrk="0" hangingPunct="1">
+              <a:lnSpc>
+                <a:spcPct val="110000"/>
+              </a:lnSpc>
+              <a:spcBef>
+                <a:spcPts val="1400"/>
+              </a:spcBef>
+              <a:buClr>
+                <a:schemeClr val="accent1"/>
+              </a:buClr>
+              <a:buFont typeface="Arial" panose="020B0604020202020204" pitchFamily="34" charset="0"/>
+              <a:buChar char="•"/>
+              <a:defRPr lang="en-US" sz="2100" b="0" kern="1200" dirty="0" smtClean="0">
+                <a:solidFill>
+                  <a:srgbClr val="000000"/>
+                </a:solidFill>
+                <a:latin typeface="+mj-lt"/>
+                <a:ea typeface="+mn-ea"/>
+                <a:cs typeface="+mn-cs"/>
+              </a:defRPr>
+            </a:lvl2pPr>
+            <a:lvl3pPr marL="742950" indent="-227013" algn="l" defTabSz="914400" rtl="0" eaLnBrk="1" latinLnBrk="0" hangingPunct="1">
+              <a:lnSpc>
+                <a:spcPct val="110000"/>
+              </a:lnSpc>
+              <a:spcBef>
+                <a:spcPts val="1400"/>
+              </a:spcBef>
+              <a:buClr>
+                <a:schemeClr val="accent1"/>
+              </a:buClr>
+              <a:buFont typeface="Arial" panose="020B0604020202020204" pitchFamily="34" charset="0"/>
+              <a:buChar char="‒"/>
+              <a:defRPr lang="en-US" sz="2100" b="0" kern="1200" dirty="0" smtClean="0">
+                <a:solidFill>
+                  <a:srgbClr val="000000"/>
+                </a:solidFill>
+                <a:latin typeface="+mj-lt"/>
+                <a:ea typeface="+mn-ea"/>
+                <a:cs typeface="+mn-cs"/>
+              </a:defRPr>
+            </a:lvl3pPr>
+            <a:lvl4pPr marL="1028700" indent="-228600" algn="l" defTabSz="914400" rtl="0" eaLnBrk="1" latinLnBrk="0" hangingPunct="1">
+              <a:lnSpc>
+                <a:spcPct val="110000"/>
+              </a:lnSpc>
+              <a:spcBef>
+                <a:spcPts val="1400"/>
+              </a:spcBef>
+              <a:buClr>
+                <a:schemeClr val="accent1"/>
+              </a:buClr>
+              <a:buFont typeface="Wingdings" panose="05000000000000000000" pitchFamily="2" charset="2"/>
+              <a:buChar char="§"/>
+              <a:defRPr lang="en-US" sz="2100" b="0" kern="1200" dirty="0" smtClean="0">
+                <a:solidFill>
+                  <a:srgbClr val="000000"/>
+                </a:solidFill>
+                <a:latin typeface="+mj-lt"/>
+                <a:ea typeface="+mn-ea"/>
+                <a:cs typeface="+mn-cs"/>
+              </a:defRPr>
+            </a:lvl4pPr>
+            <a:lvl5pPr marL="1312863" indent="-227013" algn="l" defTabSz="914400" rtl="0" eaLnBrk="1" latinLnBrk="0" hangingPunct="1">
+              <a:lnSpc>
+                <a:spcPct val="110000"/>
+              </a:lnSpc>
+              <a:spcBef>
+                <a:spcPts val="1400"/>
+              </a:spcBef>
+              <a:buClr>
+                <a:schemeClr val="accent1"/>
+              </a:buClr>
+              <a:buFont typeface="Arial" panose="020B0604020202020204" pitchFamily="34" charset="0"/>
+              <a:buChar char="•"/>
+              <a:defRPr lang="en-US" sz="2100" b="0" kern="1200" dirty="0">
+                <a:solidFill>
+                  <a:srgbClr val="000000"/>
+                </a:solidFill>
+                <a:latin typeface="+mj-lt"/>
+                <a:ea typeface="+mn-ea"/>
+                <a:cs typeface="+mn-cs"/>
+              </a:defRPr>
+            </a:lvl5pPr>
+            <a:lvl6pPr marL="2514600" indent="-228600" algn="l" defTabSz="914400" rtl="0" eaLnBrk="1" latinLnBrk="0" hangingPunct="1">
+              <a:spcBef>
+                <a:spcPct val="20000"/>
+              </a:spcBef>
+              <a:buFont typeface="Arial" pitchFamily="34" charset="0"/>
+              <a:buChar char="•"/>
+              <a:defRPr sz="2000" kern="1200">
+                <a:solidFill>
+                  <a:schemeClr val="tx1"/>
+                </a:solidFill>
+                <a:latin typeface="+mn-lt"/>
+                <a:ea typeface="+mn-ea"/>
+                <a:cs typeface="+mn-cs"/>
+              </a:defRPr>
+            </a:lvl6pPr>
+            <a:lvl7pPr marL="2971800" indent="-228600" algn="l" defTabSz="914400" rtl="0" eaLnBrk="1" latinLnBrk="0" hangingPunct="1">
+              <a:spcBef>
+                <a:spcPct val="20000"/>
+              </a:spcBef>
+              <a:buFont typeface="Arial" pitchFamily="34" charset="0"/>
+              <a:buChar char="•"/>
+              <a:defRPr sz="2000" kern="1200">
+                <a:solidFill>
+                  <a:schemeClr val="tx1"/>
+                </a:solidFill>
+                <a:latin typeface="+mn-lt"/>
+                <a:ea typeface="+mn-ea"/>
+                <a:cs typeface="+mn-cs"/>
+              </a:defRPr>
+            </a:lvl7pPr>
+            <a:lvl8pPr marL="3429000" indent="-228600" algn="l" defTabSz="914400" rtl="0" eaLnBrk="1" latinLnBrk="0" hangingPunct="1">
+              <a:spcBef>
+                <a:spcPct val="20000"/>
+              </a:spcBef>
+              <a:buFont typeface="Arial" pitchFamily="34" charset="0"/>
+              <a:buChar char="•"/>
+              <a:defRPr sz="2000" kern="1200">
+                <a:solidFill>
+                  <a:schemeClr val="tx1"/>
+                </a:solidFill>
+                <a:latin typeface="+mn-lt"/>
+                <a:ea typeface="+mn-ea"/>
+                <a:cs typeface="+mn-cs"/>
+              </a:defRPr>
+            </a:lvl8pPr>
+            <a:lvl9pPr marL="3886200" indent="-228600" algn="l" defTabSz="914400" rtl="0" eaLnBrk="1" latinLnBrk="0" hangingPunct="1">
+              <a:spcBef>
+                <a:spcPct val="20000"/>
+              </a:spcBef>
+              <a:buFont typeface="Arial" pitchFamily="34" charset="0"/>
+              <a:buChar char="•"/>
+              <a:defRPr sz="2000" kern="1200">
+                <a:solidFill>
+                  <a:schemeClr val="tx1"/>
+                </a:solidFill>
+                <a:latin typeface="+mn-lt"/>
+                <a:ea typeface="+mn-ea"/>
+                <a:cs typeface="+mn-cs"/>
+              </a:defRPr>
+            </a:lvl9pPr>
+          </a:lstStyle>
+          <a:p>
+            <a:pPr marL="0" indent="0" algn="ctr">
+              <a:spcBef>
+                <a:spcPts val="1200"/>
+              </a:spcBef>
+              <a:buNone/>
+            </a:pPr>
+            <a:r>
+              <a:rPr lang="en-US" sz="2200" dirty="0"/>
+              <a:t>For est. </a:t>
+            </a:r>
+            <a:r>
+              <a:rPr lang="en-US" sz="2200" i="1" dirty="0"/>
+              <a:t>total effect</a:t>
+            </a:r>
+          </a:p>
+          <a:p>
+            <a:pPr marL="0" indent="0" algn="ctr">
+              <a:spcBef>
+                <a:spcPts val="1200"/>
+              </a:spcBef>
+              <a:buNone/>
+            </a:pPr>
+            <a:r>
+              <a:rPr lang="en-US" sz="2200" dirty="0"/>
+              <a:t>Aalen-Johansen</a:t>
+            </a:r>
+          </a:p>
+          <a:p>
+            <a:pPr marL="0" indent="0">
+              <a:buNone/>
+            </a:pPr>
+            <a:endParaRPr lang="en-US" dirty="0">
+              <a:highlight>
+                <a:srgbClr val="FFFF00"/>
+              </a:highlight>
+            </a:endParaRPr>
+          </a:p>
+        </p:txBody>
+      </p:sp>
+      <p:sp>
+        <p:nvSpPr>
+          <p:cNvPr id="14" name="Content Placeholder 13">
+            <a:extLst>
+              <a:ext uri="{FF2B5EF4-FFF2-40B4-BE49-F238E27FC236}">
+                <a16:creationId xmlns:a16="http://schemas.microsoft.com/office/drawing/2014/main" id="{D807F296-0B93-29D3-B197-864B5C48F682}"/>
+              </a:ext>
+            </a:extLst>
+          </p:cNvPr>
+          <p:cNvSpPr txBox="1">
+            <a:spLocks/>
+          </p:cNvSpPr>
+          <p:nvPr/>
+        </p:nvSpPr>
+        <p:spPr>
+          <a:xfrm>
+            <a:off x="6425590" y="1494698"/>
+            <a:ext cx="4187952" cy="978408"/>
+          </a:xfrm>
+          <a:prstGeom prst="rect">
+            <a:avLst/>
+          </a:prstGeom>
+          <a:solidFill>
+            <a:schemeClr val="bg1">
+              <a:lumMod val="85000"/>
+            </a:schemeClr>
+          </a:solidFill>
+          <a:ln w="12700">
+            <a:solidFill>
+              <a:schemeClr val="bg1">
+                <a:lumMod val="50000"/>
+              </a:schemeClr>
+            </a:solidFill>
+          </a:ln>
+        </p:spPr>
+        <p:txBody>
+          <a:bodyPr vert="horz" wrap="square" lIns="91440" tIns="45720" rIns="91440" bIns="45720" rtlCol="0">
+            <a:noAutofit/>
+          </a:bodyPr>
+          <a:lstStyle>
+            <a:lvl1pPr marL="168275" indent="-168275" algn="l" defTabSz="914400" rtl="0" eaLnBrk="1" latinLnBrk="0" hangingPunct="1">
+              <a:lnSpc>
+                <a:spcPct val="110000"/>
+              </a:lnSpc>
+              <a:spcBef>
+                <a:spcPts val="1400"/>
+              </a:spcBef>
+              <a:buClr>
+                <a:schemeClr val="accent1"/>
+              </a:buClr>
+              <a:buFont typeface="Wingdings" panose="05000000000000000000" pitchFamily="2" charset="2"/>
+              <a:buChar char="§"/>
+              <a:defRPr lang="en-US" sz="2400" b="0" kern="1200" dirty="0" smtClean="0">
+                <a:solidFill>
+                  <a:srgbClr val="000000"/>
+                </a:solidFill>
+                <a:latin typeface="+mj-lt"/>
+                <a:ea typeface="+mn-ea"/>
+                <a:cs typeface="+mn-cs"/>
+              </a:defRPr>
+            </a:lvl1pPr>
+            <a:lvl2pPr marL="457200" indent="-227013" algn="l" defTabSz="914400" rtl="0" eaLnBrk="1" latinLnBrk="0" hangingPunct="1">
+              <a:lnSpc>
+                <a:spcPct val="110000"/>
+              </a:lnSpc>
+              <a:spcBef>
+                <a:spcPts val="1400"/>
+              </a:spcBef>
+              <a:buClr>
+                <a:schemeClr val="accent1"/>
+              </a:buClr>
+              <a:buFont typeface="Arial" panose="020B0604020202020204" pitchFamily="34" charset="0"/>
+              <a:buChar char="•"/>
+              <a:defRPr lang="en-US" sz="2100" b="0" kern="1200" dirty="0" smtClean="0">
+                <a:solidFill>
+                  <a:srgbClr val="000000"/>
+                </a:solidFill>
+                <a:latin typeface="+mj-lt"/>
+                <a:ea typeface="+mn-ea"/>
+                <a:cs typeface="+mn-cs"/>
+              </a:defRPr>
+            </a:lvl2pPr>
+            <a:lvl3pPr marL="742950" indent="-227013" algn="l" defTabSz="914400" rtl="0" eaLnBrk="1" latinLnBrk="0" hangingPunct="1">
+              <a:lnSpc>
+                <a:spcPct val="110000"/>
+              </a:lnSpc>
+              <a:spcBef>
+                <a:spcPts val="1400"/>
+              </a:spcBef>
+              <a:buClr>
+                <a:schemeClr val="accent1"/>
+              </a:buClr>
+              <a:buFont typeface="Arial" panose="020B0604020202020204" pitchFamily="34" charset="0"/>
+              <a:buChar char="‒"/>
+              <a:defRPr lang="en-US" sz="2100" b="0" kern="1200" dirty="0" smtClean="0">
+                <a:solidFill>
+                  <a:srgbClr val="000000"/>
+                </a:solidFill>
+                <a:latin typeface="+mj-lt"/>
+                <a:ea typeface="+mn-ea"/>
+                <a:cs typeface="+mn-cs"/>
+              </a:defRPr>
+            </a:lvl3pPr>
+            <a:lvl4pPr marL="1028700" indent="-228600" algn="l" defTabSz="914400" rtl="0" eaLnBrk="1" latinLnBrk="0" hangingPunct="1">
+              <a:lnSpc>
+                <a:spcPct val="110000"/>
+              </a:lnSpc>
+              <a:spcBef>
+                <a:spcPts val="1400"/>
+              </a:spcBef>
+              <a:buClr>
+                <a:schemeClr val="accent1"/>
+              </a:buClr>
+              <a:buFont typeface="Wingdings" panose="05000000000000000000" pitchFamily="2" charset="2"/>
+              <a:buChar char="§"/>
+              <a:defRPr lang="en-US" sz="2100" b="0" kern="1200" dirty="0" smtClean="0">
+                <a:solidFill>
+                  <a:srgbClr val="000000"/>
+                </a:solidFill>
+                <a:latin typeface="+mj-lt"/>
+                <a:ea typeface="+mn-ea"/>
+                <a:cs typeface="+mn-cs"/>
+              </a:defRPr>
+            </a:lvl4pPr>
+            <a:lvl5pPr marL="1312863" indent="-227013" algn="l" defTabSz="914400" rtl="0" eaLnBrk="1" latinLnBrk="0" hangingPunct="1">
+              <a:lnSpc>
+                <a:spcPct val="110000"/>
+              </a:lnSpc>
+              <a:spcBef>
+                <a:spcPts val="1400"/>
+              </a:spcBef>
+              <a:buClr>
+                <a:schemeClr val="accent1"/>
+              </a:buClr>
+              <a:buFont typeface="Arial" panose="020B0604020202020204" pitchFamily="34" charset="0"/>
+              <a:buChar char="•"/>
+              <a:defRPr lang="en-US" sz="2100" b="0" kern="1200" dirty="0">
+                <a:solidFill>
+                  <a:srgbClr val="000000"/>
+                </a:solidFill>
+                <a:latin typeface="+mj-lt"/>
+                <a:ea typeface="+mn-ea"/>
+                <a:cs typeface="+mn-cs"/>
+              </a:defRPr>
+            </a:lvl5pPr>
+            <a:lvl6pPr marL="2514600" indent="-228600" algn="l" defTabSz="914400" rtl="0" eaLnBrk="1" latinLnBrk="0" hangingPunct="1">
+              <a:spcBef>
+                <a:spcPct val="20000"/>
+              </a:spcBef>
+              <a:buFont typeface="Arial" pitchFamily="34" charset="0"/>
+              <a:buChar char="•"/>
+              <a:defRPr sz="2000" kern="1200">
+                <a:solidFill>
+                  <a:schemeClr val="tx1"/>
+                </a:solidFill>
+                <a:latin typeface="+mn-lt"/>
+                <a:ea typeface="+mn-ea"/>
+                <a:cs typeface="+mn-cs"/>
+              </a:defRPr>
+            </a:lvl6pPr>
+            <a:lvl7pPr marL="2971800" indent="-228600" algn="l" defTabSz="914400" rtl="0" eaLnBrk="1" latinLnBrk="0" hangingPunct="1">
+              <a:spcBef>
+                <a:spcPct val="20000"/>
+              </a:spcBef>
+              <a:buFont typeface="Arial" pitchFamily="34" charset="0"/>
+              <a:buChar char="•"/>
+              <a:defRPr sz="2000" kern="1200">
+                <a:solidFill>
+                  <a:schemeClr val="tx1"/>
+                </a:solidFill>
+                <a:latin typeface="+mn-lt"/>
+                <a:ea typeface="+mn-ea"/>
+                <a:cs typeface="+mn-cs"/>
+              </a:defRPr>
+            </a:lvl7pPr>
+            <a:lvl8pPr marL="3429000" indent="-228600" algn="l" defTabSz="914400" rtl="0" eaLnBrk="1" latinLnBrk="0" hangingPunct="1">
+              <a:spcBef>
+                <a:spcPct val="20000"/>
+              </a:spcBef>
+              <a:buFont typeface="Arial" pitchFamily="34" charset="0"/>
+              <a:buChar char="•"/>
+              <a:defRPr sz="2000" kern="1200">
+                <a:solidFill>
+                  <a:schemeClr val="tx1"/>
+                </a:solidFill>
+                <a:latin typeface="+mn-lt"/>
+                <a:ea typeface="+mn-ea"/>
+                <a:cs typeface="+mn-cs"/>
+              </a:defRPr>
+            </a:lvl8pPr>
+            <a:lvl9pPr marL="3886200" indent="-228600" algn="l" defTabSz="914400" rtl="0" eaLnBrk="1" latinLnBrk="0" hangingPunct="1">
+              <a:spcBef>
+                <a:spcPct val="20000"/>
+              </a:spcBef>
+              <a:buFont typeface="Arial" pitchFamily="34" charset="0"/>
+              <a:buChar char="•"/>
+              <a:defRPr sz="2000" kern="1200">
+                <a:solidFill>
+                  <a:schemeClr val="tx1"/>
+                </a:solidFill>
+                <a:latin typeface="+mn-lt"/>
+                <a:ea typeface="+mn-ea"/>
+                <a:cs typeface="+mn-cs"/>
+              </a:defRPr>
+            </a:lvl9pPr>
+          </a:lstStyle>
+          <a:p>
+            <a:pPr marL="0" indent="0" algn="ctr">
+              <a:buNone/>
+            </a:pPr>
+            <a:r>
+              <a:rPr lang="en-US" sz="2200" dirty="0"/>
+              <a:t>For est. </a:t>
+            </a:r>
+            <a:r>
+              <a:rPr lang="en-US" sz="2200" i="1" dirty="0"/>
+              <a:t>controlled direct effect</a:t>
+            </a:r>
+          </a:p>
+          <a:p>
+            <a:pPr marL="0" indent="0" algn="ctr">
+              <a:buNone/>
+            </a:pPr>
+            <a:r>
+              <a:rPr lang="en-US" sz="2200" dirty="0"/>
+              <a:t>Kaplan-Meier</a:t>
+            </a:r>
+          </a:p>
+          <a:p>
+            <a:pPr marL="0" indent="0">
+              <a:buNone/>
+            </a:pPr>
+            <a:endParaRPr lang="en-US" dirty="0">
+              <a:highlight>
+                <a:srgbClr val="FFFF00"/>
+              </a:highlight>
+            </a:endParaRPr>
+          </a:p>
+        </p:txBody>
+      </p:sp>
+    </p:spTree>
+    <p:extLst>
+      <p:ext uri="{BB962C8B-B14F-4D97-AF65-F5344CB8AC3E}">
+        <p14:creationId xmlns:p14="http://schemas.microsoft.com/office/powerpoint/2010/main" val="999566942"/>
+      </p:ext>
+    </p:extLst>
+  </p:cSld>
+  <p:clrMapOvr>
+    <a:masterClrMapping/>
+  </p:clrMapOvr>
+  <p:timing>
+    <p:tnLst>
+      <p:par>
+        <p:cTn id="1" dur="indefinite" restart="never" nodeType="tmRoot">
+          <p:childTnLst>
+            <p:seq concurrent="1" nextAc="seek">
+              <p:cTn id="2" dur="indefinite" nodeType="mainSeq">
+                <p:childTnLst>
+                  <p:par>
+                    <p:cTn id="3" fill="hold">
+                      <p:stCondLst>
+                        <p:cond delay="indefinite"/>
+                      </p:stCondLst>
+                      <p:childTnLst>
+                        <p:par>
+                          <p:cTn id="4" fill="hold">
+                            <p:stCondLst>
+                              <p:cond delay="0"/>
+                            </p:stCondLst>
+                            <p:childTnLst>
+                              <p:par>
+                                <p:cTn id="5" presetID="1" presetClass="entr" presetSubtype="0" fill="hold" nodeType="clickEffect">
+                                  <p:stCondLst>
+                                    <p:cond delay="0"/>
+                                  </p:stCondLst>
+                                  <p:childTnLst>
+                                    <p:set>
+                                      <p:cBhvr>
+                                        <p:cTn id="6" dur="1" fill="hold">
+                                          <p:stCondLst>
+                                            <p:cond delay="0"/>
+                                          </p:stCondLst>
+                                        </p:cTn>
+                                        <p:tgtEl>
+                                          <p:spTgt spid="2"/>
+                                        </p:tgtEl>
+                                        <p:attrNameLst>
+                                          <p:attrName>style.visibility</p:attrName>
+                                        </p:attrNameLst>
+                                      </p:cBhvr>
+                                      <p:to>
+                                        <p:strVal val="visible"/>
+                                      </p:to>
+                                    </p:set>
+                                  </p:childTnLst>
+                                </p:cTn>
+                              </p:par>
+                              <p:par>
+                                <p:cTn id="7" presetID="1" presetClass="entr" presetSubtype="0" fill="hold" grpId="0" nodeType="withEffect">
+                                  <p:stCondLst>
+                                    <p:cond delay="0"/>
+                                  </p:stCondLst>
+                                  <p:childTnLst>
+                                    <p:set>
+                                      <p:cBhvr>
+                                        <p:cTn id="8" dur="1" fill="hold">
+                                          <p:stCondLst>
+                                            <p:cond delay="0"/>
+                                          </p:stCondLst>
+                                        </p:cTn>
+                                        <p:tgtEl>
+                                          <p:spTgt spid="6"/>
+                                        </p:tgtEl>
+                                        <p:attrNameLst>
+                                          <p:attrName>style.visibility</p:attrName>
+                                        </p:attrNameLst>
+                                      </p:cBhvr>
+                                      <p:to>
+                                        <p:strVal val="visible"/>
+                                      </p:to>
+                                    </p:set>
+                                  </p:childTnLst>
+                                </p:cTn>
+                              </p:par>
+                              <p:par>
+                                <p:cTn id="9" presetID="1" presetClass="entr" presetSubtype="0" fill="hold" grpId="0" nodeType="withEffect">
+                                  <p:stCondLst>
+                                    <p:cond delay="0"/>
+                                  </p:stCondLst>
+                                  <p:childTnLst>
+                                    <p:set>
+                                      <p:cBhvr>
+                                        <p:cTn id="10" dur="1" fill="hold">
+                                          <p:stCondLst>
+                                            <p:cond delay="0"/>
+                                          </p:stCondLst>
+                                        </p:cTn>
+                                        <p:tgtEl>
+                                          <p:spTgt spid="14"/>
+                                        </p:tgtEl>
+                                        <p:attrNameLst>
+                                          <p:attrName>style.visibility</p:attrName>
+                                        </p:attrNameLst>
+                                      </p:cBhvr>
+                                      <p:to>
+                                        <p:strVal val="visible"/>
+                                      </p:to>
+                                    </p:set>
+                                  </p:childTnLst>
+                                </p:cTn>
+                              </p:par>
+                              <p:par>
+                                <p:cTn id="11" presetID="1" presetClass="entr" presetSubtype="0" fill="hold" grpId="0" nodeType="withEffect">
+                                  <p:stCondLst>
+                                    <p:cond delay="0"/>
+                                  </p:stCondLst>
+                                  <p:childTnLst>
+                                    <p:set>
+                                      <p:cBhvr>
+                                        <p:cTn id="12" dur="1" fill="hold">
+                                          <p:stCondLst>
+                                            <p:cond delay="0"/>
+                                          </p:stCondLst>
+                                        </p:cTn>
+                                        <p:tgtEl>
+                                          <p:spTgt spid="7"/>
+                                        </p:tgtEl>
+                                        <p:attrNameLst>
+                                          <p:attrName>style.visibility</p:attrName>
+                                        </p:attrNameLst>
+                                      </p:cBhvr>
+                                      <p:to>
+                                        <p:strVal val="visible"/>
+                                      </p:to>
+                                    </p:set>
+                                  </p:childTnLst>
+                                </p:cTn>
+                              </p:par>
+                            </p:childTnLst>
+                          </p:cTn>
+                        </p:par>
+                      </p:childTnLst>
+                    </p:cTn>
+                  </p:par>
+                </p:childTnLst>
+              </p:cTn>
+              <p:prevCondLst>
+                <p:cond evt="onPrev" delay="0">
+                  <p:tgtEl>
+                    <p:sldTgt/>
+                  </p:tgtEl>
+                </p:cond>
+              </p:prevCondLst>
+              <p:nextCondLst>
+                <p:cond evt="onNext" delay="0">
+                  <p:tgtEl>
+                    <p:sldTgt/>
+                  </p:tgtEl>
+                </p:cond>
+              </p:nextCondLst>
+            </p:seq>
+          </p:childTnLst>
+        </p:cTn>
+      </p:par>
+    </p:tnLst>
+    <p:bldLst>
+      <p:bldP spid="6" grpId="0"/>
+      <p:bldP spid="7" grpId="0"/>
+      <p:bldP spid="14" grpId="0" animBg="1"/>
+    </p:bldLst>
+  </p:timing>
+</p:sld>
+</file>
+
+<file path=ppt/slides/slide17.xml><?xml version="1.0" encoding="utf-8"?>
+<p:sld xmlns:a="http://schemas.openxmlformats.org/drawingml/2006/main" xmlns:r="http://schemas.openxmlformats.org/officeDocument/2006/relationships" xmlns:p="http://schemas.openxmlformats.org/presentationml/2006/main">
+  <p:cSld>
+    <p:spTree>
+      <p:nvGrpSpPr>
+        <p:cNvPr id="1" name=""/>
+        <p:cNvGrpSpPr/>
+        <p:nvPr/>
+      </p:nvGrpSpPr>
+      <p:grpSpPr>
+        <a:xfrm>
+          <a:off x="0" y="0"/>
+          <a:ext cx="0" cy="0"/>
+          <a:chOff x="0" y="0"/>
+          <a:chExt cx="0" cy="0"/>
+        </a:xfrm>
+      </p:grpSpPr>
+      <p:grpSp>
+        <p:nvGrpSpPr>
+          <p:cNvPr id="9" name="Group 8">
+            <a:extLst>
+              <a:ext uri="{FF2B5EF4-FFF2-40B4-BE49-F238E27FC236}">
+                <a16:creationId xmlns:a16="http://schemas.microsoft.com/office/drawing/2014/main" id="{68A6DA8F-A513-EBB4-F90D-57D139EE4A74}"/>
+              </a:ext>
+            </a:extLst>
+          </p:cNvPr>
+          <p:cNvGrpSpPr/>
+          <p:nvPr/>
+        </p:nvGrpSpPr>
+        <p:grpSpPr>
+          <a:xfrm>
+            <a:off x="1751752" y="1442747"/>
+            <a:ext cx="7725623" cy="4163006"/>
+            <a:chOff x="1751752" y="1442747"/>
+            <a:chExt cx="7725623" cy="4163006"/>
+          </a:xfrm>
+        </p:grpSpPr>
+        <p:pic>
+          <p:nvPicPr>
+            <p:cNvPr id="3" name="Picture 2" descr="A graph of a risk difference&#10;&#10;AI-generated content may be incorrect.">
+              <a:extLst>
+                <a:ext uri="{FF2B5EF4-FFF2-40B4-BE49-F238E27FC236}">
+                  <a16:creationId xmlns:a16="http://schemas.microsoft.com/office/drawing/2014/main" id="{16253467-0173-7C57-73F5-B5F94C1AC659}"/>
+                </a:ext>
+              </a:extLst>
+            </p:cNvPr>
+            <p:cNvPicPr>
+              <a:picLocks noChangeAspect="1"/>
+            </p:cNvPicPr>
+            <p:nvPr/>
+          </p:nvPicPr>
+          <p:blipFill>
+            <a:blip r:embed="rId2">
+              <a:extLst>
+                <a:ext uri="{28A0092B-C50C-407E-A947-70E740481C1C}">
+                  <a14:useLocalDpi xmlns:a14="http://schemas.microsoft.com/office/drawing/2010/main" val="0"/>
+                </a:ext>
+              </a:extLst>
+            </a:blip>
+            <a:srcRect r="36444"/>
+            <a:stretch/>
+          </p:blipFill>
+          <p:spPr>
+            <a:xfrm>
+              <a:off x="1751752" y="1442747"/>
+              <a:ext cx="7725623" cy="4163006"/>
+            </a:xfrm>
+            <a:prstGeom prst="rect">
+              <a:avLst/>
+            </a:prstGeom>
+          </p:spPr>
+        </p:pic>
+        <p:pic>
+          <p:nvPicPr>
+            <p:cNvPr id="5" name="Picture 4" descr="A diagram of a death&#10;&#10;AI-generated content may be incorrect.">
+              <a:extLst>
+                <a:ext uri="{FF2B5EF4-FFF2-40B4-BE49-F238E27FC236}">
+                  <a16:creationId xmlns:a16="http://schemas.microsoft.com/office/drawing/2014/main" id="{207F37ED-B151-C1E2-3A16-F2C40598069A}"/>
+                </a:ext>
+              </a:extLst>
+            </p:cNvPr>
+            <p:cNvPicPr>
+              <a:picLocks noChangeAspect="1"/>
+            </p:cNvPicPr>
+            <p:nvPr/>
+          </p:nvPicPr>
+          <p:blipFill>
+            <a:blip r:embed="rId3">
+              <a:extLst>
+                <a:ext uri="{28A0092B-C50C-407E-A947-70E740481C1C}">
+                  <a14:useLocalDpi xmlns:a14="http://schemas.microsoft.com/office/drawing/2010/main" val="0"/>
+                </a:ext>
+              </a:extLst>
+            </a:blip>
+            <a:stretch>
+              <a:fillRect/>
+            </a:stretch>
+          </p:blipFill>
+          <p:spPr>
+            <a:xfrm>
+              <a:off x="1981201" y="2863850"/>
+              <a:ext cx="3009900" cy="1003300"/>
+            </a:xfrm>
+            <a:prstGeom prst="rect">
+              <a:avLst/>
+            </a:prstGeom>
+          </p:spPr>
+        </p:pic>
+        <p:pic>
+          <p:nvPicPr>
+            <p:cNvPr id="8" name="Picture 7" descr="A diagram of a death&#10;&#10;AI-generated content may be incorrect.">
+              <a:extLst>
+                <a:ext uri="{FF2B5EF4-FFF2-40B4-BE49-F238E27FC236}">
+                  <a16:creationId xmlns:a16="http://schemas.microsoft.com/office/drawing/2014/main" id="{E4354C05-27A6-2F66-C09C-BD6D84F7C23D}"/>
+                </a:ext>
+              </a:extLst>
+            </p:cNvPr>
+            <p:cNvPicPr>
+              <a:picLocks noChangeAspect="1"/>
+            </p:cNvPicPr>
+            <p:nvPr/>
+          </p:nvPicPr>
+          <p:blipFill>
+            <a:blip r:embed="rId4">
+              <a:extLst>
+                <a:ext uri="{28A0092B-C50C-407E-A947-70E740481C1C}">
+                  <a14:useLocalDpi xmlns:a14="http://schemas.microsoft.com/office/drawing/2010/main" val="0"/>
+                </a:ext>
+              </a:extLst>
+            </a:blip>
+            <a:stretch>
+              <a:fillRect/>
+            </a:stretch>
+          </p:blipFill>
+          <p:spPr>
+            <a:xfrm>
+              <a:off x="1981201" y="4407190"/>
+              <a:ext cx="3009903" cy="1003301"/>
+            </a:xfrm>
+            <a:prstGeom prst="rect">
+              <a:avLst/>
+            </a:prstGeom>
+          </p:spPr>
+        </p:pic>
+      </p:grpSp>
+    </p:spTree>
+    <p:extLst>
+      <p:ext uri="{BB962C8B-B14F-4D97-AF65-F5344CB8AC3E}">
+        <p14:creationId xmlns:p14="http://schemas.microsoft.com/office/powerpoint/2010/main" val="1550025951"/>
       </p:ext>
     </p:extLst>
   </p:cSld>

--- a/2025_job_talk_ucla/extra_slides.pptx
+++ b/2025_job_talk_ucla/extra_slides.pptx
@@ -15,13 +15,23 @@
     <p:sldId id="271" r:id="rId9"/>
     <p:sldId id="273" r:id="rId10"/>
     <p:sldId id="274" r:id="rId11"/>
-    <p:sldId id="277" r:id="rId12"/>
-    <p:sldId id="275" r:id="rId13"/>
-    <p:sldId id="281" r:id="rId14"/>
-    <p:sldId id="264" r:id="rId15"/>
-    <p:sldId id="265" r:id="rId16"/>
-    <p:sldId id="280" r:id="rId17"/>
-    <p:sldId id="282" r:id="rId18"/>
+    <p:sldId id="289" r:id="rId12"/>
+    <p:sldId id="286" r:id="rId13"/>
+    <p:sldId id="290" r:id="rId14"/>
+    <p:sldId id="287" r:id="rId15"/>
+    <p:sldId id="277" r:id="rId16"/>
+    <p:sldId id="275" r:id="rId17"/>
+    <p:sldId id="281" r:id="rId18"/>
+    <p:sldId id="264" r:id="rId19"/>
+    <p:sldId id="265" r:id="rId20"/>
+    <p:sldId id="280" r:id="rId21"/>
+    <p:sldId id="282" r:id="rId22"/>
+    <p:sldId id="283" r:id="rId23"/>
+    <p:sldId id="284" r:id="rId24"/>
+    <p:sldId id="292" r:id="rId25"/>
+    <p:sldId id="293" r:id="rId26"/>
+    <p:sldId id="294" r:id="rId27"/>
+    <p:sldId id="295" r:id="rId28"/>
   </p:sldIdLst>
   <p:sldSz cx="12192000" cy="6858000"/>
   <p:notesSz cx="6858000" cy="9144000"/>
@@ -29,7 +39,7 @@
     <a:defPPr>
       <a:defRPr lang="en-US"/>
     </a:defPPr>
-    <a:lvl1pPr marL="0" algn="l" defTabSz="914400" rtl="0" eaLnBrk="1" latinLnBrk="0" hangingPunct="1">
+    <a:lvl1pPr marL="0" algn="l" defTabSz="914393" rtl="0" eaLnBrk="1" latinLnBrk="0" hangingPunct="1">
       <a:defRPr sz="1800" kern="1200">
         <a:solidFill>
           <a:schemeClr val="tx1"/>
@@ -39,7 +49,7 @@
         <a:cs typeface="+mn-cs"/>
       </a:defRPr>
     </a:lvl1pPr>
-    <a:lvl2pPr marL="457200" algn="l" defTabSz="914400" rtl="0" eaLnBrk="1" latinLnBrk="0" hangingPunct="1">
+    <a:lvl2pPr marL="457197" algn="l" defTabSz="914393" rtl="0" eaLnBrk="1" latinLnBrk="0" hangingPunct="1">
       <a:defRPr sz="1800" kern="1200">
         <a:solidFill>
           <a:schemeClr val="tx1"/>
@@ -49,7 +59,7 @@
         <a:cs typeface="+mn-cs"/>
       </a:defRPr>
     </a:lvl2pPr>
-    <a:lvl3pPr marL="914400" algn="l" defTabSz="914400" rtl="0" eaLnBrk="1" latinLnBrk="0" hangingPunct="1">
+    <a:lvl3pPr marL="914393" algn="l" defTabSz="914393" rtl="0" eaLnBrk="1" latinLnBrk="0" hangingPunct="1">
       <a:defRPr sz="1800" kern="1200">
         <a:solidFill>
           <a:schemeClr val="tx1"/>
@@ -59,7 +69,7 @@
         <a:cs typeface="+mn-cs"/>
       </a:defRPr>
     </a:lvl3pPr>
-    <a:lvl4pPr marL="1371600" algn="l" defTabSz="914400" rtl="0" eaLnBrk="1" latinLnBrk="0" hangingPunct="1">
+    <a:lvl4pPr marL="1371592" algn="l" defTabSz="914393" rtl="0" eaLnBrk="1" latinLnBrk="0" hangingPunct="1">
       <a:defRPr sz="1800" kern="1200">
         <a:solidFill>
           <a:schemeClr val="tx1"/>
@@ -69,7 +79,7 @@
         <a:cs typeface="+mn-cs"/>
       </a:defRPr>
     </a:lvl4pPr>
-    <a:lvl5pPr marL="1828800" algn="l" defTabSz="914400" rtl="0" eaLnBrk="1" latinLnBrk="0" hangingPunct="1">
+    <a:lvl5pPr marL="1828789" algn="l" defTabSz="914393" rtl="0" eaLnBrk="1" latinLnBrk="0" hangingPunct="1">
       <a:defRPr sz="1800" kern="1200">
         <a:solidFill>
           <a:schemeClr val="tx1"/>
@@ -79,7 +89,7 @@
         <a:cs typeface="+mn-cs"/>
       </a:defRPr>
     </a:lvl5pPr>
-    <a:lvl6pPr marL="2286000" algn="l" defTabSz="914400" rtl="0" eaLnBrk="1" latinLnBrk="0" hangingPunct="1">
+    <a:lvl6pPr marL="2285985" algn="l" defTabSz="914393" rtl="0" eaLnBrk="1" latinLnBrk="0" hangingPunct="1">
       <a:defRPr sz="1800" kern="1200">
         <a:solidFill>
           <a:schemeClr val="tx1"/>
@@ -89,7 +99,7 @@
         <a:cs typeface="+mn-cs"/>
       </a:defRPr>
     </a:lvl6pPr>
-    <a:lvl7pPr marL="2743200" algn="l" defTabSz="914400" rtl="0" eaLnBrk="1" latinLnBrk="0" hangingPunct="1">
+    <a:lvl7pPr marL="2743182" algn="l" defTabSz="914393" rtl="0" eaLnBrk="1" latinLnBrk="0" hangingPunct="1">
       <a:defRPr sz="1800" kern="1200">
         <a:solidFill>
           <a:schemeClr val="tx1"/>
@@ -99,7 +109,7 @@
         <a:cs typeface="+mn-cs"/>
       </a:defRPr>
     </a:lvl7pPr>
-    <a:lvl8pPr marL="3200400" algn="l" defTabSz="914400" rtl="0" eaLnBrk="1" latinLnBrk="0" hangingPunct="1">
+    <a:lvl8pPr marL="3200379" algn="l" defTabSz="914393" rtl="0" eaLnBrk="1" latinLnBrk="0" hangingPunct="1">
       <a:defRPr sz="1800" kern="1200">
         <a:solidFill>
           <a:schemeClr val="tx1"/>
@@ -109,7 +119,7 @@
         <a:cs typeface="+mn-cs"/>
       </a:defRPr>
     </a:lvl8pPr>
-    <a:lvl9pPr marL="3657600" algn="l" defTabSz="914400" rtl="0" eaLnBrk="1" latinLnBrk="0" hangingPunct="1">
+    <a:lvl9pPr marL="3657577" algn="l" defTabSz="914393" rtl="0" eaLnBrk="1" latinLnBrk="0" hangingPunct="1">
       <a:defRPr sz="1800" kern="1200">
         <a:solidFill>
           <a:schemeClr val="tx1"/>
@@ -211,8 +221,8 @@
         </p:nvSpPr>
         <p:spPr>
           <a:xfrm>
-            <a:off x="1524000" y="3602038"/>
-            <a:ext cx="9144000" cy="1655762"/>
+            <a:off x="1524000" y="3602037"/>
+            <a:ext cx="9144000" cy="1655763"/>
           </a:xfrm>
         </p:spPr>
         <p:txBody>
@@ -286,7 +296,7 @@
           <a:p>
             <a:fld id="{0A6D8198-5E84-42E5-B652-6051AD6779DA}" type="datetimeFigureOut">
               <a:rPr lang="en-US" smtClean="0"/>
-              <a:t>3/4/2025</a:t>
+              <a:t>10/2/25</a:t>
             </a:fld>
             <a:endParaRPr lang="en-US"/>
           </a:p>
@@ -484,7 +494,7 @@
           <a:p>
             <a:fld id="{0A6D8198-5E84-42E5-B652-6051AD6779DA}" type="datetimeFigureOut">
               <a:rPr lang="en-US" smtClean="0"/>
-              <a:t>3/4/2025</a:t>
+              <a:t>10/2/25</a:t>
             </a:fld>
             <a:endParaRPr lang="en-US"/>
           </a:p>
@@ -592,7 +602,7 @@
         </p:nvSpPr>
         <p:spPr>
           <a:xfrm>
-            <a:off x="8724900" y="365125"/>
+            <a:off x="8724901" y="365125"/>
             <a:ext cx="2628900" cy="5811838"/>
           </a:xfrm>
         </p:spPr>
@@ -625,7 +635,7 @@
         </p:nvSpPr>
         <p:spPr>
           <a:xfrm>
-            <a:off x="838200" y="365125"/>
+            <a:off x="838201" y="365125"/>
             <a:ext cx="7734300" cy="5811838"/>
           </a:xfrm>
         </p:spPr>
@@ -692,7 +702,7 @@
           <a:p>
             <a:fld id="{0A6D8198-5E84-42E5-B652-6051AD6779DA}" type="datetimeFigureOut">
               <a:rPr lang="en-US" smtClean="0"/>
-              <a:t>3/4/2025</a:t>
+              <a:t>10/2/25</a:t>
             </a:fld>
             <a:endParaRPr lang="en-US"/>
           </a:p>
@@ -890,7 +900,7 @@
           <a:p>
             <a:fld id="{0A6D8198-5E84-42E5-B652-6051AD6779DA}" type="datetimeFigureOut">
               <a:rPr lang="en-US" smtClean="0"/>
-              <a:t>3/4/2025</a:t>
+              <a:t>10/2/25</a:t>
             </a:fld>
             <a:endParaRPr lang="en-US"/>
           </a:p>
@@ -998,8 +1008,8 @@
         </p:nvSpPr>
         <p:spPr>
           <a:xfrm>
-            <a:off x="831850" y="1709738"/>
-            <a:ext cx="10515600" cy="2852737"/>
+            <a:off x="831849" y="1709739"/>
+            <a:ext cx="10515600" cy="2852738"/>
           </a:xfrm>
         </p:spPr>
         <p:txBody>
@@ -1035,8 +1045,8 @@
         </p:nvSpPr>
         <p:spPr>
           <a:xfrm>
-            <a:off x="831850" y="4589463"/>
-            <a:ext cx="10515600" cy="1500187"/>
+            <a:off x="831849" y="4589464"/>
+            <a:ext cx="10515600" cy="1500188"/>
           </a:xfrm>
         </p:spPr>
         <p:txBody>
@@ -1165,7 +1175,7 @@
           <a:p>
             <a:fld id="{0A6D8198-5E84-42E5-B652-6051AD6779DA}" type="datetimeFigureOut">
               <a:rPr lang="en-US" smtClean="0"/>
-              <a:t>3/4/2025</a:t>
+              <a:t>10/2/25</a:t>
             </a:fld>
             <a:endParaRPr lang="en-US"/>
           </a:p>
@@ -1430,7 +1440,7 @@
           <a:p>
             <a:fld id="{0A6D8198-5E84-42E5-B652-6051AD6779DA}" type="datetimeFigureOut">
               <a:rPr lang="en-US" smtClean="0"/>
-              <a:t>3/4/2025</a:t>
+              <a:t>10/2/25</a:t>
             </a:fld>
             <a:endParaRPr lang="en-US"/>
           </a:p>
@@ -1538,7 +1548,7 @@
         </p:nvSpPr>
         <p:spPr>
           <a:xfrm>
-            <a:off x="839788" y="365125"/>
+            <a:off x="839789" y="365126"/>
             <a:ext cx="10515600" cy="1325563"/>
           </a:xfrm>
         </p:spPr>
@@ -1571,8 +1581,8 @@
         </p:nvSpPr>
         <p:spPr>
           <a:xfrm>
-            <a:off x="839788" y="1681163"/>
-            <a:ext cx="5157787" cy="823912"/>
+            <a:off x="839789" y="1681162"/>
+            <a:ext cx="5157787" cy="823913"/>
           </a:xfrm>
         </p:spPr>
         <p:txBody>
@@ -1642,7 +1652,7 @@
         </p:nvSpPr>
         <p:spPr>
           <a:xfrm>
-            <a:off x="839788" y="2505075"/>
+            <a:off x="839789" y="2505075"/>
             <a:ext cx="5157787" cy="3684588"/>
           </a:xfrm>
         </p:spPr>
@@ -1704,8 +1714,8 @@
         </p:nvSpPr>
         <p:spPr>
           <a:xfrm>
-            <a:off x="6172200" y="1681163"/>
-            <a:ext cx="5183188" cy="823912"/>
+            <a:off x="6172201" y="1681162"/>
+            <a:ext cx="5183189" cy="823913"/>
           </a:xfrm>
         </p:spPr>
         <p:txBody>
@@ -1775,8 +1785,8 @@
         </p:nvSpPr>
         <p:spPr>
           <a:xfrm>
-            <a:off x="6172200" y="2505075"/>
-            <a:ext cx="5183188" cy="3684588"/>
+            <a:off x="6172201" y="2505075"/>
+            <a:ext cx="5183189" cy="3684588"/>
           </a:xfrm>
         </p:spPr>
         <p:txBody>
@@ -1842,7 +1852,7 @@
           <a:p>
             <a:fld id="{0A6D8198-5E84-42E5-B652-6051AD6779DA}" type="datetimeFigureOut">
               <a:rPr lang="en-US" smtClean="0"/>
-              <a:t>3/4/2025</a:t>
+              <a:t>10/2/25</a:t>
             </a:fld>
             <a:endParaRPr lang="en-US"/>
           </a:p>
@@ -1983,7 +1993,7 @@
           <a:p>
             <a:fld id="{0A6D8198-5E84-42E5-B652-6051AD6779DA}" type="datetimeFigureOut">
               <a:rPr lang="en-US" smtClean="0"/>
-              <a:t>3/4/2025</a:t>
+              <a:t>10/2/25</a:t>
             </a:fld>
             <a:endParaRPr lang="en-US"/>
           </a:p>
@@ -2096,7 +2106,7 @@
           <a:p>
             <a:fld id="{0A6D8198-5E84-42E5-B652-6051AD6779DA}" type="datetimeFigureOut">
               <a:rPr lang="en-US" smtClean="0"/>
-              <a:t>3/4/2025</a:t>
+              <a:t>10/2/25</a:t>
             </a:fld>
             <a:endParaRPr lang="en-US"/>
           </a:p>
@@ -2204,8 +2214,8 @@
         </p:nvSpPr>
         <p:spPr>
           <a:xfrm>
-            <a:off x="839788" y="457200"/>
-            <a:ext cx="3932237" cy="1600200"/>
+            <a:off x="839790" y="457200"/>
+            <a:ext cx="3932238" cy="1600200"/>
           </a:xfrm>
         </p:spPr>
         <p:txBody>
@@ -2241,7 +2251,7 @@
         </p:nvSpPr>
         <p:spPr>
           <a:xfrm>
-            <a:off x="5183188" y="987425"/>
+            <a:off x="5183189" y="987425"/>
             <a:ext cx="6172200" cy="4873625"/>
           </a:xfrm>
         </p:spPr>
@@ -2331,8 +2341,8 @@
         </p:nvSpPr>
         <p:spPr>
           <a:xfrm>
-            <a:off x="839788" y="2057400"/>
-            <a:ext cx="3932237" cy="3811588"/>
+            <a:off x="839790" y="2057400"/>
+            <a:ext cx="3932238" cy="3811588"/>
           </a:xfrm>
         </p:spPr>
         <p:txBody>
@@ -2407,7 +2417,7 @@
           <a:p>
             <a:fld id="{0A6D8198-5E84-42E5-B652-6051AD6779DA}" type="datetimeFigureOut">
               <a:rPr lang="en-US" smtClean="0"/>
-              <a:t>3/4/2025</a:t>
+              <a:t>10/2/25</a:t>
             </a:fld>
             <a:endParaRPr lang="en-US"/>
           </a:p>
@@ -2515,8 +2525,8 @@
         </p:nvSpPr>
         <p:spPr>
           <a:xfrm>
-            <a:off x="839788" y="457200"/>
-            <a:ext cx="3932237" cy="1600200"/>
+            <a:off x="839790" y="457200"/>
+            <a:ext cx="3932238" cy="1600200"/>
           </a:xfrm>
         </p:spPr>
         <p:txBody>
@@ -2552,7 +2562,7 @@
         </p:nvSpPr>
         <p:spPr>
           <a:xfrm>
-            <a:off x="5183188" y="987425"/>
+            <a:off x="5183189" y="987425"/>
             <a:ext cx="6172200" cy="4873625"/>
           </a:xfrm>
         </p:spPr>
@@ -2619,8 +2629,8 @@
         </p:nvSpPr>
         <p:spPr>
           <a:xfrm>
-            <a:off x="839788" y="2057400"/>
-            <a:ext cx="3932237" cy="3811588"/>
+            <a:off x="839790" y="2057400"/>
+            <a:ext cx="3932238" cy="3811588"/>
           </a:xfrm>
         </p:spPr>
         <p:txBody>
@@ -2695,7 +2705,7 @@
           <a:p>
             <a:fld id="{0A6D8198-5E84-42E5-B652-6051AD6779DA}" type="datetimeFigureOut">
               <a:rPr lang="en-US" smtClean="0"/>
-              <a:t>3/4/2025</a:t>
+              <a:t>10/2/25</a:t>
             </a:fld>
             <a:endParaRPr lang="en-US"/>
           </a:p>
@@ -2808,7 +2818,7 @@
         </p:nvSpPr>
         <p:spPr>
           <a:xfrm>
-            <a:off x="838200" y="365125"/>
+            <a:off x="838200" y="365126"/>
             <a:ext cx="10515600" cy="1325563"/>
           </a:xfrm>
           <a:prstGeom prst="rect">
@@ -2936,7 +2946,7 @@
           <a:p>
             <a:fld id="{0A6D8198-5E84-42E5-B652-6051AD6779DA}" type="datetimeFigureOut">
               <a:rPr lang="en-US" smtClean="0"/>
-              <a:t>3/4/2025</a:t>
+              <a:t>10/2/25</a:t>
             </a:fld>
             <a:endParaRPr lang="en-US"/>
           </a:p>
@@ -3353,171 +3363,192 @@
           <a:chExt cx="0" cy="0"/>
         </a:xfrm>
       </p:grpSpPr>
-      <p:pic>
-        <p:nvPicPr>
-          <p:cNvPr id="13" name="Picture 12" descr="A close up of a hand holding a cup&#10;&#10;AI-generated content may be incorrect.">
-            <a:extLst>
-              <a:ext uri="{FF2B5EF4-FFF2-40B4-BE49-F238E27FC236}">
-                <a16:creationId xmlns:a16="http://schemas.microsoft.com/office/drawing/2014/main" id="{EE5D9398-82A8-1CB0-483D-070508AEEDA9}"/>
-              </a:ext>
-            </a:extLst>
-          </p:cNvPr>
-          <p:cNvPicPr>
-            <a:picLocks noChangeAspect="1"/>
-          </p:cNvPicPr>
+      <p:grpSp>
+        <p:nvGrpSpPr>
+          <p:cNvPr id="2" name="Group 1">
+            <a:extLst>
+              <a:ext uri="{FF2B5EF4-FFF2-40B4-BE49-F238E27FC236}">
+                <a16:creationId xmlns:a16="http://schemas.microsoft.com/office/drawing/2014/main" id="{70918061-B0D7-AE5E-3E6B-BEA5CFB0FE61}"/>
+              </a:ext>
+            </a:extLst>
+          </p:cNvPr>
+          <p:cNvGrpSpPr/>
           <p:nvPr/>
-        </p:nvPicPr>
-        <p:blipFill>
-          <a:blip r:embed="rId2">
-            <a:extLst>
-              <a:ext uri="{28A0092B-C50C-407E-A947-70E740481C1C}">
-                <a14:useLocalDpi xmlns:a14="http://schemas.microsoft.com/office/drawing/2010/main" val="0"/>
-              </a:ext>
-            </a:extLst>
-          </a:blip>
-          <a:srcRect r="1929" b="36657"/>
-          <a:stretch/>
-        </p:blipFill>
-        <p:spPr>
+        </p:nvGrpSpPr>
+        <p:grpSpPr>
           <a:xfrm>
-            <a:off x="109713" y="816852"/>
-            <a:ext cx="5729008" cy="2420482"/>
+            <a:off x="90768" y="816852"/>
+            <a:ext cx="11750406" cy="5418971"/>
+            <a:chOff x="90768" y="816852"/>
+            <a:chExt cx="11750406" cy="5418971"/>
           </a:xfrm>
-          <a:prstGeom prst="rect">
-            <a:avLst/>
-          </a:prstGeom>
-          <a:ln>
-            <a:noFill/>
-          </a:ln>
-          <a:effectLst>
-            <a:outerShdw blurRad="292100" dist="139700" dir="2700000" algn="tl" rotWithShape="0">
-              <a:srgbClr val="333333">
-                <a:alpha val="65000"/>
-              </a:srgbClr>
-            </a:outerShdw>
-          </a:effectLst>
-        </p:spPr>
-      </p:pic>
-      <p:pic>
-        <p:nvPicPr>
-          <p:cNvPr id="7" name="Picture 6">
-            <a:extLst>
-              <a:ext uri="{FF2B5EF4-FFF2-40B4-BE49-F238E27FC236}">
-                <a16:creationId xmlns:a16="http://schemas.microsoft.com/office/drawing/2014/main" id="{521C36AF-33EA-5701-D182-FA0F516B4543}"/>
-              </a:ext>
-            </a:extLst>
-          </p:cNvPr>
-          <p:cNvPicPr>
-            <a:picLocks noChangeAspect="1"/>
-          </p:cNvPicPr>
-          <p:nvPr/>
-        </p:nvPicPr>
-        <p:blipFill>
-          <a:blip r:embed="rId3"/>
-          <a:stretch>
-            <a:fillRect/>
-          </a:stretch>
-        </p:blipFill>
-        <p:spPr>
-          <a:xfrm>
-            <a:off x="5725810" y="1232944"/>
-            <a:ext cx="6115364" cy="2387723"/>
-          </a:xfrm>
-          <a:prstGeom prst="rect">
-            <a:avLst/>
-          </a:prstGeom>
-          <a:ln>
-            <a:noFill/>
-          </a:ln>
-          <a:effectLst>
-            <a:outerShdw blurRad="292100" dist="139700" dir="2700000" algn="tl" rotWithShape="0">
-              <a:srgbClr val="333333">
-                <a:alpha val="65000"/>
-              </a:srgbClr>
-            </a:outerShdw>
-          </a:effectLst>
-        </p:spPr>
-      </p:pic>
-      <p:pic>
-        <p:nvPicPr>
-          <p:cNvPr id="11" name="Picture 10">
-            <a:extLst>
-              <a:ext uri="{FF2B5EF4-FFF2-40B4-BE49-F238E27FC236}">
-                <a16:creationId xmlns:a16="http://schemas.microsoft.com/office/drawing/2014/main" id="{BA8404E0-D292-FBC7-E78E-2FDD4390266A}"/>
-              </a:ext>
-            </a:extLst>
-          </p:cNvPr>
-          <p:cNvPicPr>
-            <a:picLocks noChangeAspect="1"/>
-          </p:cNvPicPr>
-          <p:nvPr/>
-        </p:nvPicPr>
-        <p:blipFill>
-          <a:blip r:embed="rId4"/>
-          <a:stretch>
-            <a:fillRect/>
-          </a:stretch>
-        </p:blipFill>
-        <p:spPr>
-          <a:xfrm>
-            <a:off x="90768" y="3281571"/>
-            <a:ext cx="5747953" cy="2235315"/>
-          </a:xfrm>
-          <a:prstGeom prst="rect">
-            <a:avLst/>
-          </a:prstGeom>
-          <a:ln>
-            <a:noFill/>
-          </a:ln>
-          <a:effectLst>
-            <a:outerShdw blurRad="292100" dist="139700" dir="2700000" algn="tl" rotWithShape="0">
-              <a:srgbClr val="333333">
-                <a:alpha val="65000"/>
-              </a:srgbClr>
-            </a:outerShdw>
-          </a:effectLst>
-        </p:spPr>
-      </p:pic>
-      <p:pic>
-        <p:nvPicPr>
-          <p:cNvPr id="6" name="Picture 5">
-            <a:extLst>
-              <a:ext uri="{FF2B5EF4-FFF2-40B4-BE49-F238E27FC236}">
-                <a16:creationId xmlns:a16="http://schemas.microsoft.com/office/drawing/2014/main" id="{10A75B0A-3B92-F829-17BF-F2C349985E36}"/>
-              </a:ext>
-            </a:extLst>
-          </p:cNvPr>
-          <p:cNvPicPr>
-            <a:picLocks noChangeAspect="1"/>
-          </p:cNvPicPr>
-          <p:nvPr/>
-        </p:nvPicPr>
-        <p:blipFill>
-          <a:blip r:embed="rId5"/>
-          <a:stretch>
-            <a:fillRect/>
-          </a:stretch>
-        </p:blipFill>
-        <p:spPr>
-          <a:xfrm>
-            <a:off x="5817890" y="3759194"/>
-            <a:ext cx="5931205" cy="2476627"/>
-          </a:xfrm>
-          <a:prstGeom prst="rect">
-            <a:avLst/>
-          </a:prstGeom>
-          <a:ln>
-            <a:noFill/>
-          </a:ln>
-          <a:effectLst>
-            <a:outerShdw blurRad="292100" dist="139700" dir="2700000" algn="tl" rotWithShape="0">
-              <a:srgbClr val="333333">
-                <a:alpha val="65000"/>
-              </a:srgbClr>
-            </a:outerShdw>
-          </a:effectLst>
-        </p:spPr>
-      </p:pic>
+        </p:grpSpPr>
+        <p:pic>
+          <p:nvPicPr>
+            <p:cNvPr id="13" name="Picture 12" descr="A close up of a hand holding a cup&#10;&#10;AI-generated content may be incorrect.">
+              <a:extLst>
+                <a:ext uri="{FF2B5EF4-FFF2-40B4-BE49-F238E27FC236}">
+                  <a16:creationId xmlns:a16="http://schemas.microsoft.com/office/drawing/2014/main" id="{EE5D9398-82A8-1CB0-483D-070508AEEDA9}"/>
+                </a:ext>
+              </a:extLst>
+            </p:cNvPr>
+            <p:cNvPicPr>
+              <a:picLocks noChangeAspect="1"/>
+            </p:cNvPicPr>
+            <p:nvPr/>
+          </p:nvPicPr>
+          <p:blipFill>
+            <a:blip r:embed="rId2">
+              <a:extLst>
+                <a:ext uri="{28A0092B-C50C-407E-A947-70E740481C1C}">
+                  <a14:useLocalDpi xmlns:a14="http://schemas.microsoft.com/office/drawing/2010/main" val="0"/>
+                </a:ext>
+              </a:extLst>
+            </a:blip>
+            <a:srcRect r="1929" b="36657"/>
+            <a:stretch/>
+          </p:blipFill>
+          <p:spPr>
+            <a:xfrm>
+              <a:off x="109713" y="816852"/>
+              <a:ext cx="5729008" cy="2420482"/>
+            </a:xfrm>
+            <a:prstGeom prst="rect">
+              <a:avLst/>
+            </a:prstGeom>
+            <a:ln>
+              <a:noFill/>
+            </a:ln>
+            <a:effectLst>
+              <a:outerShdw blurRad="292100" dist="139700" dir="2700000" algn="tl" rotWithShape="0">
+                <a:srgbClr val="333333">
+                  <a:alpha val="65000"/>
+                </a:srgbClr>
+              </a:outerShdw>
+            </a:effectLst>
+          </p:spPr>
+        </p:pic>
+        <p:pic>
+          <p:nvPicPr>
+            <p:cNvPr id="7" name="Picture 6">
+              <a:extLst>
+                <a:ext uri="{FF2B5EF4-FFF2-40B4-BE49-F238E27FC236}">
+                  <a16:creationId xmlns:a16="http://schemas.microsoft.com/office/drawing/2014/main" id="{521C36AF-33EA-5701-D182-FA0F516B4543}"/>
+                </a:ext>
+              </a:extLst>
+            </p:cNvPr>
+            <p:cNvPicPr>
+              <a:picLocks noChangeAspect="1"/>
+            </p:cNvPicPr>
+            <p:nvPr/>
+          </p:nvPicPr>
+          <p:blipFill>
+            <a:blip r:embed="rId3"/>
+            <a:stretch>
+              <a:fillRect/>
+            </a:stretch>
+          </p:blipFill>
+          <p:spPr>
+            <a:xfrm>
+              <a:off x="5725810" y="1232946"/>
+              <a:ext cx="6115364" cy="2387723"/>
+            </a:xfrm>
+            <a:prstGeom prst="rect">
+              <a:avLst/>
+            </a:prstGeom>
+            <a:ln>
+              <a:noFill/>
+            </a:ln>
+            <a:effectLst>
+              <a:outerShdw blurRad="292100" dist="139700" dir="2700000" algn="tl" rotWithShape="0">
+                <a:srgbClr val="333333">
+                  <a:alpha val="65000"/>
+                </a:srgbClr>
+              </a:outerShdw>
+            </a:effectLst>
+          </p:spPr>
+        </p:pic>
+        <p:pic>
+          <p:nvPicPr>
+            <p:cNvPr id="11" name="Picture 10">
+              <a:extLst>
+                <a:ext uri="{FF2B5EF4-FFF2-40B4-BE49-F238E27FC236}">
+                  <a16:creationId xmlns:a16="http://schemas.microsoft.com/office/drawing/2014/main" id="{BA8404E0-D292-FBC7-E78E-2FDD4390266A}"/>
+                </a:ext>
+              </a:extLst>
+            </p:cNvPr>
+            <p:cNvPicPr>
+              <a:picLocks noChangeAspect="1"/>
+            </p:cNvPicPr>
+            <p:nvPr/>
+          </p:nvPicPr>
+          <p:blipFill>
+            <a:blip r:embed="rId4"/>
+            <a:stretch>
+              <a:fillRect/>
+            </a:stretch>
+          </p:blipFill>
+          <p:spPr>
+            <a:xfrm>
+              <a:off x="90768" y="3281571"/>
+              <a:ext cx="5747953" cy="2235315"/>
+            </a:xfrm>
+            <a:prstGeom prst="rect">
+              <a:avLst/>
+            </a:prstGeom>
+            <a:ln>
+              <a:noFill/>
+            </a:ln>
+            <a:effectLst>
+              <a:outerShdw blurRad="292100" dist="139700" dir="2700000" algn="tl" rotWithShape="0">
+                <a:srgbClr val="333333">
+                  <a:alpha val="65000"/>
+                </a:srgbClr>
+              </a:outerShdw>
+            </a:effectLst>
+          </p:spPr>
+        </p:pic>
+        <p:pic>
+          <p:nvPicPr>
+            <p:cNvPr id="6" name="Picture 5">
+              <a:extLst>
+                <a:ext uri="{FF2B5EF4-FFF2-40B4-BE49-F238E27FC236}">
+                  <a16:creationId xmlns:a16="http://schemas.microsoft.com/office/drawing/2014/main" id="{10A75B0A-3B92-F829-17BF-F2C349985E36}"/>
+                </a:ext>
+              </a:extLst>
+            </p:cNvPr>
+            <p:cNvPicPr>
+              <a:picLocks noChangeAspect="1"/>
+            </p:cNvPicPr>
+            <p:nvPr/>
+          </p:nvPicPr>
+          <p:blipFill>
+            <a:blip r:embed="rId5"/>
+            <a:stretch>
+              <a:fillRect/>
+            </a:stretch>
+          </p:blipFill>
+          <p:spPr>
+            <a:xfrm>
+              <a:off x="5817892" y="3759196"/>
+              <a:ext cx="5931205" cy="2476627"/>
+            </a:xfrm>
+            <a:prstGeom prst="rect">
+              <a:avLst/>
+            </a:prstGeom>
+            <a:ln>
+              <a:noFill/>
+            </a:ln>
+            <a:effectLst>
+              <a:outerShdw blurRad="292100" dist="139700" dir="2700000" algn="tl" rotWithShape="0">
+                <a:srgbClr val="333333">
+                  <a:alpha val="65000"/>
+                </a:srgbClr>
+              </a:outerShdw>
+            </a:effectLst>
+          </p:spPr>
+        </p:pic>
+      </p:grpSp>
     </p:spTree>
     <p:extLst>
       <p:ext uri="{BB962C8B-B14F-4D97-AF65-F5344CB8AC3E}">
@@ -3568,6 +3599,1620 @@
         </p:nvSpPr>
         <p:spPr>
           <a:xfrm>
+            <a:off x="84898" y="97301"/>
+            <a:ext cx="2846832" cy="2825496"/>
+          </a:xfrm>
+          <a:prstGeom prst="ellipse">
+            <a:avLst/>
+          </a:prstGeom>
+          <a:solidFill>
+            <a:schemeClr val="tx2">
+              <a:lumMod val="25000"/>
+              <a:lumOff val="75000"/>
+              <a:alpha val="52157"/>
+            </a:schemeClr>
+          </a:solidFill>
+          <a:ln w="28575">
+            <a:solidFill>
+              <a:srgbClr val="0B76A0"/>
+            </a:solidFill>
+          </a:ln>
+        </p:spPr>
+        <p:style>
+          <a:lnRef idx="2">
+            <a:schemeClr val="accent1">
+              <a:shade val="15000"/>
+            </a:schemeClr>
+          </a:lnRef>
+          <a:fillRef idx="1">
+            <a:schemeClr val="accent1"/>
+          </a:fillRef>
+          <a:effectRef idx="0">
+            <a:schemeClr val="accent1"/>
+          </a:effectRef>
+          <a:fontRef idx="minor">
+            <a:schemeClr val="lt1"/>
+          </a:fontRef>
+        </p:style>
+        <p:txBody>
+          <a:bodyPr rtlCol="0" anchor="ctr"/>
+          <a:lstStyle/>
+          <a:p>
+            <a:pPr algn="ctr"/>
+            <a:endParaRPr lang="en-US">
+              <a:solidFill>
+                <a:srgbClr val="E5EEF3"/>
+              </a:solidFill>
+              <a:latin typeface="Arial" panose="020B0604020202020204" pitchFamily="34" charset="0"/>
+              <a:cs typeface="Arial" panose="020B0604020202020204" pitchFamily="34" charset="0"/>
+            </a:endParaRPr>
+          </a:p>
+        </p:txBody>
+      </p:sp>
+      <p:sp>
+        <p:nvSpPr>
+          <p:cNvPr id="3" name="Oval 2">
+            <a:extLst>
+              <a:ext uri="{FF2B5EF4-FFF2-40B4-BE49-F238E27FC236}">
+                <a16:creationId xmlns:a16="http://schemas.microsoft.com/office/drawing/2014/main" id="{B08C789C-94F0-12F8-01F0-9A4AE08217FD}"/>
+              </a:ext>
+            </a:extLst>
+          </p:cNvPr>
+          <p:cNvSpPr/>
+          <p:nvPr/>
+        </p:nvSpPr>
+        <p:spPr>
+          <a:xfrm>
+            <a:off x="2056465" y="97301"/>
+            <a:ext cx="2846832" cy="2825496"/>
+          </a:xfrm>
+          <a:prstGeom prst="ellipse">
+            <a:avLst/>
+          </a:prstGeom>
+          <a:solidFill>
+            <a:schemeClr val="accent3">
+              <a:lumMod val="40000"/>
+              <a:lumOff val="60000"/>
+              <a:alpha val="52157"/>
+            </a:schemeClr>
+          </a:solidFill>
+          <a:ln w="28575">
+            <a:solidFill>
+              <a:schemeClr val="accent6">
+                <a:lumMod val="75000"/>
+              </a:schemeClr>
+            </a:solidFill>
+          </a:ln>
+        </p:spPr>
+        <p:style>
+          <a:lnRef idx="2">
+            <a:schemeClr val="accent1">
+              <a:shade val="15000"/>
+            </a:schemeClr>
+          </a:lnRef>
+          <a:fillRef idx="1">
+            <a:schemeClr val="accent1"/>
+          </a:fillRef>
+          <a:effectRef idx="0">
+            <a:schemeClr val="accent1"/>
+          </a:effectRef>
+          <a:fontRef idx="minor">
+            <a:schemeClr val="lt1"/>
+          </a:fontRef>
+        </p:style>
+        <p:txBody>
+          <a:bodyPr rtlCol="0" anchor="ctr"/>
+          <a:lstStyle/>
+          <a:p>
+            <a:pPr algn="ctr"/>
+            <a:endParaRPr lang="en-US">
+              <a:solidFill>
+                <a:srgbClr val="002B43"/>
+              </a:solidFill>
+              <a:latin typeface="Arial" panose="020B0604020202020204" pitchFamily="34" charset="0"/>
+              <a:cs typeface="Arial" panose="020B0604020202020204" pitchFamily="34" charset="0"/>
+            </a:endParaRPr>
+          </a:p>
+        </p:txBody>
+      </p:sp>
+      <p:sp>
+        <p:nvSpPr>
+          <p:cNvPr id="4" name="Oval 3">
+            <a:extLst>
+              <a:ext uri="{FF2B5EF4-FFF2-40B4-BE49-F238E27FC236}">
+                <a16:creationId xmlns:a16="http://schemas.microsoft.com/office/drawing/2014/main" id="{97CF634B-8DAD-4F27-8293-DDD2E8B6DF27}"/>
+              </a:ext>
+            </a:extLst>
+          </p:cNvPr>
+          <p:cNvSpPr/>
+          <p:nvPr/>
+        </p:nvSpPr>
+        <p:spPr>
+          <a:xfrm>
+            <a:off x="1096097" y="1255626"/>
+            <a:ext cx="2846832" cy="2825496"/>
+          </a:xfrm>
+          <a:prstGeom prst="ellipse">
+            <a:avLst/>
+          </a:prstGeom>
+          <a:solidFill>
+            <a:srgbClr val="D86ECC">
+              <a:alpha val="29020"/>
+            </a:srgbClr>
+          </a:solidFill>
+          <a:ln w="28575">
+            <a:solidFill>
+              <a:schemeClr val="accent5">
+                <a:lumMod val="75000"/>
+              </a:schemeClr>
+            </a:solidFill>
+          </a:ln>
+        </p:spPr>
+        <p:style>
+          <a:lnRef idx="2">
+            <a:schemeClr val="accent1">
+              <a:shade val="15000"/>
+            </a:schemeClr>
+          </a:lnRef>
+          <a:fillRef idx="1">
+            <a:schemeClr val="accent1"/>
+          </a:fillRef>
+          <a:effectRef idx="0">
+            <a:schemeClr val="accent1"/>
+          </a:effectRef>
+          <a:fontRef idx="minor">
+            <a:schemeClr val="lt1"/>
+          </a:fontRef>
+        </p:style>
+        <p:txBody>
+          <a:bodyPr rtlCol="0" anchor="ctr"/>
+          <a:lstStyle/>
+          <a:p>
+            <a:pPr algn="ctr"/>
+            <a:endParaRPr lang="en-US">
+              <a:solidFill>
+                <a:srgbClr val="002B43"/>
+              </a:solidFill>
+              <a:latin typeface="Arial" panose="020B0604020202020204" pitchFamily="34" charset="0"/>
+              <a:cs typeface="Arial" panose="020B0604020202020204" pitchFamily="34" charset="0"/>
+            </a:endParaRPr>
+          </a:p>
+        </p:txBody>
+      </p:sp>
+      <p:sp>
+        <p:nvSpPr>
+          <p:cNvPr id="5" name="TextBox 4">
+            <a:extLst>
+              <a:ext uri="{FF2B5EF4-FFF2-40B4-BE49-F238E27FC236}">
+                <a16:creationId xmlns:a16="http://schemas.microsoft.com/office/drawing/2014/main" id="{A4A7C05A-3816-67DB-3215-1B1E4AA518C8}"/>
+              </a:ext>
+            </a:extLst>
+          </p:cNvPr>
+          <p:cNvSpPr txBox="1"/>
+          <p:nvPr/>
+        </p:nvSpPr>
+        <p:spPr>
+          <a:xfrm>
+            <a:off x="2095357" y="1428699"/>
+            <a:ext cx="914758" cy="584775"/>
+          </a:xfrm>
+          <a:prstGeom prst="rect">
+            <a:avLst/>
+          </a:prstGeom>
+          <a:noFill/>
+        </p:spPr>
+        <p:txBody>
+          <a:bodyPr wrap="square" rtlCol="0">
+            <a:spAutoFit/>
+          </a:bodyPr>
+          <a:lstStyle/>
+          <a:p>
+            <a:r>
+              <a:rPr lang="en-US" sz="1600" b="1" dirty="0">
+                <a:solidFill>
+                  <a:schemeClr val="bg1"/>
+                </a:solidFill>
+                <a:latin typeface="Arial" panose="020B0604020202020204" pitchFamily="34" charset="0"/>
+                <a:cs typeface="Arial" panose="020B0604020202020204" pitchFamily="34" charset="0"/>
+              </a:rPr>
+              <a:t>Health equity</a:t>
+            </a:r>
+          </a:p>
+        </p:txBody>
+      </p:sp>
+      <p:sp>
+        <p:nvSpPr>
+          <p:cNvPr id="6" name="TextBox 5">
+            <a:extLst>
+              <a:ext uri="{FF2B5EF4-FFF2-40B4-BE49-F238E27FC236}">
+                <a16:creationId xmlns:a16="http://schemas.microsoft.com/office/drawing/2014/main" id="{BFE42307-8CA6-4709-E9BC-BA74EADC3C9D}"/>
+              </a:ext>
+            </a:extLst>
+          </p:cNvPr>
+          <p:cNvSpPr txBox="1"/>
+          <p:nvPr/>
+        </p:nvSpPr>
+        <p:spPr>
+          <a:xfrm>
+            <a:off x="2850463" y="787088"/>
+            <a:ext cx="1886464" cy="646331"/>
+          </a:xfrm>
+          <a:prstGeom prst="rect">
+            <a:avLst/>
+          </a:prstGeom>
+          <a:noFill/>
+        </p:spPr>
+        <p:txBody>
+          <a:bodyPr wrap="square" rtlCol="0">
+            <a:spAutoFit/>
+          </a:bodyPr>
+          <a:lstStyle/>
+          <a:p>
+            <a:pPr algn="ctr"/>
+            <a:r>
+              <a:rPr lang="en-US" b="1" dirty="0">
+                <a:solidFill>
+                  <a:srgbClr val="002B43"/>
+                </a:solidFill>
+                <a:latin typeface="Arial" panose="020B0604020202020204" pitchFamily="34" charset="0"/>
+                <a:cs typeface="Arial" panose="020B0604020202020204" pitchFamily="34" charset="0"/>
+              </a:rPr>
+              <a:t>Modifiable risk factors</a:t>
+            </a:r>
+          </a:p>
+        </p:txBody>
+      </p:sp>
+      <p:sp>
+        <p:nvSpPr>
+          <p:cNvPr id="7" name="TextBox 6">
+            <a:extLst>
+              <a:ext uri="{FF2B5EF4-FFF2-40B4-BE49-F238E27FC236}">
+                <a16:creationId xmlns:a16="http://schemas.microsoft.com/office/drawing/2014/main" id="{7632447D-CAC6-3BBE-DFE9-40B4A0C169A3}"/>
+              </a:ext>
+            </a:extLst>
+          </p:cNvPr>
+          <p:cNvSpPr txBox="1"/>
+          <p:nvPr/>
+        </p:nvSpPr>
+        <p:spPr>
+          <a:xfrm>
+            <a:off x="234132" y="787088"/>
+            <a:ext cx="1886464" cy="646331"/>
+          </a:xfrm>
+          <a:prstGeom prst="rect">
+            <a:avLst/>
+          </a:prstGeom>
+          <a:noFill/>
+        </p:spPr>
+        <p:txBody>
+          <a:bodyPr wrap="square" rtlCol="0">
+            <a:spAutoFit/>
+          </a:bodyPr>
+          <a:lstStyle/>
+          <a:p>
+            <a:pPr algn="ctr"/>
+            <a:r>
+              <a:rPr lang="en-US" b="1" dirty="0">
+                <a:solidFill>
+                  <a:srgbClr val="002B43"/>
+                </a:solidFill>
+                <a:latin typeface="Arial" panose="020B0604020202020204" pitchFamily="34" charset="0"/>
+                <a:cs typeface="Arial" panose="020B0604020202020204" pitchFamily="34" charset="0"/>
+              </a:rPr>
+              <a:t>Epidemiologic methods</a:t>
+            </a:r>
+          </a:p>
+        </p:txBody>
+      </p:sp>
+      <p:sp>
+        <p:nvSpPr>
+          <p:cNvPr id="8" name="TextBox 7">
+            <a:extLst>
+              <a:ext uri="{FF2B5EF4-FFF2-40B4-BE49-F238E27FC236}">
+                <a16:creationId xmlns:a16="http://schemas.microsoft.com/office/drawing/2014/main" id="{BB955CB9-19D7-9A6A-A9EF-765E1B9D540C}"/>
+              </a:ext>
+            </a:extLst>
+          </p:cNvPr>
+          <p:cNvSpPr txBox="1"/>
+          <p:nvPr/>
+        </p:nvSpPr>
+        <p:spPr>
+          <a:xfrm>
+            <a:off x="1621020" y="2928567"/>
+            <a:ext cx="1863432" cy="646331"/>
+          </a:xfrm>
+          <a:prstGeom prst="rect">
+            <a:avLst/>
+          </a:prstGeom>
+          <a:noFill/>
+        </p:spPr>
+        <p:txBody>
+          <a:bodyPr wrap="square" rtlCol="0">
+            <a:spAutoFit/>
+          </a:bodyPr>
+          <a:lstStyle/>
+          <a:p>
+            <a:pPr algn="ctr"/>
+            <a:r>
+              <a:rPr lang="en-US" b="1" dirty="0">
+                <a:solidFill>
+                  <a:srgbClr val="002B43"/>
+                </a:solidFill>
+                <a:latin typeface="Arial" panose="020B0604020202020204" pitchFamily="34" charset="0"/>
+                <a:cs typeface="Arial" panose="020B0604020202020204" pitchFamily="34" charset="0"/>
+              </a:rPr>
+              <a:t>Aging-relevant outcomes</a:t>
+            </a:r>
+          </a:p>
+        </p:txBody>
+      </p:sp>
+    </p:spTree>
+    <p:extLst>
+      <p:ext uri="{BB962C8B-B14F-4D97-AF65-F5344CB8AC3E}">
+        <p14:creationId xmlns:p14="http://schemas.microsoft.com/office/powerpoint/2010/main" val="2297048106"/>
+      </p:ext>
+    </p:extLst>
+  </p:cSld>
+  <p:clrMapOvr>
+    <a:masterClrMapping/>
+  </p:clrMapOvr>
+</p:sld>
+</file>
+
+<file path=ppt/slides/slide11.xml><?xml version="1.0" encoding="utf-8"?>
+<p:sld xmlns:a="http://schemas.openxmlformats.org/drawingml/2006/main" xmlns:r="http://schemas.openxmlformats.org/officeDocument/2006/relationships" xmlns:p="http://schemas.openxmlformats.org/presentationml/2006/main">
+  <p:cSld>
+    <p:spTree>
+      <p:nvGrpSpPr>
+        <p:cNvPr id="1" name="">
+          <a:extLst>
+            <a:ext uri="{FF2B5EF4-FFF2-40B4-BE49-F238E27FC236}">
+              <a16:creationId xmlns:a16="http://schemas.microsoft.com/office/drawing/2014/main" id="{C020DC54-B63A-1A26-AFC2-D8C1F2C95DF8}"/>
+            </a:ext>
+          </a:extLst>
+        </p:cNvPr>
+        <p:cNvGrpSpPr/>
+        <p:nvPr/>
+      </p:nvGrpSpPr>
+      <p:grpSpPr>
+        <a:xfrm>
+          <a:off x="0" y="0"/>
+          <a:ext cx="0" cy="0"/>
+          <a:chOff x="0" y="0"/>
+          <a:chExt cx="0" cy="0"/>
+        </a:xfrm>
+      </p:grpSpPr>
+      <p:sp>
+        <p:nvSpPr>
+          <p:cNvPr id="2" name="Oval 1">
+            <a:extLst>
+              <a:ext uri="{FF2B5EF4-FFF2-40B4-BE49-F238E27FC236}">
+                <a16:creationId xmlns:a16="http://schemas.microsoft.com/office/drawing/2014/main" id="{79D3B820-1F0D-381A-1647-E4CAD803BF7B}"/>
+              </a:ext>
+            </a:extLst>
+          </p:cNvPr>
+          <p:cNvSpPr/>
+          <p:nvPr/>
+        </p:nvSpPr>
+        <p:spPr>
+          <a:xfrm>
+            <a:off x="84898" y="97301"/>
+            <a:ext cx="2846832" cy="2825496"/>
+          </a:xfrm>
+          <a:prstGeom prst="ellipse">
+            <a:avLst/>
+          </a:prstGeom>
+          <a:solidFill>
+            <a:schemeClr val="tx2">
+              <a:lumMod val="25000"/>
+              <a:lumOff val="75000"/>
+              <a:alpha val="52157"/>
+            </a:schemeClr>
+          </a:solidFill>
+          <a:ln w="28575">
+            <a:solidFill>
+              <a:srgbClr val="0B76A0"/>
+            </a:solidFill>
+          </a:ln>
+        </p:spPr>
+        <p:style>
+          <a:lnRef idx="2">
+            <a:schemeClr val="accent1">
+              <a:shade val="15000"/>
+            </a:schemeClr>
+          </a:lnRef>
+          <a:fillRef idx="1">
+            <a:schemeClr val="accent1"/>
+          </a:fillRef>
+          <a:effectRef idx="0">
+            <a:schemeClr val="accent1"/>
+          </a:effectRef>
+          <a:fontRef idx="minor">
+            <a:schemeClr val="lt1"/>
+          </a:fontRef>
+        </p:style>
+        <p:txBody>
+          <a:bodyPr rtlCol="0" anchor="ctr"/>
+          <a:lstStyle/>
+          <a:p>
+            <a:pPr algn="ctr"/>
+            <a:endParaRPr lang="en-US">
+              <a:solidFill>
+                <a:srgbClr val="E5EEF3"/>
+              </a:solidFill>
+              <a:latin typeface="Arial" panose="020B0604020202020204" pitchFamily="34" charset="0"/>
+              <a:cs typeface="Arial" panose="020B0604020202020204" pitchFamily="34" charset="0"/>
+            </a:endParaRPr>
+          </a:p>
+        </p:txBody>
+      </p:sp>
+      <p:sp>
+        <p:nvSpPr>
+          <p:cNvPr id="3" name="Oval 2">
+            <a:extLst>
+              <a:ext uri="{FF2B5EF4-FFF2-40B4-BE49-F238E27FC236}">
+                <a16:creationId xmlns:a16="http://schemas.microsoft.com/office/drawing/2014/main" id="{D71BC715-ADE1-7B88-AAF8-4F113CCC9B07}"/>
+              </a:ext>
+            </a:extLst>
+          </p:cNvPr>
+          <p:cNvSpPr/>
+          <p:nvPr/>
+        </p:nvSpPr>
+        <p:spPr>
+          <a:xfrm>
+            <a:off x="2056465" y="97301"/>
+            <a:ext cx="2846832" cy="2825496"/>
+          </a:xfrm>
+          <a:prstGeom prst="ellipse">
+            <a:avLst/>
+          </a:prstGeom>
+          <a:solidFill>
+            <a:srgbClr val="000000">
+              <a:alpha val="10980"/>
+            </a:srgbClr>
+          </a:solidFill>
+          <a:ln w="28575">
+            <a:solidFill>
+              <a:schemeClr val="accent6">
+                <a:lumMod val="75000"/>
+              </a:schemeClr>
+            </a:solidFill>
+          </a:ln>
+        </p:spPr>
+        <p:style>
+          <a:lnRef idx="2">
+            <a:schemeClr val="accent1">
+              <a:shade val="15000"/>
+            </a:schemeClr>
+          </a:lnRef>
+          <a:fillRef idx="1">
+            <a:schemeClr val="accent1"/>
+          </a:fillRef>
+          <a:effectRef idx="0">
+            <a:schemeClr val="accent1"/>
+          </a:effectRef>
+          <a:fontRef idx="minor">
+            <a:schemeClr val="lt1"/>
+          </a:fontRef>
+        </p:style>
+        <p:txBody>
+          <a:bodyPr rtlCol="0" anchor="ctr"/>
+          <a:lstStyle/>
+          <a:p>
+            <a:pPr algn="ctr"/>
+            <a:endParaRPr lang="en-US">
+              <a:solidFill>
+                <a:srgbClr val="002B43"/>
+              </a:solidFill>
+              <a:latin typeface="Arial" panose="020B0604020202020204" pitchFamily="34" charset="0"/>
+              <a:cs typeface="Arial" panose="020B0604020202020204" pitchFamily="34" charset="0"/>
+            </a:endParaRPr>
+          </a:p>
+        </p:txBody>
+      </p:sp>
+      <p:sp>
+        <p:nvSpPr>
+          <p:cNvPr id="4" name="Oval 3">
+            <a:extLst>
+              <a:ext uri="{FF2B5EF4-FFF2-40B4-BE49-F238E27FC236}">
+                <a16:creationId xmlns:a16="http://schemas.microsoft.com/office/drawing/2014/main" id="{072B077A-CB3E-E414-A7AC-EE8F3F7590D1}"/>
+              </a:ext>
+            </a:extLst>
+          </p:cNvPr>
+          <p:cNvSpPr/>
+          <p:nvPr/>
+        </p:nvSpPr>
+        <p:spPr>
+          <a:xfrm>
+            <a:off x="1096097" y="1255626"/>
+            <a:ext cx="2846832" cy="2825496"/>
+          </a:xfrm>
+          <a:prstGeom prst="ellipse">
+            <a:avLst/>
+          </a:prstGeom>
+          <a:solidFill>
+            <a:srgbClr val="000000">
+              <a:alpha val="10980"/>
+            </a:srgbClr>
+          </a:solidFill>
+          <a:ln w="28575">
+            <a:solidFill>
+              <a:schemeClr val="accent5">
+                <a:lumMod val="75000"/>
+              </a:schemeClr>
+            </a:solidFill>
+          </a:ln>
+        </p:spPr>
+        <p:style>
+          <a:lnRef idx="2">
+            <a:schemeClr val="accent1">
+              <a:shade val="15000"/>
+            </a:schemeClr>
+          </a:lnRef>
+          <a:fillRef idx="1">
+            <a:schemeClr val="accent1"/>
+          </a:fillRef>
+          <a:effectRef idx="0">
+            <a:schemeClr val="accent1"/>
+          </a:effectRef>
+          <a:fontRef idx="minor">
+            <a:schemeClr val="lt1"/>
+          </a:fontRef>
+        </p:style>
+        <p:txBody>
+          <a:bodyPr rtlCol="0" anchor="ctr"/>
+          <a:lstStyle/>
+          <a:p>
+            <a:pPr algn="ctr"/>
+            <a:endParaRPr lang="en-US">
+              <a:solidFill>
+                <a:srgbClr val="002B43"/>
+              </a:solidFill>
+              <a:latin typeface="Arial" panose="020B0604020202020204" pitchFamily="34" charset="0"/>
+              <a:cs typeface="Arial" panose="020B0604020202020204" pitchFamily="34" charset="0"/>
+            </a:endParaRPr>
+          </a:p>
+        </p:txBody>
+      </p:sp>
+      <p:sp>
+        <p:nvSpPr>
+          <p:cNvPr id="5" name="TextBox 4">
+            <a:extLst>
+              <a:ext uri="{FF2B5EF4-FFF2-40B4-BE49-F238E27FC236}">
+                <a16:creationId xmlns:a16="http://schemas.microsoft.com/office/drawing/2014/main" id="{47A63D72-668F-9649-7A13-74D20B688BA9}"/>
+              </a:ext>
+            </a:extLst>
+          </p:cNvPr>
+          <p:cNvSpPr txBox="1"/>
+          <p:nvPr/>
+        </p:nvSpPr>
+        <p:spPr>
+          <a:xfrm>
+            <a:off x="2095357" y="1428699"/>
+            <a:ext cx="914758" cy="584775"/>
+          </a:xfrm>
+          <a:prstGeom prst="rect">
+            <a:avLst/>
+          </a:prstGeom>
+          <a:noFill/>
+        </p:spPr>
+        <p:txBody>
+          <a:bodyPr wrap="square" rtlCol="0">
+            <a:spAutoFit/>
+          </a:bodyPr>
+          <a:lstStyle/>
+          <a:p>
+            <a:r>
+              <a:rPr lang="en-US" sz="1600" b="1" dirty="0">
+                <a:solidFill>
+                  <a:schemeClr val="bg1"/>
+                </a:solidFill>
+                <a:latin typeface="Arial" panose="020B0604020202020204" pitchFamily="34" charset="0"/>
+                <a:cs typeface="Arial" panose="020B0604020202020204" pitchFamily="34" charset="0"/>
+              </a:rPr>
+              <a:t>Health equity</a:t>
+            </a:r>
+          </a:p>
+        </p:txBody>
+      </p:sp>
+      <p:sp>
+        <p:nvSpPr>
+          <p:cNvPr id="6" name="TextBox 5">
+            <a:extLst>
+              <a:ext uri="{FF2B5EF4-FFF2-40B4-BE49-F238E27FC236}">
+                <a16:creationId xmlns:a16="http://schemas.microsoft.com/office/drawing/2014/main" id="{1D07FB3A-3D81-3E40-72E1-F9CAB586148E}"/>
+              </a:ext>
+            </a:extLst>
+          </p:cNvPr>
+          <p:cNvSpPr txBox="1"/>
+          <p:nvPr/>
+        </p:nvSpPr>
+        <p:spPr>
+          <a:xfrm>
+            <a:off x="2850463" y="787088"/>
+            <a:ext cx="1886464" cy="646331"/>
+          </a:xfrm>
+          <a:prstGeom prst="rect">
+            <a:avLst/>
+          </a:prstGeom>
+          <a:noFill/>
+        </p:spPr>
+        <p:txBody>
+          <a:bodyPr wrap="square" rtlCol="0">
+            <a:spAutoFit/>
+          </a:bodyPr>
+          <a:lstStyle/>
+          <a:p>
+            <a:pPr algn="ctr"/>
+            <a:r>
+              <a:rPr lang="en-US" b="1" dirty="0">
+                <a:solidFill>
+                  <a:srgbClr val="002B43"/>
+                </a:solidFill>
+                <a:latin typeface="Arial" panose="020B0604020202020204" pitchFamily="34" charset="0"/>
+                <a:cs typeface="Arial" panose="020B0604020202020204" pitchFamily="34" charset="0"/>
+              </a:rPr>
+              <a:t>Modifiable risk factors</a:t>
+            </a:r>
+          </a:p>
+        </p:txBody>
+      </p:sp>
+      <p:sp>
+        <p:nvSpPr>
+          <p:cNvPr id="7" name="TextBox 6">
+            <a:extLst>
+              <a:ext uri="{FF2B5EF4-FFF2-40B4-BE49-F238E27FC236}">
+                <a16:creationId xmlns:a16="http://schemas.microsoft.com/office/drawing/2014/main" id="{CE51545D-1120-D63D-D63B-8111FBF5A566}"/>
+              </a:ext>
+            </a:extLst>
+          </p:cNvPr>
+          <p:cNvSpPr txBox="1"/>
+          <p:nvPr/>
+        </p:nvSpPr>
+        <p:spPr>
+          <a:xfrm>
+            <a:off x="234132" y="787088"/>
+            <a:ext cx="1886464" cy="646331"/>
+          </a:xfrm>
+          <a:prstGeom prst="rect">
+            <a:avLst/>
+          </a:prstGeom>
+          <a:noFill/>
+        </p:spPr>
+        <p:txBody>
+          <a:bodyPr wrap="square" rtlCol="0">
+            <a:spAutoFit/>
+          </a:bodyPr>
+          <a:lstStyle/>
+          <a:p>
+            <a:pPr algn="ctr"/>
+            <a:r>
+              <a:rPr lang="en-US" b="1" dirty="0">
+                <a:solidFill>
+                  <a:srgbClr val="002B43"/>
+                </a:solidFill>
+                <a:latin typeface="Arial" panose="020B0604020202020204" pitchFamily="34" charset="0"/>
+                <a:cs typeface="Arial" panose="020B0604020202020204" pitchFamily="34" charset="0"/>
+              </a:rPr>
+              <a:t>Epidemiologic methods</a:t>
+            </a:r>
+          </a:p>
+        </p:txBody>
+      </p:sp>
+      <p:sp>
+        <p:nvSpPr>
+          <p:cNvPr id="8" name="TextBox 7">
+            <a:extLst>
+              <a:ext uri="{FF2B5EF4-FFF2-40B4-BE49-F238E27FC236}">
+                <a16:creationId xmlns:a16="http://schemas.microsoft.com/office/drawing/2014/main" id="{2F64D73A-610E-49F5-BB09-97E65A953341}"/>
+              </a:ext>
+            </a:extLst>
+          </p:cNvPr>
+          <p:cNvSpPr txBox="1"/>
+          <p:nvPr/>
+        </p:nvSpPr>
+        <p:spPr>
+          <a:xfrm>
+            <a:off x="1621020" y="2928567"/>
+            <a:ext cx="1863432" cy="646331"/>
+          </a:xfrm>
+          <a:prstGeom prst="rect">
+            <a:avLst/>
+          </a:prstGeom>
+          <a:solidFill>
+            <a:srgbClr val="000000">
+              <a:alpha val="10980"/>
+            </a:srgbClr>
+          </a:solidFill>
+        </p:spPr>
+        <p:txBody>
+          <a:bodyPr wrap="square" rtlCol="0">
+            <a:spAutoFit/>
+          </a:bodyPr>
+          <a:lstStyle/>
+          <a:p>
+            <a:pPr algn="ctr"/>
+            <a:r>
+              <a:rPr lang="en-US" b="1" dirty="0">
+                <a:solidFill>
+                  <a:srgbClr val="002B43"/>
+                </a:solidFill>
+                <a:latin typeface="Arial" panose="020B0604020202020204" pitchFamily="34" charset="0"/>
+                <a:cs typeface="Arial" panose="020B0604020202020204" pitchFamily="34" charset="0"/>
+              </a:rPr>
+              <a:t>Aging-relevant outcomes</a:t>
+            </a:r>
+          </a:p>
+        </p:txBody>
+      </p:sp>
+    </p:spTree>
+    <p:extLst>
+      <p:ext uri="{BB962C8B-B14F-4D97-AF65-F5344CB8AC3E}">
+        <p14:creationId xmlns:p14="http://schemas.microsoft.com/office/powerpoint/2010/main" val="2608266505"/>
+      </p:ext>
+    </p:extLst>
+  </p:cSld>
+  <p:clrMapOvr>
+    <a:masterClrMapping/>
+  </p:clrMapOvr>
+</p:sld>
+</file>
+
+<file path=ppt/slides/slide12.xml><?xml version="1.0" encoding="utf-8"?>
+<p:sld xmlns:a="http://schemas.openxmlformats.org/drawingml/2006/main" xmlns:r="http://schemas.openxmlformats.org/officeDocument/2006/relationships" xmlns:p="http://schemas.openxmlformats.org/presentationml/2006/main">
+  <p:cSld>
+    <p:spTree>
+      <p:nvGrpSpPr>
+        <p:cNvPr id="1" name="">
+          <a:extLst>
+            <a:ext uri="{FF2B5EF4-FFF2-40B4-BE49-F238E27FC236}">
+              <a16:creationId xmlns:a16="http://schemas.microsoft.com/office/drawing/2014/main" id="{2A87DD62-7106-CF19-35CE-7D62A6E5A46E}"/>
+            </a:ext>
+          </a:extLst>
+        </p:cNvPr>
+        <p:cNvGrpSpPr/>
+        <p:nvPr/>
+      </p:nvGrpSpPr>
+      <p:grpSpPr>
+        <a:xfrm>
+          <a:off x="0" y="0"/>
+          <a:ext cx="0" cy="0"/>
+          <a:chOff x="0" y="0"/>
+          <a:chExt cx="0" cy="0"/>
+        </a:xfrm>
+      </p:grpSpPr>
+      <p:sp>
+        <p:nvSpPr>
+          <p:cNvPr id="2" name="Oval 1">
+            <a:extLst>
+              <a:ext uri="{FF2B5EF4-FFF2-40B4-BE49-F238E27FC236}">
+                <a16:creationId xmlns:a16="http://schemas.microsoft.com/office/drawing/2014/main" id="{01ECB09F-E2F2-A74A-B104-C11A2E6FDC7D}"/>
+              </a:ext>
+            </a:extLst>
+          </p:cNvPr>
+          <p:cNvSpPr/>
+          <p:nvPr/>
+        </p:nvSpPr>
+        <p:spPr>
+          <a:xfrm>
+            <a:off x="84898" y="97301"/>
+            <a:ext cx="2846832" cy="2825496"/>
+          </a:xfrm>
+          <a:prstGeom prst="ellipse">
+            <a:avLst/>
+          </a:prstGeom>
+          <a:solidFill>
+            <a:srgbClr val="000000">
+              <a:alpha val="9804"/>
+            </a:srgbClr>
+          </a:solidFill>
+          <a:ln w="28575">
+            <a:solidFill>
+              <a:srgbClr val="0B76A0"/>
+            </a:solidFill>
+          </a:ln>
+        </p:spPr>
+        <p:style>
+          <a:lnRef idx="2">
+            <a:schemeClr val="accent1">
+              <a:shade val="15000"/>
+            </a:schemeClr>
+          </a:lnRef>
+          <a:fillRef idx="1">
+            <a:schemeClr val="accent1"/>
+          </a:fillRef>
+          <a:effectRef idx="0">
+            <a:schemeClr val="accent1"/>
+          </a:effectRef>
+          <a:fontRef idx="minor">
+            <a:schemeClr val="lt1"/>
+          </a:fontRef>
+        </p:style>
+        <p:txBody>
+          <a:bodyPr rtlCol="0" anchor="ctr"/>
+          <a:lstStyle/>
+          <a:p>
+            <a:pPr algn="ctr"/>
+            <a:endParaRPr lang="en-US">
+              <a:solidFill>
+                <a:srgbClr val="E5EEF3"/>
+              </a:solidFill>
+              <a:latin typeface="Arial" panose="020B0604020202020204" pitchFamily="34" charset="0"/>
+              <a:cs typeface="Arial" panose="020B0604020202020204" pitchFamily="34" charset="0"/>
+            </a:endParaRPr>
+          </a:p>
+        </p:txBody>
+      </p:sp>
+      <p:sp>
+        <p:nvSpPr>
+          <p:cNvPr id="3" name="Oval 2">
+            <a:extLst>
+              <a:ext uri="{FF2B5EF4-FFF2-40B4-BE49-F238E27FC236}">
+                <a16:creationId xmlns:a16="http://schemas.microsoft.com/office/drawing/2014/main" id="{B0B1654D-77CB-E5EC-4C30-BAFEBC72460D}"/>
+              </a:ext>
+            </a:extLst>
+          </p:cNvPr>
+          <p:cNvSpPr/>
+          <p:nvPr/>
+        </p:nvSpPr>
+        <p:spPr>
+          <a:xfrm>
+            <a:off x="2056465" y="97301"/>
+            <a:ext cx="2846832" cy="2825496"/>
+          </a:xfrm>
+          <a:prstGeom prst="ellipse">
+            <a:avLst/>
+          </a:prstGeom>
+          <a:solidFill>
+            <a:schemeClr val="accent3">
+              <a:lumMod val="40000"/>
+              <a:lumOff val="60000"/>
+              <a:alpha val="52157"/>
+            </a:schemeClr>
+          </a:solidFill>
+          <a:ln w="28575">
+            <a:solidFill>
+              <a:schemeClr val="accent6">
+                <a:lumMod val="75000"/>
+              </a:schemeClr>
+            </a:solidFill>
+          </a:ln>
+        </p:spPr>
+        <p:style>
+          <a:lnRef idx="2">
+            <a:schemeClr val="accent1">
+              <a:shade val="15000"/>
+            </a:schemeClr>
+          </a:lnRef>
+          <a:fillRef idx="1">
+            <a:schemeClr val="accent1"/>
+          </a:fillRef>
+          <a:effectRef idx="0">
+            <a:schemeClr val="accent1"/>
+          </a:effectRef>
+          <a:fontRef idx="minor">
+            <a:schemeClr val="lt1"/>
+          </a:fontRef>
+        </p:style>
+        <p:txBody>
+          <a:bodyPr rtlCol="0" anchor="ctr"/>
+          <a:lstStyle/>
+          <a:p>
+            <a:pPr algn="ctr"/>
+            <a:endParaRPr lang="en-US">
+              <a:solidFill>
+                <a:srgbClr val="002B43"/>
+              </a:solidFill>
+              <a:latin typeface="Arial" panose="020B0604020202020204" pitchFamily="34" charset="0"/>
+              <a:cs typeface="Arial" panose="020B0604020202020204" pitchFamily="34" charset="0"/>
+            </a:endParaRPr>
+          </a:p>
+        </p:txBody>
+      </p:sp>
+      <p:sp>
+        <p:nvSpPr>
+          <p:cNvPr id="4" name="Oval 3">
+            <a:extLst>
+              <a:ext uri="{FF2B5EF4-FFF2-40B4-BE49-F238E27FC236}">
+                <a16:creationId xmlns:a16="http://schemas.microsoft.com/office/drawing/2014/main" id="{162D2968-F786-A9B1-B174-A40285926AA5}"/>
+              </a:ext>
+            </a:extLst>
+          </p:cNvPr>
+          <p:cNvSpPr/>
+          <p:nvPr/>
+        </p:nvSpPr>
+        <p:spPr>
+          <a:xfrm>
+            <a:off x="1096097" y="1255626"/>
+            <a:ext cx="2846832" cy="2825496"/>
+          </a:xfrm>
+          <a:prstGeom prst="ellipse">
+            <a:avLst/>
+          </a:prstGeom>
+          <a:solidFill>
+            <a:srgbClr val="000000">
+              <a:alpha val="9804"/>
+            </a:srgbClr>
+          </a:solidFill>
+          <a:ln w="28575">
+            <a:solidFill>
+              <a:schemeClr val="accent5">
+                <a:lumMod val="75000"/>
+              </a:schemeClr>
+            </a:solidFill>
+          </a:ln>
+        </p:spPr>
+        <p:style>
+          <a:lnRef idx="2">
+            <a:schemeClr val="accent1">
+              <a:shade val="15000"/>
+            </a:schemeClr>
+          </a:lnRef>
+          <a:fillRef idx="1">
+            <a:schemeClr val="accent1"/>
+          </a:fillRef>
+          <a:effectRef idx="0">
+            <a:schemeClr val="accent1"/>
+          </a:effectRef>
+          <a:fontRef idx="minor">
+            <a:schemeClr val="lt1"/>
+          </a:fontRef>
+        </p:style>
+        <p:txBody>
+          <a:bodyPr rtlCol="0" anchor="ctr"/>
+          <a:lstStyle/>
+          <a:p>
+            <a:pPr algn="ctr"/>
+            <a:endParaRPr lang="en-US">
+              <a:solidFill>
+                <a:srgbClr val="002B43"/>
+              </a:solidFill>
+              <a:latin typeface="Arial" panose="020B0604020202020204" pitchFamily="34" charset="0"/>
+              <a:cs typeface="Arial" panose="020B0604020202020204" pitchFamily="34" charset="0"/>
+            </a:endParaRPr>
+          </a:p>
+        </p:txBody>
+      </p:sp>
+      <p:sp>
+        <p:nvSpPr>
+          <p:cNvPr id="5" name="TextBox 4">
+            <a:extLst>
+              <a:ext uri="{FF2B5EF4-FFF2-40B4-BE49-F238E27FC236}">
+                <a16:creationId xmlns:a16="http://schemas.microsoft.com/office/drawing/2014/main" id="{D5E2E996-FB05-3E43-0EA4-392001524F10}"/>
+              </a:ext>
+            </a:extLst>
+          </p:cNvPr>
+          <p:cNvSpPr txBox="1"/>
+          <p:nvPr/>
+        </p:nvSpPr>
+        <p:spPr>
+          <a:xfrm>
+            <a:off x="2095357" y="1428699"/>
+            <a:ext cx="914758" cy="584775"/>
+          </a:xfrm>
+          <a:prstGeom prst="rect">
+            <a:avLst/>
+          </a:prstGeom>
+          <a:noFill/>
+        </p:spPr>
+        <p:txBody>
+          <a:bodyPr wrap="square" rtlCol="0">
+            <a:spAutoFit/>
+          </a:bodyPr>
+          <a:lstStyle/>
+          <a:p>
+            <a:r>
+              <a:rPr lang="en-US" sz="1600" b="1" dirty="0">
+                <a:solidFill>
+                  <a:schemeClr val="bg1"/>
+                </a:solidFill>
+                <a:latin typeface="Arial" panose="020B0604020202020204" pitchFamily="34" charset="0"/>
+                <a:cs typeface="Arial" panose="020B0604020202020204" pitchFamily="34" charset="0"/>
+              </a:rPr>
+              <a:t>Health equity</a:t>
+            </a:r>
+          </a:p>
+        </p:txBody>
+      </p:sp>
+      <p:sp>
+        <p:nvSpPr>
+          <p:cNvPr id="6" name="TextBox 5">
+            <a:extLst>
+              <a:ext uri="{FF2B5EF4-FFF2-40B4-BE49-F238E27FC236}">
+                <a16:creationId xmlns:a16="http://schemas.microsoft.com/office/drawing/2014/main" id="{33170C2F-56AF-B169-C1D9-37FFF7654308}"/>
+              </a:ext>
+            </a:extLst>
+          </p:cNvPr>
+          <p:cNvSpPr txBox="1"/>
+          <p:nvPr/>
+        </p:nvSpPr>
+        <p:spPr>
+          <a:xfrm>
+            <a:off x="2850463" y="787088"/>
+            <a:ext cx="1886464" cy="646331"/>
+          </a:xfrm>
+          <a:prstGeom prst="rect">
+            <a:avLst/>
+          </a:prstGeom>
+          <a:noFill/>
+        </p:spPr>
+        <p:txBody>
+          <a:bodyPr wrap="square" rtlCol="0">
+            <a:spAutoFit/>
+          </a:bodyPr>
+          <a:lstStyle/>
+          <a:p>
+            <a:pPr algn="ctr"/>
+            <a:r>
+              <a:rPr lang="en-US" b="1" dirty="0">
+                <a:solidFill>
+                  <a:srgbClr val="002B43"/>
+                </a:solidFill>
+                <a:latin typeface="Arial" panose="020B0604020202020204" pitchFamily="34" charset="0"/>
+                <a:cs typeface="Arial" panose="020B0604020202020204" pitchFamily="34" charset="0"/>
+              </a:rPr>
+              <a:t>Modifiable risk factors</a:t>
+            </a:r>
+          </a:p>
+        </p:txBody>
+      </p:sp>
+      <p:sp>
+        <p:nvSpPr>
+          <p:cNvPr id="7" name="TextBox 6">
+            <a:extLst>
+              <a:ext uri="{FF2B5EF4-FFF2-40B4-BE49-F238E27FC236}">
+                <a16:creationId xmlns:a16="http://schemas.microsoft.com/office/drawing/2014/main" id="{40F3BF5B-8B55-2233-0012-46EA1AEEEB2B}"/>
+              </a:ext>
+            </a:extLst>
+          </p:cNvPr>
+          <p:cNvSpPr txBox="1"/>
+          <p:nvPr/>
+        </p:nvSpPr>
+        <p:spPr>
+          <a:xfrm>
+            <a:off x="234132" y="787088"/>
+            <a:ext cx="1886464" cy="646331"/>
+          </a:xfrm>
+          <a:prstGeom prst="rect">
+            <a:avLst/>
+          </a:prstGeom>
+          <a:noFill/>
+        </p:spPr>
+        <p:txBody>
+          <a:bodyPr wrap="square" rtlCol="0">
+            <a:spAutoFit/>
+          </a:bodyPr>
+          <a:lstStyle/>
+          <a:p>
+            <a:pPr algn="ctr"/>
+            <a:r>
+              <a:rPr lang="en-US" b="1" dirty="0">
+                <a:solidFill>
+                  <a:srgbClr val="002B43"/>
+                </a:solidFill>
+                <a:latin typeface="Arial" panose="020B0604020202020204" pitchFamily="34" charset="0"/>
+                <a:cs typeface="Arial" panose="020B0604020202020204" pitchFamily="34" charset="0"/>
+              </a:rPr>
+              <a:t>Epidemiologic methods</a:t>
+            </a:r>
+          </a:p>
+        </p:txBody>
+      </p:sp>
+      <p:sp>
+        <p:nvSpPr>
+          <p:cNvPr id="8" name="TextBox 7">
+            <a:extLst>
+              <a:ext uri="{FF2B5EF4-FFF2-40B4-BE49-F238E27FC236}">
+                <a16:creationId xmlns:a16="http://schemas.microsoft.com/office/drawing/2014/main" id="{09F0FC0F-55DD-B0C2-FE19-7AE91D7DBD1C}"/>
+              </a:ext>
+            </a:extLst>
+          </p:cNvPr>
+          <p:cNvSpPr txBox="1"/>
+          <p:nvPr/>
+        </p:nvSpPr>
+        <p:spPr>
+          <a:xfrm>
+            <a:off x="1621020" y="2928567"/>
+            <a:ext cx="1863432" cy="646331"/>
+          </a:xfrm>
+          <a:prstGeom prst="rect">
+            <a:avLst/>
+          </a:prstGeom>
+          <a:noFill/>
+        </p:spPr>
+        <p:txBody>
+          <a:bodyPr wrap="square" rtlCol="0">
+            <a:spAutoFit/>
+          </a:bodyPr>
+          <a:lstStyle/>
+          <a:p>
+            <a:pPr algn="ctr"/>
+            <a:r>
+              <a:rPr lang="en-US" b="1" dirty="0">
+                <a:solidFill>
+                  <a:srgbClr val="002B43"/>
+                </a:solidFill>
+                <a:latin typeface="Arial" panose="020B0604020202020204" pitchFamily="34" charset="0"/>
+                <a:cs typeface="Arial" panose="020B0604020202020204" pitchFamily="34" charset="0"/>
+              </a:rPr>
+              <a:t>Aging-relevant outcomes</a:t>
+            </a:r>
+          </a:p>
+        </p:txBody>
+      </p:sp>
+    </p:spTree>
+    <p:extLst>
+      <p:ext uri="{BB962C8B-B14F-4D97-AF65-F5344CB8AC3E}">
+        <p14:creationId xmlns:p14="http://schemas.microsoft.com/office/powerpoint/2010/main" val="1763754804"/>
+      </p:ext>
+    </p:extLst>
+  </p:cSld>
+  <p:clrMapOvr>
+    <a:masterClrMapping/>
+  </p:clrMapOvr>
+</p:sld>
+</file>
+
+<file path=ppt/slides/slide13.xml><?xml version="1.0" encoding="utf-8"?>
+<p:sld xmlns:a="http://schemas.openxmlformats.org/drawingml/2006/main" xmlns:r="http://schemas.openxmlformats.org/officeDocument/2006/relationships" xmlns:p="http://schemas.openxmlformats.org/presentationml/2006/main">
+  <p:cSld>
+    <p:spTree>
+      <p:nvGrpSpPr>
+        <p:cNvPr id="1" name="">
+          <a:extLst>
+            <a:ext uri="{FF2B5EF4-FFF2-40B4-BE49-F238E27FC236}">
+              <a16:creationId xmlns:a16="http://schemas.microsoft.com/office/drawing/2014/main" id="{379A11E5-59DD-4977-1963-6D7D39EC2896}"/>
+            </a:ext>
+          </a:extLst>
+        </p:cNvPr>
+        <p:cNvGrpSpPr/>
+        <p:nvPr/>
+      </p:nvGrpSpPr>
+      <p:grpSpPr>
+        <a:xfrm>
+          <a:off x="0" y="0"/>
+          <a:ext cx="0" cy="0"/>
+          <a:chOff x="0" y="0"/>
+          <a:chExt cx="0" cy="0"/>
+        </a:xfrm>
+      </p:grpSpPr>
+      <p:sp>
+        <p:nvSpPr>
+          <p:cNvPr id="2" name="Oval 1">
+            <a:extLst>
+              <a:ext uri="{FF2B5EF4-FFF2-40B4-BE49-F238E27FC236}">
+                <a16:creationId xmlns:a16="http://schemas.microsoft.com/office/drawing/2014/main" id="{5659928B-FBB6-FE9F-5D45-65D701C65918}"/>
+              </a:ext>
+            </a:extLst>
+          </p:cNvPr>
+          <p:cNvSpPr/>
+          <p:nvPr/>
+        </p:nvSpPr>
+        <p:spPr>
+          <a:xfrm>
+            <a:off x="84898" y="97301"/>
+            <a:ext cx="2846832" cy="2825496"/>
+          </a:xfrm>
+          <a:prstGeom prst="ellipse">
+            <a:avLst/>
+          </a:prstGeom>
+          <a:solidFill>
+            <a:srgbClr val="000000">
+              <a:alpha val="9804"/>
+            </a:srgbClr>
+          </a:solidFill>
+          <a:ln w="28575">
+            <a:solidFill>
+              <a:srgbClr val="0B76A0"/>
+            </a:solidFill>
+          </a:ln>
+        </p:spPr>
+        <p:style>
+          <a:lnRef idx="2">
+            <a:schemeClr val="accent1">
+              <a:shade val="15000"/>
+            </a:schemeClr>
+          </a:lnRef>
+          <a:fillRef idx="1">
+            <a:schemeClr val="accent1"/>
+          </a:fillRef>
+          <a:effectRef idx="0">
+            <a:schemeClr val="accent1"/>
+          </a:effectRef>
+          <a:fontRef idx="minor">
+            <a:schemeClr val="lt1"/>
+          </a:fontRef>
+        </p:style>
+        <p:txBody>
+          <a:bodyPr rtlCol="0" anchor="ctr"/>
+          <a:lstStyle/>
+          <a:p>
+            <a:pPr algn="ctr"/>
+            <a:endParaRPr lang="en-US">
+              <a:solidFill>
+                <a:srgbClr val="E5EEF3"/>
+              </a:solidFill>
+              <a:latin typeface="Arial" panose="020B0604020202020204" pitchFamily="34" charset="0"/>
+              <a:cs typeface="Arial" panose="020B0604020202020204" pitchFamily="34" charset="0"/>
+            </a:endParaRPr>
+          </a:p>
+        </p:txBody>
+      </p:sp>
+      <p:sp>
+        <p:nvSpPr>
+          <p:cNvPr id="3" name="Oval 2">
+            <a:extLst>
+              <a:ext uri="{FF2B5EF4-FFF2-40B4-BE49-F238E27FC236}">
+                <a16:creationId xmlns:a16="http://schemas.microsoft.com/office/drawing/2014/main" id="{38BE168A-00D7-9D30-379F-45386B5975A4}"/>
+              </a:ext>
+            </a:extLst>
+          </p:cNvPr>
+          <p:cNvSpPr/>
+          <p:nvPr/>
+        </p:nvSpPr>
+        <p:spPr>
+          <a:xfrm>
+            <a:off x="2056465" y="97301"/>
+            <a:ext cx="2846832" cy="2825496"/>
+          </a:xfrm>
+          <a:prstGeom prst="ellipse">
+            <a:avLst/>
+          </a:prstGeom>
+          <a:solidFill>
+            <a:srgbClr val="000000">
+              <a:alpha val="9804"/>
+            </a:srgbClr>
+          </a:solidFill>
+          <a:ln w="28575">
+            <a:solidFill>
+              <a:schemeClr val="accent6">
+                <a:lumMod val="75000"/>
+              </a:schemeClr>
+            </a:solidFill>
+          </a:ln>
+        </p:spPr>
+        <p:style>
+          <a:lnRef idx="2">
+            <a:schemeClr val="accent1">
+              <a:shade val="15000"/>
+            </a:schemeClr>
+          </a:lnRef>
+          <a:fillRef idx="1">
+            <a:schemeClr val="accent1"/>
+          </a:fillRef>
+          <a:effectRef idx="0">
+            <a:schemeClr val="accent1"/>
+          </a:effectRef>
+          <a:fontRef idx="minor">
+            <a:schemeClr val="lt1"/>
+          </a:fontRef>
+        </p:style>
+        <p:txBody>
+          <a:bodyPr rtlCol="0" anchor="ctr"/>
+          <a:lstStyle/>
+          <a:p>
+            <a:pPr algn="ctr"/>
+            <a:endParaRPr lang="en-US">
+              <a:solidFill>
+                <a:srgbClr val="002B43"/>
+              </a:solidFill>
+              <a:latin typeface="Arial" panose="020B0604020202020204" pitchFamily="34" charset="0"/>
+              <a:cs typeface="Arial" panose="020B0604020202020204" pitchFamily="34" charset="0"/>
+            </a:endParaRPr>
+          </a:p>
+        </p:txBody>
+      </p:sp>
+      <p:sp>
+        <p:nvSpPr>
+          <p:cNvPr id="4" name="Oval 3">
+            <a:extLst>
+              <a:ext uri="{FF2B5EF4-FFF2-40B4-BE49-F238E27FC236}">
+                <a16:creationId xmlns:a16="http://schemas.microsoft.com/office/drawing/2014/main" id="{8E17391B-AC9E-620B-EAE3-8023F4842ECA}"/>
+              </a:ext>
+            </a:extLst>
+          </p:cNvPr>
+          <p:cNvSpPr/>
+          <p:nvPr/>
+        </p:nvSpPr>
+        <p:spPr>
+          <a:xfrm>
+            <a:off x="1096097" y="1255626"/>
+            <a:ext cx="2846832" cy="2825496"/>
+          </a:xfrm>
+          <a:prstGeom prst="ellipse">
+            <a:avLst/>
+          </a:prstGeom>
+          <a:solidFill>
+            <a:srgbClr val="D86ECC">
+              <a:alpha val="29020"/>
+            </a:srgbClr>
+          </a:solidFill>
+          <a:ln w="28575">
+            <a:solidFill>
+              <a:schemeClr val="accent5">
+                <a:lumMod val="75000"/>
+              </a:schemeClr>
+            </a:solidFill>
+          </a:ln>
+        </p:spPr>
+        <p:style>
+          <a:lnRef idx="2">
+            <a:schemeClr val="accent1">
+              <a:shade val="15000"/>
+            </a:schemeClr>
+          </a:lnRef>
+          <a:fillRef idx="1">
+            <a:schemeClr val="accent1"/>
+          </a:fillRef>
+          <a:effectRef idx="0">
+            <a:schemeClr val="accent1"/>
+          </a:effectRef>
+          <a:fontRef idx="minor">
+            <a:schemeClr val="lt1"/>
+          </a:fontRef>
+        </p:style>
+        <p:txBody>
+          <a:bodyPr rtlCol="0" anchor="ctr"/>
+          <a:lstStyle/>
+          <a:p>
+            <a:pPr algn="ctr"/>
+            <a:endParaRPr lang="en-US">
+              <a:solidFill>
+                <a:srgbClr val="002B43"/>
+              </a:solidFill>
+              <a:latin typeface="Arial" panose="020B0604020202020204" pitchFamily="34" charset="0"/>
+              <a:cs typeface="Arial" panose="020B0604020202020204" pitchFamily="34" charset="0"/>
+            </a:endParaRPr>
+          </a:p>
+        </p:txBody>
+      </p:sp>
+      <p:sp>
+        <p:nvSpPr>
+          <p:cNvPr id="5" name="TextBox 4">
+            <a:extLst>
+              <a:ext uri="{FF2B5EF4-FFF2-40B4-BE49-F238E27FC236}">
+                <a16:creationId xmlns:a16="http://schemas.microsoft.com/office/drawing/2014/main" id="{C67AADF2-771C-8716-6D26-AA928C0648E5}"/>
+              </a:ext>
+            </a:extLst>
+          </p:cNvPr>
+          <p:cNvSpPr txBox="1"/>
+          <p:nvPr/>
+        </p:nvSpPr>
+        <p:spPr>
+          <a:xfrm>
+            <a:off x="2095357" y="1428699"/>
+            <a:ext cx="914758" cy="584775"/>
+          </a:xfrm>
+          <a:prstGeom prst="rect">
+            <a:avLst/>
+          </a:prstGeom>
+          <a:noFill/>
+        </p:spPr>
+        <p:txBody>
+          <a:bodyPr wrap="square" rtlCol="0">
+            <a:spAutoFit/>
+          </a:bodyPr>
+          <a:lstStyle/>
+          <a:p>
+            <a:r>
+              <a:rPr lang="en-US" sz="1600" b="1" dirty="0">
+                <a:solidFill>
+                  <a:schemeClr val="bg1"/>
+                </a:solidFill>
+                <a:latin typeface="Arial" panose="020B0604020202020204" pitchFamily="34" charset="0"/>
+                <a:cs typeface="Arial" panose="020B0604020202020204" pitchFamily="34" charset="0"/>
+              </a:rPr>
+              <a:t>Health equity</a:t>
+            </a:r>
+          </a:p>
+        </p:txBody>
+      </p:sp>
+      <p:sp>
+        <p:nvSpPr>
+          <p:cNvPr id="6" name="TextBox 5">
+            <a:extLst>
+              <a:ext uri="{FF2B5EF4-FFF2-40B4-BE49-F238E27FC236}">
+                <a16:creationId xmlns:a16="http://schemas.microsoft.com/office/drawing/2014/main" id="{DC210B4E-C3F1-29CF-C380-8FD15B24373C}"/>
+              </a:ext>
+            </a:extLst>
+          </p:cNvPr>
+          <p:cNvSpPr txBox="1"/>
+          <p:nvPr/>
+        </p:nvSpPr>
+        <p:spPr>
+          <a:xfrm>
+            <a:off x="2850463" y="787088"/>
+            <a:ext cx="1886464" cy="646331"/>
+          </a:xfrm>
+          <a:prstGeom prst="rect">
+            <a:avLst/>
+          </a:prstGeom>
+          <a:noFill/>
+        </p:spPr>
+        <p:txBody>
+          <a:bodyPr wrap="square" rtlCol="0">
+            <a:spAutoFit/>
+          </a:bodyPr>
+          <a:lstStyle/>
+          <a:p>
+            <a:pPr algn="ctr"/>
+            <a:r>
+              <a:rPr lang="en-US" b="1" dirty="0">
+                <a:solidFill>
+                  <a:srgbClr val="002B43"/>
+                </a:solidFill>
+                <a:latin typeface="Arial" panose="020B0604020202020204" pitchFamily="34" charset="0"/>
+                <a:cs typeface="Arial" panose="020B0604020202020204" pitchFamily="34" charset="0"/>
+              </a:rPr>
+              <a:t>Modifiable risk factors</a:t>
+            </a:r>
+          </a:p>
+        </p:txBody>
+      </p:sp>
+      <p:sp>
+        <p:nvSpPr>
+          <p:cNvPr id="7" name="TextBox 6">
+            <a:extLst>
+              <a:ext uri="{FF2B5EF4-FFF2-40B4-BE49-F238E27FC236}">
+                <a16:creationId xmlns:a16="http://schemas.microsoft.com/office/drawing/2014/main" id="{5ED4D7FA-FCC2-B4E9-028E-60667C98797F}"/>
+              </a:ext>
+            </a:extLst>
+          </p:cNvPr>
+          <p:cNvSpPr txBox="1"/>
+          <p:nvPr/>
+        </p:nvSpPr>
+        <p:spPr>
+          <a:xfrm>
+            <a:off x="234132" y="787088"/>
+            <a:ext cx="1886464" cy="646331"/>
+          </a:xfrm>
+          <a:prstGeom prst="rect">
+            <a:avLst/>
+          </a:prstGeom>
+          <a:noFill/>
+        </p:spPr>
+        <p:txBody>
+          <a:bodyPr wrap="square" rtlCol="0">
+            <a:spAutoFit/>
+          </a:bodyPr>
+          <a:lstStyle/>
+          <a:p>
+            <a:pPr algn="ctr"/>
+            <a:r>
+              <a:rPr lang="en-US" b="1" dirty="0">
+                <a:solidFill>
+                  <a:srgbClr val="002B43"/>
+                </a:solidFill>
+                <a:latin typeface="Arial" panose="020B0604020202020204" pitchFamily="34" charset="0"/>
+                <a:cs typeface="Arial" panose="020B0604020202020204" pitchFamily="34" charset="0"/>
+              </a:rPr>
+              <a:t>Epidemiologic methods</a:t>
+            </a:r>
+          </a:p>
+        </p:txBody>
+      </p:sp>
+      <p:sp>
+        <p:nvSpPr>
+          <p:cNvPr id="8" name="TextBox 7">
+            <a:extLst>
+              <a:ext uri="{FF2B5EF4-FFF2-40B4-BE49-F238E27FC236}">
+                <a16:creationId xmlns:a16="http://schemas.microsoft.com/office/drawing/2014/main" id="{14D656B9-B33B-9F28-52D1-188141FAD059}"/>
+              </a:ext>
+            </a:extLst>
+          </p:cNvPr>
+          <p:cNvSpPr txBox="1"/>
+          <p:nvPr/>
+        </p:nvSpPr>
+        <p:spPr>
+          <a:xfrm>
+            <a:off x="1621020" y="2928567"/>
+            <a:ext cx="1863432" cy="646331"/>
+          </a:xfrm>
+          <a:prstGeom prst="rect">
+            <a:avLst/>
+          </a:prstGeom>
+          <a:noFill/>
+        </p:spPr>
+        <p:txBody>
+          <a:bodyPr wrap="square" rtlCol="0">
+            <a:spAutoFit/>
+          </a:bodyPr>
+          <a:lstStyle/>
+          <a:p>
+            <a:pPr algn="ctr"/>
+            <a:r>
+              <a:rPr lang="en-US" b="1" dirty="0">
+                <a:solidFill>
+                  <a:srgbClr val="002B43"/>
+                </a:solidFill>
+                <a:latin typeface="Arial" panose="020B0604020202020204" pitchFamily="34" charset="0"/>
+                <a:cs typeface="Arial" panose="020B0604020202020204" pitchFamily="34" charset="0"/>
+              </a:rPr>
+              <a:t>Aging-relevant outcomes</a:t>
+            </a:r>
+          </a:p>
+        </p:txBody>
+      </p:sp>
+    </p:spTree>
+    <p:extLst>
+      <p:ext uri="{BB962C8B-B14F-4D97-AF65-F5344CB8AC3E}">
+        <p14:creationId xmlns:p14="http://schemas.microsoft.com/office/powerpoint/2010/main" val="3103603088"/>
+      </p:ext>
+    </p:extLst>
+  </p:cSld>
+  <p:clrMapOvr>
+    <a:masterClrMapping/>
+  </p:clrMapOvr>
+</p:sld>
+</file>
+
+<file path=ppt/slides/slide14.xml><?xml version="1.0" encoding="utf-8"?>
+<p:sld xmlns:a="http://schemas.openxmlformats.org/drawingml/2006/main" xmlns:r="http://schemas.openxmlformats.org/officeDocument/2006/relationships" xmlns:p="http://schemas.openxmlformats.org/presentationml/2006/main">
+  <p:cSld>
+    <p:spTree>
+      <p:nvGrpSpPr>
+        <p:cNvPr id="1" name=""/>
+        <p:cNvGrpSpPr/>
+        <p:nvPr/>
+      </p:nvGrpSpPr>
+      <p:grpSpPr>
+        <a:xfrm>
+          <a:off x="0" y="0"/>
+          <a:ext cx="0" cy="0"/>
+          <a:chOff x="0" y="0"/>
+          <a:chExt cx="0" cy="0"/>
+        </a:xfrm>
+      </p:grpSpPr>
+    </p:spTree>
+    <p:extLst>
+      <p:ext uri="{BB962C8B-B14F-4D97-AF65-F5344CB8AC3E}">
+        <p14:creationId xmlns:p14="http://schemas.microsoft.com/office/powerpoint/2010/main" val="43972460"/>
+      </p:ext>
+    </p:extLst>
+  </p:cSld>
+  <p:clrMapOvr>
+    <a:masterClrMapping/>
+  </p:clrMapOvr>
+</p:sld>
+</file>
+
+<file path=ppt/slides/slide15.xml><?xml version="1.0" encoding="utf-8"?>
+<p:sld xmlns:a="http://schemas.openxmlformats.org/drawingml/2006/main" xmlns:r="http://schemas.openxmlformats.org/officeDocument/2006/relationships" xmlns:p="http://schemas.openxmlformats.org/presentationml/2006/main">
+  <p:cSld>
+    <p:spTree>
+      <p:nvGrpSpPr>
+        <p:cNvPr id="1" name="">
+          <a:extLst>
+            <a:ext uri="{FF2B5EF4-FFF2-40B4-BE49-F238E27FC236}">
+              <a16:creationId xmlns:a16="http://schemas.microsoft.com/office/drawing/2014/main" id="{21AC683F-8A9C-BFB9-52A1-BF60487ADD61}"/>
+            </a:ext>
+          </a:extLst>
+        </p:cNvPr>
+        <p:cNvGrpSpPr/>
+        <p:nvPr/>
+      </p:nvGrpSpPr>
+      <p:grpSpPr>
+        <a:xfrm>
+          <a:off x="0" y="0"/>
+          <a:ext cx="0" cy="0"/>
+          <a:chOff x="0" y="0"/>
+          <a:chExt cx="0" cy="0"/>
+        </a:xfrm>
+      </p:grpSpPr>
+      <p:sp>
+        <p:nvSpPr>
+          <p:cNvPr id="2" name="Oval 1">
+            <a:extLst>
+              <a:ext uri="{FF2B5EF4-FFF2-40B4-BE49-F238E27FC236}">
+                <a16:creationId xmlns:a16="http://schemas.microsoft.com/office/drawing/2014/main" id="{B2C6EAEF-FD64-D60E-DCDC-63F17FE8516B}"/>
+              </a:ext>
+            </a:extLst>
+          </p:cNvPr>
+          <p:cNvSpPr/>
+          <p:nvPr/>
+        </p:nvSpPr>
+        <p:spPr>
+          <a:xfrm>
             <a:off x="2331720" y="777240"/>
             <a:ext cx="2846832" cy="2825496"/>
           </a:xfrm>
@@ -3617,7 +5262,7 @@
           <p:cNvPr id="3" name="Oval 2">
             <a:extLst>
               <a:ext uri="{FF2B5EF4-FFF2-40B4-BE49-F238E27FC236}">
-                <a16:creationId xmlns:a16="http://schemas.microsoft.com/office/drawing/2014/main" id="{B08C789C-94F0-12F8-01F0-9A4AE08217FD}"/>
+                <a16:creationId xmlns:a16="http://schemas.microsoft.com/office/drawing/2014/main" id="{D5311979-489D-46B9-28F0-1544693C2BEE}"/>
               </a:ext>
             </a:extLst>
           </p:cNvPr>
@@ -3675,7 +5320,7 @@
           <p:cNvPr id="4" name="Oval 3">
             <a:extLst>
               <a:ext uri="{FF2B5EF4-FFF2-40B4-BE49-F238E27FC236}">
-                <a16:creationId xmlns:a16="http://schemas.microsoft.com/office/drawing/2014/main" id="{97CF634B-8DAD-4F27-8293-DDD2E8B6DF27}"/>
+                <a16:creationId xmlns:a16="http://schemas.microsoft.com/office/drawing/2014/main" id="{DD781FDC-10E8-4BC7-2972-F52994A0EB6A}"/>
               </a:ext>
             </a:extLst>
           </p:cNvPr>
@@ -3733,7 +5378,7 @@
           <p:cNvPr id="5" name="TextBox 4">
             <a:extLst>
               <a:ext uri="{FF2B5EF4-FFF2-40B4-BE49-F238E27FC236}">
-                <a16:creationId xmlns:a16="http://schemas.microsoft.com/office/drawing/2014/main" id="{A4A7C05A-3816-67DB-3215-1B1E4AA518C8}"/>
+                <a16:creationId xmlns:a16="http://schemas.microsoft.com/office/drawing/2014/main" id="{F0BA109C-115B-3CA4-6964-43DE09E4E512}"/>
               </a:ext>
             </a:extLst>
           </p:cNvPr>
@@ -3742,7 +5387,7 @@
         </p:nvSpPr>
         <p:spPr>
           <a:xfrm>
-            <a:off x="4284008" y="2143351"/>
+            <a:off x="4284008" y="2143353"/>
             <a:ext cx="914758" cy="584775"/>
           </a:xfrm>
           <a:prstGeom prst="rect">
@@ -3774,7 +5419,7 @@
           <p:cNvPr id="6" name="TextBox 5">
             <a:extLst>
               <a:ext uri="{FF2B5EF4-FFF2-40B4-BE49-F238E27FC236}">
-                <a16:creationId xmlns:a16="http://schemas.microsoft.com/office/drawing/2014/main" id="{BFE42307-8CA6-4709-E9BC-BA74EADC3C9D}"/>
+                <a16:creationId xmlns:a16="http://schemas.microsoft.com/office/drawing/2014/main" id="{FF66A927-A382-9646-C185-D626380E3495}"/>
               </a:ext>
             </a:extLst>
           </p:cNvPr>
@@ -3783,384 +5428,7 @@
         </p:nvSpPr>
         <p:spPr>
           <a:xfrm>
-            <a:off x="5030606" y="1195352"/>
-            <a:ext cx="1886464" cy="923330"/>
-          </a:xfrm>
-          <a:prstGeom prst="rect">
-            <a:avLst/>
-          </a:prstGeom>
-          <a:noFill/>
-        </p:spPr>
-        <p:txBody>
-          <a:bodyPr wrap="square" rtlCol="0">
-            <a:spAutoFit/>
-          </a:bodyPr>
-          <a:lstStyle/>
-          <a:p>
-            <a:pPr algn="ctr"/>
-            <a:r>
-              <a:rPr lang="en-US" dirty="0">
-                <a:solidFill>
-                  <a:srgbClr val="002B43"/>
-                </a:solidFill>
-                <a:latin typeface="Arial" panose="020B0604020202020204" pitchFamily="34" charset="0"/>
-                <a:cs typeface="Arial" panose="020B0604020202020204" pitchFamily="34" charset="0"/>
-              </a:rPr>
-              <a:t>Time-varying modifiable risk factors</a:t>
-            </a:r>
-          </a:p>
-        </p:txBody>
-      </p:sp>
-      <p:sp>
-        <p:nvSpPr>
-          <p:cNvPr id="7" name="TextBox 6">
-            <a:extLst>
-              <a:ext uri="{FF2B5EF4-FFF2-40B4-BE49-F238E27FC236}">
-                <a16:creationId xmlns:a16="http://schemas.microsoft.com/office/drawing/2014/main" id="{7632447D-CAC6-3BBE-DFE9-40B4A0C169A3}"/>
-              </a:ext>
-            </a:extLst>
-          </p:cNvPr>
-          <p:cNvSpPr txBox="1"/>
-          <p:nvPr/>
-        </p:nvSpPr>
-        <p:spPr>
-          <a:xfrm>
-            <a:off x="2423761" y="1225791"/>
-            <a:ext cx="1604053" cy="1200329"/>
-          </a:xfrm>
-          <a:prstGeom prst="rect">
-            <a:avLst/>
-          </a:prstGeom>
-          <a:noFill/>
-        </p:spPr>
-        <p:txBody>
-          <a:bodyPr wrap="square" rtlCol="0">
-            <a:spAutoFit/>
-          </a:bodyPr>
-          <a:lstStyle/>
-          <a:p>
-            <a:pPr algn="ctr"/>
-            <a:r>
-              <a:rPr lang="en-US" dirty="0">
-                <a:solidFill>
-                  <a:srgbClr val="002B43"/>
-                </a:solidFill>
-                <a:latin typeface="Arial" panose="020B0604020202020204" pitchFamily="34" charset="0"/>
-                <a:cs typeface="Arial" panose="020B0604020202020204" pitchFamily="34" charset="0"/>
-              </a:rPr>
-              <a:t>Advanced causal inference methods</a:t>
-            </a:r>
-          </a:p>
-        </p:txBody>
-      </p:sp>
-      <p:sp>
-        <p:nvSpPr>
-          <p:cNvPr id="8" name="TextBox 7">
-            <a:extLst>
-              <a:ext uri="{FF2B5EF4-FFF2-40B4-BE49-F238E27FC236}">
-                <a16:creationId xmlns:a16="http://schemas.microsoft.com/office/drawing/2014/main" id="{BB955CB9-19D7-9A6A-A9EF-765E1B9D540C}"/>
-              </a:ext>
-            </a:extLst>
-          </p:cNvPr>
-          <p:cNvSpPr txBox="1"/>
-          <p:nvPr/>
-        </p:nvSpPr>
-        <p:spPr>
-          <a:xfrm>
-            <a:off x="3731173" y="3608506"/>
-            <a:ext cx="1863432" cy="923330"/>
-          </a:xfrm>
-          <a:prstGeom prst="rect">
-            <a:avLst/>
-          </a:prstGeom>
-          <a:noFill/>
-        </p:spPr>
-        <p:txBody>
-          <a:bodyPr wrap="square" rtlCol="0">
-            <a:spAutoFit/>
-          </a:bodyPr>
-          <a:lstStyle/>
-          <a:p>
-            <a:pPr algn="ctr"/>
-            <a:r>
-              <a:rPr lang="en-US" dirty="0">
-                <a:solidFill>
-                  <a:srgbClr val="002B43"/>
-                </a:solidFill>
-                <a:latin typeface="Arial" panose="020B0604020202020204" pitchFamily="34" charset="0"/>
-                <a:cs typeface="Arial" panose="020B0604020202020204" pitchFamily="34" charset="0"/>
-              </a:rPr>
-              <a:t>Dementia &amp; aging-relevant outcomes</a:t>
-            </a:r>
-          </a:p>
-        </p:txBody>
-      </p:sp>
-    </p:spTree>
-    <p:extLst>
-      <p:ext uri="{BB962C8B-B14F-4D97-AF65-F5344CB8AC3E}">
-        <p14:creationId xmlns:p14="http://schemas.microsoft.com/office/powerpoint/2010/main" val="2297048106"/>
-      </p:ext>
-    </p:extLst>
-  </p:cSld>
-  <p:clrMapOvr>
-    <a:masterClrMapping/>
-  </p:clrMapOvr>
-</p:sld>
-</file>
-
-<file path=ppt/slides/slide11.xml><?xml version="1.0" encoding="utf-8"?>
-<p:sld xmlns:a="http://schemas.openxmlformats.org/drawingml/2006/main" xmlns:r="http://schemas.openxmlformats.org/officeDocument/2006/relationships" xmlns:p="http://schemas.openxmlformats.org/presentationml/2006/main">
-  <p:cSld>
-    <p:spTree>
-      <p:nvGrpSpPr>
-        <p:cNvPr id="1" name="">
-          <a:extLst>
-            <a:ext uri="{FF2B5EF4-FFF2-40B4-BE49-F238E27FC236}">
-              <a16:creationId xmlns:a16="http://schemas.microsoft.com/office/drawing/2014/main" id="{21AC683F-8A9C-BFB9-52A1-BF60487ADD61}"/>
-            </a:ext>
-          </a:extLst>
-        </p:cNvPr>
-        <p:cNvGrpSpPr/>
-        <p:nvPr/>
-      </p:nvGrpSpPr>
-      <p:grpSpPr>
-        <a:xfrm>
-          <a:off x="0" y="0"/>
-          <a:ext cx="0" cy="0"/>
-          <a:chOff x="0" y="0"/>
-          <a:chExt cx="0" cy="0"/>
-        </a:xfrm>
-      </p:grpSpPr>
-      <p:sp>
-        <p:nvSpPr>
-          <p:cNvPr id="2" name="Oval 1">
-            <a:extLst>
-              <a:ext uri="{FF2B5EF4-FFF2-40B4-BE49-F238E27FC236}">
-                <a16:creationId xmlns:a16="http://schemas.microsoft.com/office/drawing/2014/main" id="{B2C6EAEF-FD64-D60E-DCDC-63F17FE8516B}"/>
-              </a:ext>
-            </a:extLst>
-          </p:cNvPr>
-          <p:cNvSpPr/>
-          <p:nvPr/>
-        </p:nvSpPr>
-        <p:spPr>
-          <a:xfrm>
-            <a:off x="2331720" y="777240"/>
-            <a:ext cx="2846832" cy="2825496"/>
-          </a:xfrm>
-          <a:prstGeom prst="ellipse">
-            <a:avLst/>
-          </a:prstGeom>
-          <a:noFill/>
-          <a:ln>
-            <a:solidFill>
-              <a:srgbClr val="0B76A0"/>
-            </a:solidFill>
-          </a:ln>
-        </p:spPr>
-        <p:style>
-          <a:lnRef idx="2">
-            <a:schemeClr val="accent1">
-              <a:shade val="15000"/>
-            </a:schemeClr>
-          </a:lnRef>
-          <a:fillRef idx="1">
-            <a:schemeClr val="accent1"/>
-          </a:fillRef>
-          <a:effectRef idx="0">
-            <a:schemeClr val="accent1"/>
-          </a:effectRef>
-          <a:fontRef idx="minor">
-            <a:schemeClr val="lt1"/>
-          </a:fontRef>
-        </p:style>
-        <p:txBody>
-          <a:bodyPr rtlCol="0" anchor="ctr"/>
-          <a:lstStyle/>
-          <a:p>
-            <a:pPr algn="ctr"/>
-            <a:endParaRPr lang="en-US">
-              <a:solidFill>
-                <a:srgbClr val="002B43"/>
-              </a:solidFill>
-              <a:latin typeface="Arial" panose="020B0604020202020204" pitchFamily="34" charset="0"/>
-              <a:cs typeface="Arial" panose="020B0604020202020204" pitchFamily="34" charset="0"/>
-            </a:endParaRPr>
-          </a:p>
-        </p:txBody>
-      </p:sp>
-      <p:sp>
-        <p:nvSpPr>
-          <p:cNvPr id="3" name="Oval 2">
-            <a:extLst>
-              <a:ext uri="{FF2B5EF4-FFF2-40B4-BE49-F238E27FC236}">
-                <a16:creationId xmlns:a16="http://schemas.microsoft.com/office/drawing/2014/main" id="{D5311979-489D-46B9-28F0-1544693C2BEE}"/>
-              </a:ext>
-            </a:extLst>
-          </p:cNvPr>
-          <p:cNvSpPr/>
-          <p:nvPr/>
-        </p:nvSpPr>
-        <p:spPr>
-          <a:xfrm>
-            <a:off x="4166618" y="777240"/>
-            <a:ext cx="2846832" cy="2825496"/>
-          </a:xfrm>
-          <a:prstGeom prst="ellipse">
-            <a:avLst/>
-          </a:prstGeom>
-          <a:noFill/>
-          <a:ln>
-            <a:solidFill>
-              <a:srgbClr val="0B76A0"/>
-            </a:solidFill>
-          </a:ln>
-        </p:spPr>
-        <p:style>
-          <a:lnRef idx="2">
-            <a:schemeClr val="accent1">
-              <a:shade val="15000"/>
-            </a:schemeClr>
-          </a:lnRef>
-          <a:fillRef idx="1">
-            <a:schemeClr val="accent1"/>
-          </a:fillRef>
-          <a:effectRef idx="0">
-            <a:schemeClr val="accent1"/>
-          </a:effectRef>
-          <a:fontRef idx="minor">
-            <a:schemeClr val="lt1"/>
-          </a:fontRef>
-        </p:style>
-        <p:txBody>
-          <a:bodyPr rtlCol="0" anchor="ctr"/>
-          <a:lstStyle/>
-          <a:p>
-            <a:pPr algn="ctr"/>
-            <a:endParaRPr lang="en-US">
-              <a:solidFill>
-                <a:srgbClr val="002B43"/>
-              </a:solidFill>
-              <a:latin typeface="Arial" panose="020B0604020202020204" pitchFamily="34" charset="0"/>
-              <a:cs typeface="Arial" panose="020B0604020202020204" pitchFamily="34" charset="0"/>
-            </a:endParaRPr>
-          </a:p>
-        </p:txBody>
-      </p:sp>
-      <p:sp>
-        <p:nvSpPr>
-          <p:cNvPr id="4" name="Oval 3">
-            <a:extLst>
-              <a:ext uri="{FF2B5EF4-FFF2-40B4-BE49-F238E27FC236}">
-                <a16:creationId xmlns:a16="http://schemas.microsoft.com/office/drawing/2014/main" id="{DD781FDC-10E8-4BC7-2972-F52994A0EB6A}"/>
-              </a:ext>
-            </a:extLst>
-          </p:cNvPr>
-          <p:cNvSpPr/>
-          <p:nvPr/>
-        </p:nvSpPr>
-        <p:spPr>
-          <a:xfrm>
-            <a:off x="3334512" y="1901952"/>
-            <a:ext cx="2846832" cy="2825496"/>
-          </a:xfrm>
-          <a:prstGeom prst="ellipse">
-            <a:avLst/>
-          </a:prstGeom>
-          <a:noFill/>
-          <a:ln>
-            <a:solidFill>
-              <a:srgbClr val="0B76A0"/>
-            </a:solidFill>
-          </a:ln>
-        </p:spPr>
-        <p:style>
-          <a:lnRef idx="2">
-            <a:schemeClr val="accent1">
-              <a:shade val="15000"/>
-            </a:schemeClr>
-          </a:lnRef>
-          <a:fillRef idx="1">
-            <a:schemeClr val="accent1"/>
-          </a:fillRef>
-          <a:effectRef idx="0">
-            <a:schemeClr val="accent1"/>
-          </a:effectRef>
-          <a:fontRef idx="minor">
-            <a:schemeClr val="lt1"/>
-          </a:fontRef>
-        </p:style>
-        <p:txBody>
-          <a:bodyPr rtlCol="0" anchor="ctr"/>
-          <a:lstStyle/>
-          <a:p>
-            <a:pPr algn="ctr"/>
-            <a:endParaRPr lang="en-US">
-              <a:solidFill>
-                <a:srgbClr val="002B43"/>
-              </a:solidFill>
-              <a:latin typeface="Arial" panose="020B0604020202020204" pitchFamily="34" charset="0"/>
-              <a:cs typeface="Arial" panose="020B0604020202020204" pitchFamily="34" charset="0"/>
-            </a:endParaRPr>
-          </a:p>
-        </p:txBody>
-      </p:sp>
-      <p:sp>
-        <p:nvSpPr>
-          <p:cNvPr id="5" name="TextBox 4">
-            <a:extLst>
-              <a:ext uri="{FF2B5EF4-FFF2-40B4-BE49-F238E27FC236}">
-                <a16:creationId xmlns:a16="http://schemas.microsoft.com/office/drawing/2014/main" id="{F0BA109C-115B-3CA4-6964-43DE09E4E512}"/>
-              </a:ext>
-            </a:extLst>
-          </p:cNvPr>
-          <p:cNvSpPr txBox="1"/>
-          <p:nvPr/>
-        </p:nvSpPr>
-        <p:spPr>
-          <a:xfrm>
-            <a:off x="4284008" y="2143351"/>
-            <a:ext cx="914758" cy="584775"/>
-          </a:xfrm>
-          <a:prstGeom prst="rect">
-            <a:avLst/>
-          </a:prstGeom>
-          <a:noFill/>
-        </p:spPr>
-        <p:txBody>
-          <a:bodyPr wrap="square" rtlCol="0">
-            <a:spAutoFit/>
-          </a:bodyPr>
-          <a:lstStyle/>
-          <a:p>
-            <a:r>
-              <a:rPr lang="en-US" sz="1600" b="1" dirty="0">
-                <a:solidFill>
-                  <a:srgbClr val="FFB81C"/>
-                </a:solidFill>
-                <a:latin typeface="Arial" panose="020B0604020202020204" pitchFamily="34" charset="0"/>
-                <a:cs typeface="Arial" panose="020B0604020202020204" pitchFamily="34" charset="0"/>
-              </a:rPr>
-              <a:t>Health equity</a:t>
-            </a:r>
-          </a:p>
-        </p:txBody>
-      </p:sp>
-      <p:sp>
-        <p:nvSpPr>
-          <p:cNvPr id="6" name="TextBox 5">
-            <a:extLst>
-              <a:ext uri="{FF2B5EF4-FFF2-40B4-BE49-F238E27FC236}">
-                <a16:creationId xmlns:a16="http://schemas.microsoft.com/office/drawing/2014/main" id="{FF66A927-A382-9646-C185-D626380E3495}"/>
-              </a:ext>
-            </a:extLst>
-          </p:cNvPr>
-          <p:cNvSpPr txBox="1"/>
-          <p:nvPr/>
-        </p:nvSpPr>
-        <p:spPr>
-          <a:xfrm>
-            <a:off x="5030606" y="1195352"/>
+            <a:off x="5030606" y="1195353"/>
             <a:ext cx="1886464" cy="646331"/>
           </a:xfrm>
           <a:prstGeom prst="rect">
@@ -4244,7 +5512,7 @@
         </p:nvSpPr>
         <p:spPr>
           <a:xfrm>
-            <a:off x="3731173" y="3608506"/>
+            <a:off x="3731173" y="3608507"/>
             <a:ext cx="1863432" cy="923330"/>
           </a:xfrm>
           <a:prstGeom prst="rect">
@@ -4379,7 +5647,7 @@
 </p:sld>
 </file>
 
-<file path=ppt/slides/slide12.xml><?xml version="1.0" encoding="utf-8"?>
+<file path=ppt/slides/slide16.xml><?xml version="1.0" encoding="utf-8"?>
 <p:sld xmlns:a="http://schemas.openxmlformats.org/drawingml/2006/main" xmlns:r="http://schemas.openxmlformats.org/officeDocument/2006/relationships" xmlns:p="http://schemas.openxmlformats.org/presentationml/2006/main">
   <p:cSld>
     <p:spTree>
@@ -4446,8 +5714,8 @@
         </p:nvSpPr>
         <p:spPr>
           <a:xfrm>
-            <a:off x="5348736" y="4384263"/>
-            <a:ext cx="2888043" cy="375078"/>
+            <a:off x="5348738" y="4384263"/>
+            <a:ext cx="2888043" cy="369332"/>
           </a:xfrm>
           <a:prstGeom prst="rect">
             <a:avLst/>
@@ -4498,8 +5766,8 @@
         </p:nvSpPr>
         <p:spPr>
           <a:xfrm>
-            <a:off x="5622196" y="860871"/>
-            <a:ext cx="2888043" cy="375078"/>
+            <a:off x="5622198" y="860871"/>
+            <a:ext cx="2888043" cy="369332"/>
           </a:xfrm>
           <a:prstGeom prst="rect">
             <a:avLst/>
@@ -4595,7 +5863,7 @@
 </p:sld>
 </file>
 
-<file path=ppt/slides/slide13.xml><?xml version="1.0" encoding="utf-8"?>
+<file path=ppt/slides/slide17.xml><?xml version="1.0" encoding="utf-8"?>
 <p:sld xmlns:a="http://schemas.openxmlformats.org/drawingml/2006/main" xmlns:r="http://schemas.openxmlformats.org/officeDocument/2006/relationships" xmlns:p="http://schemas.openxmlformats.org/presentationml/2006/main">
   <p:cSld>
     <p:spTree>
@@ -4646,7 +5914,7 @@
         </p:blipFill>
         <p:spPr>
           <a:xfrm>
-            <a:off x="3770921" y="1077132"/>
+            <a:off x="3770923" y="1077134"/>
             <a:ext cx="3664007" cy="3674477"/>
           </a:xfrm>
           <a:prstGeom prst="rect">
@@ -4668,8 +5936,8 @@
         </p:nvSpPr>
         <p:spPr>
           <a:xfrm>
-            <a:off x="5348736" y="4384263"/>
-            <a:ext cx="2888043" cy="375078"/>
+            <a:off x="5348738" y="4384263"/>
+            <a:ext cx="2888043" cy="369332"/>
           </a:xfrm>
           <a:prstGeom prst="rect">
             <a:avLst/>
@@ -4720,8 +5988,8 @@
         </p:nvSpPr>
         <p:spPr>
           <a:xfrm>
-            <a:off x="5348736" y="4384263"/>
-            <a:ext cx="2888043" cy="375078"/>
+            <a:off x="5348738" y="4384263"/>
+            <a:ext cx="2888043" cy="369332"/>
           </a:xfrm>
           <a:prstGeom prst="rect">
             <a:avLst/>
@@ -4772,8 +6040,8 @@
         </p:nvSpPr>
         <p:spPr>
           <a:xfrm>
-            <a:off x="5622196" y="860871"/>
-            <a:ext cx="2888043" cy="375078"/>
+            <a:off x="5622198" y="860871"/>
+            <a:ext cx="2888043" cy="369332"/>
           </a:xfrm>
           <a:prstGeom prst="rect">
             <a:avLst/>
@@ -4869,7 +6137,7 @@
 </p:sld>
 </file>
 
-<file path=ppt/slides/slide14.xml><?xml version="1.0" encoding="utf-8"?>
+<file path=ppt/slides/slide18.xml><?xml version="1.0" encoding="utf-8"?>
 <p:sld xmlns:a="http://schemas.openxmlformats.org/drawingml/2006/main" xmlns:r="http://schemas.openxmlformats.org/officeDocument/2006/relationships" xmlns:p="http://schemas.openxmlformats.org/presentationml/2006/main">
   <p:cSld>
     <p:spTree>
@@ -4915,7 +6183,7 @@
         </p:blipFill>
         <p:spPr bwMode="auto">
           <a:xfrm>
-            <a:off x="0" y="385763"/>
+            <a:off x="0" y="385764"/>
             <a:ext cx="12192000" cy="6086475"/>
           </a:xfrm>
           <a:prstGeom prst="rect">
@@ -4946,7 +6214,7 @@
 </p:sld>
 </file>
 
-<file path=ppt/slides/slide15.xml><?xml version="1.0" encoding="utf-8"?>
+<file path=ppt/slides/slide19.xml><?xml version="1.0" encoding="utf-8"?>
 <p:sld xmlns:a="http://schemas.openxmlformats.org/drawingml/2006/main" xmlns:r="http://schemas.openxmlformats.org/officeDocument/2006/relationships" xmlns:p="http://schemas.openxmlformats.org/presentationml/2006/main">
   <p:cSld>
     <p:spTree>
@@ -4992,7 +6260,7 @@
         </p:blipFill>
         <p:spPr bwMode="auto">
           <a:xfrm>
-            <a:off x="2319454" y="3356162"/>
+            <a:off x="2315401" y="3429000"/>
             <a:ext cx="4765873" cy="1122389"/>
           </a:xfrm>
           <a:prstGeom prst="rect">
@@ -5035,10 +6303,10 @@
       </p:pic>
       <p:pic>
         <p:nvPicPr>
-          <p:cNvPr id="4" name="Picture 3" descr="A yellow sun with a blue banner&#10;&#10;AI-generated content may be incorrect.">
-            <a:extLst>
-              <a:ext uri="{FF2B5EF4-FFF2-40B4-BE49-F238E27FC236}">
-                <a16:creationId xmlns:a16="http://schemas.microsoft.com/office/drawing/2014/main" id="{6F2C8E6F-42F1-C26E-B669-0D992B47C18A}"/>
+          <p:cNvPr id="6" name="Picture 5" descr="A blue circle with white text and yellow circle&#10;&#10;AI-generated content may be incorrect.">
+            <a:extLst>
+              <a:ext uri="{FF2B5EF4-FFF2-40B4-BE49-F238E27FC236}">
+                <a16:creationId xmlns:a16="http://schemas.microsoft.com/office/drawing/2014/main" id="{B94F5F6C-5519-6575-4395-C1DE627C922E}"/>
               </a:ext>
             </a:extLst>
           </p:cNvPr>
@@ -5049,42 +6317,6 @@
         </p:nvPicPr>
         <p:blipFill>
           <a:blip r:embed="rId3">
-            <a:extLst>
-              <a:ext uri="{28A0092B-C50C-407E-A947-70E740481C1C}">
-                <a14:useLocalDpi xmlns:a14="http://schemas.microsoft.com/office/drawing/2010/main" val="0"/>
-              </a:ext>
-            </a:extLst>
-          </a:blip>
-          <a:stretch>
-            <a:fillRect/>
-          </a:stretch>
-        </p:blipFill>
-        <p:spPr>
-          <a:xfrm>
-            <a:off x="3826584" y="1516566"/>
-            <a:ext cx="1815847" cy="1912434"/>
-          </a:xfrm>
-          <a:prstGeom prst="rect">
-            <a:avLst/>
-          </a:prstGeom>
-        </p:spPr>
-      </p:pic>
-      <p:pic>
-        <p:nvPicPr>
-          <p:cNvPr id="6" name="Picture 5" descr="A blue circle with white text and yellow circle&#10;&#10;AI-generated content may be incorrect.">
-            <a:extLst>
-              <a:ext uri="{FF2B5EF4-FFF2-40B4-BE49-F238E27FC236}">
-                <a16:creationId xmlns:a16="http://schemas.microsoft.com/office/drawing/2014/main" id="{B94F5F6C-5519-6575-4395-C1DE627C922E}"/>
-              </a:ext>
-            </a:extLst>
-          </p:cNvPr>
-          <p:cNvPicPr>
-            <a:picLocks noChangeAspect="1"/>
-          </p:cNvPicPr>
-          <p:nvPr/>
-        </p:nvPicPr>
-        <p:blipFill>
-          <a:blip r:embed="rId4">
             <a:extLst>
               <a:ext uri="{28A0092B-C50C-407E-A947-70E740481C1C}">
                 <a14:useLocalDpi xmlns:a14="http://schemas.microsoft.com/office/drawing/2010/main" val="0"/>
@@ -5105,42 +6337,99 @@
           </a:prstGeom>
         </p:spPr>
       </p:pic>
-      <p:pic>
-        <p:nvPicPr>
-          <p:cNvPr id="8" name="Picture 7" descr="A logo for hispanic community health study&#10;&#10;AI-generated content may be incorrect.">
-            <a:extLst>
-              <a:ext uri="{FF2B5EF4-FFF2-40B4-BE49-F238E27FC236}">
-                <a16:creationId xmlns:a16="http://schemas.microsoft.com/office/drawing/2014/main" id="{DF09FC3D-1F02-070E-6C66-56BA46DF1E4D}"/>
-              </a:ext>
-            </a:extLst>
-          </p:cNvPr>
-          <p:cNvPicPr>
-            <a:picLocks noChangeAspect="1"/>
-          </p:cNvPicPr>
+      <p:grpSp>
+        <p:nvGrpSpPr>
+          <p:cNvPr id="3" name="Group 2">
+            <a:extLst>
+              <a:ext uri="{FF2B5EF4-FFF2-40B4-BE49-F238E27FC236}">
+                <a16:creationId xmlns:a16="http://schemas.microsoft.com/office/drawing/2014/main" id="{AF0A491B-5677-98BC-6CBB-95DF5B0E38D8}"/>
+              </a:ext>
+            </a:extLst>
+          </p:cNvPr>
+          <p:cNvGrpSpPr/>
           <p:nvPr/>
-        </p:nvPicPr>
-        <p:blipFill>
-          <a:blip r:embed="rId5">
-            <a:extLst>
-              <a:ext uri="{28A0092B-C50C-407E-A947-70E740481C1C}">
-                <a14:useLocalDpi xmlns:a14="http://schemas.microsoft.com/office/drawing/2010/main" val="0"/>
-              </a:ext>
-            </a:extLst>
-          </a:blip>
-          <a:stretch>
-            <a:fillRect/>
-          </a:stretch>
-        </p:blipFill>
-        <p:spPr>
+        </p:nvGrpSpPr>
+        <p:grpSpPr>
           <a:xfrm>
-            <a:off x="1884557" y="1537098"/>
-            <a:ext cx="1928336" cy="1819064"/>
+            <a:off x="1884557" y="1516566"/>
+            <a:ext cx="3757874" cy="1912434"/>
+            <a:chOff x="1884557" y="1516566"/>
+            <a:chExt cx="3757874" cy="1912434"/>
           </a:xfrm>
-          <a:prstGeom prst="rect">
-            <a:avLst/>
-          </a:prstGeom>
-        </p:spPr>
-      </p:pic>
+        </p:grpSpPr>
+        <p:pic>
+          <p:nvPicPr>
+            <p:cNvPr id="4" name="Picture 3" descr="A yellow sun with a blue banner&#10;&#10;AI-generated content may be incorrect.">
+              <a:extLst>
+                <a:ext uri="{FF2B5EF4-FFF2-40B4-BE49-F238E27FC236}">
+                  <a16:creationId xmlns:a16="http://schemas.microsoft.com/office/drawing/2014/main" id="{6F2C8E6F-42F1-C26E-B669-0D992B47C18A}"/>
+                </a:ext>
+              </a:extLst>
+            </p:cNvPr>
+            <p:cNvPicPr>
+              <a:picLocks noChangeAspect="1"/>
+            </p:cNvPicPr>
+            <p:nvPr/>
+          </p:nvPicPr>
+          <p:blipFill>
+            <a:blip r:embed="rId4">
+              <a:extLst>
+                <a:ext uri="{28A0092B-C50C-407E-A947-70E740481C1C}">
+                  <a14:useLocalDpi xmlns:a14="http://schemas.microsoft.com/office/drawing/2010/main" val="0"/>
+                </a:ext>
+              </a:extLst>
+            </a:blip>
+            <a:stretch>
+              <a:fillRect/>
+            </a:stretch>
+          </p:blipFill>
+          <p:spPr>
+            <a:xfrm>
+              <a:off x="3826584" y="1516566"/>
+              <a:ext cx="1815847" cy="1912434"/>
+            </a:xfrm>
+            <a:prstGeom prst="rect">
+              <a:avLst/>
+            </a:prstGeom>
+          </p:spPr>
+        </p:pic>
+        <p:pic>
+          <p:nvPicPr>
+            <p:cNvPr id="8" name="Picture 7" descr="A logo for hispanic community health study&#10;&#10;AI-generated content may be incorrect.">
+              <a:extLst>
+                <a:ext uri="{FF2B5EF4-FFF2-40B4-BE49-F238E27FC236}">
+                  <a16:creationId xmlns:a16="http://schemas.microsoft.com/office/drawing/2014/main" id="{DF09FC3D-1F02-070E-6C66-56BA46DF1E4D}"/>
+                </a:ext>
+              </a:extLst>
+            </p:cNvPr>
+            <p:cNvPicPr>
+              <a:picLocks noChangeAspect="1"/>
+            </p:cNvPicPr>
+            <p:nvPr/>
+          </p:nvPicPr>
+          <p:blipFill>
+            <a:blip r:embed="rId5">
+              <a:extLst>
+                <a:ext uri="{28A0092B-C50C-407E-A947-70E740481C1C}">
+                  <a14:useLocalDpi xmlns:a14="http://schemas.microsoft.com/office/drawing/2010/main" val="0"/>
+                </a:ext>
+              </a:extLst>
+            </a:blip>
+            <a:stretch>
+              <a:fillRect/>
+            </a:stretch>
+          </p:blipFill>
+          <p:spPr>
+            <a:xfrm>
+              <a:off x="1884557" y="1537098"/>
+              <a:ext cx="1928336" cy="1819064"/>
+            </a:xfrm>
+            <a:prstGeom prst="rect">
+              <a:avLst/>
+            </a:prstGeom>
+          </p:spPr>
+        </p:pic>
+      </p:grpSp>
     </p:spTree>
     <p:extLst>
       <p:ext uri="{BB962C8B-B14F-4D97-AF65-F5344CB8AC3E}">
@@ -5154,7 +6443,242 @@
 </p:sld>
 </file>
 
-<file path=ppt/slides/slide16.xml><?xml version="1.0" encoding="utf-8"?>
+<file path=ppt/slides/slide2.xml><?xml version="1.0" encoding="utf-8"?>
+<p:sld xmlns:a="http://schemas.openxmlformats.org/drawingml/2006/main" xmlns:r="http://schemas.openxmlformats.org/officeDocument/2006/relationships" xmlns:p="http://schemas.openxmlformats.org/presentationml/2006/main">
+  <p:cSld>
+    <p:spTree>
+      <p:nvGrpSpPr>
+        <p:cNvPr id="1" name=""/>
+        <p:cNvGrpSpPr/>
+        <p:nvPr/>
+      </p:nvGrpSpPr>
+      <p:grpSpPr>
+        <a:xfrm>
+          <a:off x="0" y="0"/>
+          <a:ext cx="0" cy="0"/>
+          <a:chOff x="0" y="0"/>
+          <a:chExt cx="0" cy="0"/>
+        </a:xfrm>
+      </p:grpSpPr>
+      <p:pic>
+        <p:nvPicPr>
+          <p:cNvPr id="8" name="Picture 7">
+            <a:extLst>
+              <a:ext uri="{FF2B5EF4-FFF2-40B4-BE49-F238E27FC236}">
+                <a16:creationId xmlns:a16="http://schemas.microsoft.com/office/drawing/2014/main" id="{7CF60D68-0945-4B21-D482-93ADDB70AC0D}"/>
+              </a:ext>
+            </a:extLst>
+          </p:cNvPr>
+          <p:cNvPicPr>
+            <a:picLocks noChangeAspect="1"/>
+          </p:cNvPicPr>
+          <p:nvPr/>
+        </p:nvPicPr>
+        <p:blipFill>
+          <a:blip r:embed="rId2"/>
+          <a:stretch>
+            <a:fillRect/>
+          </a:stretch>
+        </p:blipFill>
+        <p:spPr>
+          <a:xfrm>
+            <a:off x="308095" y="412495"/>
+            <a:ext cx="6979009" cy="1873346"/>
+          </a:xfrm>
+          <a:prstGeom prst="rect">
+            <a:avLst/>
+          </a:prstGeom>
+          <a:ln>
+            <a:noFill/>
+          </a:ln>
+          <a:effectLst>
+            <a:outerShdw blurRad="292100" dist="139700" dir="2700000" algn="tl" rotWithShape="0">
+              <a:srgbClr val="333333">
+                <a:alpha val="65000"/>
+              </a:srgbClr>
+            </a:outerShdw>
+          </a:effectLst>
+        </p:spPr>
+      </p:pic>
+      <p:pic>
+        <p:nvPicPr>
+          <p:cNvPr id="15" name="Picture 14" descr="A screenshot of a website&#10;&#10;AI-generated content may be incorrect.">
+            <a:extLst>
+              <a:ext uri="{FF2B5EF4-FFF2-40B4-BE49-F238E27FC236}">
+                <a16:creationId xmlns:a16="http://schemas.microsoft.com/office/drawing/2014/main" id="{B5190DA8-CD17-E786-7287-C40914DB5746}"/>
+              </a:ext>
+            </a:extLst>
+          </p:cNvPr>
+          <p:cNvPicPr>
+            <a:picLocks noChangeAspect="1"/>
+          </p:cNvPicPr>
+          <p:nvPr/>
+        </p:nvPicPr>
+        <p:blipFill>
+          <a:blip r:embed="rId3">
+            <a:extLst>
+              <a:ext uri="{28A0092B-C50C-407E-A947-70E740481C1C}">
+                <a14:useLocalDpi xmlns:a14="http://schemas.microsoft.com/office/drawing/2010/main" val="0"/>
+              </a:ext>
+            </a:extLst>
+          </a:blip>
+          <a:stretch>
+            <a:fillRect/>
+          </a:stretch>
+        </p:blipFill>
+        <p:spPr>
+          <a:xfrm>
+            <a:off x="266700" y="2395876"/>
+            <a:ext cx="5829300" cy="2438400"/>
+          </a:xfrm>
+          <a:prstGeom prst="rect">
+            <a:avLst/>
+          </a:prstGeom>
+          <a:ln>
+            <a:noFill/>
+          </a:ln>
+          <a:effectLst>
+            <a:outerShdw blurRad="292100" dist="139700" dir="2700000" algn="tl" rotWithShape="0">
+              <a:srgbClr val="333333">
+                <a:alpha val="65000"/>
+              </a:srgbClr>
+            </a:outerShdw>
+          </a:effectLst>
+        </p:spPr>
+      </p:pic>
+      <p:pic>
+        <p:nvPicPr>
+          <p:cNvPr id="13" name="Picture 12">
+            <a:extLst>
+              <a:ext uri="{FF2B5EF4-FFF2-40B4-BE49-F238E27FC236}">
+                <a16:creationId xmlns:a16="http://schemas.microsoft.com/office/drawing/2014/main" id="{F361407D-8193-7DB3-7F3F-C33B735F5174}"/>
+              </a:ext>
+            </a:extLst>
+          </p:cNvPr>
+          <p:cNvPicPr>
+            <a:picLocks noChangeAspect="1"/>
+          </p:cNvPicPr>
+          <p:nvPr/>
+        </p:nvPicPr>
+        <p:blipFill>
+          <a:blip r:embed="rId4"/>
+          <a:stretch>
+            <a:fillRect/>
+          </a:stretch>
+        </p:blipFill>
+        <p:spPr>
+          <a:xfrm>
+            <a:off x="5400224" y="2112651"/>
+            <a:ext cx="6483683" cy="2082907"/>
+          </a:xfrm>
+          <a:prstGeom prst="rect">
+            <a:avLst/>
+          </a:prstGeom>
+          <a:ln>
+            <a:noFill/>
+          </a:ln>
+          <a:effectLst>
+            <a:outerShdw blurRad="292100" dist="139700" dir="2700000" algn="tl" rotWithShape="0">
+              <a:srgbClr val="333333">
+                <a:alpha val="65000"/>
+              </a:srgbClr>
+            </a:outerShdw>
+          </a:effectLst>
+        </p:spPr>
+      </p:pic>
+      <p:pic>
+        <p:nvPicPr>
+          <p:cNvPr id="7" name="Picture 6">
+            <a:extLst>
+              <a:ext uri="{FF2B5EF4-FFF2-40B4-BE49-F238E27FC236}">
+                <a16:creationId xmlns:a16="http://schemas.microsoft.com/office/drawing/2014/main" id="{9AAD8B8B-146F-A85A-7731-3DB18199846A}"/>
+              </a:ext>
+            </a:extLst>
+          </p:cNvPr>
+          <p:cNvPicPr>
+            <a:picLocks noChangeAspect="1"/>
+          </p:cNvPicPr>
+          <p:nvPr/>
+        </p:nvPicPr>
+        <p:blipFill>
+          <a:blip r:embed="rId5"/>
+          <a:srcRect b="16593"/>
+          <a:stretch/>
+        </p:blipFill>
+        <p:spPr>
+          <a:xfrm>
+            <a:off x="4344029" y="4305591"/>
+            <a:ext cx="6255071" cy="2319904"/>
+          </a:xfrm>
+          <a:prstGeom prst="rect">
+            <a:avLst/>
+          </a:prstGeom>
+          <a:ln>
+            <a:noFill/>
+          </a:ln>
+          <a:effectLst>
+            <a:outerShdw blurRad="292100" dist="139700" dir="2700000" algn="tl" rotWithShape="0">
+              <a:srgbClr val="333333">
+                <a:alpha val="65000"/>
+              </a:srgbClr>
+            </a:outerShdw>
+          </a:effectLst>
+        </p:spPr>
+      </p:pic>
+      <p:pic>
+        <p:nvPicPr>
+          <p:cNvPr id="21" name="Picture 20">
+            <a:extLst>
+              <a:ext uri="{FF2B5EF4-FFF2-40B4-BE49-F238E27FC236}">
+                <a16:creationId xmlns:a16="http://schemas.microsoft.com/office/drawing/2014/main" id="{47722E75-03F7-2A73-05B3-36B267E7BEA8}"/>
+              </a:ext>
+            </a:extLst>
+          </p:cNvPr>
+          <p:cNvPicPr>
+            <a:picLocks noChangeAspect="1"/>
+          </p:cNvPicPr>
+          <p:nvPr/>
+        </p:nvPicPr>
+        <p:blipFill>
+          <a:blip r:embed="rId6"/>
+          <a:stretch>
+            <a:fillRect/>
+          </a:stretch>
+        </p:blipFill>
+        <p:spPr>
+          <a:xfrm>
+            <a:off x="308095" y="5023044"/>
+            <a:ext cx="3787656" cy="1436193"/>
+          </a:xfrm>
+          <a:prstGeom prst="rect">
+            <a:avLst/>
+          </a:prstGeom>
+          <a:ln>
+            <a:noFill/>
+          </a:ln>
+          <a:effectLst>
+            <a:outerShdw blurRad="292100" dist="139700" dir="2700000" algn="tl" rotWithShape="0">
+              <a:srgbClr val="333333">
+                <a:alpha val="65000"/>
+              </a:srgbClr>
+            </a:outerShdw>
+          </a:effectLst>
+        </p:spPr>
+      </p:pic>
+    </p:spTree>
+    <p:extLst>
+      <p:ext uri="{BB962C8B-B14F-4D97-AF65-F5344CB8AC3E}">
+        <p14:creationId xmlns:p14="http://schemas.microsoft.com/office/powerpoint/2010/main" val="3334917302"/>
+      </p:ext>
+    </p:extLst>
+  </p:cSld>
+  <p:clrMapOvr>
+    <a:masterClrMapping/>
+  </p:clrMapOvr>
+</p:sld>
+</file>
+
+<file path=ppt/slides/slide20.xml><?xml version="1.0" encoding="utf-8"?>
 <p:sld xmlns:a="http://schemas.openxmlformats.org/drawingml/2006/main" xmlns:r="http://schemas.openxmlformats.org/officeDocument/2006/relationships" xmlns:p="http://schemas.openxmlformats.org/presentationml/2006/main">
   <p:cSld>
     <p:spTree>
@@ -5185,7 +6709,7 @@
         </p:nvGrpSpPr>
         <p:grpSpPr>
           <a:xfrm>
-            <a:off x="6054348" y="1482244"/>
+            <a:off x="6054348" y="1482246"/>
             <a:ext cx="4577894" cy="4509665"/>
             <a:chOff x="823875" y="2551735"/>
             <a:chExt cx="4577894" cy="4509665"/>
@@ -5311,7 +6835,7 @@
         </p:nvSpPr>
         <p:spPr bwMode="auto">
           <a:xfrm rot="16200000">
-            <a:off x="4240539" y="3539954"/>
+            <a:off x="4240541" y="3539956"/>
             <a:ext cx="3250277" cy="307777"/>
           </a:xfrm>
           <a:prstGeom prst="rect">
@@ -5357,7 +6881,7 @@
         </p:nvSpPr>
         <p:spPr bwMode="auto">
           <a:xfrm>
-            <a:off x="7136636" y="5901520"/>
+            <a:off x="7136638" y="5901522"/>
             <a:ext cx="3250277" cy="307777"/>
           </a:xfrm>
           <a:prstGeom prst="rect">
@@ -6232,7 +7756,7 @@
 </p:sld>
 </file>
 
-<file path=ppt/slides/slide17.xml><?xml version="1.0" encoding="utf-8"?>
+<file path=ppt/slides/slide21.xml><?xml version="1.0" encoding="utf-8"?>
 <p:sld xmlns:a="http://schemas.openxmlformats.org/drawingml/2006/main" xmlns:r="http://schemas.openxmlformats.org/officeDocument/2006/relationships" xmlns:p="http://schemas.openxmlformats.org/presentationml/2006/main">
   <p:cSld>
     <p:spTree>
@@ -6390,7 +7914,7 @@
 </p:sld>
 </file>
 
-<file path=ppt/slides/slide2.xml><?xml version="1.0" encoding="utf-8"?>
+<file path=ppt/slides/slide22.xml><?xml version="1.0" encoding="utf-8"?>
 <p:sld xmlns:a="http://schemas.openxmlformats.org/drawingml/2006/main" xmlns:r="http://schemas.openxmlformats.org/officeDocument/2006/relationships" xmlns:p="http://schemas.openxmlformats.org/presentationml/2006/main">
   <p:cSld>
     <p:spTree>
@@ -6407,215 +7931,2693 @@
           <a:chExt cx="0" cy="0"/>
         </a:xfrm>
       </p:grpSpPr>
-      <p:pic>
-        <p:nvPicPr>
-          <p:cNvPr id="8" name="Picture 7">
-            <a:extLst>
-              <a:ext uri="{FF2B5EF4-FFF2-40B4-BE49-F238E27FC236}">
-                <a16:creationId xmlns:a16="http://schemas.microsoft.com/office/drawing/2014/main" id="{7CF60D68-0945-4B21-D482-93ADDB70AC0D}"/>
-              </a:ext>
-            </a:extLst>
-          </p:cNvPr>
-          <p:cNvPicPr>
-            <a:picLocks noChangeAspect="1"/>
-          </p:cNvPicPr>
+      <p:sp>
+        <p:nvSpPr>
+          <p:cNvPr id="2" name="Rectangle: Rounded Corners 3">
+            <a:extLst>
+              <a:ext uri="{FF2B5EF4-FFF2-40B4-BE49-F238E27FC236}">
+                <a16:creationId xmlns:a16="http://schemas.microsoft.com/office/drawing/2014/main" id="{AC097F03-3700-F631-2BBE-11788885F51B}"/>
+              </a:ext>
+            </a:extLst>
+          </p:cNvPr>
+          <p:cNvSpPr/>
           <p:nvPr/>
-        </p:nvPicPr>
-        <p:blipFill>
-          <a:blip r:embed="rId2"/>
-          <a:stretch>
-            <a:fillRect/>
-          </a:stretch>
-        </p:blipFill>
+        </p:nvSpPr>
         <p:spPr>
           <a:xfrm>
-            <a:off x="308095" y="412495"/>
-            <a:ext cx="6979009" cy="1873346"/>
+            <a:off x="89264" y="63264"/>
+            <a:ext cx="1623705" cy="885290"/>
           </a:xfrm>
-          <a:prstGeom prst="rect">
+          <a:prstGeom prst="roundRect">
+            <a:avLst/>
+          </a:prstGeom>
+          <a:solidFill>
+            <a:schemeClr val="bg1"/>
+          </a:solidFill>
+          <a:ln w="19050">
+            <a:solidFill>
+              <a:srgbClr val="FFB81C"/>
+            </a:solidFill>
+          </a:ln>
+        </p:spPr>
+        <p:style>
+          <a:lnRef idx="2">
+            <a:schemeClr val="accent1">
+              <a:shade val="50000"/>
+            </a:schemeClr>
+          </a:lnRef>
+          <a:fillRef idx="1">
+            <a:schemeClr val="accent1"/>
+          </a:fillRef>
+          <a:effectRef idx="0">
+            <a:schemeClr val="accent1"/>
+          </a:effectRef>
+          <a:fontRef idx="minor">
+            <a:schemeClr val="lt1"/>
+          </a:fontRef>
+        </p:style>
+        <p:txBody>
+          <a:bodyPr rtlCol="0" anchor="ctr"/>
+          <a:lstStyle/>
+          <a:p>
+            <a:pPr algn="ctr"/>
+            <a:r>
+              <a:rPr lang="en-US" sz="1200" b="1" u="sng" dirty="0">
+                <a:solidFill>
+                  <a:schemeClr val="tx1"/>
+                </a:solidFill>
+              </a:rPr>
+              <a:t>Occupational Stimulation</a:t>
+            </a:r>
+          </a:p>
+          <a:p>
+            <a:pPr algn="ctr"/>
+            <a:r>
+              <a:rPr lang="en-US" sz="1200" dirty="0">
+                <a:solidFill>
+                  <a:schemeClr val="tx1"/>
+                </a:solidFill>
+              </a:rPr>
+              <a:t>Complexity</a:t>
+            </a:r>
+          </a:p>
+          <a:p>
+            <a:pPr algn="ctr"/>
+            <a:r>
+              <a:rPr lang="en-US" sz="1200" dirty="0">
+                <a:solidFill>
+                  <a:schemeClr val="tx1"/>
+                </a:solidFill>
+              </a:rPr>
+              <a:t>Decision authority</a:t>
+            </a:r>
+          </a:p>
+          <a:p>
+            <a:pPr algn="ctr"/>
+            <a:r>
+              <a:rPr lang="en-US" sz="1200" dirty="0">
+                <a:solidFill>
+                  <a:schemeClr val="tx1"/>
+                </a:solidFill>
+              </a:rPr>
+              <a:t>Skill discretion</a:t>
+            </a:r>
+          </a:p>
+        </p:txBody>
+      </p:sp>
+      <p:sp>
+        <p:nvSpPr>
+          <p:cNvPr id="5" name="Rectangle: Rounded Corners 10">
+            <a:extLst>
+              <a:ext uri="{FF2B5EF4-FFF2-40B4-BE49-F238E27FC236}">
+                <a16:creationId xmlns:a16="http://schemas.microsoft.com/office/drawing/2014/main" id="{BCB36C49-3B1F-5551-DCCD-B0D9E7BEEB5B}"/>
+              </a:ext>
+            </a:extLst>
+          </p:cNvPr>
+          <p:cNvSpPr/>
+          <p:nvPr/>
+        </p:nvSpPr>
+        <p:spPr>
+          <a:xfrm>
+            <a:off x="4093578" y="823668"/>
+            <a:ext cx="1243051" cy="487896"/>
+          </a:xfrm>
+          <a:prstGeom prst="roundRect">
+            <a:avLst/>
+          </a:prstGeom>
+          <a:solidFill>
+            <a:schemeClr val="bg1"/>
+          </a:solidFill>
+          <a:ln w="19050">
+            <a:solidFill>
+              <a:srgbClr val="7030A0"/>
+            </a:solidFill>
+          </a:ln>
+        </p:spPr>
+        <p:style>
+          <a:lnRef idx="2">
+            <a:schemeClr val="accent1">
+              <a:shade val="50000"/>
+            </a:schemeClr>
+          </a:lnRef>
+          <a:fillRef idx="1">
+            <a:schemeClr val="accent1"/>
+          </a:fillRef>
+          <a:effectRef idx="0">
+            <a:schemeClr val="accent1"/>
+          </a:effectRef>
+          <a:fontRef idx="minor">
+            <a:schemeClr val="lt1"/>
+          </a:fontRef>
+        </p:style>
+        <p:txBody>
+          <a:bodyPr lIns="0" tIns="0" rIns="0" bIns="0" rtlCol="0" anchor="ctr"/>
+          <a:lstStyle/>
+          <a:p>
+            <a:pPr algn="ctr"/>
+            <a:r>
+              <a:rPr lang="en-US" sz="1200" b="1" dirty="0">
+                <a:solidFill>
+                  <a:schemeClr val="tx1"/>
+                </a:solidFill>
+              </a:rPr>
+              <a:t>Brain and cognitive health </a:t>
+            </a:r>
+          </a:p>
+        </p:txBody>
+      </p:sp>
+      <p:sp>
+        <p:nvSpPr>
+          <p:cNvPr id="11" name="Rectangle: Rounded Corners 4">
+            <a:extLst>
+              <a:ext uri="{FF2B5EF4-FFF2-40B4-BE49-F238E27FC236}">
+                <a16:creationId xmlns:a16="http://schemas.microsoft.com/office/drawing/2014/main" id="{34FEDD15-5693-9B88-1282-C1D16D05B3AD}"/>
+              </a:ext>
+            </a:extLst>
+          </p:cNvPr>
+          <p:cNvSpPr/>
+          <p:nvPr/>
+        </p:nvSpPr>
+        <p:spPr>
+          <a:xfrm>
+            <a:off x="2118456" y="1231604"/>
+            <a:ext cx="1623703" cy="883585"/>
+          </a:xfrm>
+          <a:prstGeom prst="roundRect">
+            <a:avLst/>
+          </a:prstGeom>
+          <a:solidFill>
+            <a:schemeClr val="bg1"/>
+          </a:solidFill>
+          <a:ln w="19050">
+            <a:solidFill>
+              <a:srgbClr val="0B76A0"/>
+            </a:solidFill>
+          </a:ln>
+        </p:spPr>
+        <p:style>
+          <a:lnRef idx="2">
+            <a:schemeClr val="accent1">
+              <a:shade val="50000"/>
+            </a:schemeClr>
+          </a:lnRef>
+          <a:fillRef idx="1">
+            <a:schemeClr val="accent1"/>
+          </a:fillRef>
+          <a:effectRef idx="0">
+            <a:schemeClr val="accent1"/>
+          </a:effectRef>
+          <a:fontRef idx="minor">
+            <a:schemeClr val="lt1"/>
+          </a:fontRef>
+        </p:style>
+        <p:txBody>
+          <a:bodyPr lIns="0" tIns="0" rIns="0" bIns="0" rtlCol="0" anchor="ctr"/>
+          <a:lstStyle/>
+          <a:p>
+            <a:pPr marL="91440" indent="-91440">
+              <a:buFont typeface="Arial" panose="020B0604020202020204" pitchFamily="34" charset="0"/>
+              <a:buChar char="•"/>
+            </a:pPr>
+            <a:r>
+              <a:rPr lang="en-US" sz="1200" dirty="0">
+                <a:solidFill>
+                  <a:schemeClr val="tx1"/>
+                </a:solidFill>
+              </a:rPr>
+              <a:t>Vascular risk</a:t>
+            </a:r>
+          </a:p>
+          <a:p>
+            <a:pPr marL="91440" indent="-91440">
+              <a:buFont typeface="Arial" panose="020B0604020202020204" pitchFamily="34" charset="0"/>
+              <a:buChar char="•"/>
+            </a:pPr>
+            <a:r>
+              <a:rPr lang="en-US" sz="1200" dirty="0">
+                <a:solidFill>
+                  <a:schemeClr val="tx1"/>
+                </a:solidFill>
+              </a:rPr>
+              <a:t>Cortisol regulation</a:t>
+            </a:r>
+          </a:p>
+          <a:p>
+            <a:pPr marL="91440" indent="-91440">
+              <a:buFont typeface="Arial" panose="020B0604020202020204" pitchFamily="34" charset="0"/>
+              <a:buChar char="•"/>
+            </a:pPr>
+            <a:r>
+              <a:rPr lang="en-US" sz="1200" dirty="0">
+                <a:solidFill>
+                  <a:schemeClr val="tx1"/>
+                </a:solidFill>
+              </a:rPr>
+              <a:t>Metabolic disorders</a:t>
+            </a:r>
+          </a:p>
+          <a:p>
+            <a:pPr marL="91440" indent="-91440">
+              <a:buFont typeface="Arial" panose="020B0604020202020204" pitchFamily="34" charset="0"/>
+              <a:buChar char="•"/>
+            </a:pPr>
+            <a:r>
+              <a:rPr lang="en-US" sz="1200" dirty="0">
+                <a:solidFill>
+                  <a:schemeClr val="tx1"/>
+                </a:solidFill>
+              </a:rPr>
+              <a:t>Telomere shortening</a:t>
+            </a:r>
+          </a:p>
+        </p:txBody>
+      </p:sp>
+      <p:sp>
+        <p:nvSpPr>
+          <p:cNvPr id="12" name="Rectangle: Rounded Corners 14">
+            <a:extLst>
+              <a:ext uri="{FF2B5EF4-FFF2-40B4-BE49-F238E27FC236}">
+                <a16:creationId xmlns:a16="http://schemas.microsoft.com/office/drawing/2014/main" id="{EADC26FB-1B32-1185-2CC4-7986F8FCCBC5}"/>
+              </a:ext>
+            </a:extLst>
+          </p:cNvPr>
+          <p:cNvSpPr/>
+          <p:nvPr/>
+        </p:nvSpPr>
+        <p:spPr>
+          <a:xfrm>
+            <a:off x="2118457" y="63264"/>
+            <a:ext cx="1623702" cy="885289"/>
+          </a:xfrm>
+          <a:prstGeom prst="roundRect">
+            <a:avLst/>
+          </a:prstGeom>
+          <a:solidFill>
+            <a:schemeClr val="bg1"/>
+          </a:solidFill>
+          <a:ln w="19050">
+            <a:solidFill>
+              <a:srgbClr val="FFC000"/>
+            </a:solidFill>
+          </a:ln>
+        </p:spPr>
+        <p:style>
+          <a:lnRef idx="2">
+            <a:schemeClr val="accent1">
+              <a:shade val="50000"/>
+            </a:schemeClr>
+          </a:lnRef>
+          <a:fillRef idx="1">
+            <a:schemeClr val="accent1"/>
+          </a:fillRef>
+          <a:effectRef idx="0">
+            <a:schemeClr val="accent1"/>
+          </a:effectRef>
+          <a:fontRef idx="minor">
+            <a:schemeClr val="lt1"/>
+          </a:fontRef>
+        </p:style>
+        <p:txBody>
+          <a:bodyPr lIns="0" tIns="0" rIns="0" bIns="0" rtlCol="0" anchor="ctr"/>
+          <a:lstStyle/>
+          <a:p>
+            <a:pPr marL="91440" indent="-91440">
+              <a:buFont typeface="Arial" panose="020B0604020202020204" pitchFamily="34" charset="0"/>
+              <a:buChar char="•"/>
+            </a:pPr>
+            <a:r>
+              <a:rPr lang="en-US" sz="1200" dirty="0">
+                <a:solidFill>
+                  <a:schemeClr val="tx1"/>
+                </a:solidFill>
+              </a:rPr>
+              <a:t>Neurogenesis</a:t>
+            </a:r>
+          </a:p>
+          <a:p>
+            <a:pPr marL="91440" indent="-91440">
+              <a:buFont typeface="Arial" panose="020B0604020202020204" pitchFamily="34" charset="0"/>
+              <a:buChar char="•"/>
+            </a:pPr>
+            <a:r>
+              <a:rPr lang="en-US" sz="1200" dirty="0">
+                <a:solidFill>
+                  <a:schemeClr val="tx1"/>
+                </a:solidFill>
+              </a:rPr>
+              <a:t>Neuroprotection</a:t>
+            </a:r>
+          </a:p>
+          <a:p>
+            <a:pPr marL="91440" indent="-91440">
+              <a:buFont typeface="Arial" panose="020B0604020202020204" pitchFamily="34" charset="0"/>
+              <a:buChar char="•"/>
+            </a:pPr>
+            <a:r>
+              <a:rPr lang="en-US" sz="1200" dirty="0">
+                <a:solidFill>
+                  <a:schemeClr val="tx1"/>
+                </a:solidFill>
+              </a:rPr>
+              <a:t>Neuroplasticity</a:t>
+            </a:r>
+          </a:p>
+          <a:p>
+            <a:pPr marL="91440" indent="-91440">
+              <a:buFont typeface="Arial" panose="020B0604020202020204" pitchFamily="34" charset="0"/>
+              <a:buChar char="•"/>
+            </a:pPr>
+            <a:r>
+              <a:rPr lang="en-US" sz="1200" dirty="0">
+                <a:solidFill>
+                  <a:schemeClr val="tx1"/>
+                </a:solidFill>
+              </a:rPr>
+              <a:t>Vascular health</a:t>
+            </a:r>
+          </a:p>
+        </p:txBody>
+      </p:sp>
+      <p:sp>
+        <p:nvSpPr>
+          <p:cNvPr id="15" name="Rectangle: Rounded Corners 3">
+            <a:extLst>
+              <a:ext uri="{FF2B5EF4-FFF2-40B4-BE49-F238E27FC236}">
+                <a16:creationId xmlns:a16="http://schemas.microsoft.com/office/drawing/2014/main" id="{5553EBEE-E577-F2F2-7375-B913DDE7C3BA}"/>
+              </a:ext>
+            </a:extLst>
+          </p:cNvPr>
+          <p:cNvSpPr/>
+          <p:nvPr/>
+        </p:nvSpPr>
+        <p:spPr>
+          <a:xfrm>
+            <a:off x="89263" y="1229900"/>
+            <a:ext cx="1623705" cy="885290"/>
+          </a:xfrm>
+          <a:prstGeom prst="roundRect">
             <a:avLst/>
           </a:prstGeom>
           <a:ln>
-            <a:noFill/>
+            <a:solidFill>
+              <a:srgbClr val="0B76A0"/>
+            </a:solidFill>
           </a:ln>
-          <a:effectLst>
-            <a:outerShdw blurRad="292100" dist="139700" dir="2700000" algn="tl" rotWithShape="0">
-              <a:srgbClr val="333333">
-                <a:alpha val="65000"/>
-              </a:srgbClr>
-            </a:outerShdw>
-          </a:effectLst>
         </p:spPr>
-      </p:pic>
-      <p:pic>
-        <p:nvPicPr>
-          <p:cNvPr id="15" name="Picture 14" descr="A screenshot of a website&#10;&#10;AI-generated content may be incorrect.">
-            <a:extLst>
-              <a:ext uri="{FF2B5EF4-FFF2-40B4-BE49-F238E27FC236}">
-                <a16:creationId xmlns:a16="http://schemas.microsoft.com/office/drawing/2014/main" id="{B5190DA8-CD17-E786-7287-C40914DB5746}"/>
-              </a:ext>
-            </a:extLst>
-          </p:cNvPr>
-          <p:cNvPicPr>
-            <a:picLocks noChangeAspect="1"/>
-          </p:cNvPicPr>
+        <p:style>
+          <a:lnRef idx="2">
+            <a:schemeClr val="accent4"/>
+          </a:lnRef>
+          <a:fillRef idx="1">
+            <a:schemeClr val="lt1"/>
+          </a:fillRef>
+          <a:effectRef idx="0">
+            <a:schemeClr val="accent4"/>
+          </a:effectRef>
+          <a:fontRef idx="minor">
+            <a:schemeClr val="dk1"/>
+          </a:fontRef>
+        </p:style>
+        <p:txBody>
+          <a:bodyPr rtlCol="0" anchor="ctr"/>
+          <a:lstStyle/>
+          <a:p>
+            <a:pPr algn="ctr"/>
+            <a:r>
+              <a:rPr lang="en-US" sz="1200" b="1" u="sng" dirty="0">
+                <a:solidFill>
+                  <a:schemeClr val="tx1"/>
+                </a:solidFill>
+              </a:rPr>
+              <a:t>Occupational Stressors</a:t>
+            </a:r>
+          </a:p>
+          <a:p>
+            <a:pPr algn="ctr"/>
+            <a:r>
+              <a:rPr lang="en-US" sz="1200" dirty="0">
+                <a:solidFill>
+                  <a:schemeClr val="tx1"/>
+                </a:solidFill>
+              </a:rPr>
+              <a:t>Environmental</a:t>
+            </a:r>
+          </a:p>
+          <a:p>
+            <a:pPr algn="ctr"/>
+            <a:r>
+              <a:rPr lang="en-US" sz="1200" dirty="0">
+                <a:solidFill>
+                  <a:schemeClr val="tx1"/>
+                </a:solidFill>
+              </a:rPr>
+              <a:t>Physical hazards</a:t>
+            </a:r>
+          </a:p>
+          <a:p>
+            <a:pPr algn="ctr"/>
+            <a:r>
+              <a:rPr lang="en-US" sz="1200" dirty="0">
+                <a:solidFill>
+                  <a:schemeClr val="tx1"/>
+                </a:solidFill>
+              </a:rPr>
+              <a:t>Psychological</a:t>
+            </a:r>
+          </a:p>
+        </p:txBody>
+      </p:sp>
+      <p:cxnSp>
+        <p:nvCxnSpPr>
+          <p:cNvPr id="17" name="Straight Arrow Connector 16">
+            <a:extLst>
+              <a:ext uri="{FF2B5EF4-FFF2-40B4-BE49-F238E27FC236}">
+                <a16:creationId xmlns:a16="http://schemas.microsoft.com/office/drawing/2014/main" id="{DB6FE31B-3653-F7C9-A17C-4F11EE6F625D}"/>
+              </a:ext>
+            </a:extLst>
+          </p:cNvPr>
+          <p:cNvCxnSpPr>
+            <a:stCxn id="2" idx="3"/>
+            <a:endCxn id="12" idx="1"/>
+          </p:cNvCxnSpPr>
           <p:nvPr/>
-        </p:nvPicPr>
-        <p:blipFill>
-          <a:blip r:embed="rId3">
-            <a:extLst>
-              <a:ext uri="{28A0092B-C50C-407E-A947-70E740481C1C}">
-                <a14:useLocalDpi xmlns:a14="http://schemas.microsoft.com/office/drawing/2010/main" val="0"/>
-              </a:ext>
-            </a:extLst>
-          </a:blip>
-          <a:stretch>
-            <a:fillRect/>
-          </a:stretch>
-        </p:blipFill>
+        </p:nvCxnSpPr>
         <p:spPr>
           <a:xfrm>
-            <a:off x="266700" y="2395876"/>
-            <a:ext cx="5829300" cy="2438400"/>
+            <a:off x="1712969" y="505909"/>
+            <a:ext cx="405488" cy="0"/>
           </a:xfrm>
-          <a:prstGeom prst="rect">
+          <a:prstGeom prst="straightConnector1">
             <a:avLst/>
           </a:prstGeom>
           <a:ln>
-            <a:noFill/>
+            <a:solidFill>
+              <a:srgbClr val="FFB81C"/>
+            </a:solidFill>
+            <a:tailEnd type="triangle"/>
           </a:ln>
-          <a:effectLst>
-            <a:outerShdw blurRad="292100" dist="139700" dir="2700000" algn="tl" rotWithShape="0">
-              <a:srgbClr val="333333">
-                <a:alpha val="65000"/>
-              </a:srgbClr>
-            </a:outerShdw>
-          </a:effectLst>
         </p:spPr>
-      </p:pic>
-      <p:pic>
-        <p:nvPicPr>
-          <p:cNvPr id="13" name="Picture 12">
-            <a:extLst>
-              <a:ext uri="{FF2B5EF4-FFF2-40B4-BE49-F238E27FC236}">
-                <a16:creationId xmlns:a16="http://schemas.microsoft.com/office/drawing/2014/main" id="{F361407D-8193-7DB3-7F3F-C33B735F5174}"/>
-              </a:ext>
-            </a:extLst>
-          </p:cNvPr>
-          <p:cNvPicPr>
-            <a:picLocks noChangeAspect="1"/>
-          </p:cNvPicPr>
+        <p:style>
+          <a:lnRef idx="2">
+            <a:schemeClr val="accent1"/>
+          </a:lnRef>
+          <a:fillRef idx="0">
+            <a:schemeClr val="accent1"/>
+          </a:fillRef>
+          <a:effectRef idx="1">
+            <a:schemeClr val="accent1"/>
+          </a:effectRef>
+          <a:fontRef idx="minor">
+            <a:schemeClr val="tx1"/>
+          </a:fontRef>
+        </p:style>
+      </p:cxnSp>
+      <p:cxnSp>
+        <p:nvCxnSpPr>
+          <p:cNvPr id="19" name="Elbow Connector 18">
+            <a:extLst>
+              <a:ext uri="{FF2B5EF4-FFF2-40B4-BE49-F238E27FC236}">
+                <a16:creationId xmlns:a16="http://schemas.microsoft.com/office/drawing/2014/main" id="{3A90686B-DDF5-55C0-EA78-CD7BAE1C6409}"/>
+              </a:ext>
+            </a:extLst>
+          </p:cNvPr>
+          <p:cNvCxnSpPr>
+            <a:cxnSpLocks/>
+            <a:stCxn id="12" idx="3"/>
+            <a:endCxn id="5" idx="0"/>
+          </p:cNvCxnSpPr>
           <p:nvPr/>
-        </p:nvPicPr>
-        <p:blipFill>
-          <a:blip r:embed="rId4"/>
-          <a:stretch>
-            <a:fillRect/>
-          </a:stretch>
-        </p:blipFill>
+        </p:nvCxnSpPr>
         <p:spPr>
           <a:xfrm>
-            <a:off x="5400222" y="2112649"/>
-            <a:ext cx="6483683" cy="2082907"/>
+            <a:off x="3742159" y="505909"/>
+            <a:ext cx="972943" cy="317759"/>
           </a:xfrm>
-          <a:prstGeom prst="rect">
+          <a:prstGeom prst="bentConnector2">
             <a:avLst/>
           </a:prstGeom>
           <a:ln>
-            <a:noFill/>
+            <a:solidFill>
+              <a:srgbClr val="FFB81C"/>
+            </a:solidFill>
+            <a:tailEnd type="triangle"/>
           </a:ln>
-          <a:effectLst>
-            <a:outerShdw blurRad="292100" dist="139700" dir="2700000" algn="tl" rotWithShape="0">
-              <a:srgbClr val="333333">
-                <a:alpha val="65000"/>
-              </a:srgbClr>
-            </a:outerShdw>
-          </a:effectLst>
         </p:spPr>
-      </p:pic>
-      <p:pic>
-        <p:nvPicPr>
-          <p:cNvPr id="7" name="Picture 6">
-            <a:extLst>
-              <a:ext uri="{FF2B5EF4-FFF2-40B4-BE49-F238E27FC236}">
-                <a16:creationId xmlns:a16="http://schemas.microsoft.com/office/drawing/2014/main" id="{9AAD8B8B-146F-A85A-7731-3DB18199846A}"/>
-              </a:ext>
-            </a:extLst>
-          </p:cNvPr>
-          <p:cNvPicPr>
-            <a:picLocks noChangeAspect="1"/>
-          </p:cNvPicPr>
+        <p:style>
+          <a:lnRef idx="2">
+            <a:schemeClr val="accent1"/>
+          </a:lnRef>
+          <a:fillRef idx="0">
+            <a:schemeClr val="accent1"/>
+          </a:fillRef>
+          <a:effectRef idx="1">
+            <a:schemeClr val="accent1"/>
+          </a:effectRef>
+          <a:fontRef idx="minor">
+            <a:schemeClr val="tx1"/>
+          </a:fontRef>
+        </p:style>
+      </p:cxnSp>
+      <p:cxnSp>
+        <p:nvCxnSpPr>
+          <p:cNvPr id="22" name="Straight Arrow Connector 21">
+            <a:extLst>
+              <a:ext uri="{FF2B5EF4-FFF2-40B4-BE49-F238E27FC236}">
+                <a16:creationId xmlns:a16="http://schemas.microsoft.com/office/drawing/2014/main" id="{5707D6CE-E1C9-6F1C-AAAA-690BA0658EC0}"/>
+              </a:ext>
+            </a:extLst>
+          </p:cNvPr>
+          <p:cNvCxnSpPr>
+            <a:stCxn id="15" idx="3"/>
+            <a:endCxn id="11" idx="1"/>
+          </p:cNvCxnSpPr>
           <p:nvPr/>
-        </p:nvPicPr>
-        <p:blipFill>
-          <a:blip r:embed="rId5"/>
-          <a:srcRect b="16593"/>
-          <a:stretch/>
-        </p:blipFill>
+        </p:nvCxnSpPr>
         <p:spPr>
           <a:xfrm>
-            <a:off x="4344027" y="4305591"/>
-            <a:ext cx="6255071" cy="2319904"/>
+            <a:off x="1712968" y="1672545"/>
+            <a:ext cx="405488" cy="852"/>
           </a:xfrm>
-          <a:prstGeom prst="rect">
+          <a:prstGeom prst="straightConnector1">
             <a:avLst/>
           </a:prstGeom>
           <a:ln>
-            <a:noFill/>
+            <a:tailEnd type="triangle"/>
           </a:ln>
-          <a:effectLst>
-            <a:outerShdw blurRad="292100" dist="139700" dir="2700000" algn="tl" rotWithShape="0">
-              <a:srgbClr val="333333">
-                <a:alpha val="65000"/>
-              </a:srgbClr>
-            </a:outerShdw>
-          </a:effectLst>
         </p:spPr>
-      </p:pic>
-      <p:pic>
-        <p:nvPicPr>
-          <p:cNvPr id="21" name="Picture 20">
-            <a:extLst>
-              <a:ext uri="{FF2B5EF4-FFF2-40B4-BE49-F238E27FC236}">
-                <a16:creationId xmlns:a16="http://schemas.microsoft.com/office/drawing/2014/main" id="{47722E75-03F7-2A73-05B3-36B267E7BEA8}"/>
-              </a:ext>
-            </a:extLst>
-          </p:cNvPr>
-          <p:cNvPicPr>
-            <a:picLocks noChangeAspect="1"/>
-          </p:cNvPicPr>
+        <p:style>
+          <a:lnRef idx="2">
+            <a:schemeClr val="accent1"/>
+          </a:lnRef>
+          <a:fillRef idx="0">
+            <a:schemeClr val="accent1"/>
+          </a:fillRef>
+          <a:effectRef idx="1">
+            <a:schemeClr val="accent1"/>
+          </a:effectRef>
+          <a:fontRef idx="minor">
+            <a:schemeClr val="tx1"/>
+          </a:fontRef>
+        </p:style>
+      </p:cxnSp>
+      <p:cxnSp>
+        <p:nvCxnSpPr>
+          <p:cNvPr id="24" name="Elbow Connector 23">
+            <a:extLst>
+              <a:ext uri="{FF2B5EF4-FFF2-40B4-BE49-F238E27FC236}">
+                <a16:creationId xmlns:a16="http://schemas.microsoft.com/office/drawing/2014/main" id="{853BD606-461F-3F00-0864-8AEA5CCC207C}"/>
+              </a:ext>
+            </a:extLst>
+          </p:cNvPr>
+          <p:cNvCxnSpPr>
+            <a:stCxn id="11" idx="3"/>
+            <a:endCxn id="5" idx="2"/>
+          </p:cNvCxnSpPr>
           <p:nvPr/>
-        </p:nvPicPr>
-        <p:blipFill>
-          <a:blip r:embed="rId6"/>
-          <a:stretch>
-            <a:fillRect/>
-          </a:stretch>
-        </p:blipFill>
+        </p:nvCxnSpPr>
         <p:spPr>
-          <a:xfrm>
-            <a:off x="308095" y="5023044"/>
-            <a:ext cx="3787656" cy="1436193"/>
+          <a:xfrm flipV="1">
+            <a:off x="3742161" y="1311566"/>
+            <a:ext cx="972943" cy="361833"/>
           </a:xfrm>
-          <a:prstGeom prst="rect">
+          <a:prstGeom prst="bentConnector2">
             <a:avLst/>
           </a:prstGeom>
           <a:ln>
-            <a:noFill/>
+            <a:tailEnd type="triangle"/>
           </a:ln>
-          <a:effectLst>
-            <a:outerShdw blurRad="292100" dist="139700" dir="2700000" algn="tl" rotWithShape="0">
-              <a:srgbClr val="333333">
-                <a:alpha val="65000"/>
-              </a:srgbClr>
-            </a:outerShdw>
-          </a:effectLst>
         </p:spPr>
-      </p:pic>
+        <p:style>
+          <a:lnRef idx="2">
+            <a:schemeClr val="accent1"/>
+          </a:lnRef>
+          <a:fillRef idx="0">
+            <a:schemeClr val="accent1"/>
+          </a:fillRef>
+          <a:effectRef idx="1">
+            <a:schemeClr val="accent1"/>
+          </a:effectRef>
+          <a:fontRef idx="minor">
+            <a:schemeClr val="tx1"/>
+          </a:fontRef>
+        </p:style>
+      </p:cxnSp>
     </p:spTree>
     <p:extLst>
       <p:ext uri="{BB962C8B-B14F-4D97-AF65-F5344CB8AC3E}">
-        <p14:creationId xmlns:p14="http://schemas.microsoft.com/office/powerpoint/2010/main" val="3334917302"/>
+        <p14:creationId xmlns:p14="http://schemas.microsoft.com/office/powerpoint/2010/main" val="2521669894"/>
+      </p:ext>
+    </p:extLst>
+  </p:cSld>
+  <p:clrMapOvr>
+    <a:masterClrMapping/>
+  </p:clrMapOvr>
+</p:sld>
+</file>
+
+<file path=ppt/slides/slide23.xml><?xml version="1.0" encoding="utf-8"?>
+<p:sld xmlns:a="http://schemas.openxmlformats.org/drawingml/2006/main" xmlns:r="http://schemas.openxmlformats.org/officeDocument/2006/relationships" xmlns:p="http://schemas.openxmlformats.org/presentationml/2006/main">
+  <p:cSld>
+    <p:spTree>
+      <p:nvGrpSpPr>
+        <p:cNvPr id="1" name="">
+          <a:extLst>
+            <a:ext uri="{FF2B5EF4-FFF2-40B4-BE49-F238E27FC236}">
+              <a16:creationId xmlns:a16="http://schemas.microsoft.com/office/drawing/2014/main" id="{499CBC07-E09C-FEA5-742A-3CC888CE48F7}"/>
+            </a:ext>
+          </a:extLst>
+        </p:cNvPr>
+        <p:cNvGrpSpPr/>
+        <p:nvPr/>
+      </p:nvGrpSpPr>
+      <p:grpSpPr>
+        <a:xfrm>
+          <a:off x="0" y="0"/>
+          <a:ext cx="0" cy="0"/>
+          <a:chOff x="0" y="0"/>
+          <a:chExt cx="0" cy="0"/>
+        </a:xfrm>
+      </p:grpSpPr>
+      <p:sp>
+        <p:nvSpPr>
+          <p:cNvPr id="2" name="Rectangle: Rounded Corners 3">
+            <a:extLst>
+              <a:ext uri="{FF2B5EF4-FFF2-40B4-BE49-F238E27FC236}">
+                <a16:creationId xmlns:a16="http://schemas.microsoft.com/office/drawing/2014/main" id="{BB07D003-BECF-F53D-2FFA-39F75CB48717}"/>
+              </a:ext>
+            </a:extLst>
+          </p:cNvPr>
+          <p:cNvSpPr/>
+          <p:nvPr/>
+        </p:nvSpPr>
+        <p:spPr>
+          <a:xfrm>
+            <a:off x="89264" y="63264"/>
+            <a:ext cx="1623705" cy="885290"/>
+          </a:xfrm>
+          <a:prstGeom prst="roundRect">
+            <a:avLst/>
+          </a:prstGeom>
+          <a:solidFill>
+            <a:schemeClr val="bg1"/>
+          </a:solidFill>
+          <a:ln w="19050">
+            <a:solidFill>
+              <a:srgbClr val="FFB81C"/>
+            </a:solidFill>
+          </a:ln>
+        </p:spPr>
+        <p:style>
+          <a:lnRef idx="2">
+            <a:schemeClr val="accent1">
+              <a:shade val="50000"/>
+            </a:schemeClr>
+          </a:lnRef>
+          <a:fillRef idx="1">
+            <a:schemeClr val="accent1"/>
+          </a:fillRef>
+          <a:effectRef idx="0">
+            <a:schemeClr val="accent1"/>
+          </a:effectRef>
+          <a:fontRef idx="minor">
+            <a:schemeClr val="lt1"/>
+          </a:fontRef>
+        </p:style>
+        <p:txBody>
+          <a:bodyPr rtlCol="0" anchor="ctr"/>
+          <a:lstStyle/>
+          <a:p>
+            <a:pPr algn="ctr"/>
+            <a:r>
+              <a:rPr lang="en-US" sz="1200" b="1" u="sng" dirty="0">
+                <a:solidFill>
+                  <a:schemeClr val="tx1"/>
+                </a:solidFill>
+              </a:rPr>
+              <a:t>Occupational Stimulation</a:t>
+            </a:r>
+          </a:p>
+          <a:p>
+            <a:pPr algn="ctr"/>
+            <a:r>
+              <a:rPr lang="en-US" sz="1200" dirty="0">
+                <a:solidFill>
+                  <a:schemeClr val="tx1"/>
+                </a:solidFill>
+              </a:rPr>
+              <a:t>Complexity</a:t>
+            </a:r>
+          </a:p>
+          <a:p>
+            <a:pPr algn="ctr"/>
+            <a:r>
+              <a:rPr lang="en-US" sz="1200" dirty="0">
+                <a:solidFill>
+                  <a:schemeClr val="tx1"/>
+                </a:solidFill>
+              </a:rPr>
+              <a:t>Decision authority</a:t>
+            </a:r>
+          </a:p>
+          <a:p>
+            <a:pPr algn="ctr"/>
+            <a:r>
+              <a:rPr lang="en-US" sz="1200" dirty="0">
+                <a:solidFill>
+                  <a:schemeClr val="tx1"/>
+                </a:solidFill>
+              </a:rPr>
+              <a:t>Skill discretion</a:t>
+            </a:r>
+          </a:p>
+        </p:txBody>
+      </p:sp>
+      <p:sp>
+        <p:nvSpPr>
+          <p:cNvPr id="5" name="Rectangle: Rounded Corners 10">
+            <a:extLst>
+              <a:ext uri="{FF2B5EF4-FFF2-40B4-BE49-F238E27FC236}">
+                <a16:creationId xmlns:a16="http://schemas.microsoft.com/office/drawing/2014/main" id="{3EE347EA-B9B2-3B24-8B1F-077144C57BBF}"/>
+              </a:ext>
+            </a:extLst>
+          </p:cNvPr>
+          <p:cNvSpPr/>
+          <p:nvPr/>
+        </p:nvSpPr>
+        <p:spPr>
+          <a:xfrm>
+            <a:off x="4093578" y="823668"/>
+            <a:ext cx="1243051" cy="487896"/>
+          </a:xfrm>
+          <a:prstGeom prst="roundRect">
+            <a:avLst/>
+          </a:prstGeom>
+          <a:solidFill>
+            <a:schemeClr val="bg1"/>
+          </a:solidFill>
+          <a:ln w="19050">
+            <a:solidFill>
+              <a:srgbClr val="7030A0"/>
+            </a:solidFill>
+          </a:ln>
+        </p:spPr>
+        <p:style>
+          <a:lnRef idx="2">
+            <a:schemeClr val="accent1">
+              <a:shade val="50000"/>
+            </a:schemeClr>
+          </a:lnRef>
+          <a:fillRef idx="1">
+            <a:schemeClr val="accent1"/>
+          </a:fillRef>
+          <a:effectRef idx="0">
+            <a:schemeClr val="accent1"/>
+          </a:effectRef>
+          <a:fontRef idx="minor">
+            <a:schemeClr val="lt1"/>
+          </a:fontRef>
+        </p:style>
+        <p:txBody>
+          <a:bodyPr lIns="0" tIns="0" rIns="0" bIns="0" rtlCol="0" anchor="ctr"/>
+          <a:lstStyle/>
+          <a:p>
+            <a:pPr algn="ctr"/>
+            <a:r>
+              <a:rPr lang="en-US" sz="1200" b="1" dirty="0">
+                <a:solidFill>
+                  <a:schemeClr val="tx1"/>
+                </a:solidFill>
+              </a:rPr>
+              <a:t>Brain and cognitive health </a:t>
+            </a:r>
+          </a:p>
+        </p:txBody>
+      </p:sp>
+      <p:sp>
+        <p:nvSpPr>
+          <p:cNvPr id="12" name="Rectangle: Rounded Corners 14">
+            <a:extLst>
+              <a:ext uri="{FF2B5EF4-FFF2-40B4-BE49-F238E27FC236}">
+                <a16:creationId xmlns:a16="http://schemas.microsoft.com/office/drawing/2014/main" id="{37005EEB-4061-8A7D-9B9A-C48B3781E8F4}"/>
+              </a:ext>
+            </a:extLst>
+          </p:cNvPr>
+          <p:cNvSpPr/>
+          <p:nvPr/>
+        </p:nvSpPr>
+        <p:spPr>
+          <a:xfrm>
+            <a:off x="2118457" y="63264"/>
+            <a:ext cx="1623702" cy="885289"/>
+          </a:xfrm>
+          <a:prstGeom prst="roundRect">
+            <a:avLst/>
+          </a:prstGeom>
+          <a:solidFill>
+            <a:schemeClr val="bg1"/>
+          </a:solidFill>
+          <a:ln w="19050">
+            <a:solidFill>
+              <a:srgbClr val="FFC000"/>
+            </a:solidFill>
+          </a:ln>
+        </p:spPr>
+        <p:style>
+          <a:lnRef idx="2">
+            <a:schemeClr val="accent1">
+              <a:shade val="50000"/>
+            </a:schemeClr>
+          </a:lnRef>
+          <a:fillRef idx="1">
+            <a:schemeClr val="accent1"/>
+          </a:fillRef>
+          <a:effectRef idx="0">
+            <a:schemeClr val="accent1"/>
+          </a:effectRef>
+          <a:fontRef idx="minor">
+            <a:schemeClr val="lt1"/>
+          </a:fontRef>
+        </p:style>
+        <p:txBody>
+          <a:bodyPr lIns="0" tIns="0" rIns="0" bIns="0" rtlCol="0" anchor="ctr"/>
+          <a:lstStyle/>
+          <a:p>
+            <a:pPr marL="91440" indent="-91440">
+              <a:buFont typeface="Arial" panose="020B0604020202020204" pitchFamily="34" charset="0"/>
+              <a:buChar char="•"/>
+            </a:pPr>
+            <a:r>
+              <a:rPr lang="en-US" sz="1200" dirty="0">
+                <a:solidFill>
+                  <a:schemeClr val="tx1"/>
+                </a:solidFill>
+              </a:rPr>
+              <a:t>Neurogenesis</a:t>
+            </a:r>
+          </a:p>
+          <a:p>
+            <a:pPr marL="91440" indent="-91440">
+              <a:buFont typeface="Arial" panose="020B0604020202020204" pitchFamily="34" charset="0"/>
+              <a:buChar char="•"/>
+            </a:pPr>
+            <a:r>
+              <a:rPr lang="en-US" sz="1200" dirty="0">
+                <a:solidFill>
+                  <a:schemeClr val="tx1"/>
+                </a:solidFill>
+              </a:rPr>
+              <a:t>Neuroprotection</a:t>
+            </a:r>
+          </a:p>
+          <a:p>
+            <a:pPr marL="91440" indent="-91440">
+              <a:buFont typeface="Arial" panose="020B0604020202020204" pitchFamily="34" charset="0"/>
+              <a:buChar char="•"/>
+            </a:pPr>
+            <a:r>
+              <a:rPr lang="en-US" sz="1200" dirty="0">
+                <a:solidFill>
+                  <a:schemeClr val="tx1"/>
+                </a:solidFill>
+              </a:rPr>
+              <a:t>Neuroplasticity</a:t>
+            </a:r>
+          </a:p>
+          <a:p>
+            <a:pPr marL="91440" indent="-91440">
+              <a:buFont typeface="Arial" panose="020B0604020202020204" pitchFamily="34" charset="0"/>
+              <a:buChar char="•"/>
+            </a:pPr>
+            <a:r>
+              <a:rPr lang="en-US" sz="1200" dirty="0">
+                <a:solidFill>
+                  <a:schemeClr val="tx1"/>
+                </a:solidFill>
+              </a:rPr>
+              <a:t>Vascular health</a:t>
+            </a:r>
+          </a:p>
+        </p:txBody>
+      </p:sp>
+      <p:cxnSp>
+        <p:nvCxnSpPr>
+          <p:cNvPr id="17" name="Straight Arrow Connector 16">
+            <a:extLst>
+              <a:ext uri="{FF2B5EF4-FFF2-40B4-BE49-F238E27FC236}">
+                <a16:creationId xmlns:a16="http://schemas.microsoft.com/office/drawing/2014/main" id="{C5DBF1A7-39FF-86B3-683B-D33766F98B60}"/>
+              </a:ext>
+            </a:extLst>
+          </p:cNvPr>
+          <p:cNvCxnSpPr>
+            <a:stCxn id="2" idx="3"/>
+            <a:endCxn id="12" idx="1"/>
+          </p:cNvCxnSpPr>
+          <p:nvPr/>
+        </p:nvCxnSpPr>
+        <p:spPr>
+          <a:xfrm>
+            <a:off x="1712969" y="505909"/>
+            <a:ext cx="405488" cy="0"/>
+          </a:xfrm>
+          <a:prstGeom prst="straightConnector1">
+            <a:avLst/>
+          </a:prstGeom>
+          <a:ln>
+            <a:solidFill>
+              <a:srgbClr val="FFB81C"/>
+            </a:solidFill>
+            <a:tailEnd type="triangle"/>
+          </a:ln>
+        </p:spPr>
+        <p:style>
+          <a:lnRef idx="2">
+            <a:schemeClr val="accent1"/>
+          </a:lnRef>
+          <a:fillRef idx="0">
+            <a:schemeClr val="accent1"/>
+          </a:fillRef>
+          <a:effectRef idx="1">
+            <a:schemeClr val="accent1"/>
+          </a:effectRef>
+          <a:fontRef idx="minor">
+            <a:schemeClr val="tx1"/>
+          </a:fontRef>
+        </p:style>
+      </p:cxnSp>
+      <p:cxnSp>
+        <p:nvCxnSpPr>
+          <p:cNvPr id="19" name="Elbow Connector 18">
+            <a:extLst>
+              <a:ext uri="{FF2B5EF4-FFF2-40B4-BE49-F238E27FC236}">
+                <a16:creationId xmlns:a16="http://schemas.microsoft.com/office/drawing/2014/main" id="{C2099988-8785-81ED-6A4B-FD48D14BC65B}"/>
+              </a:ext>
+            </a:extLst>
+          </p:cNvPr>
+          <p:cNvCxnSpPr>
+            <a:cxnSpLocks/>
+            <a:stCxn id="12" idx="3"/>
+            <a:endCxn id="5" idx="0"/>
+          </p:cNvCxnSpPr>
+          <p:nvPr/>
+        </p:nvCxnSpPr>
+        <p:spPr>
+          <a:xfrm>
+            <a:off x="3742159" y="505909"/>
+            <a:ext cx="972943" cy="317759"/>
+          </a:xfrm>
+          <a:prstGeom prst="bentConnector2">
+            <a:avLst/>
+          </a:prstGeom>
+          <a:ln>
+            <a:solidFill>
+              <a:srgbClr val="FFB81C"/>
+            </a:solidFill>
+            <a:tailEnd type="triangle"/>
+          </a:ln>
+        </p:spPr>
+        <p:style>
+          <a:lnRef idx="2">
+            <a:schemeClr val="accent1"/>
+          </a:lnRef>
+          <a:fillRef idx="0">
+            <a:schemeClr val="accent1"/>
+          </a:fillRef>
+          <a:effectRef idx="1">
+            <a:schemeClr val="accent1"/>
+          </a:effectRef>
+          <a:fontRef idx="minor">
+            <a:schemeClr val="tx1"/>
+          </a:fontRef>
+        </p:style>
+      </p:cxnSp>
+    </p:spTree>
+    <p:extLst>
+      <p:ext uri="{BB962C8B-B14F-4D97-AF65-F5344CB8AC3E}">
+        <p14:creationId xmlns:p14="http://schemas.microsoft.com/office/powerpoint/2010/main" val="3001861317"/>
+      </p:ext>
+    </p:extLst>
+  </p:cSld>
+  <p:clrMapOvr>
+    <a:masterClrMapping/>
+  </p:clrMapOvr>
+</p:sld>
+</file>
+
+<file path=ppt/slides/slide24.xml><?xml version="1.0" encoding="utf-8"?>
+<p:sld xmlns:a="http://schemas.openxmlformats.org/drawingml/2006/main" xmlns:r="http://schemas.openxmlformats.org/officeDocument/2006/relationships" xmlns:p="http://schemas.openxmlformats.org/presentationml/2006/main">
+  <p:cSld>
+    <p:spTree>
+      <p:nvGrpSpPr>
+        <p:cNvPr id="1" name="">
+          <a:extLst>
+            <a:ext uri="{FF2B5EF4-FFF2-40B4-BE49-F238E27FC236}">
+              <a16:creationId xmlns:a16="http://schemas.microsoft.com/office/drawing/2014/main" id="{DCD268AA-DC1F-F055-B039-44FDDCBFAE57}"/>
+            </a:ext>
+          </a:extLst>
+        </p:cNvPr>
+        <p:cNvGrpSpPr/>
+        <p:nvPr/>
+      </p:nvGrpSpPr>
+      <p:grpSpPr>
+        <a:xfrm>
+          <a:off x="0" y="0"/>
+          <a:ext cx="0" cy="0"/>
+          <a:chOff x="0" y="0"/>
+          <a:chExt cx="0" cy="0"/>
+        </a:xfrm>
+      </p:grpSpPr>
+      <p:grpSp>
+        <p:nvGrpSpPr>
+          <p:cNvPr id="11" name="Group 10">
+            <a:extLst>
+              <a:ext uri="{FF2B5EF4-FFF2-40B4-BE49-F238E27FC236}">
+                <a16:creationId xmlns:a16="http://schemas.microsoft.com/office/drawing/2014/main" id="{06AD7C10-54E3-8D0E-9A71-207A0EF16250}"/>
+              </a:ext>
+            </a:extLst>
+          </p:cNvPr>
+          <p:cNvGrpSpPr/>
+          <p:nvPr/>
+        </p:nvGrpSpPr>
+        <p:grpSpPr>
+          <a:xfrm>
+            <a:off x="84898" y="97301"/>
+            <a:ext cx="4818399" cy="3983821"/>
+            <a:chOff x="84898" y="97301"/>
+            <a:chExt cx="4818399" cy="3983821"/>
+          </a:xfrm>
+        </p:grpSpPr>
+        <p:sp>
+          <p:nvSpPr>
+            <p:cNvPr id="2" name="Oval 1">
+              <a:extLst>
+                <a:ext uri="{FF2B5EF4-FFF2-40B4-BE49-F238E27FC236}">
+                  <a16:creationId xmlns:a16="http://schemas.microsoft.com/office/drawing/2014/main" id="{8F8D10AD-0C74-2880-9D53-B7487E3BE20F}"/>
+                </a:ext>
+              </a:extLst>
+            </p:cNvPr>
+            <p:cNvSpPr/>
+            <p:nvPr/>
+          </p:nvSpPr>
+          <p:spPr>
+            <a:xfrm>
+              <a:off x="84898" y="97301"/>
+              <a:ext cx="2846832" cy="2825496"/>
+            </a:xfrm>
+            <a:prstGeom prst="ellipse">
+              <a:avLst/>
+            </a:prstGeom>
+            <a:solidFill>
+              <a:schemeClr val="tx2">
+                <a:lumMod val="25000"/>
+                <a:lumOff val="75000"/>
+                <a:alpha val="52157"/>
+              </a:schemeClr>
+            </a:solidFill>
+            <a:ln w="28575">
+              <a:solidFill>
+                <a:srgbClr val="0B76A0"/>
+              </a:solidFill>
+            </a:ln>
+          </p:spPr>
+          <p:style>
+            <a:lnRef idx="2">
+              <a:schemeClr val="accent1">
+                <a:shade val="15000"/>
+              </a:schemeClr>
+            </a:lnRef>
+            <a:fillRef idx="1">
+              <a:schemeClr val="accent1"/>
+            </a:fillRef>
+            <a:effectRef idx="0">
+              <a:schemeClr val="accent1"/>
+            </a:effectRef>
+            <a:fontRef idx="minor">
+              <a:schemeClr val="lt1"/>
+            </a:fontRef>
+          </p:style>
+          <p:txBody>
+            <a:bodyPr rtlCol="0" anchor="ctr"/>
+            <a:lstStyle/>
+            <a:p>
+              <a:pPr algn="ctr"/>
+              <a:endParaRPr lang="en-US">
+                <a:solidFill>
+                  <a:srgbClr val="E5EEF3"/>
+                </a:solidFill>
+                <a:latin typeface="Arial" panose="020B0604020202020204" pitchFamily="34" charset="0"/>
+                <a:cs typeface="Arial" panose="020B0604020202020204" pitchFamily="34" charset="0"/>
+              </a:endParaRPr>
+            </a:p>
+          </p:txBody>
+        </p:sp>
+        <p:sp>
+          <p:nvSpPr>
+            <p:cNvPr id="3" name="Oval 2">
+              <a:extLst>
+                <a:ext uri="{FF2B5EF4-FFF2-40B4-BE49-F238E27FC236}">
+                  <a16:creationId xmlns:a16="http://schemas.microsoft.com/office/drawing/2014/main" id="{E39C4972-3892-057C-CA47-18EA242AC403}"/>
+                </a:ext>
+              </a:extLst>
+            </p:cNvPr>
+            <p:cNvSpPr/>
+            <p:nvPr/>
+          </p:nvSpPr>
+          <p:spPr>
+            <a:xfrm>
+              <a:off x="2056465" y="97301"/>
+              <a:ext cx="2846832" cy="2825496"/>
+            </a:xfrm>
+            <a:prstGeom prst="ellipse">
+              <a:avLst/>
+            </a:prstGeom>
+            <a:solidFill>
+              <a:schemeClr val="accent3">
+                <a:lumMod val="40000"/>
+                <a:lumOff val="60000"/>
+                <a:alpha val="52157"/>
+              </a:schemeClr>
+            </a:solidFill>
+            <a:ln w="28575">
+              <a:solidFill>
+                <a:schemeClr val="accent6">
+                  <a:lumMod val="75000"/>
+                </a:schemeClr>
+              </a:solidFill>
+            </a:ln>
+          </p:spPr>
+          <p:style>
+            <a:lnRef idx="2">
+              <a:schemeClr val="accent1">
+                <a:shade val="15000"/>
+              </a:schemeClr>
+            </a:lnRef>
+            <a:fillRef idx="1">
+              <a:schemeClr val="accent1"/>
+            </a:fillRef>
+            <a:effectRef idx="0">
+              <a:schemeClr val="accent1"/>
+            </a:effectRef>
+            <a:fontRef idx="minor">
+              <a:schemeClr val="lt1"/>
+            </a:fontRef>
+          </p:style>
+          <p:txBody>
+            <a:bodyPr rtlCol="0" anchor="ctr"/>
+            <a:lstStyle/>
+            <a:p>
+              <a:pPr algn="ctr"/>
+              <a:endParaRPr lang="en-US">
+                <a:solidFill>
+                  <a:srgbClr val="002B43"/>
+                </a:solidFill>
+                <a:latin typeface="Arial" panose="020B0604020202020204" pitchFamily="34" charset="0"/>
+                <a:cs typeface="Arial" panose="020B0604020202020204" pitchFamily="34" charset="0"/>
+              </a:endParaRPr>
+            </a:p>
+          </p:txBody>
+        </p:sp>
+        <p:sp>
+          <p:nvSpPr>
+            <p:cNvPr id="4" name="Oval 3">
+              <a:extLst>
+                <a:ext uri="{FF2B5EF4-FFF2-40B4-BE49-F238E27FC236}">
+                  <a16:creationId xmlns:a16="http://schemas.microsoft.com/office/drawing/2014/main" id="{F20C8B7E-1DB8-979F-AA56-963AA3EDDE6E}"/>
+                </a:ext>
+              </a:extLst>
+            </p:cNvPr>
+            <p:cNvSpPr/>
+            <p:nvPr/>
+          </p:nvSpPr>
+          <p:spPr>
+            <a:xfrm>
+              <a:off x="1096097" y="1255626"/>
+              <a:ext cx="2846832" cy="2825496"/>
+            </a:xfrm>
+            <a:prstGeom prst="ellipse">
+              <a:avLst/>
+            </a:prstGeom>
+            <a:solidFill>
+              <a:srgbClr val="D86ECC">
+                <a:alpha val="29020"/>
+              </a:srgbClr>
+            </a:solidFill>
+            <a:ln w="28575">
+              <a:solidFill>
+                <a:schemeClr val="accent5">
+                  <a:lumMod val="75000"/>
+                </a:schemeClr>
+              </a:solidFill>
+            </a:ln>
+          </p:spPr>
+          <p:style>
+            <a:lnRef idx="2">
+              <a:schemeClr val="accent1">
+                <a:shade val="15000"/>
+              </a:schemeClr>
+            </a:lnRef>
+            <a:fillRef idx="1">
+              <a:schemeClr val="accent1"/>
+            </a:fillRef>
+            <a:effectRef idx="0">
+              <a:schemeClr val="accent1"/>
+            </a:effectRef>
+            <a:fontRef idx="minor">
+              <a:schemeClr val="lt1"/>
+            </a:fontRef>
+          </p:style>
+          <p:txBody>
+            <a:bodyPr rtlCol="0" anchor="ctr"/>
+            <a:lstStyle/>
+            <a:p>
+              <a:pPr algn="ctr"/>
+              <a:endParaRPr lang="en-US">
+                <a:solidFill>
+                  <a:srgbClr val="002B43"/>
+                </a:solidFill>
+                <a:latin typeface="Arial" panose="020B0604020202020204" pitchFamily="34" charset="0"/>
+                <a:cs typeface="Arial" panose="020B0604020202020204" pitchFamily="34" charset="0"/>
+              </a:endParaRPr>
+            </a:p>
+          </p:txBody>
+        </p:sp>
+        <p:sp>
+          <p:nvSpPr>
+            <p:cNvPr id="5" name="TextBox 4">
+              <a:extLst>
+                <a:ext uri="{FF2B5EF4-FFF2-40B4-BE49-F238E27FC236}">
+                  <a16:creationId xmlns:a16="http://schemas.microsoft.com/office/drawing/2014/main" id="{EBA446D9-C3F4-3CA8-DF8D-EFDA776ECC04}"/>
+                </a:ext>
+              </a:extLst>
+            </p:cNvPr>
+            <p:cNvSpPr txBox="1"/>
+            <p:nvPr/>
+          </p:nvSpPr>
+          <p:spPr>
+            <a:xfrm>
+              <a:off x="2095357" y="1428699"/>
+              <a:ext cx="914758" cy="584775"/>
+            </a:xfrm>
+            <a:prstGeom prst="rect">
+              <a:avLst/>
+            </a:prstGeom>
+            <a:noFill/>
+          </p:spPr>
+          <p:txBody>
+            <a:bodyPr wrap="square" rtlCol="0">
+              <a:spAutoFit/>
+            </a:bodyPr>
+            <a:lstStyle/>
+            <a:p>
+              <a:r>
+                <a:rPr lang="en-US" sz="1600" b="1" dirty="0">
+                  <a:solidFill>
+                    <a:schemeClr val="bg1"/>
+                  </a:solidFill>
+                  <a:latin typeface="Arial" panose="020B0604020202020204" pitchFamily="34" charset="0"/>
+                  <a:cs typeface="Arial" panose="020B0604020202020204" pitchFamily="34" charset="0"/>
+                </a:rPr>
+                <a:t>Health equity</a:t>
+              </a:r>
+            </a:p>
+          </p:txBody>
+        </p:sp>
+        <p:sp>
+          <p:nvSpPr>
+            <p:cNvPr id="6" name="TextBox 5">
+              <a:extLst>
+                <a:ext uri="{FF2B5EF4-FFF2-40B4-BE49-F238E27FC236}">
+                  <a16:creationId xmlns:a16="http://schemas.microsoft.com/office/drawing/2014/main" id="{881F9A19-429D-82E0-92B6-5F00AFE0946A}"/>
+                </a:ext>
+              </a:extLst>
+            </p:cNvPr>
+            <p:cNvSpPr txBox="1"/>
+            <p:nvPr/>
+          </p:nvSpPr>
+          <p:spPr>
+            <a:xfrm>
+              <a:off x="2850463" y="787088"/>
+              <a:ext cx="1886464" cy="646331"/>
+            </a:xfrm>
+            <a:prstGeom prst="rect">
+              <a:avLst/>
+            </a:prstGeom>
+            <a:noFill/>
+          </p:spPr>
+          <p:txBody>
+            <a:bodyPr wrap="square" rtlCol="0">
+              <a:spAutoFit/>
+            </a:bodyPr>
+            <a:lstStyle/>
+            <a:p>
+              <a:pPr algn="ctr"/>
+              <a:r>
+                <a:rPr lang="en-US" b="1" dirty="0">
+                  <a:solidFill>
+                    <a:srgbClr val="002B43"/>
+                  </a:solidFill>
+                  <a:latin typeface="Arial" panose="020B0604020202020204" pitchFamily="34" charset="0"/>
+                  <a:cs typeface="Arial" panose="020B0604020202020204" pitchFamily="34" charset="0"/>
+                </a:rPr>
+                <a:t>Modifiable risk factors</a:t>
+              </a:r>
+            </a:p>
+          </p:txBody>
+        </p:sp>
+        <p:sp>
+          <p:nvSpPr>
+            <p:cNvPr id="7" name="TextBox 6">
+              <a:extLst>
+                <a:ext uri="{FF2B5EF4-FFF2-40B4-BE49-F238E27FC236}">
+                  <a16:creationId xmlns:a16="http://schemas.microsoft.com/office/drawing/2014/main" id="{0F9E3931-6DE6-D096-7397-E693E6FAD73A}"/>
+                </a:ext>
+              </a:extLst>
+            </p:cNvPr>
+            <p:cNvSpPr txBox="1"/>
+            <p:nvPr/>
+          </p:nvSpPr>
+          <p:spPr>
+            <a:xfrm>
+              <a:off x="234132" y="787088"/>
+              <a:ext cx="1886464" cy="646331"/>
+            </a:xfrm>
+            <a:prstGeom prst="rect">
+              <a:avLst/>
+            </a:prstGeom>
+            <a:noFill/>
+          </p:spPr>
+          <p:txBody>
+            <a:bodyPr wrap="square" rtlCol="0">
+              <a:spAutoFit/>
+            </a:bodyPr>
+            <a:lstStyle/>
+            <a:p>
+              <a:pPr algn="ctr"/>
+              <a:r>
+                <a:rPr lang="en-US" b="1" dirty="0">
+                  <a:solidFill>
+                    <a:srgbClr val="002B43"/>
+                  </a:solidFill>
+                  <a:latin typeface="Arial" panose="020B0604020202020204" pitchFamily="34" charset="0"/>
+                  <a:cs typeface="Arial" panose="020B0604020202020204" pitchFamily="34" charset="0"/>
+                </a:rPr>
+                <a:t>Epidemiologic methods</a:t>
+              </a:r>
+            </a:p>
+          </p:txBody>
+        </p:sp>
+        <p:sp>
+          <p:nvSpPr>
+            <p:cNvPr id="8" name="TextBox 7">
+              <a:extLst>
+                <a:ext uri="{FF2B5EF4-FFF2-40B4-BE49-F238E27FC236}">
+                  <a16:creationId xmlns:a16="http://schemas.microsoft.com/office/drawing/2014/main" id="{88EBFDFF-ACA5-3E71-C51C-0AC187BB73B7}"/>
+                </a:ext>
+              </a:extLst>
+            </p:cNvPr>
+            <p:cNvSpPr txBox="1"/>
+            <p:nvPr/>
+          </p:nvSpPr>
+          <p:spPr>
+            <a:xfrm>
+              <a:off x="1621020" y="2928567"/>
+              <a:ext cx="1863432" cy="646331"/>
+            </a:xfrm>
+            <a:prstGeom prst="rect">
+              <a:avLst/>
+            </a:prstGeom>
+            <a:noFill/>
+          </p:spPr>
+          <p:txBody>
+            <a:bodyPr wrap="square" rtlCol="0">
+              <a:spAutoFit/>
+            </a:bodyPr>
+            <a:lstStyle/>
+            <a:p>
+              <a:pPr algn="ctr"/>
+              <a:r>
+                <a:rPr lang="en-US" b="1" dirty="0">
+                  <a:solidFill>
+                    <a:srgbClr val="002B43"/>
+                  </a:solidFill>
+                  <a:latin typeface="Arial" panose="020B0604020202020204" pitchFamily="34" charset="0"/>
+                  <a:cs typeface="Arial" panose="020B0604020202020204" pitchFamily="34" charset="0"/>
+                </a:rPr>
+                <a:t>Aging-relevant outcomes</a:t>
+              </a:r>
+            </a:p>
+          </p:txBody>
+        </p:sp>
+      </p:grpSp>
+    </p:spTree>
+    <p:extLst>
+      <p:ext uri="{BB962C8B-B14F-4D97-AF65-F5344CB8AC3E}">
+        <p14:creationId xmlns:p14="http://schemas.microsoft.com/office/powerpoint/2010/main" val="1401390333"/>
+      </p:ext>
+    </p:extLst>
+  </p:cSld>
+  <p:clrMapOvr>
+    <a:masterClrMapping/>
+  </p:clrMapOvr>
+</p:sld>
+</file>
+
+<file path=ppt/slides/slide25.xml><?xml version="1.0" encoding="utf-8"?>
+<p:sld xmlns:a="http://schemas.openxmlformats.org/drawingml/2006/main" xmlns:r="http://schemas.openxmlformats.org/officeDocument/2006/relationships" xmlns:p="http://schemas.openxmlformats.org/presentationml/2006/main">
+  <p:cSld>
+    <p:spTree>
+      <p:nvGrpSpPr>
+        <p:cNvPr id="1" name="">
+          <a:extLst>
+            <a:ext uri="{FF2B5EF4-FFF2-40B4-BE49-F238E27FC236}">
+              <a16:creationId xmlns:a16="http://schemas.microsoft.com/office/drawing/2014/main" id="{36D136BB-36E6-4ADD-0A40-489EB6D922C7}"/>
+            </a:ext>
+          </a:extLst>
+        </p:cNvPr>
+        <p:cNvGrpSpPr/>
+        <p:nvPr/>
+      </p:nvGrpSpPr>
+      <p:grpSpPr>
+        <a:xfrm>
+          <a:off x="0" y="0"/>
+          <a:ext cx="0" cy="0"/>
+          <a:chOff x="0" y="0"/>
+          <a:chExt cx="0" cy="0"/>
+        </a:xfrm>
+      </p:grpSpPr>
+      <p:grpSp>
+        <p:nvGrpSpPr>
+          <p:cNvPr id="9" name="Group 8">
+            <a:extLst>
+              <a:ext uri="{FF2B5EF4-FFF2-40B4-BE49-F238E27FC236}">
+                <a16:creationId xmlns:a16="http://schemas.microsoft.com/office/drawing/2014/main" id="{783D192C-568F-7C86-5374-26B46B740EB6}"/>
+              </a:ext>
+            </a:extLst>
+          </p:cNvPr>
+          <p:cNvGrpSpPr/>
+          <p:nvPr/>
+        </p:nvGrpSpPr>
+        <p:grpSpPr>
+          <a:xfrm>
+            <a:off x="84898" y="97301"/>
+            <a:ext cx="4818399" cy="3983821"/>
+            <a:chOff x="84898" y="97301"/>
+            <a:chExt cx="4818399" cy="3983821"/>
+          </a:xfrm>
+        </p:grpSpPr>
+        <p:sp>
+          <p:nvSpPr>
+            <p:cNvPr id="2" name="Oval 1">
+              <a:extLst>
+                <a:ext uri="{FF2B5EF4-FFF2-40B4-BE49-F238E27FC236}">
+                  <a16:creationId xmlns:a16="http://schemas.microsoft.com/office/drawing/2014/main" id="{9CCA7D36-5F96-CC3E-E028-42272C8F7736}"/>
+                </a:ext>
+              </a:extLst>
+            </p:cNvPr>
+            <p:cNvSpPr/>
+            <p:nvPr/>
+          </p:nvSpPr>
+          <p:spPr>
+            <a:xfrm>
+              <a:off x="84898" y="97301"/>
+              <a:ext cx="2846832" cy="2825496"/>
+            </a:xfrm>
+            <a:prstGeom prst="ellipse">
+              <a:avLst/>
+            </a:prstGeom>
+            <a:solidFill>
+              <a:schemeClr val="tx2">
+                <a:lumMod val="25000"/>
+                <a:lumOff val="75000"/>
+                <a:alpha val="52157"/>
+              </a:schemeClr>
+            </a:solidFill>
+            <a:ln w="28575">
+              <a:solidFill>
+                <a:srgbClr val="0B76A0"/>
+              </a:solidFill>
+            </a:ln>
+          </p:spPr>
+          <p:style>
+            <a:lnRef idx="2">
+              <a:schemeClr val="accent1">
+                <a:shade val="15000"/>
+              </a:schemeClr>
+            </a:lnRef>
+            <a:fillRef idx="1">
+              <a:schemeClr val="accent1"/>
+            </a:fillRef>
+            <a:effectRef idx="0">
+              <a:schemeClr val="accent1"/>
+            </a:effectRef>
+            <a:fontRef idx="minor">
+              <a:schemeClr val="lt1"/>
+            </a:fontRef>
+          </p:style>
+          <p:txBody>
+            <a:bodyPr rtlCol="0" anchor="ctr"/>
+            <a:lstStyle/>
+            <a:p>
+              <a:pPr algn="ctr"/>
+              <a:endParaRPr lang="en-US">
+                <a:solidFill>
+                  <a:srgbClr val="E5EEF3"/>
+                </a:solidFill>
+                <a:latin typeface="Arial" panose="020B0604020202020204" pitchFamily="34" charset="0"/>
+                <a:cs typeface="Arial" panose="020B0604020202020204" pitchFamily="34" charset="0"/>
+              </a:endParaRPr>
+            </a:p>
+          </p:txBody>
+        </p:sp>
+        <p:sp>
+          <p:nvSpPr>
+            <p:cNvPr id="3" name="Oval 2">
+              <a:extLst>
+                <a:ext uri="{FF2B5EF4-FFF2-40B4-BE49-F238E27FC236}">
+                  <a16:creationId xmlns:a16="http://schemas.microsoft.com/office/drawing/2014/main" id="{118ACC0F-8B14-B9A7-1ABC-8419D8FFC884}"/>
+                </a:ext>
+              </a:extLst>
+            </p:cNvPr>
+            <p:cNvSpPr/>
+            <p:nvPr/>
+          </p:nvSpPr>
+          <p:spPr>
+            <a:xfrm>
+              <a:off x="2056465" y="97301"/>
+              <a:ext cx="2846832" cy="2825496"/>
+            </a:xfrm>
+            <a:prstGeom prst="ellipse">
+              <a:avLst/>
+            </a:prstGeom>
+            <a:solidFill>
+              <a:srgbClr val="000000">
+                <a:alpha val="10980"/>
+              </a:srgbClr>
+            </a:solidFill>
+            <a:ln w="28575">
+              <a:solidFill>
+                <a:schemeClr val="accent6">
+                  <a:lumMod val="75000"/>
+                </a:schemeClr>
+              </a:solidFill>
+            </a:ln>
+          </p:spPr>
+          <p:style>
+            <a:lnRef idx="2">
+              <a:schemeClr val="accent1">
+                <a:shade val="15000"/>
+              </a:schemeClr>
+            </a:lnRef>
+            <a:fillRef idx="1">
+              <a:schemeClr val="accent1"/>
+            </a:fillRef>
+            <a:effectRef idx="0">
+              <a:schemeClr val="accent1"/>
+            </a:effectRef>
+            <a:fontRef idx="minor">
+              <a:schemeClr val="lt1"/>
+            </a:fontRef>
+          </p:style>
+          <p:txBody>
+            <a:bodyPr rtlCol="0" anchor="ctr"/>
+            <a:lstStyle/>
+            <a:p>
+              <a:pPr algn="ctr"/>
+              <a:endParaRPr lang="en-US">
+                <a:solidFill>
+                  <a:srgbClr val="002B43"/>
+                </a:solidFill>
+                <a:latin typeface="Arial" panose="020B0604020202020204" pitchFamily="34" charset="0"/>
+                <a:cs typeface="Arial" panose="020B0604020202020204" pitchFamily="34" charset="0"/>
+              </a:endParaRPr>
+            </a:p>
+          </p:txBody>
+        </p:sp>
+        <p:sp>
+          <p:nvSpPr>
+            <p:cNvPr id="4" name="Oval 3">
+              <a:extLst>
+                <a:ext uri="{FF2B5EF4-FFF2-40B4-BE49-F238E27FC236}">
+                  <a16:creationId xmlns:a16="http://schemas.microsoft.com/office/drawing/2014/main" id="{FD506601-7B70-4473-D9BE-6A4EB33DFB17}"/>
+                </a:ext>
+              </a:extLst>
+            </p:cNvPr>
+            <p:cNvSpPr/>
+            <p:nvPr/>
+          </p:nvSpPr>
+          <p:spPr>
+            <a:xfrm>
+              <a:off x="1096097" y="1255626"/>
+              <a:ext cx="2846832" cy="2825496"/>
+            </a:xfrm>
+            <a:prstGeom prst="ellipse">
+              <a:avLst/>
+            </a:prstGeom>
+            <a:solidFill>
+              <a:srgbClr val="000000">
+                <a:alpha val="10980"/>
+              </a:srgbClr>
+            </a:solidFill>
+            <a:ln w="28575">
+              <a:solidFill>
+                <a:schemeClr val="accent5">
+                  <a:lumMod val="75000"/>
+                </a:schemeClr>
+              </a:solidFill>
+            </a:ln>
+          </p:spPr>
+          <p:style>
+            <a:lnRef idx="2">
+              <a:schemeClr val="accent1">
+                <a:shade val="15000"/>
+              </a:schemeClr>
+            </a:lnRef>
+            <a:fillRef idx="1">
+              <a:schemeClr val="accent1"/>
+            </a:fillRef>
+            <a:effectRef idx="0">
+              <a:schemeClr val="accent1"/>
+            </a:effectRef>
+            <a:fontRef idx="minor">
+              <a:schemeClr val="lt1"/>
+            </a:fontRef>
+          </p:style>
+          <p:txBody>
+            <a:bodyPr rtlCol="0" anchor="ctr"/>
+            <a:lstStyle/>
+            <a:p>
+              <a:pPr algn="ctr"/>
+              <a:endParaRPr lang="en-US">
+                <a:solidFill>
+                  <a:srgbClr val="002B43"/>
+                </a:solidFill>
+                <a:latin typeface="Arial" panose="020B0604020202020204" pitchFamily="34" charset="0"/>
+                <a:cs typeface="Arial" panose="020B0604020202020204" pitchFamily="34" charset="0"/>
+              </a:endParaRPr>
+            </a:p>
+          </p:txBody>
+        </p:sp>
+        <p:sp>
+          <p:nvSpPr>
+            <p:cNvPr id="5" name="TextBox 4">
+              <a:extLst>
+                <a:ext uri="{FF2B5EF4-FFF2-40B4-BE49-F238E27FC236}">
+                  <a16:creationId xmlns:a16="http://schemas.microsoft.com/office/drawing/2014/main" id="{02B871A1-87DF-B233-1B57-47D0ED3BAD0F}"/>
+                </a:ext>
+              </a:extLst>
+            </p:cNvPr>
+            <p:cNvSpPr txBox="1"/>
+            <p:nvPr/>
+          </p:nvSpPr>
+          <p:spPr>
+            <a:xfrm>
+              <a:off x="2095357" y="1428699"/>
+              <a:ext cx="914758" cy="584775"/>
+            </a:xfrm>
+            <a:prstGeom prst="rect">
+              <a:avLst/>
+            </a:prstGeom>
+            <a:noFill/>
+          </p:spPr>
+          <p:txBody>
+            <a:bodyPr wrap="square" rtlCol="0">
+              <a:spAutoFit/>
+            </a:bodyPr>
+            <a:lstStyle/>
+            <a:p>
+              <a:r>
+                <a:rPr lang="en-US" sz="1600" b="1" dirty="0">
+                  <a:solidFill>
+                    <a:schemeClr val="bg1"/>
+                  </a:solidFill>
+                  <a:latin typeface="Arial" panose="020B0604020202020204" pitchFamily="34" charset="0"/>
+                  <a:cs typeface="Arial" panose="020B0604020202020204" pitchFamily="34" charset="0"/>
+                </a:rPr>
+                <a:t>Health equity</a:t>
+              </a:r>
+            </a:p>
+          </p:txBody>
+        </p:sp>
+        <p:sp>
+          <p:nvSpPr>
+            <p:cNvPr id="6" name="TextBox 5">
+              <a:extLst>
+                <a:ext uri="{FF2B5EF4-FFF2-40B4-BE49-F238E27FC236}">
+                  <a16:creationId xmlns:a16="http://schemas.microsoft.com/office/drawing/2014/main" id="{D7BA2B37-B560-1A7B-F14F-4ED64088C185}"/>
+                </a:ext>
+              </a:extLst>
+            </p:cNvPr>
+            <p:cNvSpPr txBox="1"/>
+            <p:nvPr/>
+          </p:nvSpPr>
+          <p:spPr>
+            <a:xfrm>
+              <a:off x="2850463" y="787088"/>
+              <a:ext cx="1886464" cy="646331"/>
+            </a:xfrm>
+            <a:prstGeom prst="rect">
+              <a:avLst/>
+            </a:prstGeom>
+            <a:noFill/>
+          </p:spPr>
+          <p:txBody>
+            <a:bodyPr wrap="square" rtlCol="0">
+              <a:spAutoFit/>
+            </a:bodyPr>
+            <a:lstStyle/>
+            <a:p>
+              <a:pPr algn="ctr"/>
+              <a:r>
+                <a:rPr lang="en-US" b="1" dirty="0">
+                  <a:solidFill>
+                    <a:srgbClr val="002B43"/>
+                  </a:solidFill>
+                  <a:latin typeface="Arial" panose="020B0604020202020204" pitchFamily="34" charset="0"/>
+                  <a:cs typeface="Arial" panose="020B0604020202020204" pitchFamily="34" charset="0"/>
+                </a:rPr>
+                <a:t>Modifiable risk factors</a:t>
+              </a:r>
+            </a:p>
+          </p:txBody>
+        </p:sp>
+        <p:sp>
+          <p:nvSpPr>
+            <p:cNvPr id="7" name="TextBox 6">
+              <a:extLst>
+                <a:ext uri="{FF2B5EF4-FFF2-40B4-BE49-F238E27FC236}">
+                  <a16:creationId xmlns:a16="http://schemas.microsoft.com/office/drawing/2014/main" id="{2E718EB2-90F4-CCD2-168C-6CBB2F9F1BD4}"/>
+                </a:ext>
+              </a:extLst>
+            </p:cNvPr>
+            <p:cNvSpPr txBox="1"/>
+            <p:nvPr/>
+          </p:nvSpPr>
+          <p:spPr>
+            <a:xfrm>
+              <a:off x="234132" y="787088"/>
+              <a:ext cx="1886464" cy="646331"/>
+            </a:xfrm>
+            <a:prstGeom prst="rect">
+              <a:avLst/>
+            </a:prstGeom>
+            <a:noFill/>
+          </p:spPr>
+          <p:txBody>
+            <a:bodyPr wrap="square" rtlCol="0">
+              <a:spAutoFit/>
+            </a:bodyPr>
+            <a:lstStyle/>
+            <a:p>
+              <a:pPr algn="ctr"/>
+              <a:r>
+                <a:rPr lang="en-US" b="1" dirty="0">
+                  <a:solidFill>
+                    <a:srgbClr val="002B43"/>
+                  </a:solidFill>
+                  <a:latin typeface="Arial" panose="020B0604020202020204" pitchFamily="34" charset="0"/>
+                  <a:cs typeface="Arial" panose="020B0604020202020204" pitchFamily="34" charset="0"/>
+                </a:rPr>
+                <a:t>Epidemiologic methods</a:t>
+              </a:r>
+            </a:p>
+          </p:txBody>
+        </p:sp>
+        <p:sp>
+          <p:nvSpPr>
+            <p:cNvPr id="8" name="TextBox 7">
+              <a:extLst>
+                <a:ext uri="{FF2B5EF4-FFF2-40B4-BE49-F238E27FC236}">
+                  <a16:creationId xmlns:a16="http://schemas.microsoft.com/office/drawing/2014/main" id="{0D40B18F-F0F6-2138-093A-B5877AB32B40}"/>
+                </a:ext>
+              </a:extLst>
+            </p:cNvPr>
+            <p:cNvSpPr txBox="1"/>
+            <p:nvPr/>
+          </p:nvSpPr>
+          <p:spPr>
+            <a:xfrm>
+              <a:off x="1621020" y="2928567"/>
+              <a:ext cx="1863432" cy="646331"/>
+            </a:xfrm>
+            <a:prstGeom prst="rect">
+              <a:avLst/>
+            </a:prstGeom>
+            <a:noFill/>
+          </p:spPr>
+          <p:txBody>
+            <a:bodyPr wrap="square" rtlCol="0">
+              <a:spAutoFit/>
+            </a:bodyPr>
+            <a:lstStyle/>
+            <a:p>
+              <a:pPr algn="ctr"/>
+              <a:r>
+                <a:rPr lang="en-US" b="1" dirty="0">
+                  <a:solidFill>
+                    <a:srgbClr val="002B43"/>
+                  </a:solidFill>
+                  <a:latin typeface="Arial" panose="020B0604020202020204" pitchFamily="34" charset="0"/>
+                  <a:cs typeface="Arial" panose="020B0604020202020204" pitchFamily="34" charset="0"/>
+                </a:rPr>
+                <a:t>Aging-relevant outcomes</a:t>
+              </a:r>
+            </a:p>
+          </p:txBody>
+        </p:sp>
+      </p:grpSp>
+    </p:spTree>
+    <p:extLst>
+      <p:ext uri="{BB962C8B-B14F-4D97-AF65-F5344CB8AC3E}">
+        <p14:creationId xmlns:p14="http://schemas.microsoft.com/office/powerpoint/2010/main" val="1686052562"/>
+      </p:ext>
+    </p:extLst>
+  </p:cSld>
+  <p:clrMapOvr>
+    <a:masterClrMapping/>
+  </p:clrMapOvr>
+</p:sld>
+</file>
+
+<file path=ppt/slides/slide26.xml><?xml version="1.0" encoding="utf-8"?>
+<p:sld xmlns:a="http://schemas.openxmlformats.org/drawingml/2006/main" xmlns:r="http://schemas.openxmlformats.org/officeDocument/2006/relationships" xmlns:p="http://schemas.openxmlformats.org/presentationml/2006/main">
+  <p:cSld>
+    <p:spTree>
+      <p:nvGrpSpPr>
+        <p:cNvPr id="1" name="">
+          <a:extLst>
+            <a:ext uri="{FF2B5EF4-FFF2-40B4-BE49-F238E27FC236}">
+              <a16:creationId xmlns:a16="http://schemas.microsoft.com/office/drawing/2014/main" id="{39A1C8B8-1210-6AC7-28EB-757924522560}"/>
+            </a:ext>
+          </a:extLst>
+        </p:cNvPr>
+        <p:cNvGrpSpPr/>
+        <p:nvPr/>
+      </p:nvGrpSpPr>
+      <p:grpSpPr>
+        <a:xfrm>
+          <a:off x="0" y="0"/>
+          <a:ext cx="0" cy="0"/>
+          <a:chOff x="0" y="0"/>
+          <a:chExt cx="0" cy="0"/>
+        </a:xfrm>
+      </p:grpSpPr>
+      <p:grpSp>
+        <p:nvGrpSpPr>
+          <p:cNvPr id="9" name="Group 8">
+            <a:extLst>
+              <a:ext uri="{FF2B5EF4-FFF2-40B4-BE49-F238E27FC236}">
+                <a16:creationId xmlns:a16="http://schemas.microsoft.com/office/drawing/2014/main" id="{112EFB01-5C1E-E283-A94B-F6877918C0D7}"/>
+              </a:ext>
+            </a:extLst>
+          </p:cNvPr>
+          <p:cNvGrpSpPr/>
+          <p:nvPr/>
+        </p:nvGrpSpPr>
+        <p:grpSpPr>
+          <a:xfrm>
+            <a:off x="84898" y="97301"/>
+            <a:ext cx="4818399" cy="3983821"/>
+            <a:chOff x="84898" y="97301"/>
+            <a:chExt cx="4818399" cy="3983821"/>
+          </a:xfrm>
+        </p:grpSpPr>
+        <p:sp>
+          <p:nvSpPr>
+            <p:cNvPr id="2" name="Oval 1">
+              <a:extLst>
+                <a:ext uri="{FF2B5EF4-FFF2-40B4-BE49-F238E27FC236}">
+                  <a16:creationId xmlns:a16="http://schemas.microsoft.com/office/drawing/2014/main" id="{FD543369-DB80-4EB4-A18F-36E1B036388C}"/>
+                </a:ext>
+              </a:extLst>
+            </p:cNvPr>
+            <p:cNvSpPr/>
+            <p:nvPr/>
+          </p:nvSpPr>
+          <p:spPr>
+            <a:xfrm>
+              <a:off x="84898" y="97301"/>
+              <a:ext cx="2846832" cy="2825496"/>
+            </a:xfrm>
+            <a:prstGeom prst="ellipse">
+              <a:avLst/>
+            </a:prstGeom>
+            <a:solidFill>
+              <a:srgbClr val="000000">
+                <a:alpha val="9804"/>
+              </a:srgbClr>
+            </a:solidFill>
+            <a:ln w="28575">
+              <a:solidFill>
+                <a:srgbClr val="0B76A0"/>
+              </a:solidFill>
+            </a:ln>
+          </p:spPr>
+          <p:style>
+            <a:lnRef idx="2">
+              <a:schemeClr val="accent1">
+                <a:shade val="15000"/>
+              </a:schemeClr>
+            </a:lnRef>
+            <a:fillRef idx="1">
+              <a:schemeClr val="accent1"/>
+            </a:fillRef>
+            <a:effectRef idx="0">
+              <a:schemeClr val="accent1"/>
+            </a:effectRef>
+            <a:fontRef idx="minor">
+              <a:schemeClr val="lt1"/>
+            </a:fontRef>
+          </p:style>
+          <p:txBody>
+            <a:bodyPr rtlCol="0" anchor="ctr"/>
+            <a:lstStyle/>
+            <a:p>
+              <a:pPr algn="ctr"/>
+              <a:endParaRPr lang="en-US">
+                <a:solidFill>
+                  <a:srgbClr val="E5EEF3"/>
+                </a:solidFill>
+                <a:latin typeface="Arial" panose="020B0604020202020204" pitchFamily="34" charset="0"/>
+                <a:cs typeface="Arial" panose="020B0604020202020204" pitchFamily="34" charset="0"/>
+              </a:endParaRPr>
+            </a:p>
+          </p:txBody>
+        </p:sp>
+        <p:sp>
+          <p:nvSpPr>
+            <p:cNvPr id="3" name="Oval 2">
+              <a:extLst>
+                <a:ext uri="{FF2B5EF4-FFF2-40B4-BE49-F238E27FC236}">
+                  <a16:creationId xmlns:a16="http://schemas.microsoft.com/office/drawing/2014/main" id="{A96C7885-782F-2B80-CBB6-4358CAE732B9}"/>
+                </a:ext>
+              </a:extLst>
+            </p:cNvPr>
+            <p:cNvSpPr/>
+            <p:nvPr/>
+          </p:nvSpPr>
+          <p:spPr>
+            <a:xfrm>
+              <a:off x="2056465" y="97301"/>
+              <a:ext cx="2846832" cy="2825496"/>
+            </a:xfrm>
+            <a:prstGeom prst="ellipse">
+              <a:avLst/>
+            </a:prstGeom>
+            <a:solidFill>
+              <a:schemeClr val="accent3">
+                <a:lumMod val="40000"/>
+                <a:lumOff val="60000"/>
+                <a:alpha val="52157"/>
+              </a:schemeClr>
+            </a:solidFill>
+            <a:ln w="28575">
+              <a:solidFill>
+                <a:schemeClr val="accent6">
+                  <a:lumMod val="75000"/>
+                </a:schemeClr>
+              </a:solidFill>
+            </a:ln>
+          </p:spPr>
+          <p:style>
+            <a:lnRef idx="2">
+              <a:schemeClr val="accent1">
+                <a:shade val="15000"/>
+              </a:schemeClr>
+            </a:lnRef>
+            <a:fillRef idx="1">
+              <a:schemeClr val="accent1"/>
+            </a:fillRef>
+            <a:effectRef idx="0">
+              <a:schemeClr val="accent1"/>
+            </a:effectRef>
+            <a:fontRef idx="minor">
+              <a:schemeClr val="lt1"/>
+            </a:fontRef>
+          </p:style>
+          <p:txBody>
+            <a:bodyPr rtlCol="0" anchor="ctr"/>
+            <a:lstStyle/>
+            <a:p>
+              <a:pPr algn="ctr"/>
+              <a:endParaRPr lang="en-US">
+                <a:solidFill>
+                  <a:srgbClr val="002B43"/>
+                </a:solidFill>
+                <a:latin typeface="Arial" panose="020B0604020202020204" pitchFamily="34" charset="0"/>
+                <a:cs typeface="Arial" panose="020B0604020202020204" pitchFamily="34" charset="0"/>
+              </a:endParaRPr>
+            </a:p>
+          </p:txBody>
+        </p:sp>
+        <p:sp>
+          <p:nvSpPr>
+            <p:cNvPr id="4" name="Oval 3">
+              <a:extLst>
+                <a:ext uri="{FF2B5EF4-FFF2-40B4-BE49-F238E27FC236}">
+                  <a16:creationId xmlns:a16="http://schemas.microsoft.com/office/drawing/2014/main" id="{E7C1AAD8-EDB1-0CF5-BCCF-FE6CCC9E5ABD}"/>
+                </a:ext>
+              </a:extLst>
+            </p:cNvPr>
+            <p:cNvSpPr/>
+            <p:nvPr/>
+          </p:nvSpPr>
+          <p:spPr>
+            <a:xfrm>
+              <a:off x="1096097" y="1255626"/>
+              <a:ext cx="2846832" cy="2825496"/>
+            </a:xfrm>
+            <a:prstGeom prst="ellipse">
+              <a:avLst/>
+            </a:prstGeom>
+            <a:solidFill>
+              <a:srgbClr val="000000">
+                <a:alpha val="9804"/>
+              </a:srgbClr>
+            </a:solidFill>
+            <a:ln w="28575">
+              <a:solidFill>
+                <a:schemeClr val="accent5">
+                  <a:lumMod val="75000"/>
+                </a:schemeClr>
+              </a:solidFill>
+            </a:ln>
+          </p:spPr>
+          <p:style>
+            <a:lnRef idx="2">
+              <a:schemeClr val="accent1">
+                <a:shade val="15000"/>
+              </a:schemeClr>
+            </a:lnRef>
+            <a:fillRef idx="1">
+              <a:schemeClr val="accent1"/>
+            </a:fillRef>
+            <a:effectRef idx="0">
+              <a:schemeClr val="accent1"/>
+            </a:effectRef>
+            <a:fontRef idx="minor">
+              <a:schemeClr val="lt1"/>
+            </a:fontRef>
+          </p:style>
+          <p:txBody>
+            <a:bodyPr rtlCol="0" anchor="ctr"/>
+            <a:lstStyle/>
+            <a:p>
+              <a:pPr algn="ctr"/>
+              <a:endParaRPr lang="en-US">
+                <a:solidFill>
+                  <a:srgbClr val="002B43"/>
+                </a:solidFill>
+                <a:latin typeface="Arial" panose="020B0604020202020204" pitchFamily="34" charset="0"/>
+                <a:cs typeface="Arial" panose="020B0604020202020204" pitchFamily="34" charset="0"/>
+              </a:endParaRPr>
+            </a:p>
+          </p:txBody>
+        </p:sp>
+        <p:sp>
+          <p:nvSpPr>
+            <p:cNvPr id="5" name="TextBox 4">
+              <a:extLst>
+                <a:ext uri="{FF2B5EF4-FFF2-40B4-BE49-F238E27FC236}">
+                  <a16:creationId xmlns:a16="http://schemas.microsoft.com/office/drawing/2014/main" id="{581F4DF1-1857-9E75-2871-035CA1D0351F}"/>
+                </a:ext>
+              </a:extLst>
+            </p:cNvPr>
+            <p:cNvSpPr txBox="1"/>
+            <p:nvPr/>
+          </p:nvSpPr>
+          <p:spPr>
+            <a:xfrm>
+              <a:off x="2095357" y="1428699"/>
+              <a:ext cx="914758" cy="584775"/>
+            </a:xfrm>
+            <a:prstGeom prst="rect">
+              <a:avLst/>
+            </a:prstGeom>
+            <a:noFill/>
+          </p:spPr>
+          <p:txBody>
+            <a:bodyPr wrap="square" rtlCol="0">
+              <a:spAutoFit/>
+            </a:bodyPr>
+            <a:lstStyle/>
+            <a:p>
+              <a:r>
+                <a:rPr lang="en-US" sz="1600" b="1" dirty="0">
+                  <a:solidFill>
+                    <a:schemeClr val="bg1"/>
+                  </a:solidFill>
+                  <a:latin typeface="Arial" panose="020B0604020202020204" pitchFamily="34" charset="0"/>
+                  <a:cs typeface="Arial" panose="020B0604020202020204" pitchFamily="34" charset="0"/>
+                </a:rPr>
+                <a:t>Health equity</a:t>
+              </a:r>
+            </a:p>
+          </p:txBody>
+        </p:sp>
+        <p:sp>
+          <p:nvSpPr>
+            <p:cNvPr id="6" name="TextBox 5">
+              <a:extLst>
+                <a:ext uri="{FF2B5EF4-FFF2-40B4-BE49-F238E27FC236}">
+                  <a16:creationId xmlns:a16="http://schemas.microsoft.com/office/drawing/2014/main" id="{C5DE4428-2818-1821-0C3B-185092483A8E}"/>
+                </a:ext>
+              </a:extLst>
+            </p:cNvPr>
+            <p:cNvSpPr txBox="1"/>
+            <p:nvPr/>
+          </p:nvSpPr>
+          <p:spPr>
+            <a:xfrm>
+              <a:off x="2850463" y="787088"/>
+              <a:ext cx="1886464" cy="646331"/>
+            </a:xfrm>
+            <a:prstGeom prst="rect">
+              <a:avLst/>
+            </a:prstGeom>
+            <a:noFill/>
+          </p:spPr>
+          <p:txBody>
+            <a:bodyPr wrap="square" rtlCol="0">
+              <a:spAutoFit/>
+            </a:bodyPr>
+            <a:lstStyle/>
+            <a:p>
+              <a:pPr algn="ctr"/>
+              <a:r>
+                <a:rPr lang="en-US" b="1" dirty="0">
+                  <a:solidFill>
+                    <a:srgbClr val="002B43"/>
+                  </a:solidFill>
+                  <a:latin typeface="Arial" panose="020B0604020202020204" pitchFamily="34" charset="0"/>
+                  <a:cs typeface="Arial" panose="020B0604020202020204" pitchFamily="34" charset="0"/>
+                </a:rPr>
+                <a:t>Modifiable risk factors</a:t>
+              </a:r>
+            </a:p>
+          </p:txBody>
+        </p:sp>
+        <p:sp>
+          <p:nvSpPr>
+            <p:cNvPr id="7" name="TextBox 6">
+              <a:extLst>
+                <a:ext uri="{FF2B5EF4-FFF2-40B4-BE49-F238E27FC236}">
+                  <a16:creationId xmlns:a16="http://schemas.microsoft.com/office/drawing/2014/main" id="{50A86835-CCB7-D4A7-92E3-959F12A74B01}"/>
+                </a:ext>
+              </a:extLst>
+            </p:cNvPr>
+            <p:cNvSpPr txBox="1"/>
+            <p:nvPr/>
+          </p:nvSpPr>
+          <p:spPr>
+            <a:xfrm>
+              <a:off x="234132" y="787088"/>
+              <a:ext cx="1886464" cy="646331"/>
+            </a:xfrm>
+            <a:prstGeom prst="rect">
+              <a:avLst/>
+            </a:prstGeom>
+            <a:noFill/>
+          </p:spPr>
+          <p:txBody>
+            <a:bodyPr wrap="square" rtlCol="0">
+              <a:spAutoFit/>
+            </a:bodyPr>
+            <a:lstStyle/>
+            <a:p>
+              <a:pPr algn="ctr"/>
+              <a:r>
+                <a:rPr lang="en-US" b="1" dirty="0">
+                  <a:solidFill>
+                    <a:srgbClr val="002B43"/>
+                  </a:solidFill>
+                  <a:latin typeface="Arial" panose="020B0604020202020204" pitchFamily="34" charset="0"/>
+                  <a:cs typeface="Arial" panose="020B0604020202020204" pitchFamily="34" charset="0"/>
+                </a:rPr>
+                <a:t>Epidemiologic methods</a:t>
+              </a:r>
+            </a:p>
+          </p:txBody>
+        </p:sp>
+        <p:sp>
+          <p:nvSpPr>
+            <p:cNvPr id="8" name="TextBox 7">
+              <a:extLst>
+                <a:ext uri="{FF2B5EF4-FFF2-40B4-BE49-F238E27FC236}">
+                  <a16:creationId xmlns:a16="http://schemas.microsoft.com/office/drawing/2014/main" id="{F4DD2999-D04D-5B21-F3B8-E94BF98B98C2}"/>
+                </a:ext>
+              </a:extLst>
+            </p:cNvPr>
+            <p:cNvSpPr txBox="1"/>
+            <p:nvPr/>
+          </p:nvSpPr>
+          <p:spPr>
+            <a:xfrm>
+              <a:off x="1621020" y="2928567"/>
+              <a:ext cx="1863432" cy="646331"/>
+            </a:xfrm>
+            <a:prstGeom prst="rect">
+              <a:avLst/>
+            </a:prstGeom>
+            <a:noFill/>
+          </p:spPr>
+          <p:txBody>
+            <a:bodyPr wrap="square" rtlCol="0">
+              <a:spAutoFit/>
+            </a:bodyPr>
+            <a:lstStyle/>
+            <a:p>
+              <a:pPr algn="ctr"/>
+              <a:r>
+                <a:rPr lang="en-US" b="1" dirty="0">
+                  <a:solidFill>
+                    <a:srgbClr val="002B43"/>
+                  </a:solidFill>
+                  <a:latin typeface="Arial" panose="020B0604020202020204" pitchFamily="34" charset="0"/>
+                  <a:cs typeface="Arial" panose="020B0604020202020204" pitchFamily="34" charset="0"/>
+                </a:rPr>
+                <a:t>Aging-relevant outcomes</a:t>
+              </a:r>
+            </a:p>
+          </p:txBody>
+        </p:sp>
+      </p:grpSp>
+    </p:spTree>
+    <p:extLst>
+      <p:ext uri="{BB962C8B-B14F-4D97-AF65-F5344CB8AC3E}">
+        <p14:creationId xmlns:p14="http://schemas.microsoft.com/office/powerpoint/2010/main" val="3289959201"/>
+      </p:ext>
+    </p:extLst>
+  </p:cSld>
+  <p:clrMapOvr>
+    <a:masterClrMapping/>
+  </p:clrMapOvr>
+</p:sld>
+</file>
+
+<file path=ppt/slides/slide27.xml><?xml version="1.0" encoding="utf-8"?>
+<p:sld xmlns:a="http://schemas.openxmlformats.org/drawingml/2006/main" xmlns:r="http://schemas.openxmlformats.org/officeDocument/2006/relationships" xmlns:p="http://schemas.openxmlformats.org/presentationml/2006/main">
+  <p:cSld>
+    <p:spTree>
+      <p:nvGrpSpPr>
+        <p:cNvPr id="1" name="">
+          <a:extLst>
+            <a:ext uri="{FF2B5EF4-FFF2-40B4-BE49-F238E27FC236}">
+              <a16:creationId xmlns:a16="http://schemas.microsoft.com/office/drawing/2014/main" id="{CD66D0DA-3E4E-0AAE-72B2-6CDBBF5C9BCB}"/>
+            </a:ext>
+          </a:extLst>
+        </p:cNvPr>
+        <p:cNvGrpSpPr/>
+        <p:nvPr/>
+      </p:nvGrpSpPr>
+      <p:grpSpPr>
+        <a:xfrm>
+          <a:off x="0" y="0"/>
+          <a:ext cx="0" cy="0"/>
+          <a:chOff x="0" y="0"/>
+          <a:chExt cx="0" cy="0"/>
+        </a:xfrm>
+      </p:grpSpPr>
+      <p:grpSp>
+        <p:nvGrpSpPr>
+          <p:cNvPr id="9" name="Group 8">
+            <a:extLst>
+              <a:ext uri="{FF2B5EF4-FFF2-40B4-BE49-F238E27FC236}">
+                <a16:creationId xmlns:a16="http://schemas.microsoft.com/office/drawing/2014/main" id="{DF9B8C0E-3882-4822-D9C4-9F1BC4515A0B}"/>
+              </a:ext>
+            </a:extLst>
+          </p:cNvPr>
+          <p:cNvGrpSpPr/>
+          <p:nvPr/>
+        </p:nvGrpSpPr>
+        <p:grpSpPr>
+          <a:xfrm>
+            <a:off x="84898" y="97301"/>
+            <a:ext cx="4818399" cy="3983821"/>
+            <a:chOff x="84898" y="97301"/>
+            <a:chExt cx="4818399" cy="3983821"/>
+          </a:xfrm>
+        </p:grpSpPr>
+        <p:sp>
+          <p:nvSpPr>
+            <p:cNvPr id="2" name="Oval 1">
+              <a:extLst>
+                <a:ext uri="{FF2B5EF4-FFF2-40B4-BE49-F238E27FC236}">
+                  <a16:creationId xmlns:a16="http://schemas.microsoft.com/office/drawing/2014/main" id="{D0BF2877-3E96-CAF3-1AF2-FEA350AA1835}"/>
+                </a:ext>
+              </a:extLst>
+            </p:cNvPr>
+            <p:cNvSpPr/>
+            <p:nvPr/>
+          </p:nvSpPr>
+          <p:spPr>
+            <a:xfrm>
+              <a:off x="84898" y="97301"/>
+              <a:ext cx="2846832" cy="2825496"/>
+            </a:xfrm>
+            <a:prstGeom prst="ellipse">
+              <a:avLst/>
+            </a:prstGeom>
+            <a:solidFill>
+              <a:srgbClr val="000000">
+                <a:alpha val="9804"/>
+              </a:srgbClr>
+            </a:solidFill>
+            <a:ln w="28575">
+              <a:solidFill>
+                <a:srgbClr val="0B76A0"/>
+              </a:solidFill>
+            </a:ln>
+          </p:spPr>
+          <p:style>
+            <a:lnRef idx="2">
+              <a:schemeClr val="accent1">
+                <a:shade val="15000"/>
+              </a:schemeClr>
+            </a:lnRef>
+            <a:fillRef idx="1">
+              <a:schemeClr val="accent1"/>
+            </a:fillRef>
+            <a:effectRef idx="0">
+              <a:schemeClr val="accent1"/>
+            </a:effectRef>
+            <a:fontRef idx="minor">
+              <a:schemeClr val="lt1"/>
+            </a:fontRef>
+          </p:style>
+          <p:txBody>
+            <a:bodyPr rtlCol="0" anchor="ctr"/>
+            <a:lstStyle/>
+            <a:p>
+              <a:pPr algn="ctr"/>
+              <a:endParaRPr lang="en-US">
+                <a:solidFill>
+                  <a:srgbClr val="E5EEF3"/>
+                </a:solidFill>
+                <a:latin typeface="Arial" panose="020B0604020202020204" pitchFamily="34" charset="0"/>
+                <a:cs typeface="Arial" panose="020B0604020202020204" pitchFamily="34" charset="0"/>
+              </a:endParaRPr>
+            </a:p>
+          </p:txBody>
+        </p:sp>
+        <p:sp>
+          <p:nvSpPr>
+            <p:cNvPr id="3" name="Oval 2">
+              <a:extLst>
+                <a:ext uri="{FF2B5EF4-FFF2-40B4-BE49-F238E27FC236}">
+                  <a16:creationId xmlns:a16="http://schemas.microsoft.com/office/drawing/2014/main" id="{4AD16EE9-0A76-2396-F2EE-907E8888BE02}"/>
+                </a:ext>
+              </a:extLst>
+            </p:cNvPr>
+            <p:cNvSpPr/>
+            <p:nvPr/>
+          </p:nvSpPr>
+          <p:spPr>
+            <a:xfrm>
+              <a:off x="2056465" y="97301"/>
+              <a:ext cx="2846832" cy="2825496"/>
+            </a:xfrm>
+            <a:prstGeom prst="ellipse">
+              <a:avLst/>
+            </a:prstGeom>
+            <a:solidFill>
+              <a:srgbClr val="000000">
+                <a:alpha val="9804"/>
+              </a:srgbClr>
+            </a:solidFill>
+            <a:ln w="28575">
+              <a:solidFill>
+                <a:schemeClr val="accent6">
+                  <a:lumMod val="75000"/>
+                </a:schemeClr>
+              </a:solidFill>
+            </a:ln>
+          </p:spPr>
+          <p:style>
+            <a:lnRef idx="2">
+              <a:schemeClr val="accent1">
+                <a:shade val="15000"/>
+              </a:schemeClr>
+            </a:lnRef>
+            <a:fillRef idx="1">
+              <a:schemeClr val="accent1"/>
+            </a:fillRef>
+            <a:effectRef idx="0">
+              <a:schemeClr val="accent1"/>
+            </a:effectRef>
+            <a:fontRef idx="minor">
+              <a:schemeClr val="lt1"/>
+            </a:fontRef>
+          </p:style>
+          <p:txBody>
+            <a:bodyPr rtlCol="0" anchor="ctr"/>
+            <a:lstStyle/>
+            <a:p>
+              <a:pPr algn="ctr"/>
+              <a:endParaRPr lang="en-US">
+                <a:solidFill>
+                  <a:srgbClr val="002B43"/>
+                </a:solidFill>
+                <a:latin typeface="Arial" panose="020B0604020202020204" pitchFamily="34" charset="0"/>
+                <a:cs typeface="Arial" panose="020B0604020202020204" pitchFamily="34" charset="0"/>
+              </a:endParaRPr>
+            </a:p>
+          </p:txBody>
+        </p:sp>
+        <p:sp>
+          <p:nvSpPr>
+            <p:cNvPr id="4" name="Oval 3">
+              <a:extLst>
+                <a:ext uri="{FF2B5EF4-FFF2-40B4-BE49-F238E27FC236}">
+                  <a16:creationId xmlns:a16="http://schemas.microsoft.com/office/drawing/2014/main" id="{C0B7709C-D0FC-CA09-432C-4E407B85D572}"/>
+                </a:ext>
+              </a:extLst>
+            </p:cNvPr>
+            <p:cNvSpPr/>
+            <p:nvPr/>
+          </p:nvSpPr>
+          <p:spPr>
+            <a:xfrm>
+              <a:off x="1096097" y="1255626"/>
+              <a:ext cx="2846832" cy="2825496"/>
+            </a:xfrm>
+            <a:prstGeom prst="ellipse">
+              <a:avLst/>
+            </a:prstGeom>
+            <a:solidFill>
+              <a:srgbClr val="D86ECC">
+                <a:alpha val="29020"/>
+              </a:srgbClr>
+            </a:solidFill>
+            <a:ln w="28575">
+              <a:solidFill>
+                <a:schemeClr val="accent5">
+                  <a:lumMod val="75000"/>
+                </a:schemeClr>
+              </a:solidFill>
+            </a:ln>
+          </p:spPr>
+          <p:style>
+            <a:lnRef idx="2">
+              <a:schemeClr val="accent1">
+                <a:shade val="15000"/>
+              </a:schemeClr>
+            </a:lnRef>
+            <a:fillRef idx="1">
+              <a:schemeClr val="accent1"/>
+            </a:fillRef>
+            <a:effectRef idx="0">
+              <a:schemeClr val="accent1"/>
+            </a:effectRef>
+            <a:fontRef idx="minor">
+              <a:schemeClr val="lt1"/>
+            </a:fontRef>
+          </p:style>
+          <p:txBody>
+            <a:bodyPr rtlCol="0" anchor="ctr"/>
+            <a:lstStyle/>
+            <a:p>
+              <a:pPr algn="ctr"/>
+              <a:endParaRPr lang="en-US">
+                <a:solidFill>
+                  <a:srgbClr val="002B43"/>
+                </a:solidFill>
+                <a:latin typeface="Arial" panose="020B0604020202020204" pitchFamily="34" charset="0"/>
+                <a:cs typeface="Arial" panose="020B0604020202020204" pitchFamily="34" charset="0"/>
+              </a:endParaRPr>
+            </a:p>
+          </p:txBody>
+        </p:sp>
+        <p:sp>
+          <p:nvSpPr>
+            <p:cNvPr id="5" name="TextBox 4">
+              <a:extLst>
+                <a:ext uri="{FF2B5EF4-FFF2-40B4-BE49-F238E27FC236}">
+                  <a16:creationId xmlns:a16="http://schemas.microsoft.com/office/drawing/2014/main" id="{283BDDB7-6842-9A3D-F3D7-18847A9DBEFA}"/>
+                </a:ext>
+              </a:extLst>
+            </p:cNvPr>
+            <p:cNvSpPr txBox="1"/>
+            <p:nvPr/>
+          </p:nvSpPr>
+          <p:spPr>
+            <a:xfrm>
+              <a:off x="2095357" y="1428699"/>
+              <a:ext cx="914758" cy="584775"/>
+            </a:xfrm>
+            <a:prstGeom prst="rect">
+              <a:avLst/>
+            </a:prstGeom>
+            <a:noFill/>
+          </p:spPr>
+          <p:txBody>
+            <a:bodyPr wrap="square" rtlCol="0">
+              <a:spAutoFit/>
+            </a:bodyPr>
+            <a:lstStyle/>
+            <a:p>
+              <a:r>
+                <a:rPr lang="en-US" sz="1600" b="1" dirty="0">
+                  <a:solidFill>
+                    <a:schemeClr val="bg1"/>
+                  </a:solidFill>
+                  <a:latin typeface="Arial" panose="020B0604020202020204" pitchFamily="34" charset="0"/>
+                  <a:cs typeface="Arial" panose="020B0604020202020204" pitchFamily="34" charset="0"/>
+                </a:rPr>
+                <a:t>Health equity</a:t>
+              </a:r>
+            </a:p>
+          </p:txBody>
+        </p:sp>
+        <p:sp>
+          <p:nvSpPr>
+            <p:cNvPr id="6" name="TextBox 5">
+              <a:extLst>
+                <a:ext uri="{FF2B5EF4-FFF2-40B4-BE49-F238E27FC236}">
+                  <a16:creationId xmlns:a16="http://schemas.microsoft.com/office/drawing/2014/main" id="{0E290E5F-8FC2-C37A-810A-93D76A25B399}"/>
+                </a:ext>
+              </a:extLst>
+            </p:cNvPr>
+            <p:cNvSpPr txBox="1"/>
+            <p:nvPr/>
+          </p:nvSpPr>
+          <p:spPr>
+            <a:xfrm>
+              <a:off x="2850463" y="787088"/>
+              <a:ext cx="1886464" cy="646331"/>
+            </a:xfrm>
+            <a:prstGeom prst="rect">
+              <a:avLst/>
+            </a:prstGeom>
+            <a:noFill/>
+          </p:spPr>
+          <p:txBody>
+            <a:bodyPr wrap="square" rtlCol="0">
+              <a:spAutoFit/>
+            </a:bodyPr>
+            <a:lstStyle/>
+            <a:p>
+              <a:pPr algn="ctr"/>
+              <a:r>
+                <a:rPr lang="en-US" b="1" dirty="0">
+                  <a:solidFill>
+                    <a:srgbClr val="002B43"/>
+                  </a:solidFill>
+                  <a:latin typeface="Arial" panose="020B0604020202020204" pitchFamily="34" charset="0"/>
+                  <a:cs typeface="Arial" panose="020B0604020202020204" pitchFamily="34" charset="0"/>
+                </a:rPr>
+                <a:t>Modifiable risk factors</a:t>
+              </a:r>
+            </a:p>
+          </p:txBody>
+        </p:sp>
+        <p:sp>
+          <p:nvSpPr>
+            <p:cNvPr id="7" name="TextBox 6">
+              <a:extLst>
+                <a:ext uri="{FF2B5EF4-FFF2-40B4-BE49-F238E27FC236}">
+                  <a16:creationId xmlns:a16="http://schemas.microsoft.com/office/drawing/2014/main" id="{0610B3AD-04F9-EE1E-BB18-15CFB9CE389A}"/>
+                </a:ext>
+              </a:extLst>
+            </p:cNvPr>
+            <p:cNvSpPr txBox="1"/>
+            <p:nvPr/>
+          </p:nvSpPr>
+          <p:spPr>
+            <a:xfrm>
+              <a:off x="234132" y="787088"/>
+              <a:ext cx="1886464" cy="646331"/>
+            </a:xfrm>
+            <a:prstGeom prst="rect">
+              <a:avLst/>
+            </a:prstGeom>
+            <a:noFill/>
+          </p:spPr>
+          <p:txBody>
+            <a:bodyPr wrap="square" rtlCol="0">
+              <a:spAutoFit/>
+            </a:bodyPr>
+            <a:lstStyle/>
+            <a:p>
+              <a:pPr algn="ctr"/>
+              <a:r>
+                <a:rPr lang="en-US" b="1" dirty="0">
+                  <a:solidFill>
+                    <a:srgbClr val="002B43"/>
+                  </a:solidFill>
+                  <a:latin typeface="Arial" panose="020B0604020202020204" pitchFamily="34" charset="0"/>
+                  <a:cs typeface="Arial" panose="020B0604020202020204" pitchFamily="34" charset="0"/>
+                </a:rPr>
+                <a:t>Epidemiologic methods</a:t>
+              </a:r>
+            </a:p>
+          </p:txBody>
+        </p:sp>
+        <p:sp>
+          <p:nvSpPr>
+            <p:cNvPr id="8" name="TextBox 7">
+              <a:extLst>
+                <a:ext uri="{FF2B5EF4-FFF2-40B4-BE49-F238E27FC236}">
+                  <a16:creationId xmlns:a16="http://schemas.microsoft.com/office/drawing/2014/main" id="{2B37CB90-EC49-80A4-91AD-89D639780527}"/>
+                </a:ext>
+              </a:extLst>
+            </p:cNvPr>
+            <p:cNvSpPr txBox="1"/>
+            <p:nvPr/>
+          </p:nvSpPr>
+          <p:spPr>
+            <a:xfrm>
+              <a:off x="1621020" y="2928567"/>
+              <a:ext cx="1863432" cy="646331"/>
+            </a:xfrm>
+            <a:prstGeom prst="rect">
+              <a:avLst/>
+            </a:prstGeom>
+            <a:noFill/>
+          </p:spPr>
+          <p:txBody>
+            <a:bodyPr wrap="square" rtlCol="0">
+              <a:spAutoFit/>
+            </a:bodyPr>
+            <a:lstStyle/>
+            <a:p>
+              <a:pPr algn="ctr"/>
+              <a:r>
+                <a:rPr lang="en-US" b="1" dirty="0">
+                  <a:solidFill>
+                    <a:srgbClr val="002B43"/>
+                  </a:solidFill>
+                  <a:latin typeface="Arial" panose="020B0604020202020204" pitchFamily="34" charset="0"/>
+                  <a:cs typeface="Arial" panose="020B0604020202020204" pitchFamily="34" charset="0"/>
+                </a:rPr>
+                <a:t>Aging-relevant outcomes</a:t>
+              </a:r>
+            </a:p>
+          </p:txBody>
+        </p:sp>
+      </p:grpSp>
+    </p:spTree>
+    <p:extLst>
+      <p:ext uri="{BB962C8B-B14F-4D97-AF65-F5344CB8AC3E}">
+        <p14:creationId xmlns:p14="http://schemas.microsoft.com/office/powerpoint/2010/main" val="2440192940"/>
       </p:ext>
     </p:extLst>
   </p:cSld>
@@ -6788,7 +10790,7 @@
         </p:blipFill>
         <p:spPr>
           <a:xfrm>
-            <a:off x="6079604" y="4983318"/>
+            <a:off x="6079604" y="4983320"/>
             <a:ext cx="5645440" cy="1099469"/>
           </a:xfrm>
           <a:prstGeom prst="rect">
@@ -6942,7 +10944,7 @@
         </p:blipFill>
         <p:spPr>
           <a:xfrm>
-            <a:off x="5619749" y="2856866"/>
+            <a:off x="5619751" y="2856868"/>
             <a:ext cx="5396389" cy="1731059"/>
           </a:xfrm>
           <a:prstGeom prst="rect">
@@ -7042,7 +11044,7 @@
         </p:blipFill>
         <p:spPr>
           <a:xfrm>
-            <a:off x="1851664" y="2254469"/>
+            <a:off x="1851665" y="2254469"/>
             <a:ext cx="8488671" cy="4405312"/>
           </a:xfrm>
           <a:prstGeom prst="rect">
@@ -7156,9 +11158,9 @@
         <p:grpSpPr>
           <a:xfrm>
             <a:off x="1230022" y="295583"/>
-            <a:ext cx="3656303" cy="1872645"/>
+            <a:ext cx="3656303" cy="1614369"/>
             <a:chOff x="1230022" y="295583"/>
-            <a:chExt cx="3656303" cy="1872645"/>
+            <a:chExt cx="3656303" cy="2045091"/>
           </a:xfrm>
         </p:grpSpPr>
         <p:pic>
@@ -7204,8 +11206,8 @@
           </p:nvSpPr>
           <p:spPr>
             <a:xfrm>
-              <a:off x="1230022" y="1521897"/>
-              <a:ext cx="3656303" cy="646331"/>
+              <a:off x="1230022" y="1521898"/>
+              <a:ext cx="3656303" cy="818776"/>
             </a:xfrm>
             <a:prstGeom prst="rect">
               <a:avLst/>
@@ -7219,11 +11221,10 @@
             <a:lstStyle/>
             <a:p>
               <a:r>
-                <a:rPr lang="en-US" b="0" i="0" dirty="0">
+                <a:rPr lang="en-US" dirty="0">
                   <a:solidFill>
                     <a:srgbClr val="1F1F1F"/>
                   </a:solidFill>
-                  <a:effectLst/>
                   <a:latin typeface="Google Sans"/>
                 </a:rPr>
                 <a:t>Methods in Epidemiologic, Clinical, and Operations Research</a:t>
@@ -7285,7 +11286,7 @@
         </p:nvSpPr>
         <p:spPr>
           <a:xfrm>
-            <a:off x="5638800" y="2971800"/>
+            <a:off x="5638802" y="2971802"/>
             <a:ext cx="65" cy="276999"/>
           </a:xfrm>
           <a:prstGeom prst="rect">
@@ -7462,7 +11463,7 @@
         </p:nvSpPr>
         <p:spPr>
           <a:xfrm>
-            <a:off x="5638800" y="2971800"/>
+            <a:off x="5638802" y="2971802"/>
             <a:ext cx="65" cy="276999"/>
           </a:xfrm>
           <a:prstGeom prst="rect">
@@ -7799,7 +11800,7 @@
         </p:nvSpPr>
         <p:spPr>
           <a:xfrm>
-            <a:off x="5638800" y="2971800"/>
+            <a:off x="5638802" y="2971802"/>
             <a:ext cx="65" cy="276999"/>
           </a:xfrm>
           <a:prstGeom prst="rect">
@@ -8216,7 +12217,7 @@
         </p:nvSpPr>
         <p:spPr>
           <a:xfrm>
-            <a:off x="5638800" y="2971800"/>
+            <a:off x="5638802" y="2971802"/>
             <a:ext cx="65" cy="276999"/>
           </a:xfrm>
           <a:prstGeom prst="rect">
